--- a/パワーポイント.pptx
+++ b/パワーポイント.pptx
@@ -115,7 +115,4902 @@
       </a:defRPr>
     </a:lvl9pPr>
   </p:defaultTextStyle>
+  <p:extLst>
+    <p:ext uri="{EFAFB233-063F-42B5-8137-9DF3F51BA10A}">
+      <p15:sldGuideLst xmlns:p15="http://schemas.microsoft.com/office/powerpoint/2012/main"/>
+    </p:ext>
+  </p:extLst>
 </p:presentation>
+</file>
+
+<file path=ppt/diagrams/colors1.xml><?xml version="1.0" encoding="utf-8"?>
+<dgm:colorsDef xmlns:dgm="http://schemas.openxmlformats.org/drawingml/2006/diagram" xmlns:a="http://schemas.openxmlformats.org/drawingml/2006/main" uniqueId="urn:microsoft.com/office/officeart/2005/8/colors/accent1_2">
+  <dgm:title val=""/>
+  <dgm:desc val=""/>
+  <dgm:catLst>
+    <dgm:cat type="accent1" pri="11200"/>
+  </dgm:catLst>
+  <dgm:styleLbl name="node0">
+    <dgm:fillClrLst meth="repeat">
+      <a:schemeClr val="accent1"/>
+    </dgm:fillClrLst>
+    <dgm:linClrLst meth="repeat">
+      <a:schemeClr val="lt1"/>
+    </dgm:linClrLst>
+    <dgm:effectClrLst/>
+    <dgm:txLinClrLst/>
+    <dgm:txFillClrLst/>
+    <dgm:txEffectClrLst/>
+  </dgm:styleLbl>
+  <dgm:styleLbl name="alignNode1">
+    <dgm:fillClrLst meth="repeat">
+      <a:schemeClr val="accent1"/>
+    </dgm:fillClrLst>
+    <dgm:linClrLst meth="repeat">
+      <a:schemeClr val="accent1"/>
+    </dgm:linClrLst>
+    <dgm:effectClrLst/>
+    <dgm:txLinClrLst/>
+    <dgm:txFillClrLst/>
+    <dgm:txEffectClrLst/>
+  </dgm:styleLbl>
+  <dgm:styleLbl name="node1">
+    <dgm:fillClrLst meth="repeat">
+      <a:schemeClr val="accent1"/>
+    </dgm:fillClrLst>
+    <dgm:linClrLst meth="repeat">
+      <a:schemeClr val="lt1"/>
+    </dgm:linClrLst>
+    <dgm:effectClrLst/>
+    <dgm:txLinClrLst/>
+    <dgm:txFillClrLst/>
+    <dgm:txEffectClrLst/>
+  </dgm:styleLbl>
+  <dgm:styleLbl name="lnNode1">
+    <dgm:fillClrLst meth="repeat">
+      <a:schemeClr val="accent1"/>
+    </dgm:fillClrLst>
+    <dgm:linClrLst meth="repeat">
+      <a:schemeClr val="lt1"/>
+    </dgm:linClrLst>
+    <dgm:effectClrLst/>
+    <dgm:txLinClrLst/>
+    <dgm:txFillClrLst/>
+    <dgm:txEffectClrLst/>
+  </dgm:styleLbl>
+  <dgm:styleLbl name="vennNode1">
+    <dgm:fillClrLst meth="repeat">
+      <a:schemeClr val="accent1">
+        <a:alpha val="50000"/>
+      </a:schemeClr>
+    </dgm:fillClrLst>
+    <dgm:linClrLst meth="repeat">
+      <a:schemeClr val="lt1"/>
+    </dgm:linClrLst>
+    <dgm:effectClrLst/>
+    <dgm:txLinClrLst/>
+    <dgm:txFillClrLst/>
+    <dgm:txEffectClrLst/>
+  </dgm:styleLbl>
+  <dgm:styleLbl name="node2">
+    <dgm:fillClrLst meth="repeat">
+      <a:schemeClr val="accent1"/>
+    </dgm:fillClrLst>
+    <dgm:linClrLst meth="repeat">
+      <a:schemeClr val="lt1"/>
+    </dgm:linClrLst>
+    <dgm:effectClrLst/>
+    <dgm:txLinClrLst/>
+    <dgm:txFillClrLst/>
+    <dgm:txEffectClrLst/>
+  </dgm:styleLbl>
+  <dgm:styleLbl name="node3">
+    <dgm:fillClrLst meth="repeat">
+      <a:schemeClr val="accent1"/>
+    </dgm:fillClrLst>
+    <dgm:linClrLst meth="repeat">
+      <a:schemeClr val="lt1"/>
+    </dgm:linClrLst>
+    <dgm:effectClrLst/>
+    <dgm:txLinClrLst/>
+    <dgm:txFillClrLst/>
+    <dgm:txEffectClrLst/>
+  </dgm:styleLbl>
+  <dgm:styleLbl name="node4">
+    <dgm:fillClrLst meth="repeat">
+      <a:schemeClr val="accent1"/>
+    </dgm:fillClrLst>
+    <dgm:linClrLst meth="repeat">
+      <a:schemeClr val="lt1"/>
+    </dgm:linClrLst>
+    <dgm:effectClrLst/>
+    <dgm:txLinClrLst/>
+    <dgm:txFillClrLst/>
+    <dgm:txEffectClrLst/>
+  </dgm:styleLbl>
+  <dgm:styleLbl name="fgImgPlace1">
+    <dgm:fillClrLst meth="repeat">
+      <a:schemeClr val="accent1">
+        <a:tint val="50000"/>
+      </a:schemeClr>
+    </dgm:fillClrLst>
+    <dgm:linClrLst meth="repeat">
+      <a:schemeClr val="lt1"/>
+    </dgm:linClrLst>
+    <dgm:effectClrLst/>
+    <dgm:txLinClrLst/>
+    <dgm:txFillClrLst meth="repeat">
+      <a:schemeClr val="lt1"/>
+    </dgm:txFillClrLst>
+    <dgm:txEffectClrLst/>
+  </dgm:styleLbl>
+  <dgm:styleLbl name="alignImgPlace1">
+    <dgm:fillClrLst meth="repeat">
+      <a:schemeClr val="accent1">
+        <a:tint val="50000"/>
+      </a:schemeClr>
+    </dgm:fillClrLst>
+    <dgm:linClrLst meth="repeat">
+      <a:schemeClr val="lt1"/>
+    </dgm:linClrLst>
+    <dgm:effectClrLst/>
+    <dgm:txLinClrLst/>
+    <dgm:txFillClrLst meth="repeat">
+      <a:schemeClr val="lt1"/>
+    </dgm:txFillClrLst>
+    <dgm:txEffectClrLst/>
+  </dgm:styleLbl>
+  <dgm:styleLbl name="bgImgPlace1">
+    <dgm:fillClrLst meth="repeat">
+      <a:schemeClr val="accent1">
+        <a:tint val="50000"/>
+      </a:schemeClr>
+    </dgm:fillClrLst>
+    <dgm:linClrLst meth="repeat">
+      <a:schemeClr val="lt1"/>
+    </dgm:linClrLst>
+    <dgm:effectClrLst/>
+    <dgm:txLinClrLst/>
+    <dgm:txFillClrLst meth="repeat">
+      <a:schemeClr val="lt1"/>
+    </dgm:txFillClrLst>
+    <dgm:txEffectClrLst/>
+  </dgm:styleLbl>
+  <dgm:styleLbl name="sibTrans2D1">
+    <dgm:fillClrLst meth="repeat">
+      <a:schemeClr val="accent1">
+        <a:tint val="60000"/>
+      </a:schemeClr>
+    </dgm:fillClrLst>
+    <dgm:linClrLst meth="repeat">
+      <a:schemeClr val="accent1">
+        <a:tint val="60000"/>
+      </a:schemeClr>
+    </dgm:linClrLst>
+    <dgm:effectClrLst/>
+    <dgm:txLinClrLst/>
+    <dgm:txFillClrLst/>
+    <dgm:txEffectClrLst/>
+  </dgm:styleLbl>
+  <dgm:styleLbl name="fgSibTrans2D1">
+    <dgm:fillClrLst meth="repeat">
+      <a:schemeClr val="accent1">
+        <a:tint val="60000"/>
+      </a:schemeClr>
+    </dgm:fillClrLst>
+    <dgm:linClrLst meth="repeat">
+      <a:schemeClr val="accent1">
+        <a:tint val="60000"/>
+      </a:schemeClr>
+    </dgm:linClrLst>
+    <dgm:effectClrLst/>
+    <dgm:txLinClrLst/>
+    <dgm:txFillClrLst/>
+    <dgm:txEffectClrLst/>
+  </dgm:styleLbl>
+  <dgm:styleLbl name="bgSibTrans2D1">
+    <dgm:fillClrLst meth="repeat">
+      <a:schemeClr val="accent1">
+        <a:tint val="60000"/>
+      </a:schemeClr>
+    </dgm:fillClrLst>
+    <dgm:linClrLst meth="repeat">
+      <a:schemeClr val="accent1">
+        <a:tint val="60000"/>
+      </a:schemeClr>
+    </dgm:linClrLst>
+    <dgm:effectClrLst/>
+    <dgm:txLinClrLst/>
+    <dgm:txFillClrLst/>
+    <dgm:txEffectClrLst/>
+  </dgm:styleLbl>
+  <dgm:styleLbl name="sibTrans1D1">
+    <dgm:fillClrLst meth="repeat">
+      <a:schemeClr val="accent1"/>
+    </dgm:fillClrLst>
+    <dgm:linClrLst meth="repeat">
+      <a:schemeClr val="accent1"/>
+    </dgm:linClrLst>
+    <dgm:effectClrLst/>
+    <dgm:txLinClrLst/>
+    <dgm:txFillClrLst meth="repeat">
+      <a:schemeClr val="tx1"/>
+    </dgm:txFillClrLst>
+    <dgm:txEffectClrLst/>
+  </dgm:styleLbl>
+  <dgm:styleLbl name="callout">
+    <dgm:fillClrLst meth="repeat">
+      <a:schemeClr val="accent1"/>
+    </dgm:fillClrLst>
+    <dgm:linClrLst meth="repeat">
+      <a:schemeClr val="accent1">
+        <a:tint val="50000"/>
+      </a:schemeClr>
+    </dgm:linClrLst>
+    <dgm:effectClrLst/>
+    <dgm:txLinClrLst/>
+    <dgm:txFillClrLst meth="repeat">
+      <a:schemeClr val="tx1"/>
+    </dgm:txFillClrLst>
+    <dgm:txEffectClrLst/>
+  </dgm:styleLbl>
+  <dgm:styleLbl name="asst0">
+    <dgm:fillClrLst meth="repeat">
+      <a:schemeClr val="accent1"/>
+    </dgm:fillClrLst>
+    <dgm:linClrLst meth="repeat">
+      <a:schemeClr val="lt1"/>
+    </dgm:linClrLst>
+    <dgm:effectClrLst/>
+    <dgm:txLinClrLst/>
+    <dgm:txFillClrLst/>
+    <dgm:txEffectClrLst/>
+  </dgm:styleLbl>
+  <dgm:styleLbl name="asst1">
+    <dgm:fillClrLst meth="repeat">
+      <a:schemeClr val="accent1"/>
+    </dgm:fillClrLst>
+    <dgm:linClrLst meth="repeat">
+      <a:schemeClr val="lt1"/>
+    </dgm:linClrLst>
+    <dgm:effectClrLst/>
+    <dgm:txLinClrLst/>
+    <dgm:txFillClrLst/>
+    <dgm:txEffectClrLst/>
+  </dgm:styleLbl>
+  <dgm:styleLbl name="asst2">
+    <dgm:fillClrLst meth="repeat">
+      <a:schemeClr val="accent1"/>
+    </dgm:fillClrLst>
+    <dgm:linClrLst meth="repeat">
+      <a:schemeClr val="lt1"/>
+    </dgm:linClrLst>
+    <dgm:effectClrLst/>
+    <dgm:txLinClrLst/>
+    <dgm:txFillClrLst/>
+    <dgm:txEffectClrLst/>
+  </dgm:styleLbl>
+  <dgm:styleLbl name="asst3">
+    <dgm:fillClrLst meth="repeat">
+      <a:schemeClr val="accent1"/>
+    </dgm:fillClrLst>
+    <dgm:linClrLst meth="repeat">
+      <a:schemeClr val="lt1"/>
+    </dgm:linClrLst>
+    <dgm:effectClrLst/>
+    <dgm:txLinClrLst/>
+    <dgm:txFillClrLst/>
+    <dgm:txEffectClrLst/>
+  </dgm:styleLbl>
+  <dgm:styleLbl name="asst4">
+    <dgm:fillClrLst meth="repeat">
+      <a:schemeClr val="accent1"/>
+    </dgm:fillClrLst>
+    <dgm:linClrLst meth="repeat">
+      <a:schemeClr val="lt1"/>
+    </dgm:linClrLst>
+    <dgm:effectClrLst/>
+    <dgm:txLinClrLst/>
+    <dgm:txFillClrLst/>
+    <dgm:txEffectClrLst/>
+  </dgm:styleLbl>
+  <dgm:styleLbl name="parChTrans2D1">
+    <dgm:fillClrLst meth="repeat">
+      <a:schemeClr val="accent1">
+        <a:tint val="60000"/>
+      </a:schemeClr>
+    </dgm:fillClrLst>
+    <dgm:linClrLst meth="repeat">
+      <a:schemeClr val="accent1">
+        <a:tint val="60000"/>
+      </a:schemeClr>
+    </dgm:linClrLst>
+    <dgm:effectClrLst/>
+    <dgm:txLinClrLst/>
+    <dgm:txFillClrLst meth="repeat">
+      <a:schemeClr val="lt1"/>
+    </dgm:txFillClrLst>
+    <dgm:txEffectClrLst/>
+  </dgm:styleLbl>
+  <dgm:styleLbl name="parChTrans2D2">
+    <dgm:fillClrLst meth="repeat">
+      <a:schemeClr val="accent1"/>
+    </dgm:fillClrLst>
+    <dgm:linClrLst meth="repeat">
+      <a:schemeClr val="accent1"/>
+    </dgm:linClrLst>
+    <dgm:effectClrLst/>
+    <dgm:txLinClrLst/>
+    <dgm:txFillClrLst meth="repeat">
+      <a:schemeClr val="lt1"/>
+    </dgm:txFillClrLst>
+    <dgm:txEffectClrLst/>
+  </dgm:styleLbl>
+  <dgm:styleLbl name="parChTrans2D3">
+    <dgm:fillClrLst meth="repeat">
+      <a:schemeClr val="accent1"/>
+    </dgm:fillClrLst>
+    <dgm:linClrLst meth="repeat">
+      <a:schemeClr val="accent1"/>
+    </dgm:linClrLst>
+    <dgm:effectClrLst/>
+    <dgm:txLinClrLst/>
+    <dgm:txFillClrLst meth="repeat">
+      <a:schemeClr val="lt1"/>
+    </dgm:txFillClrLst>
+    <dgm:txEffectClrLst/>
+  </dgm:styleLbl>
+  <dgm:styleLbl name="parChTrans2D4">
+    <dgm:fillClrLst meth="repeat">
+      <a:schemeClr val="accent1"/>
+    </dgm:fillClrLst>
+    <dgm:linClrLst meth="repeat">
+      <a:schemeClr val="accent1"/>
+    </dgm:linClrLst>
+    <dgm:effectClrLst/>
+    <dgm:txLinClrLst/>
+    <dgm:txFillClrLst meth="repeat">
+      <a:schemeClr val="lt1"/>
+    </dgm:txFillClrLst>
+    <dgm:txEffectClrLst/>
+  </dgm:styleLbl>
+  <dgm:styleLbl name="parChTrans1D1">
+    <dgm:fillClrLst meth="repeat">
+      <a:schemeClr val="accent1"/>
+    </dgm:fillClrLst>
+    <dgm:linClrLst meth="repeat">
+      <a:schemeClr val="accent1">
+        <a:shade val="60000"/>
+      </a:schemeClr>
+    </dgm:linClrLst>
+    <dgm:effectClrLst/>
+    <dgm:txLinClrLst/>
+    <dgm:txFillClrLst meth="repeat">
+      <a:schemeClr val="tx1"/>
+    </dgm:txFillClrLst>
+    <dgm:txEffectClrLst/>
+  </dgm:styleLbl>
+  <dgm:styleLbl name="parChTrans1D2">
+    <dgm:fillClrLst meth="repeat">
+      <a:schemeClr val="accent1"/>
+    </dgm:fillClrLst>
+    <dgm:linClrLst meth="repeat">
+      <a:schemeClr val="accent1">
+        <a:shade val="60000"/>
+      </a:schemeClr>
+    </dgm:linClrLst>
+    <dgm:effectClrLst/>
+    <dgm:txLinClrLst/>
+    <dgm:txFillClrLst meth="repeat">
+      <a:schemeClr val="tx1"/>
+    </dgm:txFillClrLst>
+    <dgm:txEffectClrLst/>
+  </dgm:styleLbl>
+  <dgm:styleLbl name="parChTrans1D3">
+    <dgm:fillClrLst meth="repeat">
+      <a:schemeClr val="accent1"/>
+    </dgm:fillClrLst>
+    <dgm:linClrLst meth="repeat">
+      <a:schemeClr val="accent1">
+        <a:shade val="80000"/>
+      </a:schemeClr>
+    </dgm:linClrLst>
+    <dgm:effectClrLst/>
+    <dgm:txLinClrLst/>
+    <dgm:txFillClrLst meth="repeat">
+      <a:schemeClr val="tx1"/>
+    </dgm:txFillClrLst>
+    <dgm:txEffectClrLst/>
+  </dgm:styleLbl>
+  <dgm:styleLbl name="parChTrans1D4">
+    <dgm:fillClrLst meth="repeat">
+      <a:schemeClr val="accent1"/>
+    </dgm:fillClrLst>
+    <dgm:linClrLst meth="repeat">
+      <a:schemeClr val="accent1">
+        <a:shade val="80000"/>
+      </a:schemeClr>
+    </dgm:linClrLst>
+    <dgm:effectClrLst/>
+    <dgm:txLinClrLst/>
+    <dgm:txFillClrLst meth="repeat">
+      <a:schemeClr val="tx1"/>
+    </dgm:txFillClrLst>
+    <dgm:txEffectClrLst/>
+  </dgm:styleLbl>
+  <dgm:styleLbl name="fgAcc1">
+    <dgm:fillClrLst meth="repeat">
+      <a:schemeClr val="lt1">
+        <a:alpha val="90000"/>
+      </a:schemeClr>
+    </dgm:fillClrLst>
+    <dgm:linClrLst meth="repeat">
+      <a:schemeClr val="accent1"/>
+    </dgm:linClrLst>
+    <dgm:effectClrLst/>
+    <dgm:txLinClrLst/>
+    <dgm:txFillClrLst meth="repeat">
+      <a:schemeClr val="dk1"/>
+    </dgm:txFillClrLst>
+    <dgm:txEffectClrLst/>
+  </dgm:styleLbl>
+  <dgm:styleLbl name="conFgAcc1">
+    <dgm:fillClrLst meth="repeat">
+      <a:schemeClr val="lt1">
+        <a:alpha val="90000"/>
+      </a:schemeClr>
+    </dgm:fillClrLst>
+    <dgm:linClrLst meth="repeat">
+      <a:schemeClr val="accent1"/>
+    </dgm:linClrLst>
+    <dgm:effectClrLst/>
+    <dgm:txLinClrLst/>
+    <dgm:txFillClrLst meth="repeat">
+      <a:schemeClr val="dk1"/>
+    </dgm:txFillClrLst>
+    <dgm:txEffectClrLst/>
+  </dgm:styleLbl>
+  <dgm:styleLbl name="alignAcc1">
+    <dgm:fillClrLst meth="repeat">
+      <a:schemeClr val="lt1">
+        <a:alpha val="90000"/>
+      </a:schemeClr>
+    </dgm:fillClrLst>
+    <dgm:linClrLst meth="repeat">
+      <a:schemeClr val="accent1"/>
+    </dgm:linClrLst>
+    <dgm:effectClrLst/>
+    <dgm:txLinClrLst/>
+    <dgm:txFillClrLst meth="repeat">
+      <a:schemeClr val="dk1"/>
+    </dgm:txFillClrLst>
+    <dgm:txEffectClrLst/>
+  </dgm:styleLbl>
+  <dgm:styleLbl name="trAlignAcc1">
+    <dgm:fillClrLst meth="repeat">
+      <a:schemeClr val="lt1">
+        <a:alpha val="40000"/>
+      </a:schemeClr>
+    </dgm:fillClrLst>
+    <dgm:linClrLst meth="repeat">
+      <a:schemeClr val="accent1"/>
+    </dgm:linClrLst>
+    <dgm:effectClrLst/>
+    <dgm:txLinClrLst/>
+    <dgm:txFillClrLst meth="repeat">
+      <a:schemeClr val="dk1"/>
+    </dgm:txFillClrLst>
+    <dgm:txEffectClrLst/>
+  </dgm:styleLbl>
+  <dgm:styleLbl name="bgAcc1">
+    <dgm:fillClrLst meth="repeat">
+      <a:schemeClr val="lt1">
+        <a:alpha val="90000"/>
+      </a:schemeClr>
+    </dgm:fillClrLst>
+    <dgm:linClrLst meth="repeat">
+      <a:schemeClr val="accent1"/>
+    </dgm:linClrLst>
+    <dgm:effectClrLst/>
+    <dgm:txLinClrLst/>
+    <dgm:txFillClrLst meth="repeat">
+      <a:schemeClr val="dk1"/>
+    </dgm:txFillClrLst>
+    <dgm:txEffectClrLst/>
+  </dgm:styleLbl>
+  <dgm:styleLbl name="solidFgAcc1">
+    <dgm:fillClrLst meth="repeat">
+      <a:schemeClr val="lt1"/>
+    </dgm:fillClrLst>
+    <dgm:linClrLst meth="repeat">
+      <a:schemeClr val="accent1"/>
+    </dgm:linClrLst>
+    <dgm:effectClrLst/>
+    <dgm:txLinClrLst/>
+    <dgm:txFillClrLst meth="repeat">
+      <a:schemeClr val="dk1"/>
+    </dgm:txFillClrLst>
+    <dgm:txEffectClrLst/>
+  </dgm:styleLbl>
+  <dgm:styleLbl name="solidAlignAcc1">
+    <dgm:fillClrLst meth="repeat">
+      <a:schemeClr val="lt1"/>
+    </dgm:fillClrLst>
+    <dgm:linClrLst meth="repeat">
+      <a:schemeClr val="accent1"/>
+    </dgm:linClrLst>
+    <dgm:effectClrLst/>
+    <dgm:txLinClrLst/>
+    <dgm:txFillClrLst meth="repeat">
+      <a:schemeClr val="dk1"/>
+    </dgm:txFillClrLst>
+    <dgm:txEffectClrLst/>
+  </dgm:styleLbl>
+  <dgm:styleLbl name="solidBgAcc1">
+    <dgm:fillClrLst meth="repeat">
+      <a:schemeClr val="lt1"/>
+    </dgm:fillClrLst>
+    <dgm:linClrLst meth="repeat">
+      <a:schemeClr val="accent1"/>
+    </dgm:linClrLst>
+    <dgm:effectClrLst/>
+    <dgm:txLinClrLst/>
+    <dgm:txFillClrLst meth="repeat">
+      <a:schemeClr val="dk1"/>
+    </dgm:txFillClrLst>
+    <dgm:txEffectClrLst/>
+  </dgm:styleLbl>
+  <dgm:styleLbl name="fgAccFollowNode1">
+    <dgm:fillClrLst meth="repeat">
+      <a:schemeClr val="accent1">
+        <a:alpha val="90000"/>
+        <a:tint val="40000"/>
+      </a:schemeClr>
+    </dgm:fillClrLst>
+    <dgm:linClrLst meth="repeat">
+      <a:schemeClr val="accent1">
+        <a:alpha val="90000"/>
+        <a:tint val="40000"/>
+      </a:schemeClr>
+    </dgm:linClrLst>
+    <dgm:effectClrLst/>
+    <dgm:txLinClrLst/>
+    <dgm:txFillClrLst meth="repeat">
+      <a:schemeClr val="dk1"/>
+    </dgm:txFillClrLst>
+    <dgm:txEffectClrLst/>
+  </dgm:styleLbl>
+  <dgm:styleLbl name="alignAccFollowNode1">
+    <dgm:fillClrLst meth="repeat">
+      <a:schemeClr val="accent1">
+        <a:alpha val="90000"/>
+        <a:tint val="40000"/>
+      </a:schemeClr>
+    </dgm:fillClrLst>
+    <dgm:linClrLst meth="repeat">
+      <a:schemeClr val="accent1">
+        <a:alpha val="90000"/>
+        <a:tint val="40000"/>
+      </a:schemeClr>
+    </dgm:linClrLst>
+    <dgm:effectClrLst/>
+    <dgm:txLinClrLst/>
+    <dgm:txFillClrLst meth="repeat">
+      <a:schemeClr val="dk1"/>
+    </dgm:txFillClrLst>
+    <dgm:txEffectClrLst/>
+  </dgm:styleLbl>
+  <dgm:styleLbl name="bgAccFollowNode1">
+    <dgm:fillClrLst meth="repeat">
+      <a:schemeClr val="accent1">
+        <a:alpha val="90000"/>
+        <a:tint val="40000"/>
+      </a:schemeClr>
+    </dgm:fillClrLst>
+    <dgm:linClrLst meth="repeat">
+      <a:schemeClr val="accent1">
+        <a:alpha val="90000"/>
+        <a:tint val="40000"/>
+      </a:schemeClr>
+    </dgm:linClrLst>
+    <dgm:effectClrLst/>
+    <dgm:txLinClrLst/>
+    <dgm:txFillClrLst meth="repeat">
+      <a:schemeClr val="dk1"/>
+    </dgm:txFillClrLst>
+    <dgm:txEffectClrLst/>
+  </dgm:styleLbl>
+  <dgm:styleLbl name="fgAcc0">
+    <dgm:fillClrLst meth="repeat">
+      <a:schemeClr val="lt1">
+        <a:alpha val="90000"/>
+      </a:schemeClr>
+    </dgm:fillClrLst>
+    <dgm:linClrLst meth="repeat">
+      <a:schemeClr val="accent1"/>
+    </dgm:linClrLst>
+    <dgm:effectClrLst/>
+    <dgm:txLinClrLst/>
+    <dgm:txFillClrLst meth="repeat">
+      <a:schemeClr val="dk1"/>
+    </dgm:txFillClrLst>
+    <dgm:txEffectClrLst/>
+  </dgm:styleLbl>
+  <dgm:styleLbl name="fgAcc2">
+    <dgm:fillClrLst meth="repeat">
+      <a:schemeClr val="lt1">
+        <a:alpha val="90000"/>
+      </a:schemeClr>
+    </dgm:fillClrLst>
+    <dgm:linClrLst meth="repeat">
+      <a:schemeClr val="accent1"/>
+    </dgm:linClrLst>
+    <dgm:effectClrLst/>
+    <dgm:txLinClrLst/>
+    <dgm:txFillClrLst meth="repeat">
+      <a:schemeClr val="dk1"/>
+    </dgm:txFillClrLst>
+    <dgm:txEffectClrLst/>
+  </dgm:styleLbl>
+  <dgm:styleLbl name="fgAcc3">
+    <dgm:fillClrLst meth="repeat">
+      <a:schemeClr val="lt1">
+        <a:alpha val="90000"/>
+      </a:schemeClr>
+    </dgm:fillClrLst>
+    <dgm:linClrLst meth="repeat">
+      <a:schemeClr val="accent1"/>
+    </dgm:linClrLst>
+    <dgm:effectClrLst/>
+    <dgm:txLinClrLst/>
+    <dgm:txFillClrLst meth="repeat">
+      <a:schemeClr val="dk1"/>
+    </dgm:txFillClrLst>
+    <dgm:txEffectClrLst/>
+  </dgm:styleLbl>
+  <dgm:styleLbl name="fgAcc4">
+    <dgm:fillClrLst meth="repeat">
+      <a:schemeClr val="lt1">
+        <a:alpha val="90000"/>
+      </a:schemeClr>
+    </dgm:fillClrLst>
+    <dgm:linClrLst meth="repeat">
+      <a:schemeClr val="accent1"/>
+    </dgm:linClrLst>
+    <dgm:effectClrLst/>
+    <dgm:txLinClrLst/>
+    <dgm:txFillClrLst meth="repeat">
+      <a:schemeClr val="dk1"/>
+    </dgm:txFillClrLst>
+    <dgm:txEffectClrLst/>
+  </dgm:styleLbl>
+  <dgm:styleLbl name="bgShp">
+    <dgm:fillClrLst meth="repeat">
+      <a:schemeClr val="accent1">
+        <a:tint val="40000"/>
+      </a:schemeClr>
+    </dgm:fillClrLst>
+    <dgm:linClrLst meth="repeat">
+      <a:schemeClr val="accent1"/>
+    </dgm:linClrLst>
+    <dgm:effectClrLst/>
+    <dgm:txLinClrLst/>
+    <dgm:txFillClrLst meth="repeat">
+      <a:schemeClr val="dk1"/>
+    </dgm:txFillClrLst>
+    <dgm:txEffectClrLst/>
+  </dgm:styleLbl>
+  <dgm:styleLbl name="dkBgShp">
+    <dgm:fillClrLst meth="repeat">
+      <a:schemeClr val="accent1">
+        <a:shade val="80000"/>
+      </a:schemeClr>
+    </dgm:fillClrLst>
+    <dgm:linClrLst meth="repeat">
+      <a:schemeClr val="accent1"/>
+    </dgm:linClrLst>
+    <dgm:effectClrLst/>
+    <dgm:txLinClrLst/>
+    <dgm:txFillClrLst meth="repeat">
+      <a:schemeClr val="lt1"/>
+    </dgm:txFillClrLst>
+    <dgm:txEffectClrLst/>
+  </dgm:styleLbl>
+  <dgm:styleLbl name="trBgShp">
+    <dgm:fillClrLst meth="repeat">
+      <a:schemeClr val="accent1">
+        <a:tint val="50000"/>
+        <a:alpha val="40000"/>
+      </a:schemeClr>
+    </dgm:fillClrLst>
+    <dgm:linClrLst meth="repeat">
+      <a:schemeClr val="accent1"/>
+    </dgm:linClrLst>
+    <dgm:effectClrLst/>
+    <dgm:txLinClrLst/>
+    <dgm:txFillClrLst meth="repeat">
+      <a:schemeClr val="lt1"/>
+    </dgm:txFillClrLst>
+    <dgm:txEffectClrLst/>
+  </dgm:styleLbl>
+  <dgm:styleLbl name="fgShp">
+    <dgm:fillClrLst meth="repeat">
+      <a:schemeClr val="accent1">
+        <a:tint val="60000"/>
+      </a:schemeClr>
+    </dgm:fillClrLst>
+    <dgm:linClrLst meth="repeat">
+      <a:schemeClr val="lt1"/>
+    </dgm:linClrLst>
+    <dgm:effectClrLst/>
+    <dgm:txLinClrLst/>
+    <dgm:txFillClrLst meth="repeat">
+      <a:schemeClr val="dk1"/>
+    </dgm:txFillClrLst>
+    <dgm:txEffectClrLst/>
+  </dgm:styleLbl>
+  <dgm:styleLbl name="revTx">
+    <dgm:fillClrLst meth="repeat">
+      <a:schemeClr val="lt1">
+        <a:alpha val="0"/>
+      </a:schemeClr>
+    </dgm:fillClrLst>
+    <dgm:linClrLst meth="repeat">
+      <a:schemeClr val="dk1">
+        <a:alpha val="0"/>
+      </a:schemeClr>
+    </dgm:linClrLst>
+    <dgm:effectClrLst/>
+    <dgm:txLinClrLst/>
+    <dgm:txFillClrLst meth="repeat">
+      <a:schemeClr val="tx1"/>
+    </dgm:txFillClrLst>
+    <dgm:txEffectClrLst/>
+  </dgm:styleLbl>
+</dgm:colorsDef>
+</file>
+
+<file path=ppt/diagrams/colors2.xml><?xml version="1.0" encoding="utf-8"?>
+<dgm:colorsDef xmlns:dgm="http://schemas.openxmlformats.org/drawingml/2006/diagram" xmlns:a="http://schemas.openxmlformats.org/drawingml/2006/main" uniqueId="urn:microsoft.com/office/officeart/2005/8/colors/accent1_2">
+  <dgm:title val=""/>
+  <dgm:desc val=""/>
+  <dgm:catLst>
+    <dgm:cat type="accent1" pri="11200"/>
+  </dgm:catLst>
+  <dgm:styleLbl name="node0">
+    <dgm:fillClrLst meth="repeat">
+      <a:schemeClr val="accent1"/>
+    </dgm:fillClrLst>
+    <dgm:linClrLst meth="repeat">
+      <a:schemeClr val="lt1"/>
+    </dgm:linClrLst>
+    <dgm:effectClrLst/>
+    <dgm:txLinClrLst/>
+    <dgm:txFillClrLst/>
+    <dgm:txEffectClrLst/>
+  </dgm:styleLbl>
+  <dgm:styleLbl name="alignNode1">
+    <dgm:fillClrLst meth="repeat">
+      <a:schemeClr val="accent1"/>
+    </dgm:fillClrLst>
+    <dgm:linClrLst meth="repeat">
+      <a:schemeClr val="accent1"/>
+    </dgm:linClrLst>
+    <dgm:effectClrLst/>
+    <dgm:txLinClrLst/>
+    <dgm:txFillClrLst/>
+    <dgm:txEffectClrLst/>
+  </dgm:styleLbl>
+  <dgm:styleLbl name="node1">
+    <dgm:fillClrLst meth="repeat">
+      <a:schemeClr val="accent1"/>
+    </dgm:fillClrLst>
+    <dgm:linClrLst meth="repeat">
+      <a:schemeClr val="lt1"/>
+    </dgm:linClrLst>
+    <dgm:effectClrLst/>
+    <dgm:txLinClrLst/>
+    <dgm:txFillClrLst/>
+    <dgm:txEffectClrLst/>
+  </dgm:styleLbl>
+  <dgm:styleLbl name="lnNode1">
+    <dgm:fillClrLst meth="repeat">
+      <a:schemeClr val="accent1"/>
+    </dgm:fillClrLst>
+    <dgm:linClrLst meth="repeat">
+      <a:schemeClr val="lt1"/>
+    </dgm:linClrLst>
+    <dgm:effectClrLst/>
+    <dgm:txLinClrLst/>
+    <dgm:txFillClrLst/>
+    <dgm:txEffectClrLst/>
+  </dgm:styleLbl>
+  <dgm:styleLbl name="vennNode1">
+    <dgm:fillClrLst meth="repeat">
+      <a:schemeClr val="accent1">
+        <a:alpha val="50000"/>
+      </a:schemeClr>
+    </dgm:fillClrLst>
+    <dgm:linClrLst meth="repeat">
+      <a:schemeClr val="lt1"/>
+    </dgm:linClrLst>
+    <dgm:effectClrLst/>
+    <dgm:txLinClrLst/>
+    <dgm:txFillClrLst/>
+    <dgm:txEffectClrLst/>
+  </dgm:styleLbl>
+  <dgm:styleLbl name="node2">
+    <dgm:fillClrLst meth="repeat">
+      <a:schemeClr val="accent1"/>
+    </dgm:fillClrLst>
+    <dgm:linClrLst meth="repeat">
+      <a:schemeClr val="lt1"/>
+    </dgm:linClrLst>
+    <dgm:effectClrLst/>
+    <dgm:txLinClrLst/>
+    <dgm:txFillClrLst/>
+    <dgm:txEffectClrLst/>
+  </dgm:styleLbl>
+  <dgm:styleLbl name="node3">
+    <dgm:fillClrLst meth="repeat">
+      <a:schemeClr val="accent1"/>
+    </dgm:fillClrLst>
+    <dgm:linClrLst meth="repeat">
+      <a:schemeClr val="lt1"/>
+    </dgm:linClrLst>
+    <dgm:effectClrLst/>
+    <dgm:txLinClrLst/>
+    <dgm:txFillClrLst/>
+    <dgm:txEffectClrLst/>
+  </dgm:styleLbl>
+  <dgm:styleLbl name="node4">
+    <dgm:fillClrLst meth="repeat">
+      <a:schemeClr val="accent1"/>
+    </dgm:fillClrLst>
+    <dgm:linClrLst meth="repeat">
+      <a:schemeClr val="lt1"/>
+    </dgm:linClrLst>
+    <dgm:effectClrLst/>
+    <dgm:txLinClrLst/>
+    <dgm:txFillClrLst/>
+    <dgm:txEffectClrLst/>
+  </dgm:styleLbl>
+  <dgm:styleLbl name="fgImgPlace1">
+    <dgm:fillClrLst meth="repeat">
+      <a:schemeClr val="accent1">
+        <a:tint val="50000"/>
+      </a:schemeClr>
+    </dgm:fillClrLst>
+    <dgm:linClrLst meth="repeat">
+      <a:schemeClr val="lt1"/>
+    </dgm:linClrLst>
+    <dgm:effectClrLst/>
+    <dgm:txLinClrLst/>
+    <dgm:txFillClrLst meth="repeat">
+      <a:schemeClr val="lt1"/>
+    </dgm:txFillClrLst>
+    <dgm:txEffectClrLst/>
+  </dgm:styleLbl>
+  <dgm:styleLbl name="alignImgPlace1">
+    <dgm:fillClrLst meth="repeat">
+      <a:schemeClr val="accent1">
+        <a:tint val="50000"/>
+      </a:schemeClr>
+    </dgm:fillClrLst>
+    <dgm:linClrLst meth="repeat">
+      <a:schemeClr val="lt1"/>
+    </dgm:linClrLst>
+    <dgm:effectClrLst/>
+    <dgm:txLinClrLst/>
+    <dgm:txFillClrLst meth="repeat">
+      <a:schemeClr val="lt1"/>
+    </dgm:txFillClrLst>
+    <dgm:txEffectClrLst/>
+  </dgm:styleLbl>
+  <dgm:styleLbl name="bgImgPlace1">
+    <dgm:fillClrLst meth="repeat">
+      <a:schemeClr val="accent1">
+        <a:tint val="50000"/>
+      </a:schemeClr>
+    </dgm:fillClrLst>
+    <dgm:linClrLst meth="repeat">
+      <a:schemeClr val="lt1"/>
+    </dgm:linClrLst>
+    <dgm:effectClrLst/>
+    <dgm:txLinClrLst/>
+    <dgm:txFillClrLst meth="repeat">
+      <a:schemeClr val="lt1"/>
+    </dgm:txFillClrLst>
+    <dgm:txEffectClrLst/>
+  </dgm:styleLbl>
+  <dgm:styleLbl name="sibTrans2D1">
+    <dgm:fillClrLst meth="repeat">
+      <a:schemeClr val="accent1">
+        <a:tint val="60000"/>
+      </a:schemeClr>
+    </dgm:fillClrLst>
+    <dgm:linClrLst meth="repeat">
+      <a:schemeClr val="accent1">
+        <a:tint val="60000"/>
+      </a:schemeClr>
+    </dgm:linClrLst>
+    <dgm:effectClrLst/>
+    <dgm:txLinClrLst/>
+    <dgm:txFillClrLst/>
+    <dgm:txEffectClrLst/>
+  </dgm:styleLbl>
+  <dgm:styleLbl name="fgSibTrans2D1">
+    <dgm:fillClrLst meth="repeat">
+      <a:schemeClr val="accent1">
+        <a:tint val="60000"/>
+      </a:schemeClr>
+    </dgm:fillClrLst>
+    <dgm:linClrLst meth="repeat">
+      <a:schemeClr val="accent1">
+        <a:tint val="60000"/>
+      </a:schemeClr>
+    </dgm:linClrLst>
+    <dgm:effectClrLst/>
+    <dgm:txLinClrLst/>
+    <dgm:txFillClrLst/>
+    <dgm:txEffectClrLst/>
+  </dgm:styleLbl>
+  <dgm:styleLbl name="bgSibTrans2D1">
+    <dgm:fillClrLst meth="repeat">
+      <a:schemeClr val="accent1">
+        <a:tint val="60000"/>
+      </a:schemeClr>
+    </dgm:fillClrLst>
+    <dgm:linClrLst meth="repeat">
+      <a:schemeClr val="accent1">
+        <a:tint val="60000"/>
+      </a:schemeClr>
+    </dgm:linClrLst>
+    <dgm:effectClrLst/>
+    <dgm:txLinClrLst/>
+    <dgm:txFillClrLst/>
+    <dgm:txEffectClrLst/>
+  </dgm:styleLbl>
+  <dgm:styleLbl name="sibTrans1D1">
+    <dgm:fillClrLst meth="repeat">
+      <a:schemeClr val="accent1"/>
+    </dgm:fillClrLst>
+    <dgm:linClrLst meth="repeat">
+      <a:schemeClr val="accent1"/>
+    </dgm:linClrLst>
+    <dgm:effectClrLst/>
+    <dgm:txLinClrLst/>
+    <dgm:txFillClrLst meth="repeat">
+      <a:schemeClr val="tx1"/>
+    </dgm:txFillClrLst>
+    <dgm:txEffectClrLst/>
+  </dgm:styleLbl>
+  <dgm:styleLbl name="callout">
+    <dgm:fillClrLst meth="repeat">
+      <a:schemeClr val="accent1"/>
+    </dgm:fillClrLst>
+    <dgm:linClrLst meth="repeat">
+      <a:schemeClr val="accent1">
+        <a:tint val="50000"/>
+      </a:schemeClr>
+    </dgm:linClrLst>
+    <dgm:effectClrLst/>
+    <dgm:txLinClrLst/>
+    <dgm:txFillClrLst meth="repeat">
+      <a:schemeClr val="tx1"/>
+    </dgm:txFillClrLst>
+    <dgm:txEffectClrLst/>
+  </dgm:styleLbl>
+  <dgm:styleLbl name="asst0">
+    <dgm:fillClrLst meth="repeat">
+      <a:schemeClr val="accent1"/>
+    </dgm:fillClrLst>
+    <dgm:linClrLst meth="repeat">
+      <a:schemeClr val="lt1"/>
+    </dgm:linClrLst>
+    <dgm:effectClrLst/>
+    <dgm:txLinClrLst/>
+    <dgm:txFillClrLst/>
+    <dgm:txEffectClrLst/>
+  </dgm:styleLbl>
+  <dgm:styleLbl name="asst1">
+    <dgm:fillClrLst meth="repeat">
+      <a:schemeClr val="accent1"/>
+    </dgm:fillClrLst>
+    <dgm:linClrLst meth="repeat">
+      <a:schemeClr val="lt1"/>
+    </dgm:linClrLst>
+    <dgm:effectClrLst/>
+    <dgm:txLinClrLst/>
+    <dgm:txFillClrLst/>
+    <dgm:txEffectClrLst/>
+  </dgm:styleLbl>
+  <dgm:styleLbl name="asst2">
+    <dgm:fillClrLst meth="repeat">
+      <a:schemeClr val="accent1"/>
+    </dgm:fillClrLst>
+    <dgm:linClrLst meth="repeat">
+      <a:schemeClr val="lt1"/>
+    </dgm:linClrLst>
+    <dgm:effectClrLst/>
+    <dgm:txLinClrLst/>
+    <dgm:txFillClrLst/>
+    <dgm:txEffectClrLst/>
+  </dgm:styleLbl>
+  <dgm:styleLbl name="asst3">
+    <dgm:fillClrLst meth="repeat">
+      <a:schemeClr val="accent1"/>
+    </dgm:fillClrLst>
+    <dgm:linClrLst meth="repeat">
+      <a:schemeClr val="lt1"/>
+    </dgm:linClrLst>
+    <dgm:effectClrLst/>
+    <dgm:txLinClrLst/>
+    <dgm:txFillClrLst/>
+    <dgm:txEffectClrLst/>
+  </dgm:styleLbl>
+  <dgm:styleLbl name="asst4">
+    <dgm:fillClrLst meth="repeat">
+      <a:schemeClr val="accent1"/>
+    </dgm:fillClrLst>
+    <dgm:linClrLst meth="repeat">
+      <a:schemeClr val="lt1"/>
+    </dgm:linClrLst>
+    <dgm:effectClrLst/>
+    <dgm:txLinClrLst/>
+    <dgm:txFillClrLst/>
+    <dgm:txEffectClrLst/>
+  </dgm:styleLbl>
+  <dgm:styleLbl name="parChTrans2D1">
+    <dgm:fillClrLst meth="repeat">
+      <a:schemeClr val="accent1">
+        <a:tint val="60000"/>
+      </a:schemeClr>
+    </dgm:fillClrLst>
+    <dgm:linClrLst meth="repeat">
+      <a:schemeClr val="accent1">
+        <a:tint val="60000"/>
+      </a:schemeClr>
+    </dgm:linClrLst>
+    <dgm:effectClrLst/>
+    <dgm:txLinClrLst/>
+    <dgm:txFillClrLst meth="repeat">
+      <a:schemeClr val="lt1"/>
+    </dgm:txFillClrLst>
+    <dgm:txEffectClrLst/>
+  </dgm:styleLbl>
+  <dgm:styleLbl name="parChTrans2D2">
+    <dgm:fillClrLst meth="repeat">
+      <a:schemeClr val="accent1"/>
+    </dgm:fillClrLst>
+    <dgm:linClrLst meth="repeat">
+      <a:schemeClr val="accent1"/>
+    </dgm:linClrLst>
+    <dgm:effectClrLst/>
+    <dgm:txLinClrLst/>
+    <dgm:txFillClrLst meth="repeat">
+      <a:schemeClr val="lt1"/>
+    </dgm:txFillClrLst>
+    <dgm:txEffectClrLst/>
+  </dgm:styleLbl>
+  <dgm:styleLbl name="parChTrans2D3">
+    <dgm:fillClrLst meth="repeat">
+      <a:schemeClr val="accent1"/>
+    </dgm:fillClrLst>
+    <dgm:linClrLst meth="repeat">
+      <a:schemeClr val="accent1"/>
+    </dgm:linClrLst>
+    <dgm:effectClrLst/>
+    <dgm:txLinClrLst/>
+    <dgm:txFillClrLst meth="repeat">
+      <a:schemeClr val="lt1"/>
+    </dgm:txFillClrLst>
+    <dgm:txEffectClrLst/>
+  </dgm:styleLbl>
+  <dgm:styleLbl name="parChTrans2D4">
+    <dgm:fillClrLst meth="repeat">
+      <a:schemeClr val="accent1"/>
+    </dgm:fillClrLst>
+    <dgm:linClrLst meth="repeat">
+      <a:schemeClr val="accent1"/>
+    </dgm:linClrLst>
+    <dgm:effectClrLst/>
+    <dgm:txLinClrLst/>
+    <dgm:txFillClrLst meth="repeat">
+      <a:schemeClr val="lt1"/>
+    </dgm:txFillClrLst>
+    <dgm:txEffectClrLst/>
+  </dgm:styleLbl>
+  <dgm:styleLbl name="parChTrans1D1">
+    <dgm:fillClrLst meth="repeat">
+      <a:schemeClr val="accent1"/>
+    </dgm:fillClrLst>
+    <dgm:linClrLst meth="repeat">
+      <a:schemeClr val="accent1">
+        <a:shade val="60000"/>
+      </a:schemeClr>
+    </dgm:linClrLst>
+    <dgm:effectClrLst/>
+    <dgm:txLinClrLst/>
+    <dgm:txFillClrLst meth="repeat">
+      <a:schemeClr val="tx1"/>
+    </dgm:txFillClrLst>
+    <dgm:txEffectClrLst/>
+  </dgm:styleLbl>
+  <dgm:styleLbl name="parChTrans1D2">
+    <dgm:fillClrLst meth="repeat">
+      <a:schemeClr val="accent1"/>
+    </dgm:fillClrLst>
+    <dgm:linClrLst meth="repeat">
+      <a:schemeClr val="accent1">
+        <a:shade val="60000"/>
+      </a:schemeClr>
+    </dgm:linClrLst>
+    <dgm:effectClrLst/>
+    <dgm:txLinClrLst/>
+    <dgm:txFillClrLst meth="repeat">
+      <a:schemeClr val="tx1"/>
+    </dgm:txFillClrLst>
+    <dgm:txEffectClrLst/>
+  </dgm:styleLbl>
+  <dgm:styleLbl name="parChTrans1D3">
+    <dgm:fillClrLst meth="repeat">
+      <a:schemeClr val="accent1"/>
+    </dgm:fillClrLst>
+    <dgm:linClrLst meth="repeat">
+      <a:schemeClr val="accent1">
+        <a:shade val="80000"/>
+      </a:schemeClr>
+    </dgm:linClrLst>
+    <dgm:effectClrLst/>
+    <dgm:txLinClrLst/>
+    <dgm:txFillClrLst meth="repeat">
+      <a:schemeClr val="tx1"/>
+    </dgm:txFillClrLst>
+    <dgm:txEffectClrLst/>
+  </dgm:styleLbl>
+  <dgm:styleLbl name="parChTrans1D4">
+    <dgm:fillClrLst meth="repeat">
+      <a:schemeClr val="accent1"/>
+    </dgm:fillClrLst>
+    <dgm:linClrLst meth="repeat">
+      <a:schemeClr val="accent1">
+        <a:shade val="80000"/>
+      </a:schemeClr>
+    </dgm:linClrLst>
+    <dgm:effectClrLst/>
+    <dgm:txLinClrLst/>
+    <dgm:txFillClrLst meth="repeat">
+      <a:schemeClr val="tx1"/>
+    </dgm:txFillClrLst>
+    <dgm:txEffectClrLst/>
+  </dgm:styleLbl>
+  <dgm:styleLbl name="fgAcc1">
+    <dgm:fillClrLst meth="repeat">
+      <a:schemeClr val="lt1">
+        <a:alpha val="90000"/>
+      </a:schemeClr>
+    </dgm:fillClrLst>
+    <dgm:linClrLst meth="repeat">
+      <a:schemeClr val="accent1"/>
+    </dgm:linClrLst>
+    <dgm:effectClrLst/>
+    <dgm:txLinClrLst/>
+    <dgm:txFillClrLst meth="repeat">
+      <a:schemeClr val="dk1"/>
+    </dgm:txFillClrLst>
+    <dgm:txEffectClrLst/>
+  </dgm:styleLbl>
+  <dgm:styleLbl name="conFgAcc1">
+    <dgm:fillClrLst meth="repeat">
+      <a:schemeClr val="lt1">
+        <a:alpha val="90000"/>
+      </a:schemeClr>
+    </dgm:fillClrLst>
+    <dgm:linClrLst meth="repeat">
+      <a:schemeClr val="accent1"/>
+    </dgm:linClrLst>
+    <dgm:effectClrLst/>
+    <dgm:txLinClrLst/>
+    <dgm:txFillClrLst meth="repeat">
+      <a:schemeClr val="dk1"/>
+    </dgm:txFillClrLst>
+    <dgm:txEffectClrLst/>
+  </dgm:styleLbl>
+  <dgm:styleLbl name="alignAcc1">
+    <dgm:fillClrLst meth="repeat">
+      <a:schemeClr val="lt1">
+        <a:alpha val="90000"/>
+      </a:schemeClr>
+    </dgm:fillClrLst>
+    <dgm:linClrLst meth="repeat">
+      <a:schemeClr val="accent1"/>
+    </dgm:linClrLst>
+    <dgm:effectClrLst/>
+    <dgm:txLinClrLst/>
+    <dgm:txFillClrLst meth="repeat">
+      <a:schemeClr val="dk1"/>
+    </dgm:txFillClrLst>
+    <dgm:txEffectClrLst/>
+  </dgm:styleLbl>
+  <dgm:styleLbl name="trAlignAcc1">
+    <dgm:fillClrLst meth="repeat">
+      <a:schemeClr val="lt1">
+        <a:alpha val="40000"/>
+      </a:schemeClr>
+    </dgm:fillClrLst>
+    <dgm:linClrLst meth="repeat">
+      <a:schemeClr val="accent1"/>
+    </dgm:linClrLst>
+    <dgm:effectClrLst/>
+    <dgm:txLinClrLst/>
+    <dgm:txFillClrLst meth="repeat">
+      <a:schemeClr val="dk1"/>
+    </dgm:txFillClrLst>
+    <dgm:txEffectClrLst/>
+  </dgm:styleLbl>
+  <dgm:styleLbl name="bgAcc1">
+    <dgm:fillClrLst meth="repeat">
+      <a:schemeClr val="lt1">
+        <a:alpha val="90000"/>
+      </a:schemeClr>
+    </dgm:fillClrLst>
+    <dgm:linClrLst meth="repeat">
+      <a:schemeClr val="accent1"/>
+    </dgm:linClrLst>
+    <dgm:effectClrLst/>
+    <dgm:txLinClrLst/>
+    <dgm:txFillClrLst meth="repeat">
+      <a:schemeClr val="dk1"/>
+    </dgm:txFillClrLst>
+    <dgm:txEffectClrLst/>
+  </dgm:styleLbl>
+  <dgm:styleLbl name="solidFgAcc1">
+    <dgm:fillClrLst meth="repeat">
+      <a:schemeClr val="lt1"/>
+    </dgm:fillClrLst>
+    <dgm:linClrLst meth="repeat">
+      <a:schemeClr val="accent1"/>
+    </dgm:linClrLst>
+    <dgm:effectClrLst/>
+    <dgm:txLinClrLst/>
+    <dgm:txFillClrLst meth="repeat">
+      <a:schemeClr val="dk1"/>
+    </dgm:txFillClrLst>
+    <dgm:txEffectClrLst/>
+  </dgm:styleLbl>
+  <dgm:styleLbl name="solidAlignAcc1">
+    <dgm:fillClrLst meth="repeat">
+      <a:schemeClr val="lt1"/>
+    </dgm:fillClrLst>
+    <dgm:linClrLst meth="repeat">
+      <a:schemeClr val="accent1"/>
+    </dgm:linClrLst>
+    <dgm:effectClrLst/>
+    <dgm:txLinClrLst/>
+    <dgm:txFillClrLst meth="repeat">
+      <a:schemeClr val="dk1"/>
+    </dgm:txFillClrLst>
+    <dgm:txEffectClrLst/>
+  </dgm:styleLbl>
+  <dgm:styleLbl name="solidBgAcc1">
+    <dgm:fillClrLst meth="repeat">
+      <a:schemeClr val="lt1"/>
+    </dgm:fillClrLst>
+    <dgm:linClrLst meth="repeat">
+      <a:schemeClr val="accent1"/>
+    </dgm:linClrLst>
+    <dgm:effectClrLst/>
+    <dgm:txLinClrLst/>
+    <dgm:txFillClrLst meth="repeat">
+      <a:schemeClr val="dk1"/>
+    </dgm:txFillClrLst>
+    <dgm:txEffectClrLst/>
+  </dgm:styleLbl>
+  <dgm:styleLbl name="fgAccFollowNode1">
+    <dgm:fillClrLst meth="repeat">
+      <a:schemeClr val="accent1">
+        <a:alpha val="90000"/>
+        <a:tint val="40000"/>
+      </a:schemeClr>
+    </dgm:fillClrLst>
+    <dgm:linClrLst meth="repeat">
+      <a:schemeClr val="accent1">
+        <a:alpha val="90000"/>
+        <a:tint val="40000"/>
+      </a:schemeClr>
+    </dgm:linClrLst>
+    <dgm:effectClrLst/>
+    <dgm:txLinClrLst/>
+    <dgm:txFillClrLst meth="repeat">
+      <a:schemeClr val="dk1"/>
+    </dgm:txFillClrLst>
+    <dgm:txEffectClrLst/>
+  </dgm:styleLbl>
+  <dgm:styleLbl name="alignAccFollowNode1">
+    <dgm:fillClrLst meth="repeat">
+      <a:schemeClr val="accent1">
+        <a:alpha val="90000"/>
+        <a:tint val="40000"/>
+      </a:schemeClr>
+    </dgm:fillClrLst>
+    <dgm:linClrLst meth="repeat">
+      <a:schemeClr val="accent1">
+        <a:alpha val="90000"/>
+        <a:tint val="40000"/>
+      </a:schemeClr>
+    </dgm:linClrLst>
+    <dgm:effectClrLst/>
+    <dgm:txLinClrLst/>
+    <dgm:txFillClrLst meth="repeat">
+      <a:schemeClr val="dk1"/>
+    </dgm:txFillClrLst>
+    <dgm:txEffectClrLst/>
+  </dgm:styleLbl>
+  <dgm:styleLbl name="bgAccFollowNode1">
+    <dgm:fillClrLst meth="repeat">
+      <a:schemeClr val="accent1">
+        <a:alpha val="90000"/>
+        <a:tint val="40000"/>
+      </a:schemeClr>
+    </dgm:fillClrLst>
+    <dgm:linClrLst meth="repeat">
+      <a:schemeClr val="accent1">
+        <a:alpha val="90000"/>
+        <a:tint val="40000"/>
+      </a:schemeClr>
+    </dgm:linClrLst>
+    <dgm:effectClrLst/>
+    <dgm:txLinClrLst/>
+    <dgm:txFillClrLst meth="repeat">
+      <a:schemeClr val="dk1"/>
+    </dgm:txFillClrLst>
+    <dgm:txEffectClrLst/>
+  </dgm:styleLbl>
+  <dgm:styleLbl name="fgAcc0">
+    <dgm:fillClrLst meth="repeat">
+      <a:schemeClr val="lt1">
+        <a:alpha val="90000"/>
+      </a:schemeClr>
+    </dgm:fillClrLst>
+    <dgm:linClrLst meth="repeat">
+      <a:schemeClr val="accent1"/>
+    </dgm:linClrLst>
+    <dgm:effectClrLst/>
+    <dgm:txLinClrLst/>
+    <dgm:txFillClrLst meth="repeat">
+      <a:schemeClr val="dk1"/>
+    </dgm:txFillClrLst>
+    <dgm:txEffectClrLst/>
+  </dgm:styleLbl>
+  <dgm:styleLbl name="fgAcc2">
+    <dgm:fillClrLst meth="repeat">
+      <a:schemeClr val="lt1">
+        <a:alpha val="90000"/>
+      </a:schemeClr>
+    </dgm:fillClrLst>
+    <dgm:linClrLst meth="repeat">
+      <a:schemeClr val="accent1"/>
+    </dgm:linClrLst>
+    <dgm:effectClrLst/>
+    <dgm:txLinClrLst/>
+    <dgm:txFillClrLst meth="repeat">
+      <a:schemeClr val="dk1"/>
+    </dgm:txFillClrLst>
+    <dgm:txEffectClrLst/>
+  </dgm:styleLbl>
+  <dgm:styleLbl name="fgAcc3">
+    <dgm:fillClrLst meth="repeat">
+      <a:schemeClr val="lt1">
+        <a:alpha val="90000"/>
+      </a:schemeClr>
+    </dgm:fillClrLst>
+    <dgm:linClrLst meth="repeat">
+      <a:schemeClr val="accent1"/>
+    </dgm:linClrLst>
+    <dgm:effectClrLst/>
+    <dgm:txLinClrLst/>
+    <dgm:txFillClrLst meth="repeat">
+      <a:schemeClr val="dk1"/>
+    </dgm:txFillClrLst>
+    <dgm:txEffectClrLst/>
+  </dgm:styleLbl>
+  <dgm:styleLbl name="fgAcc4">
+    <dgm:fillClrLst meth="repeat">
+      <a:schemeClr val="lt1">
+        <a:alpha val="90000"/>
+      </a:schemeClr>
+    </dgm:fillClrLst>
+    <dgm:linClrLst meth="repeat">
+      <a:schemeClr val="accent1"/>
+    </dgm:linClrLst>
+    <dgm:effectClrLst/>
+    <dgm:txLinClrLst/>
+    <dgm:txFillClrLst meth="repeat">
+      <a:schemeClr val="dk1"/>
+    </dgm:txFillClrLst>
+    <dgm:txEffectClrLst/>
+  </dgm:styleLbl>
+  <dgm:styleLbl name="bgShp">
+    <dgm:fillClrLst meth="repeat">
+      <a:schemeClr val="accent1">
+        <a:tint val="40000"/>
+      </a:schemeClr>
+    </dgm:fillClrLst>
+    <dgm:linClrLst meth="repeat">
+      <a:schemeClr val="accent1"/>
+    </dgm:linClrLst>
+    <dgm:effectClrLst/>
+    <dgm:txLinClrLst/>
+    <dgm:txFillClrLst meth="repeat">
+      <a:schemeClr val="dk1"/>
+    </dgm:txFillClrLst>
+    <dgm:txEffectClrLst/>
+  </dgm:styleLbl>
+  <dgm:styleLbl name="dkBgShp">
+    <dgm:fillClrLst meth="repeat">
+      <a:schemeClr val="accent1">
+        <a:shade val="80000"/>
+      </a:schemeClr>
+    </dgm:fillClrLst>
+    <dgm:linClrLst meth="repeat">
+      <a:schemeClr val="accent1"/>
+    </dgm:linClrLst>
+    <dgm:effectClrLst/>
+    <dgm:txLinClrLst/>
+    <dgm:txFillClrLst meth="repeat">
+      <a:schemeClr val="lt1"/>
+    </dgm:txFillClrLst>
+    <dgm:txEffectClrLst/>
+  </dgm:styleLbl>
+  <dgm:styleLbl name="trBgShp">
+    <dgm:fillClrLst meth="repeat">
+      <a:schemeClr val="accent1">
+        <a:tint val="50000"/>
+        <a:alpha val="40000"/>
+      </a:schemeClr>
+    </dgm:fillClrLst>
+    <dgm:linClrLst meth="repeat">
+      <a:schemeClr val="accent1"/>
+    </dgm:linClrLst>
+    <dgm:effectClrLst/>
+    <dgm:txLinClrLst/>
+    <dgm:txFillClrLst meth="repeat">
+      <a:schemeClr val="lt1"/>
+    </dgm:txFillClrLst>
+    <dgm:txEffectClrLst/>
+  </dgm:styleLbl>
+  <dgm:styleLbl name="fgShp">
+    <dgm:fillClrLst meth="repeat">
+      <a:schemeClr val="accent1">
+        <a:tint val="60000"/>
+      </a:schemeClr>
+    </dgm:fillClrLst>
+    <dgm:linClrLst meth="repeat">
+      <a:schemeClr val="lt1"/>
+    </dgm:linClrLst>
+    <dgm:effectClrLst/>
+    <dgm:txLinClrLst/>
+    <dgm:txFillClrLst meth="repeat">
+      <a:schemeClr val="dk1"/>
+    </dgm:txFillClrLst>
+    <dgm:txEffectClrLst/>
+  </dgm:styleLbl>
+  <dgm:styleLbl name="revTx">
+    <dgm:fillClrLst meth="repeat">
+      <a:schemeClr val="lt1">
+        <a:alpha val="0"/>
+      </a:schemeClr>
+    </dgm:fillClrLst>
+    <dgm:linClrLst meth="repeat">
+      <a:schemeClr val="dk1">
+        <a:alpha val="0"/>
+      </a:schemeClr>
+    </dgm:linClrLst>
+    <dgm:effectClrLst/>
+    <dgm:txLinClrLst/>
+    <dgm:txFillClrLst meth="repeat">
+      <a:schemeClr val="tx1"/>
+    </dgm:txFillClrLst>
+    <dgm:txEffectClrLst/>
+  </dgm:styleLbl>
+</dgm:colorsDef>
+</file>
+
+<file path=ppt/diagrams/data1.xml><?xml version="1.0" encoding="utf-8"?>
+<dgm:dataModel xmlns:dgm="http://schemas.openxmlformats.org/drawingml/2006/diagram" xmlns:a="http://schemas.openxmlformats.org/drawingml/2006/main">
+  <dgm:ptLst>
+    <dgm:pt modelId="{5DFB61CE-39B1-46D7-8D8F-68DD9736470F}" type="doc">
+      <dgm:prSet loTypeId="urn:microsoft.com/office/officeart/2005/8/layout/vList2" loCatId="list" qsTypeId="urn:microsoft.com/office/officeart/2005/8/quickstyle/simple1" qsCatId="simple" csTypeId="urn:microsoft.com/office/officeart/2005/8/colors/accent1_2" csCatId="accent1" phldr="1"/>
+      <dgm:spPr/>
+      <dgm:t>
+        <a:bodyPr/>
+        <a:lstStyle/>
+        <a:p>
+          <a:endParaRPr kumimoji="1" lang="ja-JP" altLang="en-US"/>
+        </a:p>
+      </dgm:t>
+    </dgm:pt>
+    <dgm:pt modelId="{E82CF9D9-DDF3-46F5-8678-D9DA58C70FFA}">
+      <dgm:prSet phldrT="[テキスト]" custT="1"/>
+      <dgm:spPr/>
+      <dgm:t>
+        <a:bodyPr/>
+        <a:lstStyle/>
+        <a:p>
+          <a:pPr algn="ctr"/>
+          <a:r>
+            <a:rPr lang="ja-JP" altLang="en-US" sz="5000" b="0" i="0" dirty="0" smtClean="0"/>
+            <a:t>簡単にモノを人間化する</a:t>
+          </a:r>
+          <a:endParaRPr kumimoji="1" lang="ja-JP" altLang="en-US" sz="5000" dirty="0"/>
+        </a:p>
+      </dgm:t>
+    </dgm:pt>
+    <dgm:pt modelId="{9563F781-6A03-47FD-8D4E-B1CD7437D419}" type="parTrans" cxnId="{303C8C22-DB25-402E-AC0D-15C9B6D7FB0E}">
+      <dgm:prSet/>
+      <dgm:spPr/>
+      <dgm:t>
+        <a:bodyPr/>
+        <a:lstStyle/>
+        <a:p>
+          <a:endParaRPr kumimoji="1" lang="ja-JP" altLang="en-US"/>
+        </a:p>
+      </dgm:t>
+    </dgm:pt>
+    <dgm:pt modelId="{359C2A70-8946-42C5-8AF5-08A8E0A40E52}" type="sibTrans" cxnId="{303C8C22-DB25-402E-AC0D-15C9B6D7FB0E}">
+      <dgm:prSet/>
+      <dgm:spPr/>
+      <dgm:t>
+        <a:bodyPr/>
+        <a:lstStyle/>
+        <a:p>
+          <a:endParaRPr kumimoji="1" lang="ja-JP" altLang="en-US"/>
+        </a:p>
+      </dgm:t>
+    </dgm:pt>
+    <dgm:pt modelId="{067E087D-3996-4118-A686-353308FC82F0}">
+      <dgm:prSet phldrT="[テキスト]" custT="1"/>
+      <dgm:spPr/>
+      <dgm:t>
+        <a:bodyPr/>
+        <a:lstStyle/>
+        <a:p>
+          <a:r>
+            <a:rPr lang="ja-JP" altLang="en-US" sz="3500" dirty="0" smtClean="0"/>
+            <a:t>産業用ロボットに名前を付ける</a:t>
+          </a:r>
+          <a:endParaRPr kumimoji="1" lang="ja-JP" altLang="en-US" sz="3500" dirty="0"/>
+        </a:p>
+      </dgm:t>
+    </dgm:pt>
+    <dgm:pt modelId="{4F53723D-B374-4A61-9289-69243D80B364}" type="parTrans" cxnId="{F25A6060-2BD1-453A-8D8F-FE4BE265FBA6}">
+      <dgm:prSet/>
+      <dgm:spPr/>
+      <dgm:t>
+        <a:bodyPr/>
+        <a:lstStyle/>
+        <a:p>
+          <a:endParaRPr kumimoji="1" lang="ja-JP" altLang="en-US"/>
+        </a:p>
+      </dgm:t>
+    </dgm:pt>
+    <dgm:pt modelId="{9F8AC47E-B730-4C2C-B8F4-7183DC2B0355}" type="sibTrans" cxnId="{F25A6060-2BD1-453A-8D8F-FE4BE265FBA6}">
+      <dgm:prSet/>
+      <dgm:spPr/>
+      <dgm:t>
+        <a:bodyPr/>
+        <a:lstStyle/>
+        <a:p>
+          <a:endParaRPr kumimoji="1" lang="ja-JP" altLang="en-US"/>
+        </a:p>
+      </dgm:t>
+    </dgm:pt>
+    <dgm:pt modelId="{1086B2D7-B443-43BE-986F-AD0211CD1AA6}">
+      <dgm:prSet phldrT="[テキスト]" custT="1"/>
+      <dgm:spPr/>
+      <dgm:t>
+        <a:bodyPr/>
+        <a:lstStyle/>
+        <a:p>
+          <a:r>
+            <a:rPr lang="ja-JP" altLang="en-US" sz="3500" b="0" i="0" dirty="0" smtClean="0"/>
+            <a:t>震災復興のシンボルとして</a:t>
+          </a:r>
+          <a:r>
+            <a:rPr lang="ja-JP" altLang="en-US" sz="3500" b="0" i="0" dirty="0" smtClean="0"/>
+            <a:t>キャラクターが</a:t>
+          </a:r>
+          <a:r>
+            <a:rPr lang="ja-JP" altLang="en-US" sz="3500" b="0" i="0" dirty="0" smtClean="0"/>
+            <a:t>使われる</a:t>
+          </a:r>
+          <a:endParaRPr kumimoji="1" lang="ja-JP" altLang="en-US" sz="3500" dirty="0"/>
+        </a:p>
+      </dgm:t>
+    </dgm:pt>
+    <dgm:pt modelId="{D9572313-D21D-4DBF-80C0-A36161DB839D}" type="parTrans" cxnId="{34600DE3-E57F-45AB-9F41-77B92CC4FFEE}">
+      <dgm:prSet/>
+      <dgm:spPr/>
+      <dgm:t>
+        <a:bodyPr/>
+        <a:lstStyle/>
+        <a:p>
+          <a:endParaRPr kumimoji="1" lang="ja-JP" altLang="en-US"/>
+        </a:p>
+      </dgm:t>
+    </dgm:pt>
+    <dgm:pt modelId="{D194C1A4-61CB-41CB-B407-5F8D327251A1}" type="sibTrans" cxnId="{34600DE3-E57F-45AB-9F41-77B92CC4FFEE}">
+      <dgm:prSet/>
+      <dgm:spPr/>
+      <dgm:t>
+        <a:bodyPr/>
+        <a:lstStyle/>
+        <a:p>
+          <a:endParaRPr kumimoji="1" lang="ja-JP" altLang="en-US"/>
+        </a:p>
+      </dgm:t>
+    </dgm:pt>
+    <dgm:pt modelId="{519860E0-D343-4F35-BDA3-7B4D711A62CF}" type="pres">
+      <dgm:prSet presAssocID="{5DFB61CE-39B1-46D7-8D8F-68DD9736470F}" presName="linear" presStyleCnt="0">
+        <dgm:presLayoutVars>
+          <dgm:animLvl val="lvl"/>
+          <dgm:resizeHandles val="exact"/>
+        </dgm:presLayoutVars>
+      </dgm:prSet>
+      <dgm:spPr/>
+    </dgm:pt>
+    <dgm:pt modelId="{6924ABC0-FD88-42C8-ACEF-9A46841BC9FD}" type="pres">
+      <dgm:prSet presAssocID="{E82CF9D9-DDF3-46F5-8678-D9DA58C70FFA}" presName="parentText" presStyleLbl="node1" presStyleIdx="0" presStyleCnt="1" custScaleY="95604" custLinFactNeighborY="-96749">
+        <dgm:presLayoutVars>
+          <dgm:chMax val="0"/>
+          <dgm:bulletEnabled val="1"/>
+        </dgm:presLayoutVars>
+      </dgm:prSet>
+      <dgm:spPr/>
+      <dgm:t>
+        <a:bodyPr/>
+        <a:lstStyle/>
+        <a:p>
+          <a:endParaRPr kumimoji="1" lang="ja-JP" altLang="en-US"/>
+        </a:p>
+      </dgm:t>
+    </dgm:pt>
+    <dgm:pt modelId="{96410B63-0B25-4AB2-B79C-0AD9179BBDD8}" type="pres">
+      <dgm:prSet presAssocID="{E82CF9D9-DDF3-46F5-8678-D9DA58C70FFA}" presName="childText" presStyleLbl="revTx" presStyleIdx="0" presStyleCnt="1" custLinFactNeighborY="-72017">
+        <dgm:presLayoutVars>
+          <dgm:bulletEnabled val="1"/>
+        </dgm:presLayoutVars>
+      </dgm:prSet>
+      <dgm:spPr/>
+      <dgm:t>
+        <a:bodyPr/>
+        <a:lstStyle/>
+        <a:p>
+          <a:endParaRPr kumimoji="1" lang="ja-JP" altLang="en-US"/>
+        </a:p>
+      </dgm:t>
+    </dgm:pt>
+  </dgm:ptLst>
+  <dgm:cxnLst>
+    <dgm:cxn modelId="{303C8C22-DB25-402E-AC0D-15C9B6D7FB0E}" srcId="{5DFB61CE-39B1-46D7-8D8F-68DD9736470F}" destId="{E82CF9D9-DDF3-46F5-8678-D9DA58C70FFA}" srcOrd="0" destOrd="0" parTransId="{9563F781-6A03-47FD-8D4E-B1CD7437D419}" sibTransId="{359C2A70-8946-42C5-8AF5-08A8E0A40E52}"/>
+    <dgm:cxn modelId="{F25A6060-2BD1-453A-8D8F-FE4BE265FBA6}" srcId="{E82CF9D9-DDF3-46F5-8678-D9DA58C70FFA}" destId="{067E087D-3996-4118-A686-353308FC82F0}" srcOrd="0" destOrd="0" parTransId="{4F53723D-B374-4A61-9289-69243D80B364}" sibTransId="{9F8AC47E-B730-4C2C-B8F4-7183DC2B0355}"/>
+    <dgm:cxn modelId="{C9440C5B-B9D1-4C6B-AD06-8EE2A5F67D57}" type="presOf" srcId="{1086B2D7-B443-43BE-986F-AD0211CD1AA6}" destId="{96410B63-0B25-4AB2-B79C-0AD9179BBDD8}" srcOrd="0" destOrd="1" presId="urn:microsoft.com/office/officeart/2005/8/layout/vList2"/>
+    <dgm:cxn modelId="{7E767B13-19F9-4A91-B5CF-AD06FCA23BBE}" type="presOf" srcId="{E82CF9D9-DDF3-46F5-8678-D9DA58C70FFA}" destId="{6924ABC0-FD88-42C8-ACEF-9A46841BC9FD}" srcOrd="0" destOrd="0" presId="urn:microsoft.com/office/officeart/2005/8/layout/vList2"/>
+    <dgm:cxn modelId="{34600DE3-E57F-45AB-9F41-77B92CC4FFEE}" srcId="{E82CF9D9-DDF3-46F5-8678-D9DA58C70FFA}" destId="{1086B2D7-B443-43BE-986F-AD0211CD1AA6}" srcOrd="1" destOrd="0" parTransId="{D9572313-D21D-4DBF-80C0-A36161DB839D}" sibTransId="{D194C1A4-61CB-41CB-B407-5F8D327251A1}"/>
+    <dgm:cxn modelId="{834BAE81-787A-4F25-BF47-1D668162B16B}" type="presOf" srcId="{067E087D-3996-4118-A686-353308FC82F0}" destId="{96410B63-0B25-4AB2-B79C-0AD9179BBDD8}" srcOrd="0" destOrd="0" presId="urn:microsoft.com/office/officeart/2005/8/layout/vList2"/>
+    <dgm:cxn modelId="{C261469D-1A67-4977-BE1B-89380676DBBD}" type="presOf" srcId="{5DFB61CE-39B1-46D7-8D8F-68DD9736470F}" destId="{519860E0-D343-4F35-BDA3-7B4D711A62CF}" srcOrd="0" destOrd="0" presId="urn:microsoft.com/office/officeart/2005/8/layout/vList2"/>
+    <dgm:cxn modelId="{CDAF0F5C-0306-4203-913D-6C052DB7366D}" type="presParOf" srcId="{519860E0-D343-4F35-BDA3-7B4D711A62CF}" destId="{6924ABC0-FD88-42C8-ACEF-9A46841BC9FD}" srcOrd="0" destOrd="0" presId="urn:microsoft.com/office/officeart/2005/8/layout/vList2"/>
+    <dgm:cxn modelId="{D63B4AB7-ECEB-40EC-8BD1-C84ED7D1023E}" type="presParOf" srcId="{519860E0-D343-4F35-BDA3-7B4D711A62CF}" destId="{96410B63-0B25-4AB2-B79C-0AD9179BBDD8}" srcOrd="1" destOrd="0" presId="urn:microsoft.com/office/officeart/2005/8/layout/vList2"/>
+  </dgm:cxnLst>
+  <dgm:bg/>
+  <dgm:whole/>
+  <dgm:extLst>
+    <a:ext uri="http://schemas.microsoft.com/office/drawing/2008/diagram">
+      <dsp:dataModelExt xmlns:dsp="http://schemas.microsoft.com/office/drawing/2008/diagram" relId="rId6" minVer="http://schemas.openxmlformats.org/drawingml/2006/diagram"/>
+    </a:ext>
+  </dgm:extLst>
+</dgm:dataModel>
+</file>
+
+<file path=ppt/diagrams/data2.xml><?xml version="1.0" encoding="utf-8"?>
+<dgm:dataModel xmlns:dgm="http://schemas.openxmlformats.org/drawingml/2006/diagram" xmlns:a="http://schemas.openxmlformats.org/drawingml/2006/main">
+  <dgm:ptLst>
+    <dgm:pt modelId="{530D1B7C-1D3F-4D81-963A-68B77AA2CDCD}" type="doc">
+      <dgm:prSet loTypeId="urn:microsoft.com/office/officeart/2005/8/layout/equation1" loCatId="process" qsTypeId="urn:microsoft.com/office/officeart/2005/8/quickstyle/simple1" qsCatId="simple" csTypeId="urn:microsoft.com/office/officeart/2005/8/colors/accent1_2" csCatId="accent1" phldr="1"/>
+      <dgm:spPr/>
+      <dgm:t>
+        <a:bodyPr/>
+        <a:lstStyle/>
+        <a:p>
+          <a:endParaRPr kumimoji="1" lang="ja-JP" altLang="en-US"/>
+        </a:p>
+      </dgm:t>
+    </dgm:pt>
+    <dgm:pt modelId="{CA259E73-F6DE-49F1-BE31-126605F86949}">
+      <dgm:prSet custT="1"/>
+      <dgm:spPr/>
+      <dgm:t>
+        <a:bodyPr/>
+        <a:lstStyle/>
+        <a:p>
+          <a:pPr rtl="0"/>
+          <a:r>
+            <a:rPr kumimoji="1" lang="ja-JP" altLang="en-US" sz="4000" dirty="0" smtClean="0"/>
+            <a:t>目的が</a:t>
+          </a:r>
+          <a:r>
+            <a:rPr kumimoji="1" lang="ja-JP" sz="4000" dirty="0" smtClean="0"/>
+            <a:t>はっきり</a:t>
+          </a:r>
+          <a:r>
+            <a:rPr kumimoji="1" lang="en-US" altLang="ja-JP" sz="4000" dirty="0" smtClean="0"/>
+            <a:t>  </a:t>
+          </a:r>
+          <a:r>
+            <a:rPr kumimoji="1" lang="ja-JP" sz="4000" dirty="0" smtClean="0"/>
+            <a:t>している</a:t>
+          </a:r>
+          <a:endParaRPr lang="ja-JP" sz="4000" dirty="0"/>
+        </a:p>
+      </dgm:t>
+    </dgm:pt>
+    <dgm:pt modelId="{E8886E50-CEF9-4C05-94FF-3F536FDC936C}" type="parTrans" cxnId="{5CDE9C08-6383-46B6-AEA0-5D4D3D205432}">
+      <dgm:prSet/>
+      <dgm:spPr/>
+      <dgm:t>
+        <a:bodyPr/>
+        <a:lstStyle/>
+        <a:p>
+          <a:endParaRPr kumimoji="1" lang="ja-JP" altLang="en-US"/>
+        </a:p>
+      </dgm:t>
+    </dgm:pt>
+    <dgm:pt modelId="{7A73988F-1E72-497E-A0E3-B5263388B9FF}" type="sibTrans" cxnId="{5CDE9C08-6383-46B6-AEA0-5D4D3D205432}">
+      <dgm:prSet/>
+      <dgm:spPr/>
+      <dgm:t>
+        <a:bodyPr/>
+        <a:lstStyle/>
+        <a:p>
+          <a:endParaRPr kumimoji="1" lang="ja-JP" altLang="en-US"/>
+        </a:p>
+      </dgm:t>
+    </dgm:pt>
+    <dgm:pt modelId="{4764CB45-6CBC-461E-A3F2-B833DDEFBDF3}">
+      <dgm:prSet custT="1"/>
+      <dgm:spPr/>
+      <dgm:t>
+        <a:bodyPr/>
+        <a:lstStyle/>
+        <a:p>
+          <a:pPr rtl="0"/>
+          <a:r>
+            <a:rPr lang="ja-JP" altLang="en-US" sz="4000" dirty="0" smtClean="0"/>
+            <a:t>効果が得られた</a:t>
+          </a:r>
+          <a:endParaRPr lang="ja-JP" altLang="en-US" sz="4000" dirty="0"/>
+        </a:p>
+      </dgm:t>
+    </dgm:pt>
+    <dgm:pt modelId="{28A41133-3CF4-4DA1-BB1D-10B61FE6CCCC}" type="parTrans" cxnId="{E5718D70-8D38-4031-9805-42F028690D42}">
+      <dgm:prSet/>
+      <dgm:spPr/>
+      <dgm:t>
+        <a:bodyPr/>
+        <a:lstStyle/>
+        <a:p>
+          <a:endParaRPr kumimoji="1" lang="ja-JP" altLang="en-US"/>
+        </a:p>
+      </dgm:t>
+    </dgm:pt>
+    <dgm:pt modelId="{F1450A89-9C26-45DE-A7D0-50CA60867227}" type="sibTrans" cxnId="{E5718D70-8D38-4031-9805-42F028690D42}">
+      <dgm:prSet/>
+      <dgm:spPr/>
+      <dgm:t>
+        <a:bodyPr/>
+        <a:lstStyle/>
+        <a:p>
+          <a:endParaRPr kumimoji="1" lang="ja-JP" altLang="en-US"/>
+        </a:p>
+      </dgm:t>
+    </dgm:pt>
+    <dgm:pt modelId="{F066ADAE-9AF2-4320-8CDD-76975414A320}">
+      <dgm:prSet custT="1"/>
+      <dgm:spPr/>
+      <dgm:t>
+        <a:bodyPr/>
+        <a:lstStyle/>
+        <a:p>
+          <a:pPr rtl="0"/>
+          <a:r>
+            <a:rPr lang="ja-JP" altLang="en-US" sz="7000" dirty="0" smtClean="0"/>
+            <a:t>成功</a:t>
+          </a:r>
+          <a:endParaRPr lang="ja-JP" altLang="en-US" sz="7000" dirty="0"/>
+        </a:p>
+      </dgm:t>
+    </dgm:pt>
+    <dgm:pt modelId="{EEB9AA44-6A23-436E-83A8-7CD299D9A575}" type="parTrans" cxnId="{110FCF1E-FD8C-4E7F-A91A-C72273690C94}">
+      <dgm:prSet/>
+      <dgm:spPr/>
+      <dgm:t>
+        <a:bodyPr/>
+        <a:lstStyle/>
+        <a:p>
+          <a:endParaRPr kumimoji="1" lang="ja-JP" altLang="en-US"/>
+        </a:p>
+      </dgm:t>
+    </dgm:pt>
+    <dgm:pt modelId="{BB6DD859-5915-4C2A-ADAE-A9AA7C49B714}" type="sibTrans" cxnId="{110FCF1E-FD8C-4E7F-A91A-C72273690C94}">
+      <dgm:prSet/>
+      <dgm:spPr/>
+      <dgm:t>
+        <a:bodyPr/>
+        <a:lstStyle/>
+        <a:p>
+          <a:endParaRPr kumimoji="1" lang="ja-JP" altLang="en-US"/>
+        </a:p>
+      </dgm:t>
+    </dgm:pt>
+    <dgm:pt modelId="{D29E67F9-EFDC-4AF6-92D2-81E880495256}" type="pres">
+      <dgm:prSet presAssocID="{530D1B7C-1D3F-4D81-963A-68B77AA2CDCD}" presName="linearFlow" presStyleCnt="0">
+        <dgm:presLayoutVars>
+          <dgm:dir/>
+          <dgm:resizeHandles val="exact"/>
+        </dgm:presLayoutVars>
+      </dgm:prSet>
+      <dgm:spPr/>
+    </dgm:pt>
+    <dgm:pt modelId="{FCC706E2-CB40-43CD-A8CB-E77A601F4F04}" type="pres">
+      <dgm:prSet presAssocID="{CA259E73-F6DE-49F1-BE31-126605F86949}" presName="node" presStyleLbl="node1" presStyleIdx="0" presStyleCnt="3" custScaleX="207069" custScaleY="207069">
+        <dgm:presLayoutVars>
+          <dgm:bulletEnabled val="1"/>
+        </dgm:presLayoutVars>
+      </dgm:prSet>
+      <dgm:spPr/>
+      <dgm:t>
+        <a:bodyPr/>
+        <a:lstStyle/>
+        <a:p>
+          <a:endParaRPr kumimoji="1" lang="ja-JP" altLang="en-US"/>
+        </a:p>
+      </dgm:t>
+    </dgm:pt>
+    <dgm:pt modelId="{D801C361-FC35-46CA-9C84-E81FBA91ECDA}" type="pres">
+      <dgm:prSet presAssocID="{7A73988F-1E72-497E-A0E3-B5263388B9FF}" presName="spacerL" presStyleCnt="0"/>
+      <dgm:spPr/>
+    </dgm:pt>
+    <dgm:pt modelId="{C0653534-A42E-4C99-B33C-9BF8388744C0}" type="pres">
+      <dgm:prSet presAssocID="{7A73988F-1E72-497E-A0E3-B5263388B9FF}" presName="sibTrans" presStyleLbl="sibTrans2D1" presStyleIdx="0" presStyleCnt="2"/>
+      <dgm:spPr/>
+    </dgm:pt>
+    <dgm:pt modelId="{C5EBBD83-0EAE-4941-82D4-7B11AAD4C793}" type="pres">
+      <dgm:prSet presAssocID="{7A73988F-1E72-497E-A0E3-B5263388B9FF}" presName="spacerR" presStyleCnt="0"/>
+      <dgm:spPr/>
+    </dgm:pt>
+    <dgm:pt modelId="{F149124B-4D40-4A4D-A432-AF73BA80393C}" type="pres">
+      <dgm:prSet presAssocID="{4764CB45-6CBC-461E-A3F2-B833DDEFBDF3}" presName="node" presStyleLbl="node1" presStyleIdx="1" presStyleCnt="3" custScaleX="207069" custScaleY="207069">
+        <dgm:presLayoutVars>
+          <dgm:bulletEnabled val="1"/>
+        </dgm:presLayoutVars>
+      </dgm:prSet>
+      <dgm:spPr/>
+      <dgm:t>
+        <a:bodyPr/>
+        <a:lstStyle/>
+        <a:p>
+          <a:endParaRPr kumimoji="1" lang="ja-JP" altLang="en-US"/>
+        </a:p>
+      </dgm:t>
+    </dgm:pt>
+    <dgm:pt modelId="{7EC809F9-6B11-43D5-B012-BF4019ED1FB5}" type="pres">
+      <dgm:prSet presAssocID="{F1450A89-9C26-45DE-A7D0-50CA60867227}" presName="spacerL" presStyleCnt="0"/>
+      <dgm:spPr/>
+    </dgm:pt>
+    <dgm:pt modelId="{70843A2B-0CA8-47B0-8177-93604DD5346C}" type="pres">
+      <dgm:prSet presAssocID="{F1450A89-9C26-45DE-A7D0-50CA60867227}" presName="sibTrans" presStyleLbl="sibTrans2D1" presStyleIdx="1" presStyleCnt="2"/>
+      <dgm:spPr/>
+    </dgm:pt>
+    <dgm:pt modelId="{A39D0E46-2BF6-4D35-92B0-BB39F2C14C61}" type="pres">
+      <dgm:prSet presAssocID="{F1450A89-9C26-45DE-A7D0-50CA60867227}" presName="spacerR" presStyleCnt="0"/>
+      <dgm:spPr/>
+    </dgm:pt>
+    <dgm:pt modelId="{53E1B17F-8B0E-4A96-A2DB-7869354541B0}" type="pres">
+      <dgm:prSet presAssocID="{F066ADAE-9AF2-4320-8CDD-76975414A320}" presName="node" presStyleLbl="node1" presStyleIdx="2" presStyleCnt="3" custScaleX="207069" custScaleY="207069">
+        <dgm:presLayoutVars>
+          <dgm:bulletEnabled val="1"/>
+        </dgm:presLayoutVars>
+      </dgm:prSet>
+      <dgm:spPr/>
+    </dgm:pt>
+  </dgm:ptLst>
+  <dgm:cxnLst>
+    <dgm:cxn modelId="{110FCF1E-FD8C-4E7F-A91A-C72273690C94}" srcId="{530D1B7C-1D3F-4D81-963A-68B77AA2CDCD}" destId="{F066ADAE-9AF2-4320-8CDD-76975414A320}" srcOrd="2" destOrd="0" parTransId="{EEB9AA44-6A23-436E-83A8-7CD299D9A575}" sibTransId="{BB6DD859-5915-4C2A-ADAE-A9AA7C49B714}"/>
+    <dgm:cxn modelId="{0DDF6D69-D560-4A9B-AFE0-1FF22A5100B9}" type="presOf" srcId="{CA259E73-F6DE-49F1-BE31-126605F86949}" destId="{FCC706E2-CB40-43CD-A8CB-E77A601F4F04}" srcOrd="0" destOrd="0" presId="urn:microsoft.com/office/officeart/2005/8/layout/equation1"/>
+    <dgm:cxn modelId="{5CDE9C08-6383-46B6-AEA0-5D4D3D205432}" srcId="{530D1B7C-1D3F-4D81-963A-68B77AA2CDCD}" destId="{CA259E73-F6DE-49F1-BE31-126605F86949}" srcOrd="0" destOrd="0" parTransId="{E8886E50-CEF9-4C05-94FF-3F536FDC936C}" sibTransId="{7A73988F-1E72-497E-A0E3-B5263388B9FF}"/>
+    <dgm:cxn modelId="{4E2895A3-8670-4010-9F81-19378CF54F5C}" type="presOf" srcId="{530D1B7C-1D3F-4D81-963A-68B77AA2CDCD}" destId="{D29E67F9-EFDC-4AF6-92D2-81E880495256}" srcOrd="0" destOrd="0" presId="urn:microsoft.com/office/officeart/2005/8/layout/equation1"/>
+    <dgm:cxn modelId="{3588EDB8-22DF-4D61-971C-7DA6775BCF6D}" type="presOf" srcId="{F066ADAE-9AF2-4320-8CDD-76975414A320}" destId="{53E1B17F-8B0E-4A96-A2DB-7869354541B0}" srcOrd="0" destOrd="0" presId="urn:microsoft.com/office/officeart/2005/8/layout/equation1"/>
+    <dgm:cxn modelId="{FDAEB5F2-6C7F-47A6-9DBF-0540A85F36EA}" type="presOf" srcId="{F1450A89-9C26-45DE-A7D0-50CA60867227}" destId="{70843A2B-0CA8-47B0-8177-93604DD5346C}" srcOrd="0" destOrd="0" presId="urn:microsoft.com/office/officeart/2005/8/layout/equation1"/>
+    <dgm:cxn modelId="{A72EB05C-77D4-4A6F-AEF2-E12341D25981}" type="presOf" srcId="{4764CB45-6CBC-461E-A3F2-B833DDEFBDF3}" destId="{F149124B-4D40-4A4D-A432-AF73BA80393C}" srcOrd="0" destOrd="0" presId="urn:microsoft.com/office/officeart/2005/8/layout/equation1"/>
+    <dgm:cxn modelId="{E5718D70-8D38-4031-9805-42F028690D42}" srcId="{530D1B7C-1D3F-4D81-963A-68B77AA2CDCD}" destId="{4764CB45-6CBC-461E-A3F2-B833DDEFBDF3}" srcOrd="1" destOrd="0" parTransId="{28A41133-3CF4-4DA1-BB1D-10B61FE6CCCC}" sibTransId="{F1450A89-9C26-45DE-A7D0-50CA60867227}"/>
+    <dgm:cxn modelId="{FEC77CFA-66D6-48F9-82B6-A3AD8AD9BF69}" type="presOf" srcId="{7A73988F-1E72-497E-A0E3-B5263388B9FF}" destId="{C0653534-A42E-4C99-B33C-9BF8388744C0}" srcOrd="0" destOrd="0" presId="urn:microsoft.com/office/officeart/2005/8/layout/equation1"/>
+    <dgm:cxn modelId="{3AD944EE-6FAF-4409-B9BA-A32FE7DB2F36}" type="presParOf" srcId="{D29E67F9-EFDC-4AF6-92D2-81E880495256}" destId="{FCC706E2-CB40-43CD-A8CB-E77A601F4F04}" srcOrd="0" destOrd="0" presId="urn:microsoft.com/office/officeart/2005/8/layout/equation1"/>
+    <dgm:cxn modelId="{537D9F3D-2277-452B-A4C9-71DA67BC325C}" type="presParOf" srcId="{D29E67F9-EFDC-4AF6-92D2-81E880495256}" destId="{D801C361-FC35-46CA-9C84-E81FBA91ECDA}" srcOrd="1" destOrd="0" presId="urn:microsoft.com/office/officeart/2005/8/layout/equation1"/>
+    <dgm:cxn modelId="{747F0CAC-D89F-482F-8FF6-4263256B30B1}" type="presParOf" srcId="{D29E67F9-EFDC-4AF6-92D2-81E880495256}" destId="{C0653534-A42E-4C99-B33C-9BF8388744C0}" srcOrd="2" destOrd="0" presId="urn:microsoft.com/office/officeart/2005/8/layout/equation1"/>
+    <dgm:cxn modelId="{2CCC2D2F-D0AF-46EF-8D37-F8D9C9FC32CC}" type="presParOf" srcId="{D29E67F9-EFDC-4AF6-92D2-81E880495256}" destId="{C5EBBD83-0EAE-4941-82D4-7B11AAD4C793}" srcOrd="3" destOrd="0" presId="urn:microsoft.com/office/officeart/2005/8/layout/equation1"/>
+    <dgm:cxn modelId="{702D2582-9267-4EDE-BECE-BE2D9CAA15B7}" type="presParOf" srcId="{D29E67F9-EFDC-4AF6-92D2-81E880495256}" destId="{F149124B-4D40-4A4D-A432-AF73BA80393C}" srcOrd="4" destOrd="0" presId="urn:microsoft.com/office/officeart/2005/8/layout/equation1"/>
+    <dgm:cxn modelId="{69229088-E352-45DD-BED8-267BF38BE1FE}" type="presParOf" srcId="{D29E67F9-EFDC-4AF6-92D2-81E880495256}" destId="{7EC809F9-6B11-43D5-B012-BF4019ED1FB5}" srcOrd="5" destOrd="0" presId="urn:microsoft.com/office/officeart/2005/8/layout/equation1"/>
+    <dgm:cxn modelId="{4C3FACC8-F3AA-4AC2-BD2D-8EF16A8D5DDC}" type="presParOf" srcId="{D29E67F9-EFDC-4AF6-92D2-81E880495256}" destId="{70843A2B-0CA8-47B0-8177-93604DD5346C}" srcOrd="6" destOrd="0" presId="urn:microsoft.com/office/officeart/2005/8/layout/equation1"/>
+    <dgm:cxn modelId="{52CD05B8-CCCB-45D4-91E2-105A492C932E}" type="presParOf" srcId="{D29E67F9-EFDC-4AF6-92D2-81E880495256}" destId="{A39D0E46-2BF6-4D35-92B0-BB39F2C14C61}" srcOrd="7" destOrd="0" presId="urn:microsoft.com/office/officeart/2005/8/layout/equation1"/>
+    <dgm:cxn modelId="{17952E2B-309A-4C40-A230-CB88EED6BC2F}" type="presParOf" srcId="{D29E67F9-EFDC-4AF6-92D2-81E880495256}" destId="{53E1B17F-8B0E-4A96-A2DB-7869354541B0}" srcOrd="8" destOrd="0" presId="urn:microsoft.com/office/officeart/2005/8/layout/equation1"/>
+  </dgm:cxnLst>
+  <dgm:bg/>
+  <dgm:whole/>
+  <dgm:extLst>
+    <a:ext uri="http://schemas.microsoft.com/office/drawing/2008/diagram">
+      <dsp:dataModelExt xmlns:dsp="http://schemas.microsoft.com/office/drawing/2008/diagram" relId="rId6" minVer="http://schemas.openxmlformats.org/drawingml/2006/diagram"/>
+    </a:ext>
+  </dgm:extLst>
+</dgm:dataModel>
+</file>
+
+<file path=ppt/diagrams/drawing1.xml><?xml version="1.0" encoding="utf-8"?>
+<dsp:drawing xmlns:dgm="http://schemas.openxmlformats.org/drawingml/2006/diagram" xmlns:dsp="http://schemas.microsoft.com/office/drawing/2008/diagram" xmlns:a="http://schemas.openxmlformats.org/drawingml/2006/main">
+  <dsp:spTree>
+    <dsp:nvGrpSpPr>
+      <dsp:cNvPr id="0" name=""/>
+      <dsp:cNvGrpSpPr/>
+    </dsp:nvGrpSpPr>
+    <dsp:grpSpPr/>
+    <dsp:sp modelId="{6924ABC0-FD88-42C8-ACEF-9A46841BC9FD}">
+      <dsp:nvSpPr>
+        <dsp:cNvPr id="0" name=""/>
+        <dsp:cNvSpPr/>
+      </dsp:nvSpPr>
+      <dsp:spPr>
+        <a:xfrm>
+          <a:off x="0" y="0"/>
+          <a:ext cx="10515600" cy="1145412"/>
+        </a:xfrm>
+        <a:prstGeom prst="roundRect">
+          <a:avLst/>
+        </a:prstGeom>
+        <a:solidFill>
+          <a:schemeClr val="accent1">
+            <a:hueOff val="0"/>
+            <a:satOff val="0"/>
+            <a:lumOff val="0"/>
+            <a:alphaOff val="0"/>
+          </a:schemeClr>
+        </a:solidFill>
+        <a:ln w="12700" cap="flat" cmpd="sng" algn="ctr">
+          <a:solidFill>
+            <a:schemeClr val="lt1">
+              <a:hueOff val="0"/>
+              <a:satOff val="0"/>
+              <a:lumOff val="0"/>
+              <a:alphaOff val="0"/>
+            </a:schemeClr>
+          </a:solidFill>
+          <a:prstDash val="solid"/>
+          <a:miter lim="800000"/>
+        </a:ln>
+        <a:effectLst/>
+      </dsp:spPr>
+      <dsp:style>
+        <a:lnRef idx="2">
+          <a:scrgbClr r="0" g="0" b="0"/>
+        </a:lnRef>
+        <a:fillRef idx="1">
+          <a:scrgbClr r="0" g="0" b="0"/>
+        </a:fillRef>
+        <a:effectRef idx="0">
+          <a:scrgbClr r="0" g="0" b="0"/>
+        </a:effectRef>
+        <a:fontRef idx="minor">
+          <a:schemeClr val="lt1"/>
+        </a:fontRef>
+      </dsp:style>
+      <dsp:txBody>
+        <a:bodyPr spcFirstLastPara="0" vert="horz" wrap="square" lIns="190500" tIns="190500" rIns="190500" bIns="190500" numCol="1" spcCol="1270" anchor="ctr" anchorCtr="0">
+          <a:noAutofit/>
+        </a:bodyPr>
+        <a:lstStyle/>
+        <a:p>
+          <a:pPr lvl="0" algn="ctr" defTabSz="2222500">
+            <a:lnSpc>
+              <a:spcPct val="90000"/>
+            </a:lnSpc>
+            <a:spcBef>
+              <a:spcPct val="0"/>
+            </a:spcBef>
+            <a:spcAft>
+              <a:spcPct val="35000"/>
+            </a:spcAft>
+          </a:pPr>
+          <a:r>
+            <a:rPr lang="ja-JP" altLang="en-US" sz="5000" b="0" i="0" kern="1200" dirty="0" smtClean="0"/>
+            <a:t>簡単にモノを人間化する</a:t>
+          </a:r>
+          <a:endParaRPr kumimoji="1" lang="ja-JP" altLang="en-US" sz="5000" kern="1200" dirty="0"/>
+        </a:p>
+      </dsp:txBody>
+      <dsp:txXfrm>
+        <a:off x="55914" y="55914"/>
+        <a:ext cx="10403772" cy="1033584"/>
+      </dsp:txXfrm>
+    </dsp:sp>
+    <dsp:sp modelId="{96410B63-0B25-4AB2-B79C-0AD9179BBDD8}">
+      <dsp:nvSpPr>
+        <dsp:cNvPr id="0" name=""/>
+        <dsp:cNvSpPr/>
+      </dsp:nvSpPr>
+      <dsp:spPr>
+        <a:xfrm>
+          <a:off x="0" y="1256273"/>
+          <a:ext cx="10515600" cy="1258560"/>
+        </a:xfrm>
+        <a:prstGeom prst="rect">
+          <a:avLst/>
+        </a:prstGeom>
+        <a:noFill/>
+        <a:ln>
+          <a:noFill/>
+        </a:ln>
+        <a:effectLst/>
+      </dsp:spPr>
+      <dsp:style>
+        <a:lnRef idx="0">
+          <a:scrgbClr r="0" g="0" b="0"/>
+        </a:lnRef>
+        <a:fillRef idx="0">
+          <a:scrgbClr r="0" g="0" b="0"/>
+        </a:fillRef>
+        <a:effectRef idx="0">
+          <a:scrgbClr r="0" g="0" b="0"/>
+        </a:effectRef>
+        <a:fontRef idx="minor"/>
+      </dsp:style>
+      <dsp:txBody>
+        <a:bodyPr spcFirstLastPara="0" vert="horz" wrap="square" lIns="333870" tIns="44450" rIns="248920" bIns="44450" numCol="1" spcCol="1270" anchor="t" anchorCtr="0">
+          <a:noAutofit/>
+        </a:bodyPr>
+        <a:lstStyle/>
+        <a:p>
+          <a:pPr marL="285750" lvl="1" indent="-285750" algn="l" defTabSz="1555750">
+            <a:lnSpc>
+              <a:spcPct val="90000"/>
+            </a:lnSpc>
+            <a:spcBef>
+              <a:spcPct val="0"/>
+            </a:spcBef>
+            <a:spcAft>
+              <a:spcPct val="20000"/>
+            </a:spcAft>
+            <a:buChar char="••"/>
+          </a:pPr>
+          <a:r>
+            <a:rPr lang="ja-JP" altLang="en-US" sz="3500" kern="1200" dirty="0" smtClean="0"/>
+            <a:t>産業用ロボットに名前を付ける</a:t>
+          </a:r>
+          <a:endParaRPr kumimoji="1" lang="ja-JP" altLang="en-US" sz="3500" kern="1200" dirty="0"/>
+        </a:p>
+        <a:p>
+          <a:pPr marL="285750" lvl="1" indent="-285750" algn="l" defTabSz="1555750">
+            <a:lnSpc>
+              <a:spcPct val="90000"/>
+            </a:lnSpc>
+            <a:spcBef>
+              <a:spcPct val="0"/>
+            </a:spcBef>
+            <a:spcAft>
+              <a:spcPct val="20000"/>
+            </a:spcAft>
+            <a:buChar char="••"/>
+          </a:pPr>
+          <a:r>
+            <a:rPr lang="ja-JP" altLang="en-US" sz="3500" b="0" i="0" kern="1200" dirty="0" smtClean="0"/>
+            <a:t>震災復興のシンボルとして</a:t>
+          </a:r>
+          <a:r>
+            <a:rPr lang="ja-JP" altLang="en-US" sz="3500" b="0" i="0" kern="1200" dirty="0" smtClean="0"/>
+            <a:t>キャラクターが</a:t>
+          </a:r>
+          <a:r>
+            <a:rPr lang="ja-JP" altLang="en-US" sz="3500" b="0" i="0" kern="1200" dirty="0" smtClean="0"/>
+            <a:t>使われる</a:t>
+          </a:r>
+          <a:endParaRPr kumimoji="1" lang="ja-JP" altLang="en-US" sz="3500" kern="1200" dirty="0"/>
+        </a:p>
+      </dsp:txBody>
+      <dsp:txXfrm>
+        <a:off x="0" y="1256273"/>
+        <a:ext cx="10515600" cy="1258560"/>
+      </dsp:txXfrm>
+    </dsp:sp>
+  </dsp:spTree>
+</dsp:drawing>
+</file>
+
+<file path=ppt/diagrams/drawing2.xml><?xml version="1.0" encoding="utf-8"?>
+<dsp:drawing xmlns:dgm="http://schemas.openxmlformats.org/drawingml/2006/diagram" xmlns:dsp="http://schemas.microsoft.com/office/drawing/2008/diagram" xmlns:a="http://schemas.openxmlformats.org/drawingml/2006/main">
+  <dsp:spTree>
+    <dsp:nvGrpSpPr>
+      <dsp:cNvPr id="0" name=""/>
+      <dsp:cNvGrpSpPr/>
+    </dsp:nvGrpSpPr>
+    <dsp:grpSpPr/>
+    <dsp:sp modelId="{FCC706E2-CB40-43CD-A8CB-E77A601F4F04}">
+      <dsp:nvSpPr>
+        <dsp:cNvPr id="0" name=""/>
+        <dsp:cNvSpPr/>
+      </dsp:nvSpPr>
+      <dsp:spPr>
+        <a:xfrm>
+          <a:off x="1624" y="761599"/>
+          <a:ext cx="2828139" cy="2828139"/>
+        </a:xfrm>
+        <a:prstGeom prst="ellipse">
+          <a:avLst/>
+        </a:prstGeom>
+        <a:solidFill>
+          <a:schemeClr val="accent1">
+            <a:hueOff val="0"/>
+            <a:satOff val="0"/>
+            <a:lumOff val="0"/>
+            <a:alphaOff val="0"/>
+          </a:schemeClr>
+        </a:solidFill>
+        <a:ln w="12700" cap="flat" cmpd="sng" algn="ctr">
+          <a:solidFill>
+            <a:schemeClr val="lt1">
+              <a:hueOff val="0"/>
+              <a:satOff val="0"/>
+              <a:lumOff val="0"/>
+              <a:alphaOff val="0"/>
+            </a:schemeClr>
+          </a:solidFill>
+          <a:prstDash val="solid"/>
+          <a:miter lim="800000"/>
+        </a:ln>
+        <a:effectLst/>
+      </dsp:spPr>
+      <dsp:style>
+        <a:lnRef idx="2">
+          <a:scrgbClr r="0" g="0" b="0"/>
+        </a:lnRef>
+        <a:fillRef idx="1">
+          <a:scrgbClr r="0" g="0" b="0"/>
+        </a:fillRef>
+        <a:effectRef idx="0">
+          <a:scrgbClr r="0" g="0" b="0"/>
+        </a:effectRef>
+        <a:fontRef idx="minor">
+          <a:schemeClr val="lt1"/>
+        </a:fontRef>
+      </dsp:style>
+      <dsp:txBody>
+        <a:bodyPr spcFirstLastPara="0" vert="horz" wrap="square" lIns="50800" tIns="50800" rIns="50800" bIns="50800" numCol="1" spcCol="1270" anchor="ctr" anchorCtr="0">
+          <a:noAutofit/>
+        </a:bodyPr>
+        <a:lstStyle/>
+        <a:p>
+          <a:pPr lvl="0" algn="ctr" defTabSz="1778000" rtl="0">
+            <a:lnSpc>
+              <a:spcPct val="90000"/>
+            </a:lnSpc>
+            <a:spcBef>
+              <a:spcPct val="0"/>
+            </a:spcBef>
+            <a:spcAft>
+              <a:spcPct val="35000"/>
+            </a:spcAft>
+          </a:pPr>
+          <a:r>
+            <a:rPr kumimoji="1" lang="ja-JP" altLang="en-US" sz="4000" kern="1200" dirty="0" smtClean="0"/>
+            <a:t>目的が</a:t>
+          </a:r>
+          <a:r>
+            <a:rPr kumimoji="1" lang="ja-JP" sz="4000" kern="1200" dirty="0" smtClean="0"/>
+            <a:t>はっきり</a:t>
+          </a:r>
+          <a:r>
+            <a:rPr kumimoji="1" lang="en-US" altLang="ja-JP" sz="4000" kern="1200" dirty="0" smtClean="0"/>
+            <a:t>  </a:t>
+          </a:r>
+          <a:r>
+            <a:rPr kumimoji="1" lang="ja-JP" sz="4000" kern="1200" dirty="0" smtClean="0"/>
+            <a:t>している</a:t>
+          </a:r>
+          <a:endParaRPr lang="ja-JP" sz="4000" kern="1200" dirty="0"/>
+        </a:p>
+      </dsp:txBody>
+      <dsp:txXfrm>
+        <a:off x="415795" y="1175770"/>
+        <a:ext cx="1999797" cy="1999797"/>
+      </dsp:txXfrm>
+    </dsp:sp>
+    <dsp:sp modelId="{C0653534-A42E-4C99-B33C-9BF8388744C0}">
+      <dsp:nvSpPr>
+        <dsp:cNvPr id="0" name=""/>
+        <dsp:cNvSpPr/>
+      </dsp:nvSpPr>
+      <dsp:spPr>
+        <a:xfrm>
+          <a:off x="2940666" y="1779588"/>
+          <a:ext cx="792161" cy="792161"/>
+        </a:xfrm>
+        <a:prstGeom prst="mathPlus">
+          <a:avLst/>
+        </a:prstGeom>
+        <a:solidFill>
+          <a:schemeClr val="accent1">
+            <a:tint val="60000"/>
+            <a:hueOff val="0"/>
+            <a:satOff val="0"/>
+            <a:lumOff val="0"/>
+            <a:alphaOff val="0"/>
+          </a:schemeClr>
+        </a:solidFill>
+        <a:ln>
+          <a:noFill/>
+        </a:ln>
+        <a:effectLst/>
+      </dsp:spPr>
+      <dsp:style>
+        <a:lnRef idx="0">
+          <a:scrgbClr r="0" g="0" b="0"/>
+        </a:lnRef>
+        <a:fillRef idx="1">
+          <a:scrgbClr r="0" g="0" b="0"/>
+        </a:fillRef>
+        <a:effectRef idx="0">
+          <a:scrgbClr r="0" g="0" b="0"/>
+        </a:effectRef>
+        <a:fontRef idx="minor">
+          <a:schemeClr val="lt1"/>
+        </a:fontRef>
+      </dsp:style>
+      <dsp:txBody>
+        <a:bodyPr spcFirstLastPara="0" vert="horz" wrap="square" lIns="0" tIns="0" rIns="0" bIns="0" numCol="1" spcCol="1270" anchor="ctr" anchorCtr="0">
+          <a:noAutofit/>
+        </a:bodyPr>
+        <a:lstStyle/>
+        <a:p>
+          <a:pPr lvl="0" algn="ctr" defTabSz="577850">
+            <a:lnSpc>
+              <a:spcPct val="90000"/>
+            </a:lnSpc>
+            <a:spcBef>
+              <a:spcPct val="0"/>
+            </a:spcBef>
+            <a:spcAft>
+              <a:spcPct val="35000"/>
+            </a:spcAft>
+          </a:pPr>
+          <a:endParaRPr kumimoji="1" lang="ja-JP" altLang="en-US" sz="1300" kern="1200"/>
+        </a:p>
+      </dsp:txBody>
+      <dsp:txXfrm>
+        <a:off x="3045667" y="2082510"/>
+        <a:ext cx="582159" cy="186317"/>
+      </dsp:txXfrm>
+    </dsp:sp>
+    <dsp:sp modelId="{F149124B-4D40-4A4D-A432-AF73BA80393C}">
+      <dsp:nvSpPr>
+        <dsp:cNvPr id="0" name=""/>
+        <dsp:cNvSpPr/>
+      </dsp:nvSpPr>
+      <dsp:spPr>
+        <a:xfrm>
+          <a:off x="3843730" y="761599"/>
+          <a:ext cx="2828139" cy="2828139"/>
+        </a:xfrm>
+        <a:prstGeom prst="ellipse">
+          <a:avLst/>
+        </a:prstGeom>
+        <a:solidFill>
+          <a:schemeClr val="accent1">
+            <a:hueOff val="0"/>
+            <a:satOff val="0"/>
+            <a:lumOff val="0"/>
+            <a:alphaOff val="0"/>
+          </a:schemeClr>
+        </a:solidFill>
+        <a:ln w="12700" cap="flat" cmpd="sng" algn="ctr">
+          <a:solidFill>
+            <a:schemeClr val="lt1">
+              <a:hueOff val="0"/>
+              <a:satOff val="0"/>
+              <a:lumOff val="0"/>
+              <a:alphaOff val="0"/>
+            </a:schemeClr>
+          </a:solidFill>
+          <a:prstDash val="solid"/>
+          <a:miter lim="800000"/>
+        </a:ln>
+        <a:effectLst/>
+      </dsp:spPr>
+      <dsp:style>
+        <a:lnRef idx="2">
+          <a:scrgbClr r="0" g="0" b="0"/>
+        </a:lnRef>
+        <a:fillRef idx="1">
+          <a:scrgbClr r="0" g="0" b="0"/>
+        </a:fillRef>
+        <a:effectRef idx="0">
+          <a:scrgbClr r="0" g="0" b="0"/>
+        </a:effectRef>
+        <a:fontRef idx="minor">
+          <a:schemeClr val="lt1"/>
+        </a:fontRef>
+      </dsp:style>
+      <dsp:txBody>
+        <a:bodyPr spcFirstLastPara="0" vert="horz" wrap="square" lIns="50800" tIns="50800" rIns="50800" bIns="50800" numCol="1" spcCol="1270" anchor="ctr" anchorCtr="0">
+          <a:noAutofit/>
+        </a:bodyPr>
+        <a:lstStyle/>
+        <a:p>
+          <a:pPr lvl="0" algn="ctr" defTabSz="1778000" rtl="0">
+            <a:lnSpc>
+              <a:spcPct val="90000"/>
+            </a:lnSpc>
+            <a:spcBef>
+              <a:spcPct val="0"/>
+            </a:spcBef>
+            <a:spcAft>
+              <a:spcPct val="35000"/>
+            </a:spcAft>
+          </a:pPr>
+          <a:r>
+            <a:rPr lang="ja-JP" altLang="en-US" sz="4000" kern="1200" dirty="0" smtClean="0"/>
+            <a:t>効果が得られた</a:t>
+          </a:r>
+          <a:endParaRPr lang="ja-JP" altLang="en-US" sz="4000" kern="1200" dirty="0"/>
+        </a:p>
+      </dsp:txBody>
+      <dsp:txXfrm>
+        <a:off x="4257901" y="1175770"/>
+        <a:ext cx="1999797" cy="1999797"/>
+      </dsp:txXfrm>
+    </dsp:sp>
+    <dsp:sp modelId="{70843A2B-0CA8-47B0-8177-93604DD5346C}">
+      <dsp:nvSpPr>
+        <dsp:cNvPr id="0" name=""/>
+        <dsp:cNvSpPr/>
+      </dsp:nvSpPr>
+      <dsp:spPr>
+        <a:xfrm>
+          <a:off x="6782772" y="1779588"/>
+          <a:ext cx="792161" cy="792161"/>
+        </a:xfrm>
+        <a:prstGeom prst="mathEqual">
+          <a:avLst/>
+        </a:prstGeom>
+        <a:solidFill>
+          <a:schemeClr val="accent1">
+            <a:tint val="60000"/>
+            <a:hueOff val="0"/>
+            <a:satOff val="0"/>
+            <a:lumOff val="0"/>
+            <a:alphaOff val="0"/>
+          </a:schemeClr>
+        </a:solidFill>
+        <a:ln>
+          <a:noFill/>
+        </a:ln>
+        <a:effectLst/>
+      </dsp:spPr>
+      <dsp:style>
+        <a:lnRef idx="0">
+          <a:scrgbClr r="0" g="0" b="0"/>
+        </a:lnRef>
+        <a:fillRef idx="1">
+          <a:scrgbClr r="0" g="0" b="0"/>
+        </a:fillRef>
+        <a:effectRef idx="0">
+          <a:scrgbClr r="0" g="0" b="0"/>
+        </a:effectRef>
+        <a:fontRef idx="minor">
+          <a:schemeClr val="lt1"/>
+        </a:fontRef>
+      </dsp:style>
+      <dsp:txBody>
+        <a:bodyPr spcFirstLastPara="0" vert="horz" wrap="square" lIns="0" tIns="0" rIns="0" bIns="0" numCol="1" spcCol="1270" anchor="ctr" anchorCtr="0">
+          <a:noAutofit/>
+        </a:bodyPr>
+        <a:lstStyle/>
+        <a:p>
+          <a:pPr lvl="0" algn="ctr" defTabSz="1466850">
+            <a:lnSpc>
+              <a:spcPct val="90000"/>
+            </a:lnSpc>
+            <a:spcBef>
+              <a:spcPct val="0"/>
+            </a:spcBef>
+            <a:spcAft>
+              <a:spcPct val="35000"/>
+            </a:spcAft>
+          </a:pPr>
+          <a:endParaRPr kumimoji="1" lang="ja-JP" altLang="en-US" sz="3300" kern="1200"/>
+        </a:p>
+      </dsp:txBody>
+      <dsp:txXfrm>
+        <a:off x="6887773" y="1942773"/>
+        <a:ext cx="582159" cy="465791"/>
+      </dsp:txXfrm>
+    </dsp:sp>
+    <dsp:sp modelId="{53E1B17F-8B0E-4A96-A2DB-7869354541B0}">
+      <dsp:nvSpPr>
+        <dsp:cNvPr id="0" name=""/>
+        <dsp:cNvSpPr/>
+      </dsp:nvSpPr>
+      <dsp:spPr>
+        <a:xfrm>
+          <a:off x="7685836" y="761599"/>
+          <a:ext cx="2828139" cy="2828139"/>
+        </a:xfrm>
+        <a:prstGeom prst="ellipse">
+          <a:avLst/>
+        </a:prstGeom>
+        <a:solidFill>
+          <a:schemeClr val="accent1">
+            <a:hueOff val="0"/>
+            <a:satOff val="0"/>
+            <a:lumOff val="0"/>
+            <a:alphaOff val="0"/>
+          </a:schemeClr>
+        </a:solidFill>
+        <a:ln w="12700" cap="flat" cmpd="sng" algn="ctr">
+          <a:solidFill>
+            <a:schemeClr val="lt1">
+              <a:hueOff val="0"/>
+              <a:satOff val="0"/>
+              <a:lumOff val="0"/>
+              <a:alphaOff val="0"/>
+            </a:schemeClr>
+          </a:solidFill>
+          <a:prstDash val="solid"/>
+          <a:miter lim="800000"/>
+        </a:ln>
+        <a:effectLst/>
+      </dsp:spPr>
+      <dsp:style>
+        <a:lnRef idx="2">
+          <a:scrgbClr r="0" g="0" b="0"/>
+        </a:lnRef>
+        <a:fillRef idx="1">
+          <a:scrgbClr r="0" g="0" b="0"/>
+        </a:fillRef>
+        <a:effectRef idx="0">
+          <a:scrgbClr r="0" g="0" b="0"/>
+        </a:effectRef>
+        <a:fontRef idx="minor">
+          <a:schemeClr val="lt1"/>
+        </a:fontRef>
+      </dsp:style>
+      <dsp:txBody>
+        <a:bodyPr spcFirstLastPara="0" vert="horz" wrap="square" lIns="88900" tIns="88900" rIns="88900" bIns="88900" numCol="1" spcCol="1270" anchor="ctr" anchorCtr="0">
+          <a:noAutofit/>
+        </a:bodyPr>
+        <a:lstStyle/>
+        <a:p>
+          <a:pPr lvl="0" algn="ctr" defTabSz="3111500" rtl="0">
+            <a:lnSpc>
+              <a:spcPct val="90000"/>
+            </a:lnSpc>
+            <a:spcBef>
+              <a:spcPct val="0"/>
+            </a:spcBef>
+            <a:spcAft>
+              <a:spcPct val="35000"/>
+            </a:spcAft>
+          </a:pPr>
+          <a:r>
+            <a:rPr lang="ja-JP" altLang="en-US" sz="7000" kern="1200" dirty="0" smtClean="0"/>
+            <a:t>成功</a:t>
+          </a:r>
+          <a:endParaRPr lang="ja-JP" altLang="en-US" sz="7000" kern="1200" dirty="0"/>
+        </a:p>
+      </dsp:txBody>
+      <dsp:txXfrm>
+        <a:off x="8100007" y="1175770"/>
+        <a:ext cx="1999797" cy="1999797"/>
+      </dsp:txXfrm>
+    </dsp:sp>
+  </dsp:spTree>
+</dsp:drawing>
+</file>
+
+<file path=ppt/diagrams/layout1.xml><?xml version="1.0" encoding="utf-8"?>
+<dgm:layoutDef xmlns:dgm="http://schemas.openxmlformats.org/drawingml/2006/diagram" xmlns:a="http://schemas.openxmlformats.org/drawingml/2006/main" uniqueId="urn:microsoft.com/office/officeart/2005/8/layout/vList2">
+  <dgm:title val=""/>
+  <dgm:desc val=""/>
+  <dgm:catLst>
+    <dgm:cat type="list" pri="3000"/>
+    <dgm:cat type="convert" pri="1000"/>
+  </dgm:catLst>
+  <dgm:sampData>
+    <dgm:dataModel>
+      <dgm:ptLst>
+        <dgm:pt modelId="0" type="doc"/>
+        <dgm:pt modelId="1">
+          <dgm:prSet phldr="1"/>
+        </dgm:pt>
+        <dgm:pt modelId="11">
+          <dgm:prSet phldr="1"/>
+        </dgm:pt>
+        <dgm:pt modelId="2">
+          <dgm:prSet phldr="1"/>
+        </dgm:pt>
+        <dgm:pt modelId="21">
+          <dgm:prSet phldr="1"/>
+        </dgm:pt>
+      </dgm:ptLst>
+      <dgm:cxnLst>
+        <dgm:cxn modelId="4" srcId="0" destId="1" srcOrd="0" destOrd="0"/>
+        <dgm:cxn modelId="5" srcId="0" destId="2" srcOrd="1" destOrd="0"/>
+        <dgm:cxn modelId="12" srcId="1" destId="11" srcOrd="0" destOrd="0"/>
+        <dgm:cxn modelId="23" srcId="2" destId="21" srcOrd="0" destOrd="0"/>
+      </dgm:cxnLst>
+      <dgm:bg/>
+      <dgm:whole/>
+    </dgm:dataModel>
+  </dgm:sampData>
+  <dgm:styleData>
+    <dgm:dataModel>
+      <dgm:ptLst>
+        <dgm:pt modelId="0" type="doc"/>
+        <dgm:pt modelId="1"/>
+        <dgm:pt modelId="2"/>
+      </dgm:ptLst>
+      <dgm:cxnLst>
+        <dgm:cxn modelId="3" srcId="0" destId="1" srcOrd="0" destOrd="0"/>
+        <dgm:cxn modelId="4" srcId="0" destId="2" srcOrd="1" destOrd="0"/>
+      </dgm:cxnLst>
+      <dgm:bg/>
+      <dgm:whole/>
+    </dgm:dataModel>
+  </dgm:styleData>
+  <dgm:clrData>
+    <dgm:dataModel>
+      <dgm:ptLst>
+        <dgm:pt modelId="0" type="doc"/>
+        <dgm:pt modelId="1"/>
+        <dgm:pt modelId="2"/>
+        <dgm:pt modelId="3"/>
+        <dgm:pt modelId="4"/>
+      </dgm:ptLst>
+      <dgm:cxnLst>
+        <dgm:cxn modelId="5" srcId="0" destId="1" srcOrd="0" destOrd="0"/>
+        <dgm:cxn modelId="6" srcId="0" destId="2" srcOrd="1" destOrd="0"/>
+        <dgm:cxn modelId="7" srcId="0" destId="3" srcOrd="2" destOrd="0"/>
+        <dgm:cxn modelId="8" srcId="0" destId="4" srcOrd="3" destOrd="0"/>
+      </dgm:cxnLst>
+      <dgm:bg/>
+      <dgm:whole/>
+    </dgm:dataModel>
+  </dgm:clrData>
+  <dgm:layoutNode name="linear">
+    <dgm:varLst>
+      <dgm:animLvl val="lvl"/>
+      <dgm:resizeHandles val="exact"/>
+    </dgm:varLst>
+    <dgm:alg type="lin">
+      <dgm:param type="linDir" val="fromT"/>
+      <dgm:param type="vertAlign" val="mid"/>
+    </dgm:alg>
+    <dgm:shape xmlns:r="http://schemas.openxmlformats.org/officeDocument/2006/relationships" r:blip="">
+      <dgm:adjLst/>
+    </dgm:shape>
+    <dgm:presOf/>
+    <dgm:constrLst>
+      <dgm:constr type="w" for="ch" forName="parentText" refType="w"/>
+      <dgm:constr type="h" for="ch" forName="parentText" refType="primFontSz" refFor="ch" refForName="parentText" fact="0.52"/>
+      <dgm:constr type="w" for="ch" forName="childText" refType="w"/>
+      <dgm:constr type="h" for="ch" forName="childText" refType="primFontSz" refFor="ch" refForName="parentText" fact="0.46"/>
+      <dgm:constr type="h" for="ch" forName="parentText" op="equ"/>
+      <dgm:constr type="primFontSz" for="ch" forName="parentText" op="equ" val="65"/>
+      <dgm:constr type="primFontSz" for="ch" forName="childText" refType="primFontSz" refFor="ch" refForName="parentText" op="equ"/>
+      <dgm:constr type="h" for="ch" forName="spacer" refType="primFontSz" refFor="ch" refForName="parentText" fact="0.08"/>
+    </dgm:constrLst>
+    <dgm:ruleLst>
+      <dgm:rule type="primFontSz" for="ch" forName="parentText" val="5" fact="NaN" max="NaN"/>
+    </dgm:ruleLst>
+    <dgm:forEach name="Name0" axis="ch" ptType="node">
+      <dgm:layoutNode name="parentText" styleLbl="node1">
+        <dgm:varLst>
+          <dgm:chMax val="0"/>
+          <dgm:bulletEnabled val="1"/>
+        </dgm:varLst>
+        <dgm:alg type="tx">
+          <dgm:param type="parTxLTRAlign" val="l"/>
+          <dgm:param type="parTxRTLAlign" val="r"/>
+        </dgm:alg>
+        <dgm:shape xmlns:r="http://schemas.openxmlformats.org/officeDocument/2006/relationships" type="roundRect" r:blip="">
+          <dgm:adjLst/>
+        </dgm:shape>
+        <dgm:presOf axis="self"/>
+        <dgm:constrLst>
+          <dgm:constr type="tMarg" refType="primFontSz" fact="0.3"/>
+          <dgm:constr type="bMarg" refType="primFontSz" fact="0.3"/>
+          <dgm:constr type="lMarg" refType="primFontSz" fact="0.3"/>
+          <dgm:constr type="rMarg" refType="primFontSz" fact="0.3"/>
+        </dgm:constrLst>
+        <dgm:ruleLst>
+          <dgm:rule type="h" val="INF" fact="NaN" max="NaN"/>
+        </dgm:ruleLst>
+      </dgm:layoutNode>
+      <dgm:choose name="Name1">
+        <dgm:if name="Name2" axis="ch" ptType="node" func="cnt" op="gte" val="1">
+          <dgm:layoutNode name="childText" styleLbl="revTx">
+            <dgm:varLst>
+              <dgm:bulletEnabled val="1"/>
+            </dgm:varLst>
+            <dgm:alg type="tx">
+              <dgm:param type="stBulletLvl" val="1"/>
+              <dgm:param type="lnSpAfChP" val="20"/>
+            </dgm:alg>
+            <dgm:shape xmlns:r="http://schemas.openxmlformats.org/officeDocument/2006/relationships" type="rect" r:blip="">
+              <dgm:adjLst/>
+            </dgm:shape>
+            <dgm:presOf axis="des" ptType="node"/>
+            <dgm:constrLst>
+              <dgm:constr type="tMarg" refType="primFontSz" fact="0.1"/>
+              <dgm:constr type="bMarg" refType="primFontSz" fact="0.1"/>
+              <dgm:constr type="lMarg" refType="w" fact="0.09"/>
+            </dgm:constrLst>
+            <dgm:ruleLst>
+              <dgm:rule type="h" val="INF" fact="NaN" max="NaN"/>
+            </dgm:ruleLst>
+          </dgm:layoutNode>
+        </dgm:if>
+        <dgm:else name="Name3">
+          <dgm:choose name="Name4">
+            <dgm:if name="Name5" axis="par ch" ptType="doc node" func="cnt" op="gte" val="2">
+              <dgm:forEach name="Name6" axis="followSib" ptType="sibTrans" cnt="1">
+                <dgm:layoutNode name="spacer">
+                  <dgm:alg type="sp"/>
+                  <dgm:shape xmlns:r="http://schemas.openxmlformats.org/officeDocument/2006/relationships" r:blip="">
+                    <dgm:adjLst/>
+                  </dgm:shape>
+                  <dgm:presOf/>
+                  <dgm:constrLst/>
+                  <dgm:ruleLst/>
+                </dgm:layoutNode>
+              </dgm:forEach>
+            </dgm:if>
+            <dgm:else name="Name7"/>
+          </dgm:choose>
+        </dgm:else>
+      </dgm:choose>
+    </dgm:forEach>
+  </dgm:layoutNode>
+</dgm:layoutDef>
+</file>
+
+<file path=ppt/diagrams/layout2.xml><?xml version="1.0" encoding="utf-8"?>
+<dgm:layoutDef xmlns:dgm="http://schemas.openxmlformats.org/drawingml/2006/diagram" xmlns:a="http://schemas.openxmlformats.org/drawingml/2006/main" uniqueId="urn:microsoft.com/office/officeart/2005/8/layout/equation1">
+  <dgm:title val=""/>
+  <dgm:desc val=""/>
+  <dgm:catLst>
+    <dgm:cat type="relationship" pri="17000"/>
+    <dgm:cat type="process" pri="25000"/>
+  </dgm:catLst>
+  <dgm:sampData useDef="1">
+    <dgm:dataModel>
+      <dgm:ptLst/>
+      <dgm:bg/>
+      <dgm:whole/>
+    </dgm:dataModel>
+  </dgm:sampData>
+  <dgm:styleData>
+    <dgm:dataModel>
+      <dgm:ptLst>
+        <dgm:pt modelId="0" type="doc"/>
+        <dgm:pt modelId="1"/>
+        <dgm:pt modelId="2"/>
+      </dgm:ptLst>
+      <dgm:cxnLst>
+        <dgm:cxn modelId="3" srcId="0" destId="1" srcOrd="0" destOrd="0"/>
+        <dgm:cxn modelId="4" srcId="0" destId="2" srcOrd="1" destOrd="0"/>
+      </dgm:cxnLst>
+      <dgm:bg/>
+      <dgm:whole/>
+    </dgm:dataModel>
+  </dgm:styleData>
+  <dgm:clrData>
+    <dgm:dataModel>
+      <dgm:ptLst>
+        <dgm:pt modelId="0" type="doc"/>
+        <dgm:pt modelId="1"/>
+        <dgm:pt modelId="2"/>
+        <dgm:pt modelId="3"/>
+        <dgm:pt modelId="4"/>
+      </dgm:ptLst>
+      <dgm:cxnLst>
+        <dgm:cxn modelId="5" srcId="0" destId="1" srcOrd="0" destOrd="0"/>
+        <dgm:cxn modelId="6" srcId="0" destId="2" srcOrd="1" destOrd="0"/>
+        <dgm:cxn modelId="7" srcId="0" destId="3" srcOrd="2" destOrd="0"/>
+        <dgm:cxn modelId="8" srcId="0" destId="4" srcOrd="3" destOrd="0"/>
+      </dgm:cxnLst>
+      <dgm:bg/>
+      <dgm:whole/>
+    </dgm:dataModel>
+  </dgm:clrData>
+  <dgm:layoutNode name="linearFlow">
+    <dgm:varLst>
+      <dgm:dir/>
+      <dgm:resizeHandles val="exact"/>
+    </dgm:varLst>
+    <dgm:choose name="Name0">
+      <dgm:if name="Name1" func="var" arg="dir" op="equ" val="norm">
+        <dgm:alg type="lin">
+          <dgm:param type="fallback" val="2D"/>
+        </dgm:alg>
+      </dgm:if>
+      <dgm:else name="Name2">
+        <dgm:alg type="lin">
+          <dgm:param type="linDir" val="fromR"/>
+          <dgm:param type="fallback" val="2D"/>
+        </dgm:alg>
+      </dgm:else>
+    </dgm:choose>
+    <dgm:shape xmlns:r="http://schemas.openxmlformats.org/officeDocument/2006/relationships" r:blip="">
+      <dgm:adjLst/>
+    </dgm:shape>
+    <dgm:presOf/>
+    <dgm:constrLst>
+      <dgm:constr type="w" for="ch" ptType="node" refType="w"/>
+      <dgm:constr type="w" for="ch" ptType="sibTrans" refType="w" refFor="ch" refPtType="node" fact="0.58"/>
+      <dgm:constr type="primFontSz" for="ch" ptType="node" op="equ" val="65"/>
+      <dgm:constr type="primFontSz" for="ch" ptType="sibTrans" op="equ" val="55"/>
+      <dgm:constr type="primFontSz" for="ch" ptType="sibTrans" refType="primFontSz" refFor="ch" refPtType="node" op="lte" fact="0.8"/>
+      <dgm:constr type="w" for="ch" forName="spacerL" refType="w" refFor="ch" refPtType="sibTrans" fact="0.14"/>
+      <dgm:constr type="w" for="ch" forName="spacerR" refType="w" refFor="ch" refPtType="sibTrans" fact="0.14"/>
+    </dgm:constrLst>
+    <dgm:ruleLst/>
+    <dgm:forEach name="nodesForEach" axis="ch" ptType="node">
+      <dgm:layoutNode name="node">
+        <dgm:varLst>
+          <dgm:bulletEnabled val="1"/>
+        </dgm:varLst>
+        <dgm:alg type="tx">
+          <dgm:param type="txAnchorVertCh" val="mid"/>
+        </dgm:alg>
+        <dgm:shape xmlns:r="http://schemas.openxmlformats.org/officeDocument/2006/relationships" type="ellipse" r:blip="">
+          <dgm:adjLst/>
+        </dgm:shape>
+        <dgm:presOf axis="desOrSelf" ptType="node"/>
+        <dgm:constrLst>
+          <dgm:constr type="h" refType="w"/>
+          <dgm:constr type="tMarg" refType="primFontSz" fact="0.1"/>
+          <dgm:constr type="bMarg" refType="primFontSz" fact="0.1"/>
+          <dgm:constr type="lMarg" refType="primFontSz" fact="0.1"/>
+          <dgm:constr type="rMarg" refType="primFontSz" fact="0.1"/>
+        </dgm:constrLst>
+        <dgm:ruleLst>
+          <dgm:rule type="primFontSz" val="5" fact="NaN" max="NaN"/>
+        </dgm:ruleLst>
+      </dgm:layoutNode>
+      <dgm:forEach name="sibTransForEach" axis="followSib" ptType="sibTrans" cnt="1">
+        <dgm:layoutNode name="spacerL">
+          <dgm:alg type="sp"/>
+          <dgm:shape xmlns:r="http://schemas.openxmlformats.org/officeDocument/2006/relationships" r:blip="">
+            <dgm:adjLst/>
+          </dgm:shape>
+          <dgm:presOf/>
+          <dgm:constrLst/>
+          <dgm:ruleLst/>
+        </dgm:layoutNode>
+        <dgm:layoutNode name="sibTrans">
+          <dgm:alg type="tx"/>
+          <dgm:choose name="Name3">
+            <dgm:if name="Name4" axis="followSib" ptType="sibTrans" func="cnt" op="equ" val="0">
+              <dgm:shape xmlns:r="http://schemas.openxmlformats.org/officeDocument/2006/relationships" type="mathEqual" r:blip="">
+                <dgm:adjLst/>
+              </dgm:shape>
+            </dgm:if>
+            <dgm:else name="Name5">
+              <dgm:shape xmlns:r="http://schemas.openxmlformats.org/officeDocument/2006/relationships" type="mathPlus" r:blip="">
+                <dgm:adjLst/>
+              </dgm:shape>
+            </dgm:else>
+          </dgm:choose>
+          <dgm:presOf axis="self"/>
+          <dgm:constrLst>
+            <dgm:constr type="h" refType="w"/>
+            <dgm:constr type="lMarg"/>
+            <dgm:constr type="rMarg"/>
+            <dgm:constr type="tMarg"/>
+            <dgm:constr type="bMarg"/>
+          </dgm:constrLst>
+          <dgm:ruleLst>
+            <dgm:rule type="primFontSz" val="5" fact="NaN" max="NaN"/>
+          </dgm:ruleLst>
+        </dgm:layoutNode>
+        <dgm:layoutNode name="spacerR">
+          <dgm:alg type="sp"/>
+          <dgm:shape xmlns:r="http://schemas.openxmlformats.org/officeDocument/2006/relationships" r:blip="">
+            <dgm:adjLst/>
+          </dgm:shape>
+          <dgm:presOf/>
+          <dgm:constrLst/>
+          <dgm:ruleLst/>
+        </dgm:layoutNode>
+      </dgm:forEach>
+    </dgm:forEach>
+  </dgm:layoutNode>
+</dgm:layoutDef>
+</file>
+
+<file path=ppt/diagrams/quickStyle1.xml><?xml version="1.0" encoding="utf-8"?>
+<dgm:styleDef xmlns:dgm="http://schemas.openxmlformats.org/drawingml/2006/diagram" xmlns:a="http://schemas.openxmlformats.org/drawingml/2006/main" uniqueId="urn:microsoft.com/office/officeart/2005/8/quickstyle/simple1">
+  <dgm:title val=""/>
+  <dgm:desc val=""/>
+  <dgm:catLst>
+    <dgm:cat type="simple" pri="10100"/>
+  </dgm:catLst>
+  <dgm:scene3d>
+    <a:camera prst="orthographicFront"/>
+    <a:lightRig rig="threePt" dir="t"/>
+  </dgm:scene3d>
+  <dgm:styleLbl name="node0">
+    <dgm:scene3d>
+      <a:camera prst="orthographicFront"/>
+      <a:lightRig rig="threePt" dir="t"/>
+    </dgm:scene3d>
+    <dgm:sp3d/>
+    <dgm:txPr/>
+    <dgm:style>
+      <a:lnRef idx="2">
+        <a:scrgbClr r="0" g="0" b="0"/>
+      </a:lnRef>
+      <a:fillRef idx="1">
+        <a:scrgbClr r="0" g="0" b="0"/>
+      </a:fillRef>
+      <a:effectRef idx="0">
+        <a:scrgbClr r="0" g="0" b="0"/>
+      </a:effectRef>
+      <a:fontRef idx="minor">
+        <a:schemeClr val="lt1"/>
+      </a:fontRef>
+    </dgm:style>
+  </dgm:styleLbl>
+  <dgm:styleLbl name="lnNode1">
+    <dgm:scene3d>
+      <a:camera prst="orthographicFront"/>
+      <a:lightRig rig="threePt" dir="t"/>
+    </dgm:scene3d>
+    <dgm:sp3d/>
+    <dgm:txPr/>
+    <dgm:style>
+      <a:lnRef idx="2">
+        <a:scrgbClr r="0" g="0" b="0"/>
+      </a:lnRef>
+      <a:fillRef idx="1">
+        <a:scrgbClr r="0" g="0" b="0"/>
+      </a:fillRef>
+      <a:effectRef idx="0">
+        <a:scrgbClr r="0" g="0" b="0"/>
+      </a:effectRef>
+      <a:fontRef idx="minor">
+        <a:schemeClr val="lt1"/>
+      </a:fontRef>
+    </dgm:style>
+  </dgm:styleLbl>
+  <dgm:styleLbl name="vennNode1">
+    <dgm:scene3d>
+      <a:camera prst="orthographicFront"/>
+      <a:lightRig rig="threePt" dir="t"/>
+    </dgm:scene3d>
+    <dgm:sp3d/>
+    <dgm:txPr/>
+    <dgm:style>
+      <a:lnRef idx="2">
+        <a:scrgbClr r="0" g="0" b="0"/>
+      </a:lnRef>
+      <a:fillRef idx="1">
+        <a:scrgbClr r="0" g="0" b="0"/>
+      </a:fillRef>
+      <a:effectRef idx="0">
+        <a:scrgbClr r="0" g="0" b="0"/>
+      </a:effectRef>
+      <a:fontRef idx="minor">
+        <a:schemeClr val="tx1"/>
+      </a:fontRef>
+    </dgm:style>
+  </dgm:styleLbl>
+  <dgm:styleLbl name="alignNode1">
+    <dgm:scene3d>
+      <a:camera prst="orthographicFront"/>
+      <a:lightRig rig="threePt" dir="t"/>
+    </dgm:scene3d>
+    <dgm:sp3d/>
+    <dgm:txPr/>
+    <dgm:style>
+      <a:lnRef idx="2">
+        <a:scrgbClr r="0" g="0" b="0"/>
+      </a:lnRef>
+      <a:fillRef idx="1">
+        <a:scrgbClr r="0" g="0" b="0"/>
+      </a:fillRef>
+      <a:effectRef idx="0">
+        <a:scrgbClr r="0" g="0" b="0"/>
+      </a:effectRef>
+      <a:fontRef idx="minor">
+        <a:schemeClr val="lt1"/>
+      </a:fontRef>
+    </dgm:style>
+  </dgm:styleLbl>
+  <dgm:styleLbl name="node1">
+    <dgm:scene3d>
+      <a:camera prst="orthographicFront"/>
+      <a:lightRig rig="threePt" dir="t"/>
+    </dgm:scene3d>
+    <dgm:sp3d/>
+    <dgm:txPr/>
+    <dgm:style>
+      <a:lnRef idx="2">
+        <a:scrgbClr r="0" g="0" b="0"/>
+      </a:lnRef>
+      <a:fillRef idx="1">
+        <a:scrgbClr r="0" g="0" b="0"/>
+      </a:fillRef>
+      <a:effectRef idx="0">
+        <a:scrgbClr r="0" g="0" b="0"/>
+      </a:effectRef>
+      <a:fontRef idx="minor">
+        <a:schemeClr val="lt1"/>
+      </a:fontRef>
+    </dgm:style>
+  </dgm:styleLbl>
+  <dgm:styleLbl name="node2">
+    <dgm:scene3d>
+      <a:camera prst="orthographicFront"/>
+      <a:lightRig rig="threePt" dir="t"/>
+    </dgm:scene3d>
+    <dgm:sp3d/>
+    <dgm:txPr/>
+    <dgm:style>
+      <a:lnRef idx="2">
+        <a:scrgbClr r="0" g="0" b="0"/>
+      </a:lnRef>
+      <a:fillRef idx="1">
+        <a:scrgbClr r="0" g="0" b="0"/>
+      </a:fillRef>
+      <a:effectRef idx="0">
+        <a:scrgbClr r="0" g="0" b="0"/>
+      </a:effectRef>
+      <a:fontRef idx="minor">
+        <a:schemeClr val="lt1"/>
+      </a:fontRef>
+    </dgm:style>
+  </dgm:styleLbl>
+  <dgm:styleLbl name="node3">
+    <dgm:scene3d>
+      <a:camera prst="orthographicFront"/>
+      <a:lightRig rig="threePt" dir="t"/>
+    </dgm:scene3d>
+    <dgm:sp3d/>
+    <dgm:txPr/>
+    <dgm:style>
+      <a:lnRef idx="2">
+        <a:scrgbClr r="0" g="0" b="0"/>
+      </a:lnRef>
+      <a:fillRef idx="1">
+        <a:scrgbClr r="0" g="0" b="0"/>
+      </a:fillRef>
+      <a:effectRef idx="0">
+        <a:scrgbClr r="0" g="0" b="0"/>
+      </a:effectRef>
+      <a:fontRef idx="minor">
+        <a:schemeClr val="lt1"/>
+      </a:fontRef>
+    </dgm:style>
+  </dgm:styleLbl>
+  <dgm:styleLbl name="node4">
+    <dgm:scene3d>
+      <a:camera prst="orthographicFront"/>
+      <a:lightRig rig="threePt" dir="t"/>
+    </dgm:scene3d>
+    <dgm:sp3d/>
+    <dgm:txPr/>
+    <dgm:style>
+      <a:lnRef idx="2">
+        <a:scrgbClr r="0" g="0" b="0"/>
+      </a:lnRef>
+      <a:fillRef idx="1">
+        <a:scrgbClr r="0" g="0" b="0"/>
+      </a:fillRef>
+      <a:effectRef idx="0">
+        <a:scrgbClr r="0" g="0" b="0"/>
+      </a:effectRef>
+      <a:fontRef idx="minor">
+        <a:schemeClr val="lt1"/>
+      </a:fontRef>
+    </dgm:style>
+  </dgm:styleLbl>
+  <dgm:styleLbl name="fgImgPlace1">
+    <dgm:scene3d>
+      <a:camera prst="orthographicFront"/>
+      <a:lightRig rig="threePt" dir="t"/>
+    </dgm:scene3d>
+    <dgm:sp3d/>
+    <dgm:txPr/>
+    <dgm:style>
+      <a:lnRef idx="2">
+        <a:scrgbClr r="0" g="0" b="0"/>
+      </a:lnRef>
+      <a:fillRef idx="1">
+        <a:scrgbClr r="0" g="0" b="0"/>
+      </a:fillRef>
+      <a:effectRef idx="0">
+        <a:scrgbClr r="0" g="0" b="0"/>
+      </a:effectRef>
+      <a:fontRef idx="minor"/>
+    </dgm:style>
+  </dgm:styleLbl>
+  <dgm:styleLbl name="alignImgPlace1">
+    <dgm:scene3d>
+      <a:camera prst="orthographicFront"/>
+      <a:lightRig rig="threePt" dir="t"/>
+    </dgm:scene3d>
+    <dgm:sp3d/>
+    <dgm:txPr/>
+    <dgm:style>
+      <a:lnRef idx="2">
+        <a:scrgbClr r="0" g="0" b="0"/>
+      </a:lnRef>
+      <a:fillRef idx="1">
+        <a:scrgbClr r="0" g="0" b="0"/>
+      </a:fillRef>
+      <a:effectRef idx="0">
+        <a:scrgbClr r="0" g="0" b="0"/>
+      </a:effectRef>
+      <a:fontRef idx="minor"/>
+    </dgm:style>
+  </dgm:styleLbl>
+  <dgm:styleLbl name="bgImgPlace1">
+    <dgm:scene3d>
+      <a:camera prst="orthographicFront"/>
+      <a:lightRig rig="threePt" dir="t"/>
+    </dgm:scene3d>
+    <dgm:sp3d/>
+    <dgm:txPr/>
+    <dgm:style>
+      <a:lnRef idx="2">
+        <a:scrgbClr r="0" g="0" b="0"/>
+      </a:lnRef>
+      <a:fillRef idx="1">
+        <a:scrgbClr r="0" g="0" b="0"/>
+      </a:fillRef>
+      <a:effectRef idx="0">
+        <a:scrgbClr r="0" g="0" b="0"/>
+      </a:effectRef>
+      <a:fontRef idx="minor"/>
+    </dgm:style>
+  </dgm:styleLbl>
+  <dgm:styleLbl name="sibTrans2D1">
+    <dgm:scene3d>
+      <a:camera prst="orthographicFront"/>
+      <a:lightRig rig="threePt" dir="t"/>
+    </dgm:scene3d>
+    <dgm:sp3d/>
+    <dgm:txPr/>
+    <dgm:style>
+      <a:lnRef idx="0">
+        <a:scrgbClr r="0" g="0" b="0"/>
+      </a:lnRef>
+      <a:fillRef idx="1">
+        <a:scrgbClr r="0" g="0" b="0"/>
+      </a:fillRef>
+      <a:effectRef idx="0">
+        <a:scrgbClr r="0" g="0" b="0"/>
+      </a:effectRef>
+      <a:fontRef idx="minor">
+        <a:schemeClr val="lt1"/>
+      </a:fontRef>
+    </dgm:style>
+  </dgm:styleLbl>
+  <dgm:styleLbl name="fgSibTrans2D1">
+    <dgm:scene3d>
+      <a:camera prst="orthographicFront"/>
+      <a:lightRig rig="threePt" dir="t"/>
+    </dgm:scene3d>
+    <dgm:sp3d/>
+    <dgm:txPr/>
+    <dgm:style>
+      <a:lnRef idx="0">
+        <a:scrgbClr r="0" g="0" b="0"/>
+      </a:lnRef>
+      <a:fillRef idx="1">
+        <a:scrgbClr r="0" g="0" b="0"/>
+      </a:fillRef>
+      <a:effectRef idx="0">
+        <a:scrgbClr r="0" g="0" b="0"/>
+      </a:effectRef>
+      <a:fontRef idx="minor">
+        <a:schemeClr val="lt1"/>
+      </a:fontRef>
+    </dgm:style>
+  </dgm:styleLbl>
+  <dgm:styleLbl name="bgSibTrans2D1">
+    <dgm:scene3d>
+      <a:camera prst="orthographicFront"/>
+      <a:lightRig rig="threePt" dir="t"/>
+    </dgm:scene3d>
+    <dgm:sp3d/>
+    <dgm:txPr/>
+    <dgm:style>
+      <a:lnRef idx="0">
+        <a:scrgbClr r="0" g="0" b="0"/>
+      </a:lnRef>
+      <a:fillRef idx="1">
+        <a:scrgbClr r="0" g="0" b="0"/>
+      </a:fillRef>
+      <a:effectRef idx="0">
+        <a:scrgbClr r="0" g="0" b="0"/>
+      </a:effectRef>
+      <a:fontRef idx="minor">
+        <a:schemeClr val="lt1"/>
+      </a:fontRef>
+    </dgm:style>
+  </dgm:styleLbl>
+  <dgm:styleLbl name="sibTrans1D1">
+    <dgm:scene3d>
+      <a:camera prst="orthographicFront"/>
+      <a:lightRig rig="threePt" dir="t"/>
+    </dgm:scene3d>
+    <dgm:sp3d/>
+    <dgm:txPr/>
+    <dgm:style>
+      <a:lnRef idx="1">
+        <a:scrgbClr r="0" g="0" b="0"/>
+      </a:lnRef>
+      <a:fillRef idx="0">
+        <a:scrgbClr r="0" g="0" b="0"/>
+      </a:fillRef>
+      <a:effectRef idx="0">
+        <a:scrgbClr r="0" g="0" b="0"/>
+      </a:effectRef>
+      <a:fontRef idx="minor"/>
+    </dgm:style>
+  </dgm:styleLbl>
+  <dgm:styleLbl name="callout">
+    <dgm:scene3d>
+      <a:camera prst="orthographicFront"/>
+      <a:lightRig rig="threePt" dir="t"/>
+    </dgm:scene3d>
+    <dgm:sp3d/>
+    <dgm:txPr/>
+    <dgm:style>
+      <a:lnRef idx="2">
+        <a:scrgbClr r="0" g="0" b="0"/>
+      </a:lnRef>
+      <a:fillRef idx="1">
+        <a:scrgbClr r="0" g="0" b="0"/>
+      </a:fillRef>
+      <a:effectRef idx="0">
+        <a:scrgbClr r="0" g="0" b="0"/>
+      </a:effectRef>
+      <a:fontRef idx="minor"/>
+    </dgm:style>
+  </dgm:styleLbl>
+  <dgm:styleLbl name="asst0">
+    <dgm:scene3d>
+      <a:camera prst="orthographicFront"/>
+      <a:lightRig rig="threePt" dir="t"/>
+    </dgm:scene3d>
+    <dgm:sp3d/>
+    <dgm:txPr/>
+    <dgm:style>
+      <a:lnRef idx="2">
+        <a:scrgbClr r="0" g="0" b="0"/>
+      </a:lnRef>
+      <a:fillRef idx="1">
+        <a:scrgbClr r="0" g="0" b="0"/>
+      </a:fillRef>
+      <a:effectRef idx="0">
+        <a:scrgbClr r="0" g="0" b="0"/>
+      </a:effectRef>
+      <a:fontRef idx="minor">
+        <a:schemeClr val="lt1"/>
+      </a:fontRef>
+    </dgm:style>
+  </dgm:styleLbl>
+  <dgm:styleLbl name="asst1">
+    <dgm:scene3d>
+      <a:camera prst="orthographicFront"/>
+      <a:lightRig rig="threePt" dir="t"/>
+    </dgm:scene3d>
+    <dgm:sp3d/>
+    <dgm:txPr/>
+    <dgm:style>
+      <a:lnRef idx="2">
+        <a:scrgbClr r="0" g="0" b="0"/>
+      </a:lnRef>
+      <a:fillRef idx="1">
+        <a:scrgbClr r="0" g="0" b="0"/>
+      </a:fillRef>
+      <a:effectRef idx="0">
+        <a:scrgbClr r="0" g="0" b="0"/>
+      </a:effectRef>
+      <a:fontRef idx="minor">
+        <a:schemeClr val="lt1"/>
+      </a:fontRef>
+    </dgm:style>
+  </dgm:styleLbl>
+  <dgm:styleLbl name="asst2">
+    <dgm:scene3d>
+      <a:camera prst="orthographicFront"/>
+      <a:lightRig rig="threePt" dir="t"/>
+    </dgm:scene3d>
+    <dgm:sp3d/>
+    <dgm:txPr/>
+    <dgm:style>
+      <a:lnRef idx="2">
+        <a:scrgbClr r="0" g="0" b="0"/>
+      </a:lnRef>
+      <a:fillRef idx="1">
+        <a:scrgbClr r="0" g="0" b="0"/>
+      </a:fillRef>
+      <a:effectRef idx="0">
+        <a:scrgbClr r="0" g="0" b="0"/>
+      </a:effectRef>
+      <a:fontRef idx="minor">
+        <a:schemeClr val="lt1"/>
+      </a:fontRef>
+    </dgm:style>
+  </dgm:styleLbl>
+  <dgm:styleLbl name="asst3">
+    <dgm:scene3d>
+      <a:camera prst="orthographicFront"/>
+      <a:lightRig rig="threePt" dir="t"/>
+    </dgm:scene3d>
+    <dgm:sp3d/>
+    <dgm:txPr/>
+    <dgm:style>
+      <a:lnRef idx="2">
+        <a:scrgbClr r="0" g="0" b="0"/>
+      </a:lnRef>
+      <a:fillRef idx="1">
+        <a:scrgbClr r="0" g="0" b="0"/>
+      </a:fillRef>
+      <a:effectRef idx="0">
+        <a:scrgbClr r="0" g="0" b="0"/>
+      </a:effectRef>
+      <a:fontRef idx="minor">
+        <a:schemeClr val="lt1"/>
+      </a:fontRef>
+    </dgm:style>
+  </dgm:styleLbl>
+  <dgm:styleLbl name="asst4">
+    <dgm:scene3d>
+      <a:camera prst="orthographicFront"/>
+      <a:lightRig rig="threePt" dir="t"/>
+    </dgm:scene3d>
+    <dgm:sp3d/>
+    <dgm:txPr/>
+    <dgm:style>
+      <a:lnRef idx="2">
+        <a:scrgbClr r="0" g="0" b="0"/>
+      </a:lnRef>
+      <a:fillRef idx="1">
+        <a:scrgbClr r="0" g="0" b="0"/>
+      </a:fillRef>
+      <a:effectRef idx="0">
+        <a:scrgbClr r="0" g="0" b="0"/>
+      </a:effectRef>
+      <a:fontRef idx="minor">
+        <a:schemeClr val="lt1"/>
+      </a:fontRef>
+    </dgm:style>
+  </dgm:styleLbl>
+  <dgm:styleLbl name="parChTrans2D1">
+    <dgm:scene3d>
+      <a:camera prst="orthographicFront"/>
+      <a:lightRig rig="threePt" dir="t"/>
+    </dgm:scene3d>
+    <dgm:sp3d/>
+    <dgm:txPr/>
+    <dgm:style>
+      <a:lnRef idx="2">
+        <a:scrgbClr r="0" g="0" b="0"/>
+      </a:lnRef>
+      <a:fillRef idx="1">
+        <a:scrgbClr r="0" g="0" b="0"/>
+      </a:fillRef>
+      <a:effectRef idx="0">
+        <a:scrgbClr r="0" g="0" b="0"/>
+      </a:effectRef>
+      <a:fontRef idx="minor">
+        <a:schemeClr val="lt1"/>
+      </a:fontRef>
+    </dgm:style>
+  </dgm:styleLbl>
+  <dgm:styleLbl name="parChTrans2D2">
+    <dgm:scene3d>
+      <a:camera prst="orthographicFront"/>
+      <a:lightRig rig="threePt" dir="t"/>
+    </dgm:scene3d>
+    <dgm:sp3d/>
+    <dgm:txPr/>
+    <dgm:style>
+      <a:lnRef idx="2">
+        <a:scrgbClr r="0" g="0" b="0"/>
+      </a:lnRef>
+      <a:fillRef idx="1">
+        <a:scrgbClr r="0" g="0" b="0"/>
+      </a:fillRef>
+      <a:effectRef idx="0">
+        <a:scrgbClr r="0" g="0" b="0"/>
+      </a:effectRef>
+      <a:fontRef idx="minor">
+        <a:schemeClr val="lt1"/>
+      </a:fontRef>
+    </dgm:style>
+  </dgm:styleLbl>
+  <dgm:styleLbl name="parChTrans2D3">
+    <dgm:scene3d>
+      <a:camera prst="orthographicFront"/>
+      <a:lightRig rig="threePt" dir="t"/>
+    </dgm:scene3d>
+    <dgm:sp3d/>
+    <dgm:txPr/>
+    <dgm:style>
+      <a:lnRef idx="2">
+        <a:scrgbClr r="0" g="0" b="0"/>
+      </a:lnRef>
+      <a:fillRef idx="1">
+        <a:scrgbClr r="0" g="0" b="0"/>
+      </a:fillRef>
+      <a:effectRef idx="0">
+        <a:scrgbClr r="0" g="0" b="0"/>
+      </a:effectRef>
+      <a:fontRef idx="minor">
+        <a:schemeClr val="lt1"/>
+      </a:fontRef>
+    </dgm:style>
+  </dgm:styleLbl>
+  <dgm:styleLbl name="parChTrans2D4">
+    <dgm:scene3d>
+      <a:camera prst="orthographicFront"/>
+      <a:lightRig rig="threePt" dir="t"/>
+    </dgm:scene3d>
+    <dgm:sp3d/>
+    <dgm:txPr/>
+    <dgm:style>
+      <a:lnRef idx="2">
+        <a:scrgbClr r="0" g="0" b="0"/>
+      </a:lnRef>
+      <a:fillRef idx="1">
+        <a:scrgbClr r="0" g="0" b="0"/>
+      </a:fillRef>
+      <a:effectRef idx="0">
+        <a:scrgbClr r="0" g="0" b="0"/>
+      </a:effectRef>
+      <a:fontRef idx="minor">
+        <a:schemeClr val="lt1"/>
+      </a:fontRef>
+    </dgm:style>
+  </dgm:styleLbl>
+  <dgm:styleLbl name="parChTrans1D1">
+    <dgm:scene3d>
+      <a:camera prst="orthographicFront"/>
+      <a:lightRig rig="threePt" dir="t"/>
+    </dgm:scene3d>
+    <dgm:sp3d/>
+    <dgm:txPr/>
+    <dgm:style>
+      <a:lnRef idx="2">
+        <a:scrgbClr r="0" g="0" b="0"/>
+      </a:lnRef>
+      <a:fillRef idx="0">
+        <a:scrgbClr r="0" g="0" b="0"/>
+      </a:fillRef>
+      <a:effectRef idx="0">
+        <a:scrgbClr r="0" g="0" b="0"/>
+      </a:effectRef>
+      <a:fontRef idx="minor"/>
+    </dgm:style>
+  </dgm:styleLbl>
+  <dgm:styleLbl name="parChTrans1D2">
+    <dgm:scene3d>
+      <a:camera prst="orthographicFront"/>
+      <a:lightRig rig="threePt" dir="t"/>
+    </dgm:scene3d>
+    <dgm:sp3d/>
+    <dgm:txPr/>
+    <dgm:style>
+      <a:lnRef idx="2">
+        <a:scrgbClr r="0" g="0" b="0"/>
+      </a:lnRef>
+      <a:fillRef idx="0">
+        <a:scrgbClr r="0" g="0" b="0"/>
+      </a:fillRef>
+      <a:effectRef idx="0">
+        <a:scrgbClr r="0" g="0" b="0"/>
+      </a:effectRef>
+      <a:fontRef idx="minor"/>
+    </dgm:style>
+  </dgm:styleLbl>
+  <dgm:styleLbl name="parChTrans1D3">
+    <dgm:scene3d>
+      <a:camera prst="orthographicFront"/>
+      <a:lightRig rig="threePt" dir="t"/>
+    </dgm:scene3d>
+    <dgm:sp3d/>
+    <dgm:txPr/>
+    <dgm:style>
+      <a:lnRef idx="2">
+        <a:scrgbClr r="0" g="0" b="0"/>
+      </a:lnRef>
+      <a:fillRef idx="0">
+        <a:scrgbClr r="0" g="0" b="0"/>
+      </a:fillRef>
+      <a:effectRef idx="0">
+        <a:scrgbClr r="0" g="0" b="0"/>
+      </a:effectRef>
+      <a:fontRef idx="minor"/>
+    </dgm:style>
+  </dgm:styleLbl>
+  <dgm:styleLbl name="parChTrans1D4">
+    <dgm:scene3d>
+      <a:camera prst="orthographicFront"/>
+      <a:lightRig rig="threePt" dir="t"/>
+    </dgm:scene3d>
+    <dgm:sp3d/>
+    <dgm:txPr/>
+    <dgm:style>
+      <a:lnRef idx="2">
+        <a:scrgbClr r="0" g="0" b="0"/>
+      </a:lnRef>
+      <a:fillRef idx="0">
+        <a:scrgbClr r="0" g="0" b="0"/>
+      </a:fillRef>
+      <a:effectRef idx="0">
+        <a:scrgbClr r="0" g="0" b="0"/>
+      </a:effectRef>
+      <a:fontRef idx="minor"/>
+    </dgm:style>
+  </dgm:styleLbl>
+  <dgm:styleLbl name="fgAcc1">
+    <dgm:scene3d>
+      <a:camera prst="orthographicFront"/>
+      <a:lightRig rig="threePt" dir="t"/>
+    </dgm:scene3d>
+    <dgm:sp3d/>
+    <dgm:txPr/>
+    <dgm:style>
+      <a:lnRef idx="2">
+        <a:scrgbClr r="0" g="0" b="0"/>
+      </a:lnRef>
+      <a:fillRef idx="1">
+        <a:scrgbClr r="0" g="0" b="0"/>
+      </a:fillRef>
+      <a:effectRef idx="0">
+        <a:scrgbClr r="0" g="0" b="0"/>
+      </a:effectRef>
+      <a:fontRef idx="minor"/>
+    </dgm:style>
+  </dgm:styleLbl>
+  <dgm:styleLbl name="conFgAcc1">
+    <dgm:scene3d>
+      <a:camera prst="orthographicFront"/>
+      <a:lightRig rig="threePt" dir="t"/>
+    </dgm:scene3d>
+    <dgm:sp3d/>
+    <dgm:txPr/>
+    <dgm:style>
+      <a:lnRef idx="2">
+        <a:scrgbClr r="0" g="0" b="0"/>
+      </a:lnRef>
+      <a:fillRef idx="1">
+        <a:scrgbClr r="0" g="0" b="0"/>
+      </a:fillRef>
+      <a:effectRef idx="0">
+        <a:scrgbClr r="0" g="0" b="0"/>
+      </a:effectRef>
+      <a:fontRef idx="minor"/>
+    </dgm:style>
+  </dgm:styleLbl>
+  <dgm:styleLbl name="alignAcc1">
+    <dgm:scene3d>
+      <a:camera prst="orthographicFront"/>
+      <a:lightRig rig="threePt" dir="t"/>
+    </dgm:scene3d>
+    <dgm:sp3d/>
+    <dgm:txPr/>
+    <dgm:style>
+      <a:lnRef idx="2">
+        <a:scrgbClr r="0" g="0" b="0"/>
+      </a:lnRef>
+      <a:fillRef idx="1">
+        <a:scrgbClr r="0" g="0" b="0"/>
+      </a:fillRef>
+      <a:effectRef idx="0">
+        <a:scrgbClr r="0" g="0" b="0"/>
+      </a:effectRef>
+      <a:fontRef idx="minor"/>
+    </dgm:style>
+  </dgm:styleLbl>
+  <dgm:styleLbl name="trAlignAcc1">
+    <dgm:scene3d>
+      <a:camera prst="orthographicFront"/>
+      <a:lightRig rig="threePt" dir="t"/>
+    </dgm:scene3d>
+    <dgm:sp3d/>
+    <dgm:txPr/>
+    <dgm:style>
+      <a:lnRef idx="1">
+        <a:scrgbClr r="0" g="0" b="0"/>
+      </a:lnRef>
+      <a:fillRef idx="1">
+        <a:scrgbClr r="0" g="0" b="0"/>
+      </a:fillRef>
+      <a:effectRef idx="0">
+        <a:scrgbClr r="0" g="0" b="0"/>
+      </a:effectRef>
+      <a:fontRef idx="minor"/>
+    </dgm:style>
+  </dgm:styleLbl>
+  <dgm:styleLbl name="bgAcc1">
+    <dgm:scene3d>
+      <a:camera prst="orthographicFront"/>
+      <a:lightRig rig="threePt" dir="t"/>
+    </dgm:scene3d>
+    <dgm:sp3d/>
+    <dgm:txPr/>
+    <dgm:style>
+      <a:lnRef idx="2">
+        <a:scrgbClr r="0" g="0" b="0"/>
+      </a:lnRef>
+      <a:fillRef idx="1">
+        <a:scrgbClr r="0" g="0" b="0"/>
+      </a:fillRef>
+      <a:effectRef idx="0">
+        <a:scrgbClr r="0" g="0" b="0"/>
+      </a:effectRef>
+      <a:fontRef idx="minor"/>
+    </dgm:style>
+  </dgm:styleLbl>
+  <dgm:styleLbl name="solidFgAcc1">
+    <dgm:scene3d>
+      <a:camera prst="orthographicFront"/>
+      <a:lightRig rig="threePt" dir="t"/>
+    </dgm:scene3d>
+    <dgm:sp3d/>
+    <dgm:txPr/>
+    <dgm:style>
+      <a:lnRef idx="2">
+        <a:scrgbClr r="0" g="0" b="0"/>
+      </a:lnRef>
+      <a:fillRef idx="1">
+        <a:scrgbClr r="0" g="0" b="0"/>
+      </a:fillRef>
+      <a:effectRef idx="0">
+        <a:scrgbClr r="0" g="0" b="0"/>
+      </a:effectRef>
+      <a:fontRef idx="minor"/>
+    </dgm:style>
+  </dgm:styleLbl>
+  <dgm:styleLbl name="solidAlignAcc1">
+    <dgm:scene3d>
+      <a:camera prst="orthographicFront"/>
+      <a:lightRig rig="threePt" dir="t"/>
+    </dgm:scene3d>
+    <dgm:sp3d/>
+    <dgm:txPr/>
+    <dgm:style>
+      <a:lnRef idx="2">
+        <a:scrgbClr r="0" g="0" b="0"/>
+      </a:lnRef>
+      <a:fillRef idx="1">
+        <a:scrgbClr r="0" g="0" b="0"/>
+      </a:fillRef>
+      <a:effectRef idx="0">
+        <a:scrgbClr r="0" g="0" b="0"/>
+      </a:effectRef>
+      <a:fontRef idx="minor"/>
+    </dgm:style>
+  </dgm:styleLbl>
+  <dgm:styleLbl name="solidBgAcc1">
+    <dgm:scene3d>
+      <a:camera prst="orthographicFront"/>
+      <a:lightRig rig="threePt" dir="t"/>
+    </dgm:scene3d>
+    <dgm:sp3d/>
+    <dgm:txPr/>
+    <dgm:style>
+      <a:lnRef idx="2">
+        <a:scrgbClr r="0" g="0" b="0"/>
+      </a:lnRef>
+      <a:fillRef idx="1">
+        <a:scrgbClr r="0" g="0" b="0"/>
+      </a:fillRef>
+      <a:effectRef idx="0">
+        <a:scrgbClr r="0" g="0" b="0"/>
+      </a:effectRef>
+      <a:fontRef idx="minor"/>
+    </dgm:style>
+  </dgm:styleLbl>
+  <dgm:styleLbl name="fgAccFollowNode1">
+    <dgm:scene3d>
+      <a:camera prst="orthographicFront"/>
+      <a:lightRig rig="threePt" dir="t"/>
+    </dgm:scene3d>
+    <dgm:sp3d/>
+    <dgm:txPr/>
+    <dgm:style>
+      <a:lnRef idx="2">
+        <a:scrgbClr r="0" g="0" b="0"/>
+      </a:lnRef>
+      <a:fillRef idx="1">
+        <a:scrgbClr r="0" g="0" b="0"/>
+      </a:fillRef>
+      <a:effectRef idx="0">
+        <a:scrgbClr r="0" g="0" b="0"/>
+      </a:effectRef>
+      <a:fontRef idx="minor"/>
+    </dgm:style>
+  </dgm:styleLbl>
+  <dgm:styleLbl name="alignAccFollowNode1">
+    <dgm:scene3d>
+      <a:camera prst="orthographicFront"/>
+      <a:lightRig rig="threePt" dir="t"/>
+    </dgm:scene3d>
+    <dgm:sp3d/>
+    <dgm:txPr/>
+    <dgm:style>
+      <a:lnRef idx="2">
+        <a:scrgbClr r="0" g="0" b="0"/>
+      </a:lnRef>
+      <a:fillRef idx="1">
+        <a:scrgbClr r="0" g="0" b="0"/>
+      </a:fillRef>
+      <a:effectRef idx="0">
+        <a:scrgbClr r="0" g="0" b="0"/>
+      </a:effectRef>
+      <a:fontRef idx="minor"/>
+    </dgm:style>
+  </dgm:styleLbl>
+  <dgm:styleLbl name="bgAccFollowNode1">
+    <dgm:scene3d>
+      <a:camera prst="orthographicFront"/>
+      <a:lightRig rig="threePt" dir="t"/>
+    </dgm:scene3d>
+    <dgm:sp3d/>
+    <dgm:txPr/>
+    <dgm:style>
+      <a:lnRef idx="2">
+        <a:scrgbClr r="0" g="0" b="0"/>
+      </a:lnRef>
+      <a:fillRef idx="1">
+        <a:scrgbClr r="0" g="0" b="0"/>
+      </a:fillRef>
+      <a:effectRef idx="0">
+        <a:scrgbClr r="0" g="0" b="0"/>
+      </a:effectRef>
+      <a:fontRef idx="minor"/>
+    </dgm:style>
+  </dgm:styleLbl>
+  <dgm:styleLbl name="fgAcc0">
+    <dgm:scene3d>
+      <a:camera prst="orthographicFront"/>
+      <a:lightRig rig="threePt" dir="t"/>
+    </dgm:scene3d>
+    <dgm:sp3d/>
+    <dgm:txPr/>
+    <dgm:style>
+      <a:lnRef idx="2">
+        <a:scrgbClr r="0" g="0" b="0"/>
+      </a:lnRef>
+      <a:fillRef idx="1">
+        <a:scrgbClr r="0" g="0" b="0"/>
+      </a:fillRef>
+      <a:effectRef idx="0">
+        <a:scrgbClr r="0" g="0" b="0"/>
+      </a:effectRef>
+      <a:fontRef idx="minor"/>
+    </dgm:style>
+  </dgm:styleLbl>
+  <dgm:styleLbl name="fgAcc2">
+    <dgm:scene3d>
+      <a:camera prst="orthographicFront"/>
+      <a:lightRig rig="threePt" dir="t"/>
+    </dgm:scene3d>
+    <dgm:sp3d/>
+    <dgm:txPr/>
+    <dgm:style>
+      <a:lnRef idx="2">
+        <a:scrgbClr r="0" g="0" b="0"/>
+      </a:lnRef>
+      <a:fillRef idx="1">
+        <a:scrgbClr r="0" g="0" b="0"/>
+      </a:fillRef>
+      <a:effectRef idx="0">
+        <a:scrgbClr r="0" g="0" b="0"/>
+      </a:effectRef>
+      <a:fontRef idx="minor"/>
+    </dgm:style>
+  </dgm:styleLbl>
+  <dgm:styleLbl name="fgAcc3">
+    <dgm:scene3d>
+      <a:camera prst="orthographicFront"/>
+      <a:lightRig rig="threePt" dir="t"/>
+    </dgm:scene3d>
+    <dgm:sp3d/>
+    <dgm:txPr/>
+    <dgm:style>
+      <a:lnRef idx="2">
+        <a:scrgbClr r="0" g="0" b="0"/>
+      </a:lnRef>
+      <a:fillRef idx="1">
+        <a:scrgbClr r="0" g="0" b="0"/>
+      </a:fillRef>
+      <a:effectRef idx="0">
+        <a:scrgbClr r="0" g="0" b="0"/>
+      </a:effectRef>
+      <a:fontRef idx="minor"/>
+    </dgm:style>
+  </dgm:styleLbl>
+  <dgm:styleLbl name="fgAcc4">
+    <dgm:scene3d>
+      <a:camera prst="orthographicFront"/>
+      <a:lightRig rig="threePt" dir="t"/>
+    </dgm:scene3d>
+    <dgm:sp3d/>
+    <dgm:txPr/>
+    <dgm:style>
+      <a:lnRef idx="2">
+        <a:scrgbClr r="0" g="0" b="0"/>
+      </a:lnRef>
+      <a:fillRef idx="1">
+        <a:scrgbClr r="0" g="0" b="0"/>
+      </a:fillRef>
+      <a:effectRef idx="0">
+        <a:scrgbClr r="0" g="0" b="0"/>
+      </a:effectRef>
+      <a:fontRef idx="minor"/>
+    </dgm:style>
+  </dgm:styleLbl>
+  <dgm:styleLbl name="bgShp">
+    <dgm:scene3d>
+      <a:camera prst="orthographicFront"/>
+      <a:lightRig rig="threePt" dir="t"/>
+    </dgm:scene3d>
+    <dgm:sp3d/>
+    <dgm:txPr/>
+    <dgm:style>
+      <a:lnRef idx="0">
+        <a:scrgbClr r="0" g="0" b="0"/>
+      </a:lnRef>
+      <a:fillRef idx="1">
+        <a:scrgbClr r="0" g="0" b="0"/>
+      </a:fillRef>
+      <a:effectRef idx="0">
+        <a:scrgbClr r="0" g="0" b="0"/>
+      </a:effectRef>
+      <a:fontRef idx="minor"/>
+    </dgm:style>
+  </dgm:styleLbl>
+  <dgm:styleLbl name="dkBgShp">
+    <dgm:scene3d>
+      <a:camera prst="orthographicFront"/>
+      <a:lightRig rig="threePt" dir="t"/>
+    </dgm:scene3d>
+    <dgm:sp3d/>
+    <dgm:txPr/>
+    <dgm:style>
+      <a:lnRef idx="0">
+        <a:scrgbClr r="0" g="0" b="0"/>
+      </a:lnRef>
+      <a:fillRef idx="1">
+        <a:scrgbClr r="0" g="0" b="0"/>
+      </a:fillRef>
+      <a:effectRef idx="0">
+        <a:scrgbClr r="0" g="0" b="0"/>
+      </a:effectRef>
+      <a:fontRef idx="minor"/>
+    </dgm:style>
+  </dgm:styleLbl>
+  <dgm:styleLbl name="trBgShp">
+    <dgm:scene3d>
+      <a:camera prst="orthographicFront"/>
+      <a:lightRig rig="threePt" dir="t"/>
+    </dgm:scene3d>
+    <dgm:sp3d/>
+    <dgm:txPr/>
+    <dgm:style>
+      <a:lnRef idx="0">
+        <a:scrgbClr r="0" g="0" b="0"/>
+      </a:lnRef>
+      <a:fillRef idx="1">
+        <a:scrgbClr r="0" g="0" b="0"/>
+      </a:fillRef>
+      <a:effectRef idx="0">
+        <a:scrgbClr r="0" g="0" b="0"/>
+      </a:effectRef>
+      <a:fontRef idx="minor"/>
+    </dgm:style>
+  </dgm:styleLbl>
+  <dgm:styleLbl name="fgShp">
+    <dgm:scene3d>
+      <a:camera prst="orthographicFront"/>
+      <a:lightRig rig="threePt" dir="t"/>
+    </dgm:scene3d>
+    <dgm:sp3d/>
+    <dgm:txPr/>
+    <dgm:style>
+      <a:lnRef idx="2">
+        <a:scrgbClr r="0" g="0" b="0"/>
+      </a:lnRef>
+      <a:fillRef idx="1">
+        <a:scrgbClr r="0" g="0" b="0"/>
+      </a:fillRef>
+      <a:effectRef idx="0">
+        <a:scrgbClr r="0" g="0" b="0"/>
+      </a:effectRef>
+      <a:fontRef idx="minor"/>
+    </dgm:style>
+  </dgm:styleLbl>
+  <dgm:styleLbl name="revTx">
+    <dgm:scene3d>
+      <a:camera prst="orthographicFront"/>
+      <a:lightRig rig="threePt" dir="t"/>
+    </dgm:scene3d>
+    <dgm:sp3d/>
+    <dgm:txPr/>
+    <dgm:style>
+      <a:lnRef idx="0">
+        <a:scrgbClr r="0" g="0" b="0"/>
+      </a:lnRef>
+      <a:fillRef idx="0">
+        <a:scrgbClr r="0" g="0" b="0"/>
+      </a:fillRef>
+      <a:effectRef idx="0">
+        <a:scrgbClr r="0" g="0" b="0"/>
+      </a:effectRef>
+      <a:fontRef idx="minor"/>
+    </dgm:style>
+  </dgm:styleLbl>
+</dgm:styleDef>
+</file>
+
+<file path=ppt/diagrams/quickStyle2.xml><?xml version="1.0" encoding="utf-8"?>
+<dgm:styleDef xmlns:dgm="http://schemas.openxmlformats.org/drawingml/2006/diagram" xmlns:a="http://schemas.openxmlformats.org/drawingml/2006/main" uniqueId="urn:microsoft.com/office/officeart/2005/8/quickstyle/simple1">
+  <dgm:title val=""/>
+  <dgm:desc val=""/>
+  <dgm:catLst>
+    <dgm:cat type="simple" pri="10100"/>
+  </dgm:catLst>
+  <dgm:scene3d>
+    <a:camera prst="orthographicFront"/>
+    <a:lightRig rig="threePt" dir="t"/>
+  </dgm:scene3d>
+  <dgm:styleLbl name="node0">
+    <dgm:scene3d>
+      <a:camera prst="orthographicFront"/>
+      <a:lightRig rig="threePt" dir="t"/>
+    </dgm:scene3d>
+    <dgm:sp3d/>
+    <dgm:txPr/>
+    <dgm:style>
+      <a:lnRef idx="2">
+        <a:scrgbClr r="0" g="0" b="0"/>
+      </a:lnRef>
+      <a:fillRef idx="1">
+        <a:scrgbClr r="0" g="0" b="0"/>
+      </a:fillRef>
+      <a:effectRef idx="0">
+        <a:scrgbClr r="0" g="0" b="0"/>
+      </a:effectRef>
+      <a:fontRef idx="minor">
+        <a:schemeClr val="lt1"/>
+      </a:fontRef>
+    </dgm:style>
+  </dgm:styleLbl>
+  <dgm:styleLbl name="lnNode1">
+    <dgm:scene3d>
+      <a:camera prst="orthographicFront"/>
+      <a:lightRig rig="threePt" dir="t"/>
+    </dgm:scene3d>
+    <dgm:sp3d/>
+    <dgm:txPr/>
+    <dgm:style>
+      <a:lnRef idx="2">
+        <a:scrgbClr r="0" g="0" b="0"/>
+      </a:lnRef>
+      <a:fillRef idx="1">
+        <a:scrgbClr r="0" g="0" b="0"/>
+      </a:fillRef>
+      <a:effectRef idx="0">
+        <a:scrgbClr r="0" g="0" b="0"/>
+      </a:effectRef>
+      <a:fontRef idx="minor">
+        <a:schemeClr val="lt1"/>
+      </a:fontRef>
+    </dgm:style>
+  </dgm:styleLbl>
+  <dgm:styleLbl name="vennNode1">
+    <dgm:scene3d>
+      <a:camera prst="orthographicFront"/>
+      <a:lightRig rig="threePt" dir="t"/>
+    </dgm:scene3d>
+    <dgm:sp3d/>
+    <dgm:txPr/>
+    <dgm:style>
+      <a:lnRef idx="2">
+        <a:scrgbClr r="0" g="0" b="0"/>
+      </a:lnRef>
+      <a:fillRef idx="1">
+        <a:scrgbClr r="0" g="0" b="0"/>
+      </a:fillRef>
+      <a:effectRef idx="0">
+        <a:scrgbClr r="0" g="0" b="0"/>
+      </a:effectRef>
+      <a:fontRef idx="minor">
+        <a:schemeClr val="tx1"/>
+      </a:fontRef>
+    </dgm:style>
+  </dgm:styleLbl>
+  <dgm:styleLbl name="alignNode1">
+    <dgm:scene3d>
+      <a:camera prst="orthographicFront"/>
+      <a:lightRig rig="threePt" dir="t"/>
+    </dgm:scene3d>
+    <dgm:sp3d/>
+    <dgm:txPr/>
+    <dgm:style>
+      <a:lnRef idx="2">
+        <a:scrgbClr r="0" g="0" b="0"/>
+      </a:lnRef>
+      <a:fillRef idx="1">
+        <a:scrgbClr r="0" g="0" b="0"/>
+      </a:fillRef>
+      <a:effectRef idx="0">
+        <a:scrgbClr r="0" g="0" b="0"/>
+      </a:effectRef>
+      <a:fontRef idx="minor">
+        <a:schemeClr val="lt1"/>
+      </a:fontRef>
+    </dgm:style>
+  </dgm:styleLbl>
+  <dgm:styleLbl name="node1">
+    <dgm:scene3d>
+      <a:camera prst="orthographicFront"/>
+      <a:lightRig rig="threePt" dir="t"/>
+    </dgm:scene3d>
+    <dgm:sp3d/>
+    <dgm:txPr/>
+    <dgm:style>
+      <a:lnRef idx="2">
+        <a:scrgbClr r="0" g="0" b="0"/>
+      </a:lnRef>
+      <a:fillRef idx="1">
+        <a:scrgbClr r="0" g="0" b="0"/>
+      </a:fillRef>
+      <a:effectRef idx="0">
+        <a:scrgbClr r="0" g="0" b="0"/>
+      </a:effectRef>
+      <a:fontRef idx="minor">
+        <a:schemeClr val="lt1"/>
+      </a:fontRef>
+    </dgm:style>
+  </dgm:styleLbl>
+  <dgm:styleLbl name="node2">
+    <dgm:scene3d>
+      <a:camera prst="orthographicFront"/>
+      <a:lightRig rig="threePt" dir="t"/>
+    </dgm:scene3d>
+    <dgm:sp3d/>
+    <dgm:txPr/>
+    <dgm:style>
+      <a:lnRef idx="2">
+        <a:scrgbClr r="0" g="0" b="0"/>
+      </a:lnRef>
+      <a:fillRef idx="1">
+        <a:scrgbClr r="0" g="0" b="0"/>
+      </a:fillRef>
+      <a:effectRef idx="0">
+        <a:scrgbClr r="0" g="0" b="0"/>
+      </a:effectRef>
+      <a:fontRef idx="minor">
+        <a:schemeClr val="lt1"/>
+      </a:fontRef>
+    </dgm:style>
+  </dgm:styleLbl>
+  <dgm:styleLbl name="node3">
+    <dgm:scene3d>
+      <a:camera prst="orthographicFront"/>
+      <a:lightRig rig="threePt" dir="t"/>
+    </dgm:scene3d>
+    <dgm:sp3d/>
+    <dgm:txPr/>
+    <dgm:style>
+      <a:lnRef idx="2">
+        <a:scrgbClr r="0" g="0" b="0"/>
+      </a:lnRef>
+      <a:fillRef idx="1">
+        <a:scrgbClr r="0" g="0" b="0"/>
+      </a:fillRef>
+      <a:effectRef idx="0">
+        <a:scrgbClr r="0" g="0" b="0"/>
+      </a:effectRef>
+      <a:fontRef idx="minor">
+        <a:schemeClr val="lt1"/>
+      </a:fontRef>
+    </dgm:style>
+  </dgm:styleLbl>
+  <dgm:styleLbl name="node4">
+    <dgm:scene3d>
+      <a:camera prst="orthographicFront"/>
+      <a:lightRig rig="threePt" dir="t"/>
+    </dgm:scene3d>
+    <dgm:sp3d/>
+    <dgm:txPr/>
+    <dgm:style>
+      <a:lnRef idx="2">
+        <a:scrgbClr r="0" g="0" b="0"/>
+      </a:lnRef>
+      <a:fillRef idx="1">
+        <a:scrgbClr r="0" g="0" b="0"/>
+      </a:fillRef>
+      <a:effectRef idx="0">
+        <a:scrgbClr r="0" g="0" b="0"/>
+      </a:effectRef>
+      <a:fontRef idx="minor">
+        <a:schemeClr val="lt1"/>
+      </a:fontRef>
+    </dgm:style>
+  </dgm:styleLbl>
+  <dgm:styleLbl name="fgImgPlace1">
+    <dgm:scene3d>
+      <a:camera prst="orthographicFront"/>
+      <a:lightRig rig="threePt" dir="t"/>
+    </dgm:scene3d>
+    <dgm:sp3d/>
+    <dgm:txPr/>
+    <dgm:style>
+      <a:lnRef idx="2">
+        <a:scrgbClr r="0" g="0" b="0"/>
+      </a:lnRef>
+      <a:fillRef idx="1">
+        <a:scrgbClr r="0" g="0" b="0"/>
+      </a:fillRef>
+      <a:effectRef idx="0">
+        <a:scrgbClr r="0" g="0" b="0"/>
+      </a:effectRef>
+      <a:fontRef idx="minor"/>
+    </dgm:style>
+  </dgm:styleLbl>
+  <dgm:styleLbl name="alignImgPlace1">
+    <dgm:scene3d>
+      <a:camera prst="orthographicFront"/>
+      <a:lightRig rig="threePt" dir="t"/>
+    </dgm:scene3d>
+    <dgm:sp3d/>
+    <dgm:txPr/>
+    <dgm:style>
+      <a:lnRef idx="2">
+        <a:scrgbClr r="0" g="0" b="0"/>
+      </a:lnRef>
+      <a:fillRef idx="1">
+        <a:scrgbClr r="0" g="0" b="0"/>
+      </a:fillRef>
+      <a:effectRef idx="0">
+        <a:scrgbClr r="0" g="0" b="0"/>
+      </a:effectRef>
+      <a:fontRef idx="minor"/>
+    </dgm:style>
+  </dgm:styleLbl>
+  <dgm:styleLbl name="bgImgPlace1">
+    <dgm:scene3d>
+      <a:camera prst="orthographicFront"/>
+      <a:lightRig rig="threePt" dir="t"/>
+    </dgm:scene3d>
+    <dgm:sp3d/>
+    <dgm:txPr/>
+    <dgm:style>
+      <a:lnRef idx="2">
+        <a:scrgbClr r="0" g="0" b="0"/>
+      </a:lnRef>
+      <a:fillRef idx="1">
+        <a:scrgbClr r="0" g="0" b="0"/>
+      </a:fillRef>
+      <a:effectRef idx="0">
+        <a:scrgbClr r="0" g="0" b="0"/>
+      </a:effectRef>
+      <a:fontRef idx="minor"/>
+    </dgm:style>
+  </dgm:styleLbl>
+  <dgm:styleLbl name="sibTrans2D1">
+    <dgm:scene3d>
+      <a:camera prst="orthographicFront"/>
+      <a:lightRig rig="threePt" dir="t"/>
+    </dgm:scene3d>
+    <dgm:sp3d/>
+    <dgm:txPr/>
+    <dgm:style>
+      <a:lnRef idx="0">
+        <a:scrgbClr r="0" g="0" b="0"/>
+      </a:lnRef>
+      <a:fillRef idx="1">
+        <a:scrgbClr r="0" g="0" b="0"/>
+      </a:fillRef>
+      <a:effectRef idx="0">
+        <a:scrgbClr r="0" g="0" b="0"/>
+      </a:effectRef>
+      <a:fontRef idx="minor">
+        <a:schemeClr val="lt1"/>
+      </a:fontRef>
+    </dgm:style>
+  </dgm:styleLbl>
+  <dgm:styleLbl name="fgSibTrans2D1">
+    <dgm:scene3d>
+      <a:camera prst="orthographicFront"/>
+      <a:lightRig rig="threePt" dir="t"/>
+    </dgm:scene3d>
+    <dgm:sp3d/>
+    <dgm:txPr/>
+    <dgm:style>
+      <a:lnRef idx="0">
+        <a:scrgbClr r="0" g="0" b="0"/>
+      </a:lnRef>
+      <a:fillRef idx="1">
+        <a:scrgbClr r="0" g="0" b="0"/>
+      </a:fillRef>
+      <a:effectRef idx="0">
+        <a:scrgbClr r="0" g="0" b="0"/>
+      </a:effectRef>
+      <a:fontRef idx="minor">
+        <a:schemeClr val="lt1"/>
+      </a:fontRef>
+    </dgm:style>
+  </dgm:styleLbl>
+  <dgm:styleLbl name="bgSibTrans2D1">
+    <dgm:scene3d>
+      <a:camera prst="orthographicFront"/>
+      <a:lightRig rig="threePt" dir="t"/>
+    </dgm:scene3d>
+    <dgm:sp3d/>
+    <dgm:txPr/>
+    <dgm:style>
+      <a:lnRef idx="0">
+        <a:scrgbClr r="0" g="0" b="0"/>
+      </a:lnRef>
+      <a:fillRef idx="1">
+        <a:scrgbClr r="0" g="0" b="0"/>
+      </a:fillRef>
+      <a:effectRef idx="0">
+        <a:scrgbClr r="0" g="0" b="0"/>
+      </a:effectRef>
+      <a:fontRef idx="minor">
+        <a:schemeClr val="lt1"/>
+      </a:fontRef>
+    </dgm:style>
+  </dgm:styleLbl>
+  <dgm:styleLbl name="sibTrans1D1">
+    <dgm:scene3d>
+      <a:camera prst="orthographicFront"/>
+      <a:lightRig rig="threePt" dir="t"/>
+    </dgm:scene3d>
+    <dgm:sp3d/>
+    <dgm:txPr/>
+    <dgm:style>
+      <a:lnRef idx="1">
+        <a:scrgbClr r="0" g="0" b="0"/>
+      </a:lnRef>
+      <a:fillRef idx="0">
+        <a:scrgbClr r="0" g="0" b="0"/>
+      </a:fillRef>
+      <a:effectRef idx="0">
+        <a:scrgbClr r="0" g="0" b="0"/>
+      </a:effectRef>
+      <a:fontRef idx="minor"/>
+    </dgm:style>
+  </dgm:styleLbl>
+  <dgm:styleLbl name="callout">
+    <dgm:scene3d>
+      <a:camera prst="orthographicFront"/>
+      <a:lightRig rig="threePt" dir="t"/>
+    </dgm:scene3d>
+    <dgm:sp3d/>
+    <dgm:txPr/>
+    <dgm:style>
+      <a:lnRef idx="2">
+        <a:scrgbClr r="0" g="0" b="0"/>
+      </a:lnRef>
+      <a:fillRef idx="1">
+        <a:scrgbClr r="0" g="0" b="0"/>
+      </a:fillRef>
+      <a:effectRef idx="0">
+        <a:scrgbClr r="0" g="0" b="0"/>
+      </a:effectRef>
+      <a:fontRef idx="minor"/>
+    </dgm:style>
+  </dgm:styleLbl>
+  <dgm:styleLbl name="asst0">
+    <dgm:scene3d>
+      <a:camera prst="orthographicFront"/>
+      <a:lightRig rig="threePt" dir="t"/>
+    </dgm:scene3d>
+    <dgm:sp3d/>
+    <dgm:txPr/>
+    <dgm:style>
+      <a:lnRef idx="2">
+        <a:scrgbClr r="0" g="0" b="0"/>
+      </a:lnRef>
+      <a:fillRef idx="1">
+        <a:scrgbClr r="0" g="0" b="0"/>
+      </a:fillRef>
+      <a:effectRef idx="0">
+        <a:scrgbClr r="0" g="0" b="0"/>
+      </a:effectRef>
+      <a:fontRef idx="minor">
+        <a:schemeClr val="lt1"/>
+      </a:fontRef>
+    </dgm:style>
+  </dgm:styleLbl>
+  <dgm:styleLbl name="asst1">
+    <dgm:scene3d>
+      <a:camera prst="orthographicFront"/>
+      <a:lightRig rig="threePt" dir="t"/>
+    </dgm:scene3d>
+    <dgm:sp3d/>
+    <dgm:txPr/>
+    <dgm:style>
+      <a:lnRef idx="2">
+        <a:scrgbClr r="0" g="0" b="0"/>
+      </a:lnRef>
+      <a:fillRef idx="1">
+        <a:scrgbClr r="0" g="0" b="0"/>
+      </a:fillRef>
+      <a:effectRef idx="0">
+        <a:scrgbClr r="0" g="0" b="0"/>
+      </a:effectRef>
+      <a:fontRef idx="minor">
+        <a:schemeClr val="lt1"/>
+      </a:fontRef>
+    </dgm:style>
+  </dgm:styleLbl>
+  <dgm:styleLbl name="asst2">
+    <dgm:scene3d>
+      <a:camera prst="orthographicFront"/>
+      <a:lightRig rig="threePt" dir="t"/>
+    </dgm:scene3d>
+    <dgm:sp3d/>
+    <dgm:txPr/>
+    <dgm:style>
+      <a:lnRef idx="2">
+        <a:scrgbClr r="0" g="0" b="0"/>
+      </a:lnRef>
+      <a:fillRef idx="1">
+        <a:scrgbClr r="0" g="0" b="0"/>
+      </a:fillRef>
+      <a:effectRef idx="0">
+        <a:scrgbClr r="0" g="0" b="0"/>
+      </a:effectRef>
+      <a:fontRef idx="minor">
+        <a:schemeClr val="lt1"/>
+      </a:fontRef>
+    </dgm:style>
+  </dgm:styleLbl>
+  <dgm:styleLbl name="asst3">
+    <dgm:scene3d>
+      <a:camera prst="orthographicFront"/>
+      <a:lightRig rig="threePt" dir="t"/>
+    </dgm:scene3d>
+    <dgm:sp3d/>
+    <dgm:txPr/>
+    <dgm:style>
+      <a:lnRef idx="2">
+        <a:scrgbClr r="0" g="0" b="0"/>
+      </a:lnRef>
+      <a:fillRef idx="1">
+        <a:scrgbClr r="0" g="0" b="0"/>
+      </a:fillRef>
+      <a:effectRef idx="0">
+        <a:scrgbClr r="0" g="0" b="0"/>
+      </a:effectRef>
+      <a:fontRef idx="minor">
+        <a:schemeClr val="lt1"/>
+      </a:fontRef>
+    </dgm:style>
+  </dgm:styleLbl>
+  <dgm:styleLbl name="asst4">
+    <dgm:scene3d>
+      <a:camera prst="orthographicFront"/>
+      <a:lightRig rig="threePt" dir="t"/>
+    </dgm:scene3d>
+    <dgm:sp3d/>
+    <dgm:txPr/>
+    <dgm:style>
+      <a:lnRef idx="2">
+        <a:scrgbClr r="0" g="0" b="0"/>
+      </a:lnRef>
+      <a:fillRef idx="1">
+        <a:scrgbClr r="0" g="0" b="0"/>
+      </a:fillRef>
+      <a:effectRef idx="0">
+        <a:scrgbClr r="0" g="0" b="0"/>
+      </a:effectRef>
+      <a:fontRef idx="minor">
+        <a:schemeClr val="lt1"/>
+      </a:fontRef>
+    </dgm:style>
+  </dgm:styleLbl>
+  <dgm:styleLbl name="parChTrans2D1">
+    <dgm:scene3d>
+      <a:camera prst="orthographicFront"/>
+      <a:lightRig rig="threePt" dir="t"/>
+    </dgm:scene3d>
+    <dgm:sp3d/>
+    <dgm:txPr/>
+    <dgm:style>
+      <a:lnRef idx="2">
+        <a:scrgbClr r="0" g="0" b="0"/>
+      </a:lnRef>
+      <a:fillRef idx="1">
+        <a:scrgbClr r="0" g="0" b="0"/>
+      </a:fillRef>
+      <a:effectRef idx="0">
+        <a:scrgbClr r="0" g="0" b="0"/>
+      </a:effectRef>
+      <a:fontRef idx="minor">
+        <a:schemeClr val="lt1"/>
+      </a:fontRef>
+    </dgm:style>
+  </dgm:styleLbl>
+  <dgm:styleLbl name="parChTrans2D2">
+    <dgm:scene3d>
+      <a:camera prst="orthographicFront"/>
+      <a:lightRig rig="threePt" dir="t"/>
+    </dgm:scene3d>
+    <dgm:sp3d/>
+    <dgm:txPr/>
+    <dgm:style>
+      <a:lnRef idx="2">
+        <a:scrgbClr r="0" g="0" b="0"/>
+      </a:lnRef>
+      <a:fillRef idx="1">
+        <a:scrgbClr r="0" g="0" b="0"/>
+      </a:fillRef>
+      <a:effectRef idx="0">
+        <a:scrgbClr r="0" g="0" b="0"/>
+      </a:effectRef>
+      <a:fontRef idx="minor">
+        <a:schemeClr val="lt1"/>
+      </a:fontRef>
+    </dgm:style>
+  </dgm:styleLbl>
+  <dgm:styleLbl name="parChTrans2D3">
+    <dgm:scene3d>
+      <a:camera prst="orthographicFront"/>
+      <a:lightRig rig="threePt" dir="t"/>
+    </dgm:scene3d>
+    <dgm:sp3d/>
+    <dgm:txPr/>
+    <dgm:style>
+      <a:lnRef idx="2">
+        <a:scrgbClr r="0" g="0" b="0"/>
+      </a:lnRef>
+      <a:fillRef idx="1">
+        <a:scrgbClr r="0" g="0" b="0"/>
+      </a:fillRef>
+      <a:effectRef idx="0">
+        <a:scrgbClr r="0" g="0" b="0"/>
+      </a:effectRef>
+      <a:fontRef idx="minor">
+        <a:schemeClr val="lt1"/>
+      </a:fontRef>
+    </dgm:style>
+  </dgm:styleLbl>
+  <dgm:styleLbl name="parChTrans2D4">
+    <dgm:scene3d>
+      <a:camera prst="orthographicFront"/>
+      <a:lightRig rig="threePt" dir="t"/>
+    </dgm:scene3d>
+    <dgm:sp3d/>
+    <dgm:txPr/>
+    <dgm:style>
+      <a:lnRef idx="2">
+        <a:scrgbClr r="0" g="0" b="0"/>
+      </a:lnRef>
+      <a:fillRef idx="1">
+        <a:scrgbClr r="0" g="0" b="0"/>
+      </a:fillRef>
+      <a:effectRef idx="0">
+        <a:scrgbClr r="0" g="0" b="0"/>
+      </a:effectRef>
+      <a:fontRef idx="minor">
+        <a:schemeClr val="lt1"/>
+      </a:fontRef>
+    </dgm:style>
+  </dgm:styleLbl>
+  <dgm:styleLbl name="parChTrans1D1">
+    <dgm:scene3d>
+      <a:camera prst="orthographicFront"/>
+      <a:lightRig rig="threePt" dir="t"/>
+    </dgm:scene3d>
+    <dgm:sp3d/>
+    <dgm:txPr/>
+    <dgm:style>
+      <a:lnRef idx="2">
+        <a:scrgbClr r="0" g="0" b="0"/>
+      </a:lnRef>
+      <a:fillRef idx="0">
+        <a:scrgbClr r="0" g="0" b="0"/>
+      </a:fillRef>
+      <a:effectRef idx="0">
+        <a:scrgbClr r="0" g="0" b="0"/>
+      </a:effectRef>
+      <a:fontRef idx="minor"/>
+    </dgm:style>
+  </dgm:styleLbl>
+  <dgm:styleLbl name="parChTrans1D2">
+    <dgm:scene3d>
+      <a:camera prst="orthographicFront"/>
+      <a:lightRig rig="threePt" dir="t"/>
+    </dgm:scene3d>
+    <dgm:sp3d/>
+    <dgm:txPr/>
+    <dgm:style>
+      <a:lnRef idx="2">
+        <a:scrgbClr r="0" g="0" b="0"/>
+      </a:lnRef>
+      <a:fillRef idx="0">
+        <a:scrgbClr r="0" g="0" b="0"/>
+      </a:fillRef>
+      <a:effectRef idx="0">
+        <a:scrgbClr r="0" g="0" b="0"/>
+      </a:effectRef>
+      <a:fontRef idx="minor"/>
+    </dgm:style>
+  </dgm:styleLbl>
+  <dgm:styleLbl name="parChTrans1D3">
+    <dgm:scene3d>
+      <a:camera prst="orthographicFront"/>
+      <a:lightRig rig="threePt" dir="t"/>
+    </dgm:scene3d>
+    <dgm:sp3d/>
+    <dgm:txPr/>
+    <dgm:style>
+      <a:lnRef idx="2">
+        <a:scrgbClr r="0" g="0" b="0"/>
+      </a:lnRef>
+      <a:fillRef idx="0">
+        <a:scrgbClr r="0" g="0" b="0"/>
+      </a:fillRef>
+      <a:effectRef idx="0">
+        <a:scrgbClr r="0" g="0" b="0"/>
+      </a:effectRef>
+      <a:fontRef idx="minor"/>
+    </dgm:style>
+  </dgm:styleLbl>
+  <dgm:styleLbl name="parChTrans1D4">
+    <dgm:scene3d>
+      <a:camera prst="orthographicFront"/>
+      <a:lightRig rig="threePt" dir="t"/>
+    </dgm:scene3d>
+    <dgm:sp3d/>
+    <dgm:txPr/>
+    <dgm:style>
+      <a:lnRef idx="2">
+        <a:scrgbClr r="0" g="0" b="0"/>
+      </a:lnRef>
+      <a:fillRef idx="0">
+        <a:scrgbClr r="0" g="0" b="0"/>
+      </a:fillRef>
+      <a:effectRef idx="0">
+        <a:scrgbClr r="0" g="0" b="0"/>
+      </a:effectRef>
+      <a:fontRef idx="minor"/>
+    </dgm:style>
+  </dgm:styleLbl>
+  <dgm:styleLbl name="fgAcc1">
+    <dgm:scene3d>
+      <a:camera prst="orthographicFront"/>
+      <a:lightRig rig="threePt" dir="t"/>
+    </dgm:scene3d>
+    <dgm:sp3d/>
+    <dgm:txPr/>
+    <dgm:style>
+      <a:lnRef idx="2">
+        <a:scrgbClr r="0" g="0" b="0"/>
+      </a:lnRef>
+      <a:fillRef idx="1">
+        <a:scrgbClr r="0" g="0" b="0"/>
+      </a:fillRef>
+      <a:effectRef idx="0">
+        <a:scrgbClr r="0" g="0" b="0"/>
+      </a:effectRef>
+      <a:fontRef idx="minor"/>
+    </dgm:style>
+  </dgm:styleLbl>
+  <dgm:styleLbl name="conFgAcc1">
+    <dgm:scene3d>
+      <a:camera prst="orthographicFront"/>
+      <a:lightRig rig="threePt" dir="t"/>
+    </dgm:scene3d>
+    <dgm:sp3d/>
+    <dgm:txPr/>
+    <dgm:style>
+      <a:lnRef idx="2">
+        <a:scrgbClr r="0" g="0" b="0"/>
+      </a:lnRef>
+      <a:fillRef idx="1">
+        <a:scrgbClr r="0" g="0" b="0"/>
+      </a:fillRef>
+      <a:effectRef idx="0">
+        <a:scrgbClr r="0" g="0" b="0"/>
+      </a:effectRef>
+      <a:fontRef idx="minor"/>
+    </dgm:style>
+  </dgm:styleLbl>
+  <dgm:styleLbl name="alignAcc1">
+    <dgm:scene3d>
+      <a:camera prst="orthographicFront"/>
+      <a:lightRig rig="threePt" dir="t"/>
+    </dgm:scene3d>
+    <dgm:sp3d/>
+    <dgm:txPr/>
+    <dgm:style>
+      <a:lnRef idx="2">
+        <a:scrgbClr r="0" g="0" b="0"/>
+      </a:lnRef>
+      <a:fillRef idx="1">
+        <a:scrgbClr r="0" g="0" b="0"/>
+      </a:fillRef>
+      <a:effectRef idx="0">
+        <a:scrgbClr r="0" g="0" b="0"/>
+      </a:effectRef>
+      <a:fontRef idx="minor"/>
+    </dgm:style>
+  </dgm:styleLbl>
+  <dgm:styleLbl name="trAlignAcc1">
+    <dgm:scene3d>
+      <a:camera prst="orthographicFront"/>
+      <a:lightRig rig="threePt" dir="t"/>
+    </dgm:scene3d>
+    <dgm:sp3d/>
+    <dgm:txPr/>
+    <dgm:style>
+      <a:lnRef idx="1">
+        <a:scrgbClr r="0" g="0" b="0"/>
+      </a:lnRef>
+      <a:fillRef idx="1">
+        <a:scrgbClr r="0" g="0" b="0"/>
+      </a:fillRef>
+      <a:effectRef idx="0">
+        <a:scrgbClr r="0" g="0" b="0"/>
+      </a:effectRef>
+      <a:fontRef idx="minor"/>
+    </dgm:style>
+  </dgm:styleLbl>
+  <dgm:styleLbl name="bgAcc1">
+    <dgm:scene3d>
+      <a:camera prst="orthographicFront"/>
+      <a:lightRig rig="threePt" dir="t"/>
+    </dgm:scene3d>
+    <dgm:sp3d/>
+    <dgm:txPr/>
+    <dgm:style>
+      <a:lnRef idx="2">
+        <a:scrgbClr r="0" g="0" b="0"/>
+      </a:lnRef>
+      <a:fillRef idx="1">
+        <a:scrgbClr r="0" g="0" b="0"/>
+      </a:fillRef>
+      <a:effectRef idx="0">
+        <a:scrgbClr r="0" g="0" b="0"/>
+      </a:effectRef>
+      <a:fontRef idx="minor"/>
+    </dgm:style>
+  </dgm:styleLbl>
+  <dgm:styleLbl name="solidFgAcc1">
+    <dgm:scene3d>
+      <a:camera prst="orthographicFront"/>
+      <a:lightRig rig="threePt" dir="t"/>
+    </dgm:scene3d>
+    <dgm:sp3d/>
+    <dgm:txPr/>
+    <dgm:style>
+      <a:lnRef idx="2">
+        <a:scrgbClr r="0" g="0" b="0"/>
+      </a:lnRef>
+      <a:fillRef idx="1">
+        <a:scrgbClr r="0" g="0" b="0"/>
+      </a:fillRef>
+      <a:effectRef idx="0">
+        <a:scrgbClr r="0" g="0" b="0"/>
+      </a:effectRef>
+      <a:fontRef idx="minor"/>
+    </dgm:style>
+  </dgm:styleLbl>
+  <dgm:styleLbl name="solidAlignAcc1">
+    <dgm:scene3d>
+      <a:camera prst="orthographicFront"/>
+      <a:lightRig rig="threePt" dir="t"/>
+    </dgm:scene3d>
+    <dgm:sp3d/>
+    <dgm:txPr/>
+    <dgm:style>
+      <a:lnRef idx="2">
+        <a:scrgbClr r="0" g="0" b="0"/>
+      </a:lnRef>
+      <a:fillRef idx="1">
+        <a:scrgbClr r="0" g="0" b="0"/>
+      </a:fillRef>
+      <a:effectRef idx="0">
+        <a:scrgbClr r="0" g="0" b="0"/>
+      </a:effectRef>
+      <a:fontRef idx="minor"/>
+    </dgm:style>
+  </dgm:styleLbl>
+  <dgm:styleLbl name="solidBgAcc1">
+    <dgm:scene3d>
+      <a:camera prst="orthographicFront"/>
+      <a:lightRig rig="threePt" dir="t"/>
+    </dgm:scene3d>
+    <dgm:sp3d/>
+    <dgm:txPr/>
+    <dgm:style>
+      <a:lnRef idx="2">
+        <a:scrgbClr r="0" g="0" b="0"/>
+      </a:lnRef>
+      <a:fillRef idx="1">
+        <a:scrgbClr r="0" g="0" b="0"/>
+      </a:fillRef>
+      <a:effectRef idx="0">
+        <a:scrgbClr r="0" g="0" b="0"/>
+      </a:effectRef>
+      <a:fontRef idx="minor"/>
+    </dgm:style>
+  </dgm:styleLbl>
+  <dgm:styleLbl name="fgAccFollowNode1">
+    <dgm:scene3d>
+      <a:camera prst="orthographicFront"/>
+      <a:lightRig rig="threePt" dir="t"/>
+    </dgm:scene3d>
+    <dgm:sp3d/>
+    <dgm:txPr/>
+    <dgm:style>
+      <a:lnRef idx="2">
+        <a:scrgbClr r="0" g="0" b="0"/>
+      </a:lnRef>
+      <a:fillRef idx="1">
+        <a:scrgbClr r="0" g="0" b="0"/>
+      </a:fillRef>
+      <a:effectRef idx="0">
+        <a:scrgbClr r="0" g="0" b="0"/>
+      </a:effectRef>
+      <a:fontRef idx="minor"/>
+    </dgm:style>
+  </dgm:styleLbl>
+  <dgm:styleLbl name="alignAccFollowNode1">
+    <dgm:scene3d>
+      <a:camera prst="orthographicFront"/>
+      <a:lightRig rig="threePt" dir="t"/>
+    </dgm:scene3d>
+    <dgm:sp3d/>
+    <dgm:txPr/>
+    <dgm:style>
+      <a:lnRef idx="2">
+        <a:scrgbClr r="0" g="0" b="0"/>
+      </a:lnRef>
+      <a:fillRef idx="1">
+        <a:scrgbClr r="0" g="0" b="0"/>
+      </a:fillRef>
+      <a:effectRef idx="0">
+        <a:scrgbClr r="0" g="0" b="0"/>
+      </a:effectRef>
+      <a:fontRef idx="minor"/>
+    </dgm:style>
+  </dgm:styleLbl>
+  <dgm:styleLbl name="bgAccFollowNode1">
+    <dgm:scene3d>
+      <a:camera prst="orthographicFront"/>
+      <a:lightRig rig="threePt" dir="t"/>
+    </dgm:scene3d>
+    <dgm:sp3d/>
+    <dgm:txPr/>
+    <dgm:style>
+      <a:lnRef idx="2">
+        <a:scrgbClr r="0" g="0" b="0"/>
+      </a:lnRef>
+      <a:fillRef idx="1">
+        <a:scrgbClr r="0" g="0" b="0"/>
+      </a:fillRef>
+      <a:effectRef idx="0">
+        <a:scrgbClr r="0" g="0" b="0"/>
+      </a:effectRef>
+      <a:fontRef idx="minor"/>
+    </dgm:style>
+  </dgm:styleLbl>
+  <dgm:styleLbl name="fgAcc0">
+    <dgm:scene3d>
+      <a:camera prst="orthographicFront"/>
+      <a:lightRig rig="threePt" dir="t"/>
+    </dgm:scene3d>
+    <dgm:sp3d/>
+    <dgm:txPr/>
+    <dgm:style>
+      <a:lnRef idx="2">
+        <a:scrgbClr r="0" g="0" b="0"/>
+      </a:lnRef>
+      <a:fillRef idx="1">
+        <a:scrgbClr r="0" g="0" b="0"/>
+      </a:fillRef>
+      <a:effectRef idx="0">
+        <a:scrgbClr r="0" g="0" b="0"/>
+      </a:effectRef>
+      <a:fontRef idx="minor"/>
+    </dgm:style>
+  </dgm:styleLbl>
+  <dgm:styleLbl name="fgAcc2">
+    <dgm:scene3d>
+      <a:camera prst="orthographicFront"/>
+      <a:lightRig rig="threePt" dir="t"/>
+    </dgm:scene3d>
+    <dgm:sp3d/>
+    <dgm:txPr/>
+    <dgm:style>
+      <a:lnRef idx="2">
+        <a:scrgbClr r="0" g="0" b="0"/>
+      </a:lnRef>
+      <a:fillRef idx="1">
+        <a:scrgbClr r="0" g="0" b="0"/>
+      </a:fillRef>
+      <a:effectRef idx="0">
+        <a:scrgbClr r="0" g="0" b="0"/>
+      </a:effectRef>
+      <a:fontRef idx="minor"/>
+    </dgm:style>
+  </dgm:styleLbl>
+  <dgm:styleLbl name="fgAcc3">
+    <dgm:scene3d>
+      <a:camera prst="orthographicFront"/>
+      <a:lightRig rig="threePt" dir="t"/>
+    </dgm:scene3d>
+    <dgm:sp3d/>
+    <dgm:txPr/>
+    <dgm:style>
+      <a:lnRef idx="2">
+        <a:scrgbClr r="0" g="0" b="0"/>
+      </a:lnRef>
+      <a:fillRef idx="1">
+        <a:scrgbClr r="0" g="0" b="0"/>
+      </a:fillRef>
+      <a:effectRef idx="0">
+        <a:scrgbClr r="0" g="0" b="0"/>
+      </a:effectRef>
+      <a:fontRef idx="minor"/>
+    </dgm:style>
+  </dgm:styleLbl>
+  <dgm:styleLbl name="fgAcc4">
+    <dgm:scene3d>
+      <a:camera prst="orthographicFront"/>
+      <a:lightRig rig="threePt" dir="t"/>
+    </dgm:scene3d>
+    <dgm:sp3d/>
+    <dgm:txPr/>
+    <dgm:style>
+      <a:lnRef idx="2">
+        <a:scrgbClr r="0" g="0" b="0"/>
+      </a:lnRef>
+      <a:fillRef idx="1">
+        <a:scrgbClr r="0" g="0" b="0"/>
+      </a:fillRef>
+      <a:effectRef idx="0">
+        <a:scrgbClr r="0" g="0" b="0"/>
+      </a:effectRef>
+      <a:fontRef idx="minor"/>
+    </dgm:style>
+  </dgm:styleLbl>
+  <dgm:styleLbl name="bgShp">
+    <dgm:scene3d>
+      <a:camera prst="orthographicFront"/>
+      <a:lightRig rig="threePt" dir="t"/>
+    </dgm:scene3d>
+    <dgm:sp3d/>
+    <dgm:txPr/>
+    <dgm:style>
+      <a:lnRef idx="0">
+        <a:scrgbClr r="0" g="0" b="0"/>
+      </a:lnRef>
+      <a:fillRef idx="1">
+        <a:scrgbClr r="0" g="0" b="0"/>
+      </a:fillRef>
+      <a:effectRef idx="0">
+        <a:scrgbClr r="0" g="0" b="0"/>
+      </a:effectRef>
+      <a:fontRef idx="minor"/>
+    </dgm:style>
+  </dgm:styleLbl>
+  <dgm:styleLbl name="dkBgShp">
+    <dgm:scene3d>
+      <a:camera prst="orthographicFront"/>
+      <a:lightRig rig="threePt" dir="t"/>
+    </dgm:scene3d>
+    <dgm:sp3d/>
+    <dgm:txPr/>
+    <dgm:style>
+      <a:lnRef idx="0">
+        <a:scrgbClr r="0" g="0" b="0"/>
+      </a:lnRef>
+      <a:fillRef idx="1">
+        <a:scrgbClr r="0" g="0" b="0"/>
+      </a:fillRef>
+      <a:effectRef idx="0">
+        <a:scrgbClr r="0" g="0" b="0"/>
+      </a:effectRef>
+      <a:fontRef idx="minor"/>
+    </dgm:style>
+  </dgm:styleLbl>
+  <dgm:styleLbl name="trBgShp">
+    <dgm:scene3d>
+      <a:camera prst="orthographicFront"/>
+      <a:lightRig rig="threePt" dir="t"/>
+    </dgm:scene3d>
+    <dgm:sp3d/>
+    <dgm:txPr/>
+    <dgm:style>
+      <a:lnRef idx="0">
+        <a:scrgbClr r="0" g="0" b="0"/>
+      </a:lnRef>
+      <a:fillRef idx="1">
+        <a:scrgbClr r="0" g="0" b="0"/>
+      </a:fillRef>
+      <a:effectRef idx="0">
+        <a:scrgbClr r="0" g="0" b="0"/>
+      </a:effectRef>
+      <a:fontRef idx="minor"/>
+    </dgm:style>
+  </dgm:styleLbl>
+  <dgm:styleLbl name="fgShp">
+    <dgm:scene3d>
+      <a:camera prst="orthographicFront"/>
+      <a:lightRig rig="threePt" dir="t"/>
+    </dgm:scene3d>
+    <dgm:sp3d/>
+    <dgm:txPr/>
+    <dgm:style>
+      <a:lnRef idx="2">
+        <a:scrgbClr r="0" g="0" b="0"/>
+      </a:lnRef>
+      <a:fillRef idx="1">
+        <a:scrgbClr r="0" g="0" b="0"/>
+      </a:fillRef>
+      <a:effectRef idx="0">
+        <a:scrgbClr r="0" g="0" b="0"/>
+      </a:effectRef>
+      <a:fontRef idx="minor"/>
+    </dgm:style>
+  </dgm:styleLbl>
+  <dgm:styleLbl name="revTx">
+    <dgm:scene3d>
+      <a:camera prst="orthographicFront"/>
+      <a:lightRig rig="threePt" dir="t"/>
+    </dgm:scene3d>
+    <dgm:sp3d/>
+    <dgm:txPr/>
+    <dgm:style>
+      <a:lnRef idx="0">
+        <a:scrgbClr r="0" g="0" b="0"/>
+      </a:lnRef>
+      <a:fillRef idx="0">
+        <a:scrgbClr r="0" g="0" b="0"/>
+      </a:fillRef>
+      <a:effectRef idx="0">
+        <a:scrgbClr r="0" g="0" b="0"/>
+      </a:effectRef>
+      <a:fontRef idx="minor"/>
+    </dgm:style>
+  </dgm:styleLbl>
+</dgm:styleDef>
 </file>
 
 <file path=ppt/slideLayouts/slideLayout1.xml><?xml version="1.0" encoding="utf-8"?>
@@ -249,7 +5144,7 @@
           <a:p>
             <a:fld id="{9814B459-F0A5-492D-8C86-5EB481244A49}" type="datetimeFigureOut">
               <a:rPr kumimoji="1" lang="ja-JP" altLang="en-US" smtClean="0"/>
-              <a:t>2015/7/9</a:t>
+              <a:t>2015/7/15</a:t>
             </a:fld>
             <a:endParaRPr kumimoji="1" lang="ja-JP" altLang="en-US"/>
           </a:p>
@@ -451,7 +5346,7 @@
           <a:p>
             <a:fld id="{9814B459-F0A5-492D-8C86-5EB481244A49}" type="datetimeFigureOut">
               <a:rPr kumimoji="1" lang="ja-JP" altLang="en-US" smtClean="0"/>
-              <a:t>2015/7/9</a:t>
+              <a:t>2015/7/15</a:t>
             </a:fld>
             <a:endParaRPr kumimoji="1" lang="ja-JP" altLang="en-US"/>
           </a:p>
@@ -663,7 +5558,7 @@
           <a:p>
             <a:fld id="{9814B459-F0A5-492D-8C86-5EB481244A49}" type="datetimeFigureOut">
               <a:rPr kumimoji="1" lang="ja-JP" altLang="en-US" smtClean="0"/>
-              <a:t>2015/7/9</a:t>
+              <a:t>2015/7/15</a:t>
             </a:fld>
             <a:endParaRPr kumimoji="1" lang="ja-JP" altLang="en-US"/>
           </a:p>
@@ -865,7 +5760,7 @@
           <a:p>
             <a:fld id="{9814B459-F0A5-492D-8C86-5EB481244A49}" type="datetimeFigureOut">
               <a:rPr kumimoji="1" lang="ja-JP" altLang="en-US" smtClean="0"/>
-              <a:t>2015/7/9</a:t>
+              <a:t>2015/7/15</a:t>
             </a:fld>
             <a:endParaRPr kumimoji="1" lang="ja-JP" altLang="en-US"/>
           </a:p>
@@ -1111,7 +6006,7 @@
           <a:p>
             <a:fld id="{9814B459-F0A5-492D-8C86-5EB481244A49}" type="datetimeFigureOut">
               <a:rPr kumimoji="1" lang="ja-JP" altLang="en-US" smtClean="0"/>
-              <a:t>2015/7/9</a:t>
+              <a:t>2015/7/15</a:t>
             </a:fld>
             <a:endParaRPr kumimoji="1" lang="ja-JP" altLang="en-US"/>
           </a:p>
@@ -1407,7 +6302,7 @@
           <a:p>
             <a:fld id="{9814B459-F0A5-492D-8C86-5EB481244A49}" type="datetimeFigureOut">
               <a:rPr kumimoji="1" lang="ja-JP" altLang="en-US" smtClean="0"/>
-              <a:t>2015/7/9</a:t>
+              <a:t>2015/7/15</a:t>
             </a:fld>
             <a:endParaRPr kumimoji="1" lang="ja-JP" altLang="en-US"/>
           </a:p>
@@ -1838,7 +6733,7 @@
           <a:p>
             <a:fld id="{9814B459-F0A5-492D-8C86-5EB481244A49}" type="datetimeFigureOut">
               <a:rPr kumimoji="1" lang="ja-JP" altLang="en-US" smtClean="0"/>
-              <a:t>2015/7/9</a:t>
+              <a:t>2015/7/15</a:t>
             </a:fld>
             <a:endParaRPr kumimoji="1" lang="ja-JP" altLang="en-US"/>
           </a:p>
@@ -1956,7 +6851,7 @@
           <a:p>
             <a:fld id="{9814B459-F0A5-492D-8C86-5EB481244A49}" type="datetimeFigureOut">
               <a:rPr kumimoji="1" lang="ja-JP" altLang="en-US" smtClean="0"/>
-              <a:t>2015/7/9</a:t>
+              <a:t>2015/7/15</a:t>
             </a:fld>
             <a:endParaRPr kumimoji="1" lang="ja-JP" altLang="en-US"/>
           </a:p>
@@ -2051,7 +6946,7 @@
           <a:p>
             <a:fld id="{9814B459-F0A5-492D-8C86-5EB481244A49}" type="datetimeFigureOut">
               <a:rPr kumimoji="1" lang="ja-JP" altLang="en-US" smtClean="0"/>
-              <a:t>2015/7/9</a:t>
+              <a:t>2015/7/15</a:t>
             </a:fld>
             <a:endParaRPr kumimoji="1" lang="ja-JP" altLang="en-US"/>
           </a:p>
@@ -2360,7 +7255,7 @@
           <a:p>
             <a:fld id="{9814B459-F0A5-492D-8C86-5EB481244A49}" type="datetimeFigureOut">
               <a:rPr kumimoji="1" lang="ja-JP" altLang="en-US" smtClean="0"/>
-              <a:t>2015/7/9</a:t>
+              <a:t>2015/7/15</a:t>
             </a:fld>
             <a:endParaRPr kumimoji="1" lang="ja-JP" altLang="en-US"/>
           </a:p>
@@ -2613,7 +7508,7 @@
           <a:p>
             <a:fld id="{9814B459-F0A5-492D-8C86-5EB481244A49}" type="datetimeFigureOut">
               <a:rPr kumimoji="1" lang="ja-JP" altLang="en-US" smtClean="0"/>
-              <a:t>2015/7/9</a:t>
+              <a:t>2015/7/15</a:t>
             </a:fld>
             <a:endParaRPr kumimoji="1" lang="ja-JP" altLang="en-US"/>
           </a:p>
@@ -2858,7 +7753,7 @@
           <a:p>
             <a:fld id="{9814B459-F0A5-492D-8C86-5EB481244A49}" type="datetimeFigureOut">
               <a:rPr kumimoji="1" lang="ja-JP" altLang="en-US" smtClean="0"/>
-              <a:t>2015/7/9</a:t>
+              <a:t>2015/7/15</a:t>
             </a:fld>
             <a:endParaRPr kumimoji="1" lang="ja-JP" altLang="en-US"/>
           </a:p>
@@ -3558,8 +8453,8 @@
         </p:nvSpPr>
         <p:spPr>
           <a:xfrm>
-            <a:off x="1943100" y="1833318"/>
-            <a:ext cx="8305800" cy="1309128"/>
+            <a:off x="1865963" y="1833318"/>
+            <a:ext cx="8460074" cy="1309128"/>
           </a:xfrm>
         </p:spPr>
         <p:txBody>
@@ -3570,7 +8465,11 @@
           <a:p>
             <a:r>
               <a:rPr kumimoji="1" lang="ja-JP" altLang="en-US" sz="5000" dirty="0" smtClean="0"/>
-              <a:t>ご静聴ありがとうございました。</a:t>
+              <a:t>ご清聴ありがとう</a:t>
+            </a:r>
+            <a:r>
+              <a:rPr kumimoji="1" lang="ja-JP" altLang="en-US" sz="5000" dirty="0" smtClean="0"/>
+              <a:t>ございました。</a:t>
             </a:r>
             <a:endParaRPr kumimoji="1" lang="ja-JP" altLang="en-US" sz="5000" dirty="0"/>
           </a:p>
@@ -3708,7 +8607,11 @@
           <a:p>
             <a:r>
               <a:rPr kumimoji="1" lang="ja-JP" altLang="en-US" sz="4000" dirty="0" smtClean="0"/>
-              <a:t>槙野（リーダー）</a:t>
+              <a:t>槙野</a:t>
+            </a:r>
+            <a:r>
+              <a:rPr kumimoji="1" lang="ja-JP" altLang="en-US" sz="4000" dirty="0" smtClean="0"/>
+              <a:t>（リーダー）</a:t>
             </a:r>
             <a:endParaRPr kumimoji="1" lang="en-US" altLang="ja-JP" sz="4000" dirty="0" smtClean="0"/>
           </a:p>
@@ -3722,7 +8625,11 @@
           <a:p>
             <a:r>
               <a:rPr lang="ja-JP" altLang="en-US" sz="4000" dirty="0" smtClean="0"/>
-              <a:t>朴木</a:t>
+              <a:t>朴</a:t>
+            </a:r>
+            <a:r>
+              <a:rPr lang="ja-JP" altLang="en-US" sz="4000" dirty="0" smtClean="0"/>
+              <a:t>木</a:t>
             </a:r>
             <a:endParaRPr lang="en-US" altLang="ja-JP" sz="4000" dirty="0" smtClean="0"/>
           </a:p>
@@ -4092,7 +8999,19 @@
               <a:rPr lang="ja-JP" altLang="en-US" sz="4000" dirty="0" smtClean="0">
                 <a:hlinkClick r:id="rId2" action="ppaction://hlinksldjump"/>
               </a:rPr>
-              <a:t>日本人のキャラクター好きについて</a:t>
+              <a:t>日本人はキャラクター</a:t>
+            </a:r>
+            <a:r>
+              <a:rPr lang="ja-JP" altLang="en-US" sz="4000" dirty="0">
+                <a:hlinkClick r:id="rId2" action="ppaction://hlinksldjump"/>
+              </a:rPr>
+              <a:t>が</a:t>
+            </a:r>
+            <a:r>
+              <a:rPr lang="ja-JP" altLang="en-US" sz="4000" dirty="0" smtClean="0">
+                <a:hlinkClick r:id="rId2" action="ppaction://hlinksldjump"/>
+              </a:rPr>
+              <a:t>好き</a:t>
             </a:r>
             <a:endParaRPr lang="en-US" altLang="ja-JP" sz="4000" dirty="0" smtClean="0"/>
           </a:p>
@@ -4105,7 +9024,13 @@
               <a:rPr lang="ja-JP" altLang="en-US" sz="4000" dirty="0" smtClean="0">
                 <a:hlinkClick r:id="rId3" action="ppaction://hlinksldjump"/>
               </a:rPr>
-              <a:t>マスコットキャラクターの成功と失敗</a:t>
+              <a:t>マスコットキャラクターの</a:t>
+            </a:r>
+            <a:r>
+              <a:rPr lang="ja-JP" altLang="en-US" sz="4000" dirty="0" smtClean="0">
+                <a:hlinkClick r:id="rId3" action="ppaction://hlinksldjump"/>
+              </a:rPr>
+              <a:t>成功</a:t>
             </a:r>
             <a:endParaRPr lang="en-US" altLang="ja-JP" sz="4000" dirty="0" smtClean="0"/>
           </a:p>
@@ -4237,43 +9162,41 @@
             </a:r>
             <a:r>
               <a:rPr lang="ja-JP" altLang="en-US" dirty="0" smtClean="0"/>
-              <a:t>日本人</a:t>
-            </a:r>
-            <a:r>
-              <a:rPr lang="ja-JP" altLang="en-US" dirty="0"/>
-              <a:t>のキャラクター好きに</a:t>
-            </a:r>
-            <a:r>
-              <a:rPr lang="ja-JP" altLang="en-US" dirty="0" smtClean="0"/>
-              <a:t>ついて</a:t>
-            </a:r>
-            <a:endParaRPr kumimoji="1" lang="ja-JP" altLang="en-US" dirty="0"/>
+              <a:t>日本人はキャラクターが好き</a:t>
+            </a:r>
+            <a:endParaRPr lang="ja-JP" altLang="en-US" dirty="0"/>
           </a:p>
         </p:txBody>
       </p:sp>
-      <p:sp>
-        <p:nvSpPr>
-          <p:cNvPr id="3" name="コンテンツ プレースホルダー 2"/>
-          <p:cNvSpPr>
-            <a:spLocks noGrp="1"/>
-          </p:cNvSpPr>
+      <p:graphicFrame>
+        <p:nvGraphicFramePr>
+          <p:cNvPr id="10" name="コンテンツ プレースホルダー 9"/>
+          <p:cNvGraphicFramePr>
+            <a:graphicFrameLocks noGrp="1"/>
+          </p:cNvGraphicFramePr>
           <p:nvPr>
             <p:ph idx="1"/>
+            <p:extLst>
+              <p:ext uri="{D42A27DB-BD31-4B8C-83A1-F6EECF244321}">
+                <p14:modId xmlns:p14="http://schemas.microsoft.com/office/powerpoint/2010/main" val="299375329"/>
+              </p:ext>
+            </p:extLst>
           </p:nvPr>
-        </p:nvSpPr>
-        <p:spPr/>
-        <p:txBody>
-          <a:bodyPr/>
-          <a:lstStyle/>
-          <a:p>
-            <a:endParaRPr kumimoji="1" lang="ja-JP" altLang="en-US" dirty="0"/>
-          </a:p>
-        </p:txBody>
-      </p:sp>
+        </p:nvGraphicFramePr>
+        <p:xfrm>
+          <a:off x="838200" y="1576388"/>
+          <a:ext cx="10515600" cy="4351338"/>
+        </p:xfrm>
+        <a:graphic>
+          <a:graphicData uri="http://schemas.openxmlformats.org/drawingml/2006/diagram">
+            <dgm:relIds xmlns:dgm="http://schemas.openxmlformats.org/drawingml/2006/diagram" xmlns:r="http://schemas.openxmlformats.org/officeDocument/2006/relationships" r:dm="rId2" r:lo="rId3" r:qs="rId4" r:cs="rId5"/>
+          </a:graphicData>
+        </a:graphic>
+      </p:graphicFrame>
       <p:sp>
         <p:nvSpPr>
           <p:cNvPr id="4" name="動作設定ボタン: 戻る/前へ 3">
-            <a:hlinkClick r:id="rId2" action="ppaction://hlinksldjump" highlightClick="1"/>
+            <a:hlinkClick r:id="rId7" action="ppaction://hlinksldjump" highlightClick="1"/>
           </p:cNvPr>
           <p:cNvSpPr/>
           <p:nvPr/>
@@ -4309,6 +9232,86 @@
           <a:p>
             <a:pPr algn="ctr"/>
             <a:endParaRPr kumimoji="1" lang="ja-JP" altLang="en-US"/>
+          </a:p>
+        </p:txBody>
+      </p:sp>
+      <p:sp>
+        <p:nvSpPr>
+          <p:cNvPr id="5" name="テキスト ボックス 4"/>
+          <p:cNvSpPr txBox="1"/>
+          <p:nvPr/>
+        </p:nvSpPr>
+        <p:spPr>
+          <a:xfrm>
+            <a:off x="838200" y="5705340"/>
+            <a:ext cx="9578713" cy="646331"/>
+          </a:xfrm>
+          <a:prstGeom prst="rect">
+            <a:avLst/>
+          </a:prstGeom>
+          <a:noFill/>
+        </p:spPr>
+        <p:txBody>
+          <a:bodyPr wrap="square" rtlCol="0">
+            <a:spAutoFit/>
+          </a:bodyPr>
+          <a:lstStyle/>
+          <a:p>
+            <a:r>
+              <a:rPr lang="ja-JP" altLang="en-US" dirty="0" smtClean="0"/>
+              <a:t>引用 ： なぜ</a:t>
+            </a:r>
+            <a:r>
+              <a:rPr lang="ja-JP" altLang="en-US" dirty="0"/>
+              <a:t>、キャラクターはコミュニケーションに有効なの</a:t>
+            </a:r>
+            <a:r>
+              <a:rPr lang="ja-JP" altLang="en-US" dirty="0" smtClean="0"/>
+              <a:t>か</a:t>
+            </a:r>
+            <a:r>
+              <a:rPr lang="en-US" altLang="ja-JP" dirty="0" smtClean="0"/>
+              <a:t>	http</a:t>
+            </a:r>
+            <a:r>
+              <a:rPr lang="en-US" altLang="ja-JP" dirty="0"/>
+              <a:t>://adv.yomiuri.co.jp/ojo/tokusyu/20120405/201204toku6.html</a:t>
+            </a:r>
+            <a:endParaRPr kumimoji="1" lang="ja-JP" altLang="en-US" dirty="0"/>
+          </a:p>
+        </p:txBody>
+      </p:sp>
+      <p:sp>
+        <p:nvSpPr>
+          <p:cNvPr id="12" name="テキスト ボックス 11"/>
+          <p:cNvSpPr txBox="1"/>
+          <p:nvPr/>
+        </p:nvSpPr>
+        <p:spPr>
+          <a:xfrm>
+            <a:off x="1465436" y="4432300"/>
+            <a:ext cx="9888364" cy="707886"/>
+          </a:xfrm>
+          <a:prstGeom prst="rect">
+            <a:avLst/>
+          </a:prstGeom>
+          <a:noFill/>
+        </p:spPr>
+        <p:txBody>
+          <a:bodyPr wrap="square" rtlCol="0">
+            <a:spAutoFit/>
+          </a:bodyPr>
+          <a:lstStyle/>
+          <a:p>
+            <a:r>
+              <a:rPr lang="ja-JP" altLang="en-US" sz="4000" dirty="0" smtClean="0"/>
+              <a:t>➡キャラクターに</a:t>
+            </a:r>
+            <a:r>
+              <a:rPr lang="ja-JP" altLang="en-US" sz="4000" dirty="0"/>
+              <a:t>対する親和性が非常に高い</a:t>
+            </a:r>
+            <a:endParaRPr kumimoji="1" lang="ja-JP" altLang="en-US" sz="4000" dirty="0"/>
           </a:p>
         </p:txBody>
       </p:sp>
@@ -4370,35 +9373,45 @@
             </a:r>
             <a:r>
               <a:rPr lang="ja-JP" altLang="en-US" dirty="0" smtClean="0"/>
-              <a:t>マスコットキャラクターの成功と失敗</a:t>
+              <a:t>マスコットキャラクターの</a:t>
+            </a:r>
+            <a:r>
+              <a:rPr lang="ja-JP" altLang="en-US" dirty="0" smtClean="0"/>
+              <a:t>成功</a:t>
             </a:r>
             <a:endParaRPr kumimoji="1" lang="ja-JP" altLang="en-US" dirty="0"/>
           </a:p>
         </p:txBody>
       </p:sp>
-      <p:sp>
-        <p:nvSpPr>
-          <p:cNvPr id="3" name="コンテンツ プレースホルダー 2"/>
-          <p:cNvSpPr>
-            <a:spLocks noGrp="1"/>
-          </p:cNvSpPr>
+      <p:graphicFrame>
+        <p:nvGraphicFramePr>
+          <p:cNvPr id="5" name="コンテンツ プレースホルダー 4"/>
+          <p:cNvGraphicFramePr>
+            <a:graphicFrameLocks noGrp="1"/>
+          </p:cNvGraphicFramePr>
           <p:nvPr>
             <p:ph idx="1"/>
+            <p:extLst>
+              <p:ext uri="{D42A27DB-BD31-4B8C-83A1-F6EECF244321}">
+                <p14:modId xmlns:p14="http://schemas.microsoft.com/office/powerpoint/2010/main" val="2010639110"/>
+              </p:ext>
+            </p:extLst>
           </p:nvPr>
-        </p:nvSpPr>
-        <p:spPr/>
-        <p:txBody>
-          <a:bodyPr/>
-          <a:lstStyle/>
-          <a:p>
-            <a:endParaRPr kumimoji="1" lang="ja-JP" altLang="en-US"/>
-          </a:p>
-        </p:txBody>
-      </p:sp>
+        </p:nvGraphicFramePr>
+        <p:xfrm>
+          <a:off x="838200" y="821338"/>
+          <a:ext cx="10515600" cy="4351338"/>
+        </p:xfrm>
+        <a:graphic>
+          <a:graphicData uri="http://schemas.openxmlformats.org/drawingml/2006/diagram">
+            <dgm:relIds xmlns:dgm="http://schemas.openxmlformats.org/drawingml/2006/diagram" xmlns:r="http://schemas.openxmlformats.org/officeDocument/2006/relationships" r:dm="rId2" r:lo="rId3" r:qs="rId4" r:cs="rId5"/>
+          </a:graphicData>
+        </a:graphic>
+      </p:graphicFrame>
       <p:sp>
         <p:nvSpPr>
           <p:cNvPr id="4" name="動作設定ボタン: 戻る/前へ 3">
-            <a:hlinkClick r:id="rId2" action="ppaction://hlinksldjump" highlightClick="1"/>
+            <a:hlinkClick r:id="rId7" action="ppaction://hlinksldjump" highlightClick="1"/>
           </p:cNvPr>
           <p:cNvSpPr/>
           <p:nvPr/>
@@ -4434,6 +9447,90 @@
           <a:p>
             <a:pPr algn="ctr"/>
             <a:endParaRPr kumimoji="1" lang="ja-JP" altLang="en-US"/>
+          </a:p>
+        </p:txBody>
+      </p:sp>
+      <p:sp>
+        <p:nvSpPr>
+          <p:cNvPr id="6" name="テキスト ボックス 5"/>
+          <p:cNvSpPr txBox="1"/>
+          <p:nvPr/>
+        </p:nvSpPr>
+        <p:spPr>
+          <a:xfrm>
+            <a:off x="3071351" y="4594712"/>
+            <a:ext cx="8282449" cy="630942"/>
+          </a:xfrm>
+          <a:prstGeom prst="rect">
+            <a:avLst/>
+          </a:prstGeom>
+          <a:noFill/>
+        </p:spPr>
+        <p:txBody>
+          <a:bodyPr wrap="square" rtlCol="0">
+            <a:spAutoFit/>
+          </a:bodyPr>
+          <a:lstStyle/>
+          <a:p>
+            <a:r>
+              <a:rPr kumimoji="1" lang="en-US" altLang="ja-JP" sz="3500" dirty="0" smtClean="0"/>
+              <a:t>※</a:t>
+            </a:r>
+            <a:r>
+              <a:rPr lang="ja-JP" altLang="en-US" sz="3500" dirty="0" smtClean="0"/>
+              <a:t>目的があやふやだと失敗することが多い</a:t>
+            </a:r>
+            <a:endParaRPr kumimoji="1" lang="ja-JP" altLang="en-US" sz="3500" dirty="0"/>
+          </a:p>
+        </p:txBody>
+      </p:sp>
+      <p:sp>
+        <p:nvSpPr>
+          <p:cNvPr id="7" name="テキスト ボックス 6"/>
+          <p:cNvSpPr txBox="1"/>
+          <p:nvPr/>
+        </p:nvSpPr>
+        <p:spPr>
+          <a:xfrm>
+            <a:off x="838200" y="5705340"/>
+            <a:ext cx="9578713" cy="646331"/>
+          </a:xfrm>
+          <a:prstGeom prst="rect">
+            <a:avLst/>
+          </a:prstGeom>
+          <a:noFill/>
+        </p:spPr>
+        <p:txBody>
+          <a:bodyPr wrap="square" rtlCol="0">
+            <a:spAutoFit/>
+          </a:bodyPr>
+          <a:lstStyle/>
+          <a:p>
+            <a:r>
+              <a:rPr lang="ja-JP" altLang="en-US" dirty="0" smtClean="0"/>
+              <a:t>引用 ： アニメ</a:t>
+            </a:r>
+            <a:r>
+              <a:rPr lang="ja-JP" altLang="en-US" dirty="0"/>
+              <a:t>・</a:t>
+            </a:r>
+            <a:r>
+              <a:rPr lang="ja-JP" altLang="en-US" dirty="0" err="1"/>
+              <a:t>ゆる</a:t>
+            </a:r>
+            <a:r>
+              <a:rPr lang="ja-JP" altLang="en-US" dirty="0"/>
+              <a:t>キャラ活用の地域おこし 「成功」に必要なことは </a:t>
+            </a:r>
+            <a:r>
+              <a:rPr lang="en-US" altLang="ja-JP" dirty="0" smtClean="0"/>
+              <a:t>	http</a:t>
+            </a:r>
+            <a:r>
+              <a:rPr lang="en-US" altLang="ja-JP" dirty="0"/>
+              <a:t>://headlines.yahoo.co.jp/hl?a=20130916-00000003-wordleaf-soci&amp;p=1</a:t>
+            </a:r>
+            <a:endParaRPr kumimoji="1" lang="ja-JP" altLang="en-US" dirty="0"/>
           </a:p>
         </p:txBody>
       </p:sp>

--- a/パワーポイント.pptx
+++ b/パワーポイント.pptx
@@ -115,7 +115,3208 @@
       </a:defRPr>
     </a:lvl9pPr>
   </p:defaultTextStyle>
+  <p:extLst>
+    <p:ext uri="{EFAFB233-063F-42B5-8137-9DF3F51BA10A}">
+      <p15:sldGuideLst xmlns:p15="http://schemas.microsoft.com/office/powerpoint/2012/main"/>
+    </p:ext>
+  </p:extLst>
 </p:presentation>
+</file>
+
+<file path=ppt/diagrams/colors1.xml><?xml version="1.0" encoding="utf-8"?>
+<dgm:colorsDef xmlns:dgm="http://schemas.openxmlformats.org/drawingml/2006/diagram" xmlns:a="http://schemas.openxmlformats.org/drawingml/2006/main" uniqueId="urn:microsoft.com/office/officeart/2005/8/colors/accent1_2">
+  <dgm:title val=""/>
+  <dgm:desc val=""/>
+  <dgm:catLst>
+    <dgm:cat type="accent1" pri="11200"/>
+  </dgm:catLst>
+  <dgm:styleLbl name="node0">
+    <dgm:fillClrLst meth="repeat">
+      <a:schemeClr val="accent1"/>
+    </dgm:fillClrLst>
+    <dgm:linClrLst meth="repeat">
+      <a:schemeClr val="lt1"/>
+    </dgm:linClrLst>
+    <dgm:effectClrLst/>
+    <dgm:txLinClrLst/>
+    <dgm:txFillClrLst/>
+    <dgm:txEffectClrLst/>
+  </dgm:styleLbl>
+  <dgm:styleLbl name="alignNode1">
+    <dgm:fillClrLst meth="repeat">
+      <a:schemeClr val="accent1"/>
+    </dgm:fillClrLst>
+    <dgm:linClrLst meth="repeat">
+      <a:schemeClr val="accent1"/>
+    </dgm:linClrLst>
+    <dgm:effectClrLst/>
+    <dgm:txLinClrLst/>
+    <dgm:txFillClrLst/>
+    <dgm:txEffectClrLst/>
+  </dgm:styleLbl>
+  <dgm:styleLbl name="node1">
+    <dgm:fillClrLst meth="repeat">
+      <a:schemeClr val="accent1"/>
+    </dgm:fillClrLst>
+    <dgm:linClrLst meth="repeat">
+      <a:schemeClr val="lt1"/>
+    </dgm:linClrLst>
+    <dgm:effectClrLst/>
+    <dgm:txLinClrLst/>
+    <dgm:txFillClrLst/>
+    <dgm:txEffectClrLst/>
+  </dgm:styleLbl>
+  <dgm:styleLbl name="lnNode1">
+    <dgm:fillClrLst meth="repeat">
+      <a:schemeClr val="accent1"/>
+    </dgm:fillClrLst>
+    <dgm:linClrLst meth="repeat">
+      <a:schemeClr val="lt1"/>
+    </dgm:linClrLst>
+    <dgm:effectClrLst/>
+    <dgm:txLinClrLst/>
+    <dgm:txFillClrLst/>
+    <dgm:txEffectClrLst/>
+  </dgm:styleLbl>
+  <dgm:styleLbl name="vennNode1">
+    <dgm:fillClrLst meth="repeat">
+      <a:schemeClr val="accent1">
+        <a:alpha val="50000"/>
+      </a:schemeClr>
+    </dgm:fillClrLst>
+    <dgm:linClrLst meth="repeat">
+      <a:schemeClr val="lt1"/>
+    </dgm:linClrLst>
+    <dgm:effectClrLst/>
+    <dgm:txLinClrLst/>
+    <dgm:txFillClrLst/>
+    <dgm:txEffectClrLst/>
+  </dgm:styleLbl>
+  <dgm:styleLbl name="node2">
+    <dgm:fillClrLst meth="repeat">
+      <a:schemeClr val="accent1"/>
+    </dgm:fillClrLst>
+    <dgm:linClrLst meth="repeat">
+      <a:schemeClr val="lt1"/>
+    </dgm:linClrLst>
+    <dgm:effectClrLst/>
+    <dgm:txLinClrLst/>
+    <dgm:txFillClrLst/>
+    <dgm:txEffectClrLst/>
+  </dgm:styleLbl>
+  <dgm:styleLbl name="node3">
+    <dgm:fillClrLst meth="repeat">
+      <a:schemeClr val="accent1"/>
+    </dgm:fillClrLst>
+    <dgm:linClrLst meth="repeat">
+      <a:schemeClr val="lt1"/>
+    </dgm:linClrLst>
+    <dgm:effectClrLst/>
+    <dgm:txLinClrLst/>
+    <dgm:txFillClrLst/>
+    <dgm:txEffectClrLst/>
+  </dgm:styleLbl>
+  <dgm:styleLbl name="node4">
+    <dgm:fillClrLst meth="repeat">
+      <a:schemeClr val="accent1"/>
+    </dgm:fillClrLst>
+    <dgm:linClrLst meth="repeat">
+      <a:schemeClr val="lt1"/>
+    </dgm:linClrLst>
+    <dgm:effectClrLst/>
+    <dgm:txLinClrLst/>
+    <dgm:txFillClrLst/>
+    <dgm:txEffectClrLst/>
+  </dgm:styleLbl>
+  <dgm:styleLbl name="fgImgPlace1">
+    <dgm:fillClrLst meth="repeat">
+      <a:schemeClr val="accent1">
+        <a:tint val="50000"/>
+      </a:schemeClr>
+    </dgm:fillClrLst>
+    <dgm:linClrLst meth="repeat">
+      <a:schemeClr val="lt1"/>
+    </dgm:linClrLst>
+    <dgm:effectClrLst/>
+    <dgm:txLinClrLst/>
+    <dgm:txFillClrLst meth="repeat">
+      <a:schemeClr val="lt1"/>
+    </dgm:txFillClrLst>
+    <dgm:txEffectClrLst/>
+  </dgm:styleLbl>
+  <dgm:styleLbl name="alignImgPlace1">
+    <dgm:fillClrLst meth="repeat">
+      <a:schemeClr val="accent1">
+        <a:tint val="50000"/>
+      </a:schemeClr>
+    </dgm:fillClrLst>
+    <dgm:linClrLst meth="repeat">
+      <a:schemeClr val="lt1"/>
+    </dgm:linClrLst>
+    <dgm:effectClrLst/>
+    <dgm:txLinClrLst/>
+    <dgm:txFillClrLst meth="repeat">
+      <a:schemeClr val="lt1"/>
+    </dgm:txFillClrLst>
+    <dgm:txEffectClrLst/>
+  </dgm:styleLbl>
+  <dgm:styleLbl name="bgImgPlace1">
+    <dgm:fillClrLst meth="repeat">
+      <a:schemeClr val="accent1">
+        <a:tint val="50000"/>
+      </a:schemeClr>
+    </dgm:fillClrLst>
+    <dgm:linClrLst meth="repeat">
+      <a:schemeClr val="lt1"/>
+    </dgm:linClrLst>
+    <dgm:effectClrLst/>
+    <dgm:txLinClrLst/>
+    <dgm:txFillClrLst meth="repeat">
+      <a:schemeClr val="lt1"/>
+    </dgm:txFillClrLst>
+    <dgm:txEffectClrLst/>
+  </dgm:styleLbl>
+  <dgm:styleLbl name="sibTrans2D1">
+    <dgm:fillClrLst meth="repeat">
+      <a:schemeClr val="accent1">
+        <a:tint val="60000"/>
+      </a:schemeClr>
+    </dgm:fillClrLst>
+    <dgm:linClrLst meth="repeat">
+      <a:schemeClr val="accent1">
+        <a:tint val="60000"/>
+      </a:schemeClr>
+    </dgm:linClrLst>
+    <dgm:effectClrLst/>
+    <dgm:txLinClrLst/>
+    <dgm:txFillClrLst/>
+    <dgm:txEffectClrLst/>
+  </dgm:styleLbl>
+  <dgm:styleLbl name="fgSibTrans2D1">
+    <dgm:fillClrLst meth="repeat">
+      <a:schemeClr val="accent1">
+        <a:tint val="60000"/>
+      </a:schemeClr>
+    </dgm:fillClrLst>
+    <dgm:linClrLst meth="repeat">
+      <a:schemeClr val="accent1">
+        <a:tint val="60000"/>
+      </a:schemeClr>
+    </dgm:linClrLst>
+    <dgm:effectClrLst/>
+    <dgm:txLinClrLst/>
+    <dgm:txFillClrLst/>
+    <dgm:txEffectClrLst/>
+  </dgm:styleLbl>
+  <dgm:styleLbl name="bgSibTrans2D1">
+    <dgm:fillClrLst meth="repeat">
+      <a:schemeClr val="accent1">
+        <a:tint val="60000"/>
+      </a:schemeClr>
+    </dgm:fillClrLst>
+    <dgm:linClrLst meth="repeat">
+      <a:schemeClr val="accent1">
+        <a:tint val="60000"/>
+      </a:schemeClr>
+    </dgm:linClrLst>
+    <dgm:effectClrLst/>
+    <dgm:txLinClrLst/>
+    <dgm:txFillClrLst/>
+    <dgm:txEffectClrLst/>
+  </dgm:styleLbl>
+  <dgm:styleLbl name="sibTrans1D1">
+    <dgm:fillClrLst meth="repeat">
+      <a:schemeClr val="accent1"/>
+    </dgm:fillClrLst>
+    <dgm:linClrLst meth="repeat">
+      <a:schemeClr val="accent1"/>
+    </dgm:linClrLst>
+    <dgm:effectClrLst/>
+    <dgm:txLinClrLst/>
+    <dgm:txFillClrLst meth="repeat">
+      <a:schemeClr val="tx1"/>
+    </dgm:txFillClrLst>
+    <dgm:txEffectClrLst/>
+  </dgm:styleLbl>
+  <dgm:styleLbl name="callout">
+    <dgm:fillClrLst meth="repeat">
+      <a:schemeClr val="accent1"/>
+    </dgm:fillClrLst>
+    <dgm:linClrLst meth="repeat">
+      <a:schemeClr val="accent1">
+        <a:tint val="50000"/>
+      </a:schemeClr>
+    </dgm:linClrLst>
+    <dgm:effectClrLst/>
+    <dgm:txLinClrLst/>
+    <dgm:txFillClrLst meth="repeat">
+      <a:schemeClr val="tx1"/>
+    </dgm:txFillClrLst>
+    <dgm:txEffectClrLst/>
+  </dgm:styleLbl>
+  <dgm:styleLbl name="asst0">
+    <dgm:fillClrLst meth="repeat">
+      <a:schemeClr val="accent1"/>
+    </dgm:fillClrLst>
+    <dgm:linClrLst meth="repeat">
+      <a:schemeClr val="lt1"/>
+    </dgm:linClrLst>
+    <dgm:effectClrLst/>
+    <dgm:txLinClrLst/>
+    <dgm:txFillClrLst/>
+    <dgm:txEffectClrLst/>
+  </dgm:styleLbl>
+  <dgm:styleLbl name="asst1">
+    <dgm:fillClrLst meth="repeat">
+      <a:schemeClr val="accent1"/>
+    </dgm:fillClrLst>
+    <dgm:linClrLst meth="repeat">
+      <a:schemeClr val="lt1"/>
+    </dgm:linClrLst>
+    <dgm:effectClrLst/>
+    <dgm:txLinClrLst/>
+    <dgm:txFillClrLst/>
+    <dgm:txEffectClrLst/>
+  </dgm:styleLbl>
+  <dgm:styleLbl name="asst2">
+    <dgm:fillClrLst meth="repeat">
+      <a:schemeClr val="accent1"/>
+    </dgm:fillClrLst>
+    <dgm:linClrLst meth="repeat">
+      <a:schemeClr val="lt1"/>
+    </dgm:linClrLst>
+    <dgm:effectClrLst/>
+    <dgm:txLinClrLst/>
+    <dgm:txFillClrLst/>
+    <dgm:txEffectClrLst/>
+  </dgm:styleLbl>
+  <dgm:styleLbl name="asst3">
+    <dgm:fillClrLst meth="repeat">
+      <a:schemeClr val="accent1"/>
+    </dgm:fillClrLst>
+    <dgm:linClrLst meth="repeat">
+      <a:schemeClr val="lt1"/>
+    </dgm:linClrLst>
+    <dgm:effectClrLst/>
+    <dgm:txLinClrLst/>
+    <dgm:txFillClrLst/>
+    <dgm:txEffectClrLst/>
+  </dgm:styleLbl>
+  <dgm:styleLbl name="asst4">
+    <dgm:fillClrLst meth="repeat">
+      <a:schemeClr val="accent1"/>
+    </dgm:fillClrLst>
+    <dgm:linClrLst meth="repeat">
+      <a:schemeClr val="lt1"/>
+    </dgm:linClrLst>
+    <dgm:effectClrLst/>
+    <dgm:txLinClrLst/>
+    <dgm:txFillClrLst/>
+    <dgm:txEffectClrLst/>
+  </dgm:styleLbl>
+  <dgm:styleLbl name="parChTrans2D1">
+    <dgm:fillClrLst meth="repeat">
+      <a:schemeClr val="accent1">
+        <a:tint val="60000"/>
+      </a:schemeClr>
+    </dgm:fillClrLst>
+    <dgm:linClrLst meth="repeat">
+      <a:schemeClr val="accent1">
+        <a:tint val="60000"/>
+      </a:schemeClr>
+    </dgm:linClrLst>
+    <dgm:effectClrLst/>
+    <dgm:txLinClrLst/>
+    <dgm:txFillClrLst meth="repeat">
+      <a:schemeClr val="lt1"/>
+    </dgm:txFillClrLst>
+    <dgm:txEffectClrLst/>
+  </dgm:styleLbl>
+  <dgm:styleLbl name="parChTrans2D2">
+    <dgm:fillClrLst meth="repeat">
+      <a:schemeClr val="accent1"/>
+    </dgm:fillClrLst>
+    <dgm:linClrLst meth="repeat">
+      <a:schemeClr val="accent1"/>
+    </dgm:linClrLst>
+    <dgm:effectClrLst/>
+    <dgm:txLinClrLst/>
+    <dgm:txFillClrLst meth="repeat">
+      <a:schemeClr val="lt1"/>
+    </dgm:txFillClrLst>
+    <dgm:txEffectClrLst/>
+  </dgm:styleLbl>
+  <dgm:styleLbl name="parChTrans2D3">
+    <dgm:fillClrLst meth="repeat">
+      <a:schemeClr val="accent1"/>
+    </dgm:fillClrLst>
+    <dgm:linClrLst meth="repeat">
+      <a:schemeClr val="accent1"/>
+    </dgm:linClrLst>
+    <dgm:effectClrLst/>
+    <dgm:txLinClrLst/>
+    <dgm:txFillClrLst meth="repeat">
+      <a:schemeClr val="lt1"/>
+    </dgm:txFillClrLst>
+    <dgm:txEffectClrLst/>
+  </dgm:styleLbl>
+  <dgm:styleLbl name="parChTrans2D4">
+    <dgm:fillClrLst meth="repeat">
+      <a:schemeClr val="accent1"/>
+    </dgm:fillClrLst>
+    <dgm:linClrLst meth="repeat">
+      <a:schemeClr val="accent1"/>
+    </dgm:linClrLst>
+    <dgm:effectClrLst/>
+    <dgm:txLinClrLst/>
+    <dgm:txFillClrLst meth="repeat">
+      <a:schemeClr val="lt1"/>
+    </dgm:txFillClrLst>
+    <dgm:txEffectClrLst/>
+  </dgm:styleLbl>
+  <dgm:styleLbl name="parChTrans1D1">
+    <dgm:fillClrLst meth="repeat">
+      <a:schemeClr val="accent1"/>
+    </dgm:fillClrLst>
+    <dgm:linClrLst meth="repeat">
+      <a:schemeClr val="accent1">
+        <a:shade val="60000"/>
+      </a:schemeClr>
+    </dgm:linClrLst>
+    <dgm:effectClrLst/>
+    <dgm:txLinClrLst/>
+    <dgm:txFillClrLst meth="repeat">
+      <a:schemeClr val="tx1"/>
+    </dgm:txFillClrLst>
+    <dgm:txEffectClrLst/>
+  </dgm:styleLbl>
+  <dgm:styleLbl name="parChTrans1D2">
+    <dgm:fillClrLst meth="repeat">
+      <a:schemeClr val="accent1"/>
+    </dgm:fillClrLst>
+    <dgm:linClrLst meth="repeat">
+      <a:schemeClr val="accent1">
+        <a:shade val="60000"/>
+      </a:schemeClr>
+    </dgm:linClrLst>
+    <dgm:effectClrLst/>
+    <dgm:txLinClrLst/>
+    <dgm:txFillClrLst meth="repeat">
+      <a:schemeClr val="tx1"/>
+    </dgm:txFillClrLst>
+    <dgm:txEffectClrLst/>
+  </dgm:styleLbl>
+  <dgm:styleLbl name="parChTrans1D3">
+    <dgm:fillClrLst meth="repeat">
+      <a:schemeClr val="accent1"/>
+    </dgm:fillClrLst>
+    <dgm:linClrLst meth="repeat">
+      <a:schemeClr val="accent1">
+        <a:shade val="80000"/>
+      </a:schemeClr>
+    </dgm:linClrLst>
+    <dgm:effectClrLst/>
+    <dgm:txLinClrLst/>
+    <dgm:txFillClrLst meth="repeat">
+      <a:schemeClr val="tx1"/>
+    </dgm:txFillClrLst>
+    <dgm:txEffectClrLst/>
+  </dgm:styleLbl>
+  <dgm:styleLbl name="parChTrans1D4">
+    <dgm:fillClrLst meth="repeat">
+      <a:schemeClr val="accent1"/>
+    </dgm:fillClrLst>
+    <dgm:linClrLst meth="repeat">
+      <a:schemeClr val="accent1">
+        <a:shade val="80000"/>
+      </a:schemeClr>
+    </dgm:linClrLst>
+    <dgm:effectClrLst/>
+    <dgm:txLinClrLst/>
+    <dgm:txFillClrLst meth="repeat">
+      <a:schemeClr val="tx1"/>
+    </dgm:txFillClrLst>
+    <dgm:txEffectClrLst/>
+  </dgm:styleLbl>
+  <dgm:styleLbl name="fgAcc1">
+    <dgm:fillClrLst meth="repeat">
+      <a:schemeClr val="lt1">
+        <a:alpha val="90000"/>
+      </a:schemeClr>
+    </dgm:fillClrLst>
+    <dgm:linClrLst meth="repeat">
+      <a:schemeClr val="accent1"/>
+    </dgm:linClrLst>
+    <dgm:effectClrLst/>
+    <dgm:txLinClrLst/>
+    <dgm:txFillClrLst meth="repeat">
+      <a:schemeClr val="dk1"/>
+    </dgm:txFillClrLst>
+    <dgm:txEffectClrLst/>
+  </dgm:styleLbl>
+  <dgm:styleLbl name="conFgAcc1">
+    <dgm:fillClrLst meth="repeat">
+      <a:schemeClr val="lt1">
+        <a:alpha val="90000"/>
+      </a:schemeClr>
+    </dgm:fillClrLst>
+    <dgm:linClrLst meth="repeat">
+      <a:schemeClr val="accent1"/>
+    </dgm:linClrLst>
+    <dgm:effectClrLst/>
+    <dgm:txLinClrLst/>
+    <dgm:txFillClrLst meth="repeat">
+      <a:schemeClr val="dk1"/>
+    </dgm:txFillClrLst>
+    <dgm:txEffectClrLst/>
+  </dgm:styleLbl>
+  <dgm:styleLbl name="alignAcc1">
+    <dgm:fillClrLst meth="repeat">
+      <a:schemeClr val="lt1">
+        <a:alpha val="90000"/>
+      </a:schemeClr>
+    </dgm:fillClrLst>
+    <dgm:linClrLst meth="repeat">
+      <a:schemeClr val="accent1"/>
+    </dgm:linClrLst>
+    <dgm:effectClrLst/>
+    <dgm:txLinClrLst/>
+    <dgm:txFillClrLst meth="repeat">
+      <a:schemeClr val="dk1"/>
+    </dgm:txFillClrLst>
+    <dgm:txEffectClrLst/>
+  </dgm:styleLbl>
+  <dgm:styleLbl name="trAlignAcc1">
+    <dgm:fillClrLst meth="repeat">
+      <a:schemeClr val="lt1">
+        <a:alpha val="40000"/>
+      </a:schemeClr>
+    </dgm:fillClrLst>
+    <dgm:linClrLst meth="repeat">
+      <a:schemeClr val="accent1"/>
+    </dgm:linClrLst>
+    <dgm:effectClrLst/>
+    <dgm:txLinClrLst/>
+    <dgm:txFillClrLst meth="repeat">
+      <a:schemeClr val="dk1"/>
+    </dgm:txFillClrLst>
+    <dgm:txEffectClrLst/>
+  </dgm:styleLbl>
+  <dgm:styleLbl name="bgAcc1">
+    <dgm:fillClrLst meth="repeat">
+      <a:schemeClr val="lt1">
+        <a:alpha val="90000"/>
+      </a:schemeClr>
+    </dgm:fillClrLst>
+    <dgm:linClrLst meth="repeat">
+      <a:schemeClr val="accent1"/>
+    </dgm:linClrLst>
+    <dgm:effectClrLst/>
+    <dgm:txLinClrLst/>
+    <dgm:txFillClrLst meth="repeat">
+      <a:schemeClr val="dk1"/>
+    </dgm:txFillClrLst>
+    <dgm:txEffectClrLst/>
+  </dgm:styleLbl>
+  <dgm:styleLbl name="solidFgAcc1">
+    <dgm:fillClrLst meth="repeat">
+      <a:schemeClr val="lt1"/>
+    </dgm:fillClrLst>
+    <dgm:linClrLst meth="repeat">
+      <a:schemeClr val="accent1"/>
+    </dgm:linClrLst>
+    <dgm:effectClrLst/>
+    <dgm:txLinClrLst/>
+    <dgm:txFillClrLst meth="repeat">
+      <a:schemeClr val="dk1"/>
+    </dgm:txFillClrLst>
+    <dgm:txEffectClrLst/>
+  </dgm:styleLbl>
+  <dgm:styleLbl name="solidAlignAcc1">
+    <dgm:fillClrLst meth="repeat">
+      <a:schemeClr val="lt1"/>
+    </dgm:fillClrLst>
+    <dgm:linClrLst meth="repeat">
+      <a:schemeClr val="accent1"/>
+    </dgm:linClrLst>
+    <dgm:effectClrLst/>
+    <dgm:txLinClrLst/>
+    <dgm:txFillClrLst meth="repeat">
+      <a:schemeClr val="dk1"/>
+    </dgm:txFillClrLst>
+    <dgm:txEffectClrLst/>
+  </dgm:styleLbl>
+  <dgm:styleLbl name="solidBgAcc1">
+    <dgm:fillClrLst meth="repeat">
+      <a:schemeClr val="lt1"/>
+    </dgm:fillClrLst>
+    <dgm:linClrLst meth="repeat">
+      <a:schemeClr val="accent1"/>
+    </dgm:linClrLst>
+    <dgm:effectClrLst/>
+    <dgm:txLinClrLst/>
+    <dgm:txFillClrLst meth="repeat">
+      <a:schemeClr val="dk1"/>
+    </dgm:txFillClrLst>
+    <dgm:txEffectClrLst/>
+  </dgm:styleLbl>
+  <dgm:styleLbl name="fgAccFollowNode1">
+    <dgm:fillClrLst meth="repeat">
+      <a:schemeClr val="accent1">
+        <a:alpha val="90000"/>
+        <a:tint val="40000"/>
+      </a:schemeClr>
+    </dgm:fillClrLst>
+    <dgm:linClrLst meth="repeat">
+      <a:schemeClr val="accent1">
+        <a:alpha val="90000"/>
+        <a:tint val="40000"/>
+      </a:schemeClr>
+    </dgm:linClrLst>
+    <dgm:effectClrLst/>
+    <dgm:txLinClrLst/>
+    <dgm:txFillClrLst meth="repeat">
+      <a:schemeClr val="dk1"/>
+    </dgm:txFillClrLst>
+    <dgm:txEffectClrLst/>
+  </dgm:styleLbl>
+  <dgm:styleLbl name="alignAccFollowNode1">
+    <dgm:fillClrLst meth="repeat">
+      <a:schemeClr val="accent1">
+        <a:alpha val="90000"/>
+        <a:tint val="40000"/>
+      </a:schemeClr>
+    </dgm:fillClrLst>
+    <dgm:linClrLst meth="repeat">
+      <a:schemeClr val="accent1">
+        <a:alpha val="90000"/>
+        <a:tint val="40000"/>
+      </a:schemeClr>
+    </dgm:linClrLst>
+    <dgm:effectClrLst/>
+    <dgm:txLinClrLst/>
+    <dgm:txFillClrLst meth="repeat">
+      <a:schemeClr val="dk1"/>
+    </dgm:txFillClrLst>
+    <dgm:txEffectClrLst/>
+  </dgm:styleLbl>
+  <dgm:styleLbl name="bgAccFollowNode1">
+    <dgm:fillClrLst meth="repeat">
+      <a:schemeClr val="accent1">
+        <a:alpha val="90000"/>
+        <a:tint val="40000"/>
+      </a:schemeClr>
+    </dgm:fillClrLst>
+    <dgm:linClrLst meth="repeat">
+      <a:schemeClr val="accent1">
+        <a:alpha val="90000"/>
+        <a:tint val="40000"/>
+      </a:schemeClr>
+    </dgm:linClrLst>
+    <dgm:effectClrLst/>
+    <dgm:txLinClrLst/>
+    <dgm:txFillClrLst meth="repeat">
+      <a:schemeClr val="dk1"/>
+    </dgm:txFillClrLst>
+    <dgm:txEffectClrLst/>
+  </dgm:styleLbl>
+  <dgm:styleLbl name="fgAcc0">
+    <dgm:fillClrLst meth="repeat">
+      <a:schemeClr val="lt1">
+        <a:alpha val="90000"/>
+      </a:schemeClr>
+    </dgm:fillClrLst>
+    <dgm:linClrLst meth="repeat">
+      <a:schemeClr val="accent1"/>
+    </dgm:linClrLst>
+    <dgm:effectClrLst/>
+    <dgm:txLinClrLst/>
+    <dgm:txFillClrLst meth="repeat">
+      <a:schemeClr val="dk1"/>
+    </dgm:txFillClrLst>
+    <dgm:txEffectClrLst/>
+  </dgm:styleLbl>
+  <dgm:styleLbl name="fgAcc2">
+    <dgm:fillClrLst meth="repeat">
+      <a:schemeClr val="lt1">
+        <a:alpha val="90000"/>
+      </a:schemeClr>
+    </dgm:fillClrLst>
+    <dgm:linClrLst meth="repeat">
+      <a:schemeClr val="accent1"/>
+    </dgm:linClrLst>
+    <dgm:effectClrLst/>
+    <dgm:txLinClrLst/>
+    <dgm:txFillClrLst meth="repeat">
+      <a:schemeClr val="dk1"/>
+    </dgm:txFillClrLst>
+    <dgm:txEffectClrLst/>
+  </dgm:styleLbl>
+  <dgm:styleLbl name="fgAcc3">
+    <dgm:fillClrLst meth="repeat">
+      <a:schemeClr val="lt1">
+        <a:alpha val="90000"/>
+      </a:schemeClr>
+    </dgm:fillClrLst>
+    <dgm:linClrLst meth="repeat">
+      <a:schemeClr val="accent1"/>
+    </dgm:linClrLst>
+    <dgm:effectClrLst/>
+    <dgm:txLinClrLst/>
+    <dgm:txFillClrLst meth="repeat">
+      <a:schemeClr val="dk1"/>
+    </dgm:txFillClrLst>
+    <dgm:txEffectClrLst/>
+  </dgm:styleLbl>
+  <dgm:styleLbl name="fgAcc4">
+    <dgm:fillClrLst meth="repeat">
+      <a:schemeClr val="lt1">
+        <a:alpha val="90000"/>
+      </a:schemeClr>
+    </dgm:fillClrLst>
+    <dgm:linClrLst meth="repeat">
+      <a:schemeClr val="accent1"/>
+    </dgm:linClrLst>
+    <dgm:effectClrLst/>
+    <dgm:txLinClrLst/>
+    <dgm:txFillClrLst meth="repeat">
+      <a:schemeClr val="dk1"/>
+    </dgm:txFillClrLst>
+    <dgm:txEffectClrLst/>
+  </dgm:styleLbl>
+  <dgm:styleLbl name="bgShp">
+    <dgm:fillClrLst meth="repeat">
+      <a:schemeClr val="accent1">
+        <a:tint val="40000"/>
+      </a:schemeClr>
+    </dgm:fillClrLst>
+    <dgm:linClrLst meth="repeat">
+      <a:schemeClr val="accent1"/>
+    </dgm:linClrLst>
+    <dgm:effectClrLst/>
+    <dgm:txLinClrLst/>
+    <dgm:txFillClrLst meth="repeat">
+      <a:schemeClr val="dk1"/>
+    </dgm:txFillClrLst>
+    <dgm:txEffectClrLst/>
+  </dgm:styleLbl>
+  <dgm:styleLbl name="dkBgShp">
+    <dgm:fillClrLst meth="repeat">
+      <a:schemeClr val="accent1">
+        <a:shade val="80000"/>
+      </a:schemeClr>
+    </dgm:fillClrLst>
+    <dgm:linClrLst meth="repeat">
+      <a:schemeClr val="accent1"/>
+    </dgm:linClrLst>
+    <dgm:effectClrLst/>
+    <dgm:txLinClrLst/>
+    <dgm:txFillClrLst meth="repeat">
+      <a:schemeClr val="lt1"/>
+    </dgm:txFillClrLst>
+    <dgm:txEffectClrLst/>
+  </dgm:styleLbl>
+  <dgm:styleLbl name="trBgShp">
+    <dgm:fillClrLst meth="repeat">
+      <a:schemeClr val="accent1">
+        <a:tint val="50000"/>
+        <a:alpha val="40000"/>
+      </a:schemeClr>
+    </dgm:fillClrLst>
+    <dgm:linClrLst meth="repeat">
+      <a:schemeClr val="accent1"/>
+    </dgm:linClrLst>
+    <dgm:effectClrLst/>
+    <dgm:txLinClrLst/>
+    <dgm:txFillClrLst meth="repeat">
+      <a:schemeClr val="lt1"/>
+    </dgm:txFillClrLst>
+    <dgm:txEffectClrLst/>
+  </dgm:styleLbl>
+  <dgm:styleLbl name="fgShp">
+    <dgm:fillClrLst meth="repeat">
+      <a:schemeClr val="accent1">
+        <a:tint val="60000"/>
+      </a:schemeClr>
+    </dgm:fillClrLst>
+    <dgm:linClrLst meth="repeat">
+      <a:schemeClr val="lt1"/>
+    </dgm:linClrLst>
+    <dgm:effectClrLst/>
+    <dgm:txLinClrLst/>
+    <dgm:txFillClrLst meth="repeat">
+      <a:schemeClr val="dk1"/>
+    </dgm:txFillClrLst>
+    <dgm:txEffectClrLst/>
+  </dgm:styleLbl>
+  <dgm:styleLbl name="revTx">
+    <dgm:fillClrLst meth="repeat">
+      <a:schemeClr val="lt1">
+        <a:alpha val="0"/>
+      </a:schemeClr>
+    </dgm:fillClrLst>
+    <dgm:linClrLst meth="repeat">
+      <a:schemeClr val="dk1">
+        <a:alpha val="0"/>
+      </a:schemeClr>
+    </dgm:linClrLst>
+    <dgm:effectClrLst/>
+    <dgm:txLinClrLst/>
+    <dgm:txFillClrLst meth="repeat">
+      <a:schemeClr val="tx1"/>
+    </dgm:txFillClrLst>
+    <dgm:txEffectClrLst/>
+  </dgm:styleLbl>
+</dgm:colorsDef>
+</file>
+
+<file path=ppt/diagrams/data1.xml><?xml version="1.0" encoding="utf-8"?>
+<dgm:dataModel xmlns:dgm="http://schemas.openxmlformats.org/drawingml/2006/diagram" xmlns:a="http://schemas.openxmlformats.org/drawingml/2006/main">
+  <dgm:ptLst>
+    <dgm:pt modelId="{0805AF4C-C71F-4842-AD75-E34B55F9CCB5}" type="doc">
+      <dgm:prSet loTypeId="urn:microsoft.com/office/officeart/2005/8/layout/cycle2" loCatId="cycle" qsTypeId="urn:microsoft.com/office/officeart/2005/8/quickstyle/simple1" qsCatId="simple" csTypeId="urn:microsoft.com/office/officeart/2005/8/colors/accent1_2" csCatId="accent1" phldr="1"/>
+      <dgm:spPr/>
+      <dgm:t>
+        <a:bodyPr/>
+        <a:lstStyle/>
+        <a:p>
+          <a:endParaRPr kumimoji="1" lang="ja-JP" altLang="en-US"/>
+        </a:p>
+      </dgm:t>
+    </dgm:pt>
+    <dgm:pt modelId="{17081567-8C2D-4EAE-A02C-4AD9B3644AB4}">
+      <dgm:prSet phldrT="[テキスト]" custT="1"/>
+      <dgm:spPr/>
+      <dgm:t>
+        <a:bodyPr/>
+        <a:lstStyle/>
+        <a:p>
+          <a:r>
+            <a:rPr kumimoji="1" lang="en-US" altLang="ja-JP" sz="2000" dirty="0" smtClean="0"/>
+            <a:t>SNS</a:t>
+          </a:r>
+          <a:endParaRPr kumimoji="1" lang="ja-JP" altLang="en-US" sz="2000" dirty="0"/>
+        </a:p>
+      </dgm:t>
+    </dgm:pt>
+    <dgm:pt modelId="{754397CA-E2C4-4157-A3B0-9088E0A55AD9}" type="parTrans" cxnId="{A1B9BAB7-9CD2-46C9-B812-5A8897DE559E}">
+      <dgm:prSet/>
+      <dgm:spPr/>
+      <dgm:t>
+        <a:bodyPr/>
+        <a:lstStyle/>
+        <a:p>
+          <a:endParaRPr kumimoji="1" lang="ja-JP" altLang="en-US"/>
+        </a:p>
+      </dgm:t>
+    </dgm:pt>
+    <dgm:pt modelId="{D4A6E4B1-793E-44C3-8548-D8F90ACD6726}" type="sibTrans" cxnId="{A1B9BAB7-9CD2-46C9-B812-5A8897DE559E}">
+      <dgm:prSet/>
+      <dgm:spPr/>
+      <dgm:t>
+        <a:bodyPr/>
+        <a:lstStyle/>
+        <a:p>
+          <a:endParaRPr kumimoji="1" lang="ja-JP" altLang="en-US"/>
+        </a:p>
+      </dgm:t>
+    </dgm:pt>
+    <dgm:pt modelId="{5A392631-8A48-4EDE-8B3D-66FC73E10FCC}">
+      <dgm:prSet phldrT="[テキスト]" custT="1"/>
+      <dgm:spPr/>
+      <dgm:t>
+        <a:bodyPr/>
+        <a:lstStyle/>
+        <a:p>
+          <a:r>
+            <a:rPr kumimoji="1" lang="ja-JP" altLang="en-US" sz="2000" dirty="0" smtClean="0"/>
+            <a:t>ネット広告</a:t>
+          </a:r>
+          <a:endParaRPr kumimoji="1" lang="ja-JP" altLang="en-US" sz="2000" dirty="0"/>
+        </a:p>
+      </dgm:t>
+    </dgm:pt>
+    <dgm:pt modelId="{9249097F-964E-4EDC-BFB4-C7A437428CFF}" type="parTrans" cxnId="{6E3CC04E-7983-4371-9945-8C0C709B3172}">
+      <dgm:prSet/>
+      <dgm:spPr/>
+      <dgm:t>
+        <a:bodyPr/>
+        <a:lstStyle/>
+        <a:p>
+          <a:endParaRPr kumimoji="1" lang="ja-JP" altLang="en-US"/>
+        </a:p>
+      </dgm:t>
+    </dgm:pt>
+    <dgm:pt modelId="{230E6BFF-D43B-4666-8DD9-600285953F21}" type="sibTrans" cxnId="{6E3CC04E-7983-4371-9945-8C0C709B3172}">
+      <dgm:prSet/>
+      <dgm:spPr/>
+      <dgm:t>
+        <a:bodyPr/>
+        <a:lstStyle/>
+        <a:p>
+          <a:endParaRPr kumimoji="1" lang="ja-JP" altLang="en-US"/>
+        </a:p>
+      </dgm:t>
+    </dgm:pt>
+    <dgm:pt modelId="{0F14CCED-0495-45D3-A4D7-096B234F36E4}">
+      <dgm:prSet phldrT="[テキスト]" custT="1"/>
+      <dgm:spPr/>
+      <dgm:t>
+        <a:bodyPr/>
+        <a:lstStyle/>
+        <a:p>
+          <a:r>
+            <a:rPr kumimoji="1" lang="ja-JP" altLang="en-US" sz="2000" dirty="0" smtClean="0"/>
+            <a:t>雑誌広告</a:t>
+          </a:r>
+          <a:endParaRPr kumimoji="1" lang="ja-JP" altLang="en-US" sz="2000" dirty="0"/>
+        </a:p>
+      </dgm:t>
+    </dgm:pt>
+    <dgm:pt modelId="{8224CCAE-589E-4068-BCE5-E8AD4FA8C2AC}" type="parTrans" cxnId="{92492ECB-DC56-48D2-8A4C-3ABEBDD30921}">
+      <dgm:prSet/>
+      <dgm:spPr/>
+      <dgm:t>
+        <a:bodyPr/>
+        <a:lstStyle/>
+        <a:p>
+          <a:endParaRPr kumimoji="1" lang="ja-JP" altLang="en-US"/>
+        </a:p>
+      </dgm:t>
+    </dgm:pt>
+    <dgm:pt modelId="{60E6AD98-4052-4987-B52B-CA3D0B9F8331}" type="sibTrans" cxnId="{92492ECB-DC56-48D2-8A4C-3ABEBDD30921}">
+      <dgm:prSet/>
+      <dgm:spPr/>
+      <dgm:t>
+        <a:bodyPr/>
+        <a:lstStyle/>
+        <a:p>
+          <a:endParaRPr kumimoji="1" lang="ja-JP" altLang="en-US"/>
+        </a:p>
+      </dgm:t>
+    </dgm:pt>
+    <dgm:pt modelId="{A2D1D4F3-0A73-4B08-9406-3C44A99D9DA3}">
+      <dgm:prSet phldrT="[テキスト]" custT="1"/>
+      <dgm:spPr/>
+      <dgm:t>
+        <a:bodyPr/>
+        <a:lstStyle/>
+        <a:p>
+          <a:r>
+            <a:rPr kumimoji="1" lang="en-US" altLang="ja-JP" sz="2000" dirty="0" smtClean="0"/>
+            <a:t>TVCM</a:t>
+          </a:r>
+          <a:r>
+            <a:rPr kumimoji="1" lang="ja-JP" altLang="en-US" sz="2000" dirty="0" smtClean="0"/>
+            <a:t>広告</a:t>
+          </a:r>
+          <a:endParaRPr kumimoji="1" lang="ja-JP" altLang="en-US" sz="2000" dirty="0"/>
+        </a:p>
+      </dgm:t>
+    </dgm:pt>
+    <dgm:pt modelId="{5A83CB96-EB86-480C-98DC-6B819696C8C2}" type="parTrans" cxnId="{FC8F2CDC-715F-4A48-A83D-17DC28F2472C}">
+      <dgm:prSet/>
+      <dgm:spPr/>
+      <dgm:t>
+        <a:bodyPr/>
+        <a:lstStyle/>
+        <a:p>
+          <a:endParaRPr kumimoji="1" lang="ja-JP" altLang="en-US"/>
+        </a:p>
+      </dgm:t>
+    </dgm:pt>
+    <dgm:pt modelId="{B38BC3EE-252C-45D4-BC0D-0CF501C09DB6}" type="sibTrans" cxnId="{FC8F2CDC-715F-4A48-A83D-17DC28F2472C}">
+      <dgm:prSet/>
+      <dgm:spPr/>
+      <dgm:t>
+        <a:bodyPr/>
+        <a:lstStyle/>
+        <a:p>
+          <a:endParaRPr kumimoji="1" lang="ja-JP" altLang="en-US"/>
+        </a:p>
+      </dgm:t>
+    </dgm:pt>
+    <dgm:pt modelId="{DB8D8638-393F-4779-A64F-82C81D607A5F}">
+      <dgm:prSet phldrT="[テキスト]" custT="1"/>
+      <dgm:spPr/>
+      <dgm:t>
+        <a:bodyPr/>
+        <a:lstStyle/>
+        <a:p>
+          <a:r>
+            <a:rPr kumimoji="1" lang="ja-JP" altLang="en-US" sz="2000" dirty="0" smtClean="0"/>
+            <a:t>大佐</a:t>
+          </a:r>
+          <a:endParaRPr kumimoji="1" lang="ja-JP" altLang="en-US" sz="2000" dirty="0"/>
+        </a:p>
+      </dgm:t>
+    </dgm:pt>
+    <dgm:pt modelId="{52536234-DB44-4C12-83AA-FB40AEF52DFB}" type="parTrans" cxnId="{C3D3660D-694A-453A-8466-148C7DE6F366}">
+      <dgm:prSet/>
+      <dgm:spPr/>
+      <dgm:t>
+        <a:bodyPr/>
+        <a:lstStyle/>
+        <a:p>
+          <a:endParaRPr kumimoji="1" lang="ja-JP" altLang="en-US"/>
+        </a:p>
+      </dgm:t>
+    </dgm:pt>
+    <dgm:pt modelId="{5457EBC2-20BF-41CD-BDEA-3F2E5DBC1E0F}" type="sibTrans" cxnId="{C3D3660D-694A-453A-8466-148C7DE6F366}">
+      <dgm:prSet/>
+      <dgm:spPr/>
+      <dgm:t>
+        <a:bodyPr/>
+        <a:lstStyle/>
+        <a:p>
+          <a:endParaRPr kumimoji="1" lang="ja-JP" altLang="en-US"/>
+        </a:p>
+      </dgm:t>
+    </dgm:pt>
+    <dgm:pt modelId="{AE6E8659-475F-4B25-9A00-36687B5A3707}" type="pres">
+      <dgm:prSet presAssocID="{0805AF4C-C71F-4842-AD75-E34B55F9CCB5}" presName="cycle" presStyleCnt="0">
+        <dgm:presLayoutVars>
+          <dgm:dir/>
+          <dgm:resizeHandles val="exact"/>
+        </dgm:presLayoutVars>
+      </dgm:prSet>
+      <dgm:spPr/>
+      <dgm:t>
+        <a:bodyPr/>
+        <a:lstStyle/>
+        <a:p>
+          <a:endParaRPr kumimoji="1" lang="ja-JP" altLang="en-US"/>
+        </a:p>
+      </dgm:t>
+    </dgm:pt>
+    <dgm:pt modelId="{E98D8CB2-643D-42DD-AD1C-766F05221F0C}" type="pres">
+      <dgm:prSet presAssocID="{17081567-8C2D-4EAE-A02C-4AD9B3644AB4}" presName="node" presStyleLbl="node1" presStyleIdx="0" presStyleCnt="5">
+        <dgm:presLayoutVars>
+          <dgm:bulletEnabled val="1"/>
+        </dgm:presLayoutVars>
+      </dgm:prSet>
+      <dgm:spPr/>
+      <dgm:t>
+        <a:bodyPr/>
+        <a:lstStyle/>
+        <a:p>
+          <a:endParaRPr kumimoji="1" lang="ja-JP" altLang="en-US"/>
+        </a:p>
+      </dgm:t>
+    </dgm:pt>
+    <dgm:pt modelId="{A91BE0AF-B4DF-4956-B343-217E8DB38DC5}" type="pres">
+      <dgm:prSet presAssocID="{D4A6E4B1-793E-44C3-8548-D8F90ACD6726}" presName="sibTrans" presStyleLbl="sibTrans2D1" presStyleIdx="0" presStyleCnt="5"/>
+      <dgm:spPr/>
+      <dgm:t>
+        <a:bodyPr/>
+        <a:lstStyle/>
+        <a:p>
+          <a:endParaRPr kumimoji="1" lang="ja-JP" altLang="en-US"/>
+        </a:p>
+      </dgm:t>
+    </dgm:pt>
+    <dgm:pt modelId="{9D9742BB-E0ED-4DC7-B5AF-CE8FFDA51C1A}" type="pres">
+      <dgm:prSet presAssocID="{D4A6E4B1-793E-44C3-8548-D8F90ACD6726}" presName="connectorText" presStyleLbl="sibTrans2D1" presStyleIdx="0" presStyleCnt="5"/>
+      <dgm:spPr/>
+      <dgm:t>
+        <a:bodyPr/>
+        <a:lstStyle/>
+        <a:p>
+          <a:endParaRPr kumimoji="1" lang="ja-JP" altLang="en-US"/>
+        </a:p>
+      </dgm:t>
+    </dgm:pt>
+    <dgm:pt modelId="{DFFDC4BF-2A48-4029-AE82-F354A04AD322}" type="pres">
+      <dgm:prSet presAssocID="{5A392631-8A48-4EDE-8B3D-66FC73E10FCC}" presName="node" presStyleLbl="node1" presStyleIdx="1" presStyleCnt="5">
+        <dgm:presLayoutVars>
+          <dgm:bulletEnabled val="1"/>
+        </dgm:presLayoutVars>
+      </dgm:prSet>
+      <dgm:spPr/>
+      <dgm:t>
+        <a:bodyPr/>
+        <a:lstStyle/>
+        <a:p>
+          <a:endParaRPr kumimoji="1" lang="ja-JP" altLang="en-US"/>
+        </a:p>
+      </dgm:t>
+    </dgm:pt>
+    <dgm:pt modelId="{6C51DFAB-5269-421B-AB5E-F7CAA073D465}" type="pres">
+      <dgm:prSet presAssocID="{230E6BFF-D43B-4666-8DD9-600285953F21}" presName="sibTrans" presStyleLbl="sibTrans2D1" presStyleIdx="1" presStyleCnt="5"/>
+      <dgm:spPr/>
+      <dgm:t>
+        <a:bodyPr/>
+        <a:lstStyle/>
+        <a:p>
+          <a:endParaRPr kumimoji="1" lang="ja-JP" altLang="en-US"/>
+        </a:p>
+      </dgm:t>
+    </dgm:pt>
+    <dgm:pt modelId="{5DDBF8ED-4E52-4A81-9CC0-13629FC89522}" type="pres">
+      <dgm:prSet presAssocID="{230E6BFF-D43B-4666-8DD9-600285953F21}" presName="connectorText" presStyleLbl="sibTrans2D1" presStyleIdx="1" presStyleCnt="5"/>
+      <dgm:spPr/>
+      <dgm:t>
+        <a:bodyPr/>
+        <a:lstStyle/>
+        <a:p>
+          <a:endParaRPr kumimoji="1" lang="ja-JP" altLang="en-US"/>
+        </a:p>
+      </dgm:t>
+    </dgm:pt>
+    <dgm:pt modelId="{1877A50A-FD59-4AAC-A0BF-53F1B9C52AF6}" type="pres">
+      <dgm:prSet presAssocID="{0F14CCED-0495-45D3-A4D7-096B234F36E4}" presName="node" presStyleLbl="node1" presStyleIdx="2" presStyleCnt="5">
+        <dgm:presLayoutVars>
+          <dgm:bulletEnabled val="1"/>
+        </dgm:presLayoutVars>
+      </dgm:prSet>
+      <dgm:spPr/>
+      <dgm:t>
+        <a:bodyPr/>
+        <a:lstStyle/>
+        <a:p>
+          <a:endParaRPr kumimoji="1" lang="ja-JP" altLang="en-US"/>
+        </a:p>
+      </dgm:t>
+    </dgm:pt>
+    <dgm:pt modelId="{366034F7-7D85-4B5A-9195-C850EF60806F}" type="pres">
+      <dgm:prSet presAssocID="{60E6AD98-4052-4987-B52B-CA3D0B9F8331}" presName="sibTrans" presStyleLbl="sibTrans2D1" presStyleIdx="2" presStyleCnt="5"/>
+      <dgm:spPr/>
+      <dgm:t>
+        <a:bodyPr/>
+        <a:lstStyle/>
+        <a:p>
+          <a:endParaRPr kumimoji="1" lang="ja-JP" altLang="en-US"/>
+        </a:p>
+      </dgm:t>
+    </dgm:pt>
+    <dgm:pt modelId="{A6BCE506-50B1-47AD-8357-5F7F7BCD5E64}" type="pres">
+      <dgm:prSet presAssocID="{60E6AD98-4052-4987-B52B-CA3D0B9F8331}" presName="connectorText" presStyleLbl="sibTrans2D1" presStyleIdx="2" presStyleCnt="5"/>
+      <dgm:spPr/>
+      <dgm:t>
+        <a:bodyPr/>
+        <a:lstStyle/>
+        <a:p>
+          <a:endParaRPr kumimoji="1" lang="ja-JP" altLang="en-US"/>
+        </a:p>
+      </dgm:t>
+    </dgm:pt>
+    <dgm:pt modelId="{02ED39E6-62AF-4B48-B1FD-67F9E575D444}" type="pres">
+      <dgm:prSet presAssocID="{A2D1D4F3-0A73-4B08-9406-3C44A99D9DA3}" presName="node" presStyleLbl="node1" presStyleIdx="3" presStyleCnt="5">
+        <dgm:presLayoutVars>
+          <dgm:bulletEnabled val="1"/>
+        </dgm:presLayoutVars>
+      </dgm:prSet>
+      <dgm:spPr/>
+      <dgm:t>
+        <a:bodyPr/>
+        <a:lstStyle/>
+        <a:p>
+          <a:endParaRPr kumimoji="1" lang="ja-JP" altLang="en-US"/>
+        </a:p>
+      </dgm:t>
+    </dgm:pt>
+    <dgm:pt modelId="{E04DF568-A5A3-4EC7-833D-26B0A4107F75}" type="pres">
+      <dgm:prSet presAssocID="{B38BC3EE-252C-45D4-BC0D-0CF501C09DB6}" presName="sibTrans" presStyleLbl="sibTrans2D1" presStyleIdx="3" presStyleCnt="5"/>
+      <dgm:spPr/>
+      <dgm:t>
+        <a:bodyPr/>
+        <a:lstStyle/>
+        <a:p>
+          <a:endParaRPr kumimoji="1" lang="ja-JP" altLang="en-US"/>
+        </a:p>
+      </dgm:t>
+    </dgm:pt>
+    <dgm:pt modelId="{E12578A1-A566-4965-9D24-F399E6266895}" type="pres">
+      <dgm:prSet presAssocID="{B38BC3EE-252C-45D4-BC0D-0CF501C09DB6}" presName="connectorText" presStyleLbl="sibTrans2D1" presStyleIdx="3" presStyleCnt="5"/>
+      <dgm:spPr/>
+      <dgm:t>
+        <a:bodyPr/>
+        <a:lstStyle/>
+        <a:p>
+          <a:endParaRPr kumimoji="1" lang="ja-JP" altLang="en-US"/>
+        </a:p>
+      </dgm:t>
+    </dgm:pt>
+    <dgm:pt modelId="{15F4FE78-C30F-467E-9722-31956AE37EA3}" type="pres">
+      <dgm:prSet presAssocID="{DB8D8638-393F-4779-A64F-82C81D607A5F}" presName="node" presStyleLbl="node1" presStyleIdx="4" presStyleCnt="5">
+        <dgm:presLayoutVars>
+          <dgm:bulletEnabled val="1"/>
+        </dgm:presLayoutVars>
+      </dgm:prSet>
+      <dgm:spPr/>
+      <dgm:t>
+        <a:bodyPr/>
+        <a:lstStyle/>
+        <a:p>
+          <a:endParaRPr kumimoji="1" lang="ja-JP" altLang="en-US"/>
+        </a:p>
+      </dgm:t>
+    </dgm:pt>
+    <dgm:pt modelId="{50C4BE59-A3A6-4443-973D-6AAF2609140A}" type="pres">
+      <dgm:prSet presAssocID="{5457EBC2-20BF-41CD-BDEA-3F2E5DBC1E0F}" presName="sibTrans" presStyleLbl="sibTrans2D1" presStyleIdx="4" presStyleCnt="5"/>
+      <dgm:spPr/>
+      <dgm:t>
+        <a:bodyPr/>
+        <a:lstStyle/>
+        <a:p>
+          <a:endParaRPr kumimoji="1" lang="ja-JP" altLang="en-US"/>
+        </a:p>
+      </dgm:t>
+    </dgm:pt>
+    <dgm:pt modelId="{5EFF3AB2-3806-465A-8492-B85AE27430EB}" type="pres">
+      <dgm:prSet presAssocID="{5457EBC2-20BF-41CD-BDEA-3F2E5DBC1E0F}" presName="connectorText" presStyleLbl="sibTrans2D1" presStyleIdx="4" presStyleCnt="5"/>
+      <dgm:spPr/>
+      <dgm:t>
+        <a:bodyPr/>
+        <a:lstStyle/>
+        <a:p>
+          <a:endParaRPr kumimoji="1" lang="ja-JP" altLang="en-US"/>
+        </a:p>
+      </dgm:t>
+    </dgm:pt>
+  </dgm:ptLst>
+  <dgm:cxnLst>
+    <dgm:cxn modelId="{6E3CC04E-7983-4371-9945-8C0C709B3172}" srcId="{0805AF4C-C71F-4842-AD75-E34B55F9CCB5}" destId="{5A392631-8A48-4EDE-8B3D-66FC73E10FCC}" srcOrd="1" destOrd="0" parTransId="{9249097F-964E-4EDC-BFB4-C7A437428CFF}" sibTransId="{230E6BFF-D43B-4666-8DD9-600285953F21}"/>
+    <dgm:cxn modelId="{0DE1CA83-8136-4E04-8835-31E691B91802}" type="presOf" srcId="{DB8D8638-393F-4779-A64F-82C81D607A5F}" destId="{15F4FE78-C30F-467E-9722-31956AE37EA3}" srcOrd="0" destOrd="0" presId="urn:microsoft.com/office/officeart/2005/8/layout/cycle2"/>
+    <dgm:cxn modelId="{92492ECB-DC56-48D2-8A4C-3ABEBDD30921}" srcId="{0805AF4C-C71F-4842-AD75-E34B55F9CCB5}" destId="{0F14CCED-0495-45D3-A4D7-096B234F36E4}" srcOrd="2" destOrd="0" parTransId="{8224CCAE-589E-4068-BCE5-E8AD4FA8C2AC}" sibTransId="{60E6AD98-4052-4987-B52B-CA3D0B9F8331}"/>
+    <dgm:cxn modelId="{F3039B68-E355-41F8-900E-64282AE1D0CA}" type="presOf" srcId="{0805AF4C-C71F-4842-AD75-E34B55F9CCB5}" destId="{AE6E8659-475F-4B25-9A00-36687B5A3707}" srcOrd="0" destOrd="0" presId="urn:microsoft.com/office/officeart/2005/8/layout/cycle2"/>
+    <dgm:cxn modelId="{D270B8EC-66B8-4417-AEE0-30D7A56286BD}" type="presOf" srcId="{0F14CCED-0495-45D3-A4D7-096B234F36E4}" destId="{1877A50A-FD59-4AAC-A0BF-53F1B9C52AF6}" srcOrd="0" destOrd="0" presId="urn:microsoft.com/office/officeart/2005/8/layout/cycle2"/>
+    <dgm:cxn modelId="{4884F956-A4F0-4C9E-8723-3C37401C0D8C}" type="presOf" srcId="{5A392631-8A48-4EDE-8B3D-66FC73E10FCC}" destId="{DFFDC4BF-2A48-4029-AE82-F354A04AD322}" srcOrd="0" destOrd="0" presId="urn:microsoft.com/office/officeart/2005/8/layout/cycle2"/>
+    <dgm:cxn modelId="{A3CF1668-573D-42CF-9B73-4C885A5362BF}" type="presOf" srcId="{230E6BFF-D43B-4666-8DD9-600285953F21}" destId="{5DDBF8ED-4E52-4A81-9CC0-13629FC89522}" srcOrd="1" destOrd="0" presId="urn:microsoft.com/office/officeart/2005/8/layout/cycle2"/>
+    <dgm:cxn modelId="{44912F20-67CD-4B42-B20F-98BFFEBCA0C5}" type="presOf" srcId="{230E6BFF-D43B-4666-8DD9-600285953F21}" destId="{6C51DFAB-5269-421B-AB5E-F7CAA073D465}" srcOrd="0" destOrd="0" presId="urn:microsoft.com/office/officeart/2005/8/layout/cycle2"/>
+    <dgm:cxn modelId="{9242212B-B93D-49FC-97C7-554441244A65}" type="presOf" srcId="{B38BC3EE-252C-45D4-BC0D-0CF501C09DB6}" destId="{E04DF568-A5A3-4EC7-833D-26B0A4107F75}" srcOrd="0" destOrd="0" presId="urn:microsoft.com/office/officeart/2005/8/layout/cycle2"/>
+    <dgm:cxn modelId="{85EA49A4-800D-4BBD-BE1D-08F464F01695}" type="presOf" srcId="{5457EBC2-20BF-41CD-BDEA-3F2E5DBC1E0F}" destId="{5EFF3AB2-3806-465A-8492-B85AE27430EB}" srcOrd="1" destOrd="0" presId="urn:microsoft.com/office/officeart/2005/8/layout/cycle2"/>
+    <dgm:cxn modelId="{FC8F2CDC-715F-4A48-A83D-17DC28F2472C}" srcId="{0805AF4C-C71F-4842-AD75-E34B55F9CCB5}" destId="{A2D1D4F3-0A73-4B08-9406-3C44A99D9DA3}" srcOrd="3" destOrd="0" parTransId="{5A83CB96-EB86-480C-98DC-6B819696C8C2}" sibTransId="{B38BC3EE-252C-45D4-BC0D-0CF501C09DB6}"/>
+    <dgm:cxn modelId="{33D94B0C-6CC5-4FB8-AF57-F47AE4601C4A}" type="presOf" srcId="{A2D1D4F3-0A73-4B08-9406-3C44A99D9DA3}" destId="{02ED39E6-62AF-4B48-B1FD-67F9E575D444}" srcOrd="0" destOrd="0" presId="urn:microsoft.com/office/officeart/2005/8/layout/cycle2"/>
+    <dgm:cxn modelId="{ABF5C3F9-6F61-4B95-AD46-9DE5CD99F693}" type="presOf" srcId="{60E6AD98-4052-4987-B52B-CA3D0B9F8331}" destId="{366034F7-7D85-4B5A-9195-C850EF60806F}" srcOrd="0" destOrd="0" presId="urn:microsoft.com/office/officeart/2005/8/layout/cycle2"/>
+    <dgm:cxn modelId="{6ABC3339-0C58-4683-B477-25F451B338A6}" type="presOf" srcId="{D4A6E4B1-793E-44C3-8548-D8F90ACD6726}" destId="{A91BE0AF-B4DF-4956-B343-217E8DB38DC5}" srcOrd="0" destOrd="0" presId="urn:microsoft.com/office/officeart/2005/8/layout/cycle2"/>
+    <dgm:cxn modelId="{DEE3F105-0FD6-417A-AB8F-CD264E0A4D62}" type="presOf" srcId="{60E6AD98-4052-4987-B52B-CA3D0B9F8331}" destId="{A6BCE506-50B1-47AD-8357-5F7F7BCD5E64}" srcOrd="1" destOrd="0" presId="urn:microsoft.com/office/officeart/2005/8/layout/cycle2"/>
+    <dgm:cxn modelId="{034743A6-368E-410C-A305-55DD74F9611A}" type="presOf" srcId="{B38BC3EE-252C-45D4-BC0D-0CF501C09DB6}" destId="{E12578A1-A566-4965-9D24-F399E6266895}" srcOrd="1" destOrd="0" presId="urn:microsoft.com/office/officeart/2005/8/layout/cycle2"/>
+    <dgm:cxn modelId="{AC7A9A71-6419-49ED-9FDB-50B9622C2CEA}" type="presOf" srcId="{5457EBC2-20BF-41CD-BDEA-3F2E5DBC1E0F}" destId="{50C4BE59-A3A6-4443-973D-6AAF2609140A}" srcOrd="0" destOrd="0" presId="urn:microsoft.com/office/officeart/2005/8/layout/cycle2"/>
+    <dgm:cxn modelId="{A1B9BAB7-9CD2-46C9-B812-5A8897DE559E}" srcId="{0805AF4C-C71F-4842-AD75-E34B55F9CCB5}" destId="{17081567-8C2D-4EAE-A02C-4AD9B3644AB4}" srcOrd="0" destOrd="0" parTransId="{754397CA-E2C4-4157-A3B0-9088E0A55AD9}" sibTransId="{D4A6E4B1-793E-44C3-8548-D8F90ACD6726}"/>
+    <dgm:cxn modelId="{C3D3660D-694A-453A-8466-148C7DE6F366}" srcId="{0805AF4C-C71F-4842-AD75-E34B55F9CCB5}" destId="{DB8D8638-393F-4779-A64F-82C81D607A5F}" srcOrd="4" destOrd="0" parTransId="{52536234-DB44-4C12-83AA-FB40AEF52DFB}" sibTransId="{5457EBC2-20BF-41CD-BDEA-3F2E5DBC1E0F}"/>
+    <dgm:cxn modelId="{7F45A273-529F-44B1-A9B5-A8B4A147759F}" type="presOf" srcId="{D4A6E4B1-793E-44C3-8548-D8F90ACD6726}" destId="{9D9742BB-E0ED-4DC7-B5AF-CE8FFDA51C1A}" srcOrd="1" destOrd="0" presId="urn:microsoft.com/office/officeart/2005/8/layout/cycle2"/>
+    <dgm:cxn modelId="{C99B1B89-53A1-4389-BD7E-D908BDC31837}" type="presOf" srcId="{17081567-8C2D-4EAE-A02C-4AD9B3644AB4}" destId="{E98D8CB2-643D-42DD-AD1C-766F05221F0C}" srcOrd="0" destOrd="0" presId="urn:microsoft.com/office/officeart/2005/8/layout/cycle2"/>
+    <dgm:cxn modelId="{9386958E-0466-41F7-8778-22A8DE13A0BD}" type="presParOf" srcId="{AE6E8659-475F-4B25-9A00-36687B5A3707}" destId="{E98D8CB2-643D-42DD-AD1C-766F05221F0C}" srcOrd="0" destOrd="0" presId="urn:microsoft.com/office/officeart/2005/8/layout/cycle2"/>
+    <dgm:cxn modelId="{F943341F-F601-44E8-902D-6D1BDCCF7517}" type="presParOf" srcId="{AE6E8659-475F-4B25-9A00-36687B5A3707}" destId="{A91BE0AF-B4DF-4956-B343-217E8DB38DC5}" srcOrd="1" destOrd="0" presId="urn:microsoft.com/office/officeart/2005/8/layout/cycle2"/>
+    <dgm:cxn modelId="{82404F00-817A-472D-ACED-4CC40EC84B80}" type="presParOf" srcId="{A91BE0AF-B4DF-4956-B343-217E8DB38DC5}" destId="{9D9742BB-E0ED-4DC7-B5AF-CE8FFDA51C1A}" srcOrd="0" destOrd="0" presId="urn:microsoft.com/office/officeart/2005/8/layout/cycle2"/>
+    <dgm:cxn modelId="{CED74AF5-CF4C-4EF6-BEAA-BAA78D3F33BE}" type="presParOf" srcId="{AE6E8659-475F-4B25-9A00-36687B5A3707}" destId="{DFFDC4BF-2A48-4029-AE82-F354A04AD322}" srcOrd="2" destOrd="0" presId="urn:microsoft.com/office/officeart/2005/8/layout/cycle2"/>
+    <dgm:cxn modelId="{F8EF3259-40D5-4BC4-B673-6177240E1BF9}" type="presParOf" srcId="{AE6E8659-475F-4B25-9A00-36687B5A3707}" destId="{6C51DFAB-5269-421B-AB5E-F7CAA073D465}" srcOrd="3" destOrd="0" presId="urn:microsoft.com/office/officeart/2005/8/layout/cycle2"/>
+    <dgm:cxn modelId="{C47D764D-393E-4D4C-A0CF-4614BAAED05E}" type="presParOf" srcId="{6C51DFAB-5269-421B-AB5E-F7CAA073D465}" destId="{5DDBF8ED-4E52-4A81-9CC0-13629FC89522}" srcOrd="0" destOrd="0" presId="urn:microsoft.com/office/officeart/2005/8/layout/cycle2"/>
+    <dgm:cxn modelId="{BA20DAB8-83D4-41B2-B2C8-75A180527A36}" type="presParOf" srcId="{AE6E8659-475F-4B25-9A00-36687B5A3707}" destId="{1877A50A-FD59-4AAC-A0BF-53F1B9C52AF6}" srcOrd="4" destOrd="0" presId="urn:microsoft.com/office/officeart/2005/8/layout/cycle2"/>
+    <dgm:cxn modelId="{BE84CB60-1DF5-4283-98C1-FA067901BA9F}" type="presParOf" srcId="{AE6E8659-475F-4B25-9A00-36687B5A3707}" destId="{366034F7-7D85-4B5A-9195-C850EF60806F}" srcOrd="5" destOrd="0" presId="urn:microsoft.com/office/officeart/2005/8/layout/cycle2"/>
+    <dgm:cxn modelId="{FE800D89-D0C0-4CDB-A4AC-9D93D1693F8C}" type="presParOf" srcId="{366034F7-7D85-4B5A-9195-C850EF60806F}" destId="{A6BCE506-50B1-47AD-8357-5F7F7BCD5E64}" srcOrd="0" destOrd="0" presId="urn:microsoft.com/office/officeart/2005/8/layout/cycle2"/>
+    <dgm:cxn modelId="{76F9CA04-B0DA-44C4-9707-97F28C2FCEF1}" type="presParOf" srcId="{AE6E8659-475F-4B25-9A00-36687B5A3707}" destId="{02ED39E6-62AF-4B48-B1FD-67F9E575D444}" srcOrd="6" destOrd="0" presId="urn:microsoft.com/office/officeart/2005/8/layout/cycle2"/>
+    <dgm:cxn modelId="{B7FD4BD7-420C-4BB3-86AD-81C6BB5C692C}" type="presParOf" srcId="{AE6E8659-475F-4B25-9A00-36687B5A3707}" destId="{E04DF568-A5A3-4EC7-833D-26B0A4107F75}" srcOrd="7" destOrd="0" presId="urn:microsoft.com/office/officeart/2005/8/layout/cycle2"/>
+    <dgm:cxn modelId="{C0E694EE-9808-432B-85E6-BC77B25C2E7A}" type="presParOf" srcId="{E04DF568-A5A3-4EC7-833D-26B0A4107F75}" destId="{E12578A1-A566-4965-9D24-F399E6266895}" srcOrd="0" destOrd="0" presId="urn:microsoft.com/office/officeart/2005/8/layout/cycle2"/>
+    <dgm:cxn modelId="{98310B59-D192-41F9-8D48-7F9118C895CE}" type="presParOf" srcId="{AE6E8659-475F-4B25-9A00-36687B5A3707}" destId="{15F4FE78-C30F-467E-9722-31956AE37EA3}" srcOrd="8" destOrd="0" presId="urn:microsoft.com/office/officeart/2005/8/layout/cycle2"/>
+    <dgm:cxn modelId="{C728108A-C305-4D03-9B4A-5D007F30D58A}" type="presParOf" srcId="{AE6E8659-475F-4B25-9A00-36687B5A3707}" destId="{50C4BE59-A3A6-4443-973D-6AAF2609140A}" srcOrd="9" destOrd="0" presId="urn:microsoft.com/office/officeart/2005/8/layout/cycle2"/>
+    <dgm:cxn modelId="{0ED64FB9-C488-48E5-B642-D831E91C1A1B}" type="presParOf" srcId="{50C4BE59-A3A6-4443-973D-6AAF2609140A}" destId="{5EFF3AB2-3806-465A-8492-B85AE27430EB}" srcOrd="0" destOrd="0" presId="urn:microsoft.com/office/officeart/2005/8/layout/cycle2"/>
+  </dgm:cxnLst>
+  <dgm:bg/>
+  <dgm:whole/>
+  <dgm:extLst>
+    <a:ext uri="http://schemas.microsoft.com/office/drawing/2008/diagram">
+      <dsp:dataModelExt xmlns:dsp="http://schemas.microsoft.com/office/drawing/2008/diagram" relId="rId7" minVer="http://schemas.openxmlformats.org/drawingml/2006/diagram"/>
+    </a:ext>
+  </dgm:extLst>
+</dgm:dataModel>
+</file>
+
+<file path=ppt/diagrams/drawing1.xml><?xml version="1.0" encoding="utf-8"?>
+<dsp:drawing xmlns:dgm="http://schemas.openxmlformats.org/drawingml/2006/diagram" xmlns:dsp="http://schemas.microsoft.com/office/drawing/2008/diagram" xmlns:a="http://schemas.openxmlformats.org/drawingml/2006/main">
+  <dsp:spTree>
+    <dsp:nvGrpSpPr>
+      <dsp:cNvPr id="0" name=""/>
+      <dsp:cNvGrpSpPr/>
+    </dsp:nvGrpSpPr>
+    <dsp:grpSpPr/>
+    <dsp:sp modelId="{E98D8CB2-643D-42DD-AD1C-766F05221F0C}">
+      <dsp:nvSpPr>
+        <dsp:cNvPr id="0" name=""/>
+        <dsp:cNvSpPr/>
+      </dsp:nvSpPr>
+      <dsp:spPr>
+        <a:xfrm>
+          <a:off x="1126306" y="86510"/>
+          <a:ext cx="926815" cy="926815"/>
+        </a:xfrm>
+        <a:prstGeom prst="ellipse">
+          <a:avLst/>
+        </a:prstGeom>
+        <a:solidFill>
+          <a:schemeClr val="accent1">
+            <a:hueOff val="0"/>
+            <a:satOff val="0"/>
+            <a:lumOff val="0"/>
+            <a:alphaOff val="0"/>
+          </a:schemeClr>
+        </a:solidFill>
+        <a:ln w="12700" cap="flat" cmpd="sng" algn="ctr">
+          <a:solidFill>
+            <a:schemeClr val="lt1">
+              <a:hueOff val="0"/>
+              <a:satOff val="0"/>
+              <a:lumOff val="0"/>
+              <a:alphaOff val="0"/>
+            </a:schemeClr>
+          </a:solidFill>
+          <a:prstDash val="solid"/>
+          <a:miter lim="800000"/>
+        </a:ln>
+        <a:effectLst/>
+      </dsp:spPr>
+      <dsp:style>
+        <a:lnRef idx="2">
+          <a:scrgbClr r="0" g="0" b="0"/>
+        </a:lnRef>
+        <a:fillRef idx="1">
+          <a:scrgbClr r="0" g="0" b="0"/>
+        </a:fillRef>
+        <a:effectRef idx="0">
+          <a:scrgbClr r="0" g="0" b="0"/>
+        </a:effectRef>
+        <a:fontRef idx="minor">
+          <a:schemeClr val="lt1"/>
+        </a:fontRef>
+      </dsp:style>
+      <dsp:txBody>
+        <a:bodyPr spcFirstLastPara="0" vert="horz" wrap="square" lIns="25400" tIns="25400" rIns="25400" bIns="25400" numCol="1" spcCol="1270" anchor="ctr" anchorCtr="0">
+          <a:noAutofit/>
+        </a:bodyPr>
+        <a:lstStyle/>
+        <a:p>
+          <a:pPr lvl="0" algn="ctr" defTabSz="889000">
+            <a:lnSpc>
+              <a:spcPct val="90000"/>
+            </a:lnSpc>
+            <a:spcBef>
+              <a:spcPct val="0"/>
+            </a:spcBef>
+            <a:spcAft>
+              <a:spcPct val="35000"/>
+            </a:spcAft>
+          </a:pPr>
+          <a:r>
+            <a:rPr kumimoji="1" lang="en-US" altLang="ja-JP" sz="2000" kern="1200" dirty="0" smtClean="0"/>
+            <a:t>SNS</a:t>
+          </a:r>
+          <a:endParaRPr kumimoji="1" lang="ja-JP" altLang="en-US" sz="2000" kern="1200" dirty="0"/>
+        </a:p>
+      </dsp:txBody>
+      <dsp:txXfrm>
+        <a:off x="1262035" y="222239"/>
+        <a:ext cx="655357" cy="655357"/>
+      </dsp:txXfrm>
+    </dsp:sp>
+    <dsp:sp modelId="{A91BE0AF-B4DF-4956-B343-217E8DB38DC5}">
+      <dsp:nvSpPr>
+        <dsp:cNvPr id="0" name=""/>
+        <dsp:cNvSpPr/>
+      </dsp:nvSpPr>
+      <dsp:spPr>
+        <a:xfrm rot="2160000">
+          <a:off x="2023832" y="798430"/>
+          <a:ext cx="246390" cy="312800"/>
+        </a:xfrm>
+        <a:prstGeom prst="rightArrow">
+          <a:avLst>
+            <a:gd name="adj1" fmla="val 60000"/>
+            <a:gd name="adj2" fmla="val 50000"/>
+          </a:avLst>
+        </a:prstGeom>
+        <a:solidFill>
+          <a:schemeClr val="accent1">
+            <a:tint val="60000"/>
+            <a:hueOff val="0"/>
+            <a:satOff val="0"/>
+            <a:lumOff val="0"/>
+            <a:alphaOff val="0"/>
+          </a:schemeClr>
+        </a:solidFill>
+        <a:ln>
+          <a:noFill/>
+        </a:ln>
+        <a:effectLst/>
+      </dsp:spPr>
+      <dsp:style>
+        <a:lnRef idx="0">
+          <a:scrgbClr r="0" g="0" b="0"/>
+        </a:lnRef>
+        <a:fillRef idx="1">
+          <a:scrgbClr r="0" g="0" b="0"/>
+        </a:fillRef>
+        <a:effectRef idx="0">
+          <a:scrgbClr r="0" g="0" b="0"/>
+        </a:effectRef>
+        <a:fontRef idx="minor">
+          <a:schemeClr val="lt1"/>
+        </a:fontRef>
+      </dsp:style>
+      <dsp:txBody>
+        <a:bodyPr spcFirstLastPara="0" vert="horz" wrap="square" lIns="0" tIns="0" rIns="0" bIns="0" numCol="1" spcCol="1270" anchor="ctr" anchorCtr="0">
+          <a:noAutofit/>
+        </a:bodyPr>
+        <a:lstStyle/>
+        <a:p>
+          <a:pPr lvl="0" algn="ctr" defTabSz="577850">
+            <a:lnSpc>
+              <a:spcPct val="90000"/>
+            </a:lnSpc>
+            <a:spcBef>
+              <a:spcPct val="0"/>
+            </a:spcBef>
+            <a:spcAft>
+              <a:spcPct val="35000"/>
+            </a:spcAft>
+          </a:pPr>
+          <a:endParaRPr kumimoji="1" lang="ja-JP" altLang="en-US" sz="1300" kern="1200"/>
+        </a:p>
+      </dsp:txBody>
+      <dsp:txXfrm>
+        <a:off x="2030890" y="839266"/>
+        <a:ext cx="172473" cy="187680"/>
+      </dsp:txXfrm>
+    </dsp:sp>
+    <dsp:sp modelId="{DFFDC4BF-2A48-4029-AE82-F354A04AD322}">
+      <dsp:nvSpPr>
+        <dsp:cNvPr id="0" name=""/>
+        <dsp:cNvSpPr/>
+      </dsp:nvSpPr>
+      <dsp:spPr>
+        <a:xfrm>
+          <a:off x="2252217" y="904532"/>
+          <a:ext cx="926815" cy="926815"/>
+        </a:xfrm>
+        <a:prstGeom prst="ellipse">
+          <a:avLst/>
+        </a:prstGeom>
+        <a:solidFill>
+          <a:schemeClr val="accent1">
+            <a:hueOff val="0"/>
+            <a:satOff val="0"/>
+            <a:lumOff val="0"/>
+            <a:alphaOff val="0"/>
+          </a:schemeClr>
+        </a:solidFill>
+        <a:ln w="12700" cap="flat" cmpd="sng" algn="ctr">
+          <a:solidFill>
+            <a:schemeClr val="lt1">
+              <a:hueOff val="0"/>
+              <a:satOff val="0"/>
+              <a:lumOff val="0"/>
+              <a:alphaOff val="0"/>
+            </a:schemeClr>
+          </a:solidFill>
+          <a:prstDash val="solid"/>
+          <a:miter lim="800000"/>
+        </a:ln>
+        <a:effectLst/>
+      </dsp:spPr>
+      <dsp:style>
+        <a:lnRef idx="2">
+          <a:scrgbClr r="0" g="0" b="0"/>
+        </a:lnRef>
+        <a:fillRef idx="1">
+          <a:scrgbClr r="0" g="0" b="0"/>
+        </a:fillRef>
+        <a:effectRef idx="0">
+          <a:scrgbClr r="0" g="0" b="0"/>
+        </a:effectRef>
+        <a:fontRef idx="minor">
+          <a:schemeClr val="lt1"/>
+        </a:fontRef>
+      </dsp:style>
+      <dsp:txBody>
+        <a:bodyPr spcFirstLastPara="0" vert="horz" wrap="square" lIns="25400" tIns="25400" rIns="25400" bIns="25400" numCol="1" spcCol="1270" anchor="ctr" anchorCtr="0">
+          <a:noAutofit/>
+        </a:bodyPr>
+        <a:lstStyle/>
+        <a:p>
+          <a:pPr lvl="0" algn="ctr" defTabSz="889000">
+            <a:lnSpc>
+              <a:spcPct val="90000"/>
+            </a:lnSpc>
+            <a:spcBef>
+              <a:spcPct val="0"/>
+            </a:spcBef>
+            <a:spcAft>
+              <a:spcPct val="35000"/>
+            </a:spcAft>
+          </a:pPr>
+          <a:r>
+            <a:rPr kumimoji="1" lang="ja-JP" altLang="en-US" sz="2000" kern="1200" dirty="0" smtClean="0"/>
+            <a:t>ネット広告</a:t>
+          </a:r>
+          <a:endParaRPr kumimoji="1" lang="ja-JP" altLang="en-US" sz="2000" kern="1200" dirty="0"/>
+        </a:p>
+      </dsp:txBody>
+      <dsp:txXfrm>
+        <a:off x="2387946" y="1040261"/>
+        <a:ext cx="655357" cy="655357"/>
+      </dsp:txXfrm>
+    </dsp:sp>
+    <dsp:sp modelId="{6C51DFAB-5269-421B-AB5E-F7CAA073D465}">
+      <dsp:nvSpPr>
+        <dsp:cNvPr id="0" name=""/>
+        <dsp:cNvSpPr/>
+      </dsp:nvSpPr>
+      <dsp:spPr>
+        <a:xfrm rot="6480000">
+          <a:off x="2379554" y="1866702"/>
+          <a:ext cx="246390" cy="312800"/>
+        </a:xfrm>
+        <a:prstGeom prst="rightArrow">
+          <a:avLst>
+            <a:gd name="adj1" fmla="val 60000"/>
+            <a:gd name="adj2" fmla="val 50000"/>
+          </a:avLst>
+        </a:prstGeom>
+        <a:solidFill>
+          <a:schemeClr val="accent1">
+            <a:tint val="60000"/>
+            <a:hueOff val="0"/>
+            <a:satOff val="0"/>
+            <a:lumOff val="0"/>
+            <a:alphaOff val="0"/>
+          </a:schemeClr>
+        </a:solidFill>
+        <a:ln>
+          <a:noFill/>
+        </a:ln>
+        <a:effectLst/>
+      </dsp:spPr>
+      <dsp:style>
+        <a:lnRef idx="0">
+          <a:scrgbClr r="0" g="0" b="0"/>
+        </a:lnRef>
+        <a:fillRef idx="1">
+          <a:scrgbClr r="0" g="0" b="0"/>
+        </a:fillRef>
+        <a:effectRef idx="0">
+          <a:scrgbClr r="0" g="0" b="0"/>
+        </a:effectRef>
+        <a:fontRef idx="minor">
+          <a:schemeClr val="lt1"/>
+        </a:fontRef>
+      </dsp:style>
+      <dsp:txBody>
+        <a:bodyPr spcFirstLastPara="0" vert="horz" wrap="square" lIns="0" tIns="0" rIns="0" bIns="0" numCol="1" spcCol="1270" anchor="ctr" anchorCtr="0">
+          <a:noAutofit/>
+        </a:bodyPr>
+        <a:lstStyle/>
+        <a:p>
+          <a:pPr lvl="0" algn="ctr" defTabSz="577850">
+            <a:lnSpc>
+              <a:spcPct val="90000"/>
+            </a:lnSpc>
+            <a:spcBef>
+              <a:spcPct val="0"/>
+            </a:spcBef>
+            <a:spcAft>
+              <a:spcPct val="35000"/>
+            </a:spcAft>
+          </a:pPr>
+          <a:endParaRPr kumimoji="1" lang="ja-JP" altLang="en-US" sz="1300" kern="1200"/>
+        </a:p>
+      </dsp:txBody>
+      <dsp:txXfrm rot="10800000">
+        <a:off x="2427933" y="1894112"/>
+        <a:ext cx="172473" cy="187680"/>
+      </dsp:txXfrm>
+    </dsp:sp>
+    <dsp:sp modelId="{1877A50A-FD59-4AAC-A0BF-53F1B9C52AF6}">
+      <dsp:nvSpPr>
+        <dsp:cNvPr id="0" name=""/>
+        <dsp:cNvSpPr/>
+      </dsp:nvSpPr>
+      <dsp:spPr>
+        <a:xfrm>
+          <a:off x="1822157" y="2228120"/>
+          <a:ext cx="926815" cy="926815"/>
+        </a:xfrm>
+        <a:prstGeom prst="ellipse">
+          <a:avLst/>
+        </a:prstGeom>
+        <a:solidFill>
+          <a:schemeClr val="accent1">
+            <a:hueOff val="0"/>
+            <a:satOff val="0"/>
+            <a:lumOff val="0"/>
+            <a:alphaOff val="0"/>
+          </a:schemeClr>
+        </a:solidFill>
+        <a:ln w="12700" cap="flat" cmpd="sng" algn="ctr">
+          <a:solidFill>
+            <a:schemeClr val="lt1">
+              <a:hueOff val="0"/>
+              <a:satOff val="0"/>
+              <a:lumOff val="0"/>
+              <a:alphaOff val="0"/>
+            </a:schemeClr>
+          </a:solidFill>
+          <a:prstDash val="solid"/>
+          <a:miter lim="800000"/>
+        </a:ln>
+        <a:effectLst/>
+      </dsp:spPr>
+      <dsp:style>
+        <a:lnRef idx="2">
+          <a:scrgbClr r="0" g="0" b="0"/>
+        </a:lnRef>
+        <a:fillRef idx="1">
+          <a:scrgbClr r="0" g="0" b="0"/>
+        </a:fillRef>
+        <a:effectRef idx="0">
+          <a:scrgbClr r="0" g="0" b="0"/>
+        </a:effectRef>
+        <a:fontRef idx="minor">
+          <a:schemeClr val="lt1"/>
+        </a:fontRef>
+      </dsp:style>
+      <dsp:txBody>
+        <a:bodyPr spcFirstLastPara="0" vert="horz" wrap="square" lIns="25400" tIns="25400" rIns="25400" bIns="25400" numCol="1" spcCol="1270" anchor="ctr" anchorCtr="0">
+          <a:noAutofit/>
+        </a:bodyPr>
+        <a:lstStyle/>
+        <a:p>
+          <a:pPr lvl="0" algn="ctr" defTabSz="889000">
+            <a:lnSpc>
+              <a:spcPct val="90000"/>
+            </a:lnSpc>
+            <a:spcBef>
+              <a:spcPct val="0"/>
+            </a:spcBef>
+            <a:spcAft>
+              <a:spcPct val="35000"/>
+            </a:spcAft>
+          </a:pPr>
+          <a:r>
+            <a:rPr kumimoji="1" lang="ja-JP" altLang="en-US" sz="2000" kern="1200" dirty="0" smtClean="0"/>
+            <a:t>雑誌広告</a:t>
+          </a:r>
+          <a:endParaRPr kumimoji="1" lang="ja-JP" altLang="en-US" sz="2000" kern="1200" dirty="0"/>
+        </a:p>
+      </dsp:txBody>
+      <dsp:txXfrm>
+        <a:off x="1957886" y="2363849"/>
+        <a:ext cx="655357" cy="655357"/>
+      </dsp:txXfrm>
+    </dsp:sp>
+    <dsp:sp modelId="{366034F7-7D85-4B5A-9195-C850EF60806F}">
+      <dsp:nvSpPr>
+        <dsp:cNvPr id="0" name=""/>
+        <dsp:cNvSpPr/>
+      </dsp:nvSpPr>
+      <dsp:spPr>
+        <a:xfrm rot="10800000">
+          <a:off x="1473492" y="2535128"/>
+          <a:ext cx="246390" cy="312800"/>
+        </a:xfrm>
+        <a:prstGeom prst="rightArrow">
+          <a:avLst>
+            <a:gd name="adj1" fmla="val 60000"/>
+            <a:gd name="adj2" fmla="val 50000"/>
+          </a:avLst>
+        </a:prstGeom>
+        <a:solidFill>
+          <a:schemeClr val="accent1">
+            <a:tint val="60000"/>
+            <a:hueOff val="0"/>
+            <a:satOff val="0"/>
+            <a:lumOff val="0"/>
+            <a:alphaOff val="0"/>
+          </a:schemeClr>
+        </a:solidFill>
+        <a:ln>
+          <a:noFill/>
+        </a:ln>
+        <a:effectLst/>
+      </dsp:spPr>
+      <dsp:style>
+        <a:lnRef idx="0">
+          <a:scrgbClr r="0" g="0" b="0"/>
+        </a:lnRef>
+        <a:fillRef idx="1">
+          <a:scrgbClr r="0" g="0" b="0"/>
+        </a:fillRef>
+        <a:effectRef idx="0">
+          <a:scrgbClr r="0" g="0" b="0"/>
+        </a:effectRef>
+        <a:fontRef idx="minor">
+          <a:schemeClr val="lt1"/>
+        </a:fontRef>
+      </dsp:style>
+      <dsp:txBody>
+        <a:bodyPr spcFirstLastPara="0" vert="horz" wrap="square" lIns="0" tIns="0" rIns="0" bIns="0" numCol="1" spcCol="1270" anchor="ctr" anchorCtr="0">
+          <a:noAutofit/>
+        </a:bodyPr>
+        <a:lstStyle/>
+        <a:p>
+          <a:pPr lvl="0" algn="ctr" defTabSz="577850">
+            <a:lnSpc>
+              <a:spcPct val="90000"/>
+            </a:lnSpc>
+            <a:spcBef>
+              <a:spcPct val="0"/>
+            </a:spcBef>
+            <a:spcAft>
+              <a:spcPct val="35000"/>
+            </a:spcAft>
+          </a:pPr>
+          <a:endParaRPr kumimoji="1" lang="ja-JP" altLang="en-US" sz="1300" kern="1200"/>
+        </a:p>
+      </dsp:txBody>
+      <dsp:txXfrm rot="10800000">
+        <a:off x="1547409" y="2597688"/>
+        <a:ext cx="172473" cy="187680"/>
+      </dsp:txXfrm>
+    </dsp:sp>
+    <dsp:sp modelId="{02ED39E6-62AF-4B48-B1FD-67F9E575D444}">
+      <dsp:nvSpPr>
+        <dsp:cNvPr id="0" name=""/>
+        <dsp:cNvSpPr/>
+      </dsp:nvSpPr>
+      <dsp:spPr>
+        <a:xfrm>
+          <a:off x="430454" y="2228120"/>
+          <a:ext cx="926815" cy="926815"/>
+        </a:xfrm>
+        <a:prstGeom prst="ellipse">
+          <a:avLst/>
+        </a:prstGeom>
+        <a:solidFill>
+          <a:schemeClr val="accent1">
+            <a:hueOff val="0"/>
+            <a:satOff val="0"/>
+            <a:lumOff val="0"/>
+            <a:alphaOff val="0"/>
+          </a:schemeClr>
+        </a:solidFill>
+        <a:ln w="12700" cap="flat" cmpd="sng" algn="ctr">
+          <a:solidFill>
+            <a:schemeClr val="lt1">
+              <a:hueOff val="0"/>
+              <a:satOff val="0"/>
+              <a:lumOff val="0"/>
+              <a:alphaOff val="0"/>
+            </a:schemeClr>
+          </a:solidFill>
+          <a:prstDash val="solid"/>
+          <a:miter lim="800000"/>
+        </a:ln>
+        <a:effectLst/>
+      </dsp:spPr>
+      <dsp:style>
+        <a:lnRef idx="2">
+          <a:scrgbClr r="0" g="0" b="0"/>
+        </a:lnRef>
+        <a:fillRef idx="1">
+          <a:scrgbClr r="0" g="0" b="0"/>
+        </a:fillRef>
+        <a:effectRef idx="0">
+          <a:scrgbClr r="0" g="0" b="0"/>
+        </a:effectRef>
+        <a:fontRef idx="minor">
+          <a:schemeClr val="lt1"/>
+        </a:fontRef>
+      </dsp:style>
+      <dsp:txBody>
+        <a:bodyPr spcFirstLastPara="0" vert="horz" wrap="square" lIns="25400" tIns="25400" rIns="25400" bIns="25400" numCol="1" spcCol="1270" anchor="ctr" anchorCtr="0">
+          <a:noAutofit/>
+        </a:bodyPr>
+        <a:lstStyle/>
+        <a:p>
+          <a:pPr lvl="0" algn="ctr" defTabSz="889000">
+            <a:lnSpc>
+              <a:spcPct val="90000"/>
+            </a:lnSpc>
+            <a:spcBef>
+              <a:spcPct val="0"/>
+            </a:spcBef>
+            <a:spcAft>
+              <a:spcPct val="35000"/>
+            </a:spcAft>
+          </a:pPr>
+          <a:r>
+            <a:rPr kumimoji="1" lang="en-US" altLang="ja-JP" sz="2000" kern="1200" dirty="0" smtClean="0"/>
+            <a:t>TVCM</a:t>
+          </a:r>
+          <a:r>
+            <a:rPr kumimoji="1" lang="ja-JP" altLang="en-US" sz="2000" kern="1200" dirty="0" smtClean="0"/>
+            <a:t>広告</a:t>
+          </a:r>
+          <a:endParaRPr kumimoji="1" lang="ja-JP" altLang="en-US" sz="2000" kern="1200" dirty="0"/>
+        </a:p>
+      </dsp:txBody>
+      <dsp:txXfrm>
+        <a:off x="566183" y="2363849"/>
+        <a:ext cx="655357" cy="655357"/>
+      </dsp:txXfrm>
+    </dsp:sp>
+    <dsp:sp modelId="{E04DF568-A5A3-4EC7-833D-26B0A4107F75}">
+      <dsp:nvSpPr>
+        <dsp:cNvPr id="0" name=""/>
+        <dsp:cNvSpPr/>
+      </dsp:nvSpPr>
+      <dsp:spPr>
+        <a:xfrm rot="15120000">
+          <a:off x="557792" y="1879966"/>
+          <a:ext cx="246390" cy="312800"/>
+        </a:xfrm>
+        <a:prstGeom prst="rightArrow">
+          <a:avLst>
+            <a:gd name="adj1" fmla="val 60000"/>
+            <a:gd name="adj2" fmla="val 50000"/>
+          </a:avLst>
+        </a:prstGeom>
+        <a:solidFill>
+          <a:schemeClr val="accent1">
+            <a:tint val="60000"/>
+            <a:hueOff val="0"/>
+            <a:satOff val="0"/>
+            <a:lumOff val="0"/>
+            <a:alphaOff val="0"/>
+          </a:schemeClr>
+        </a:solidFill>
+        <a:ln>
+          <a:noFill/>
+        </a:ln>
+        <a:effectLst/>
+      </dsp:spPr>
+      <dsp:style>
+        <a:lnRef idx="0">
+          <a:scrgbClr r="0" g="0" b="0"/>
+        </a:lnRef>
+        <a:fillRef idx="1">
+          <a:scrgbClr r="0" g="0" b="0"/>
+        </a:fillRef>
+        <a:effectRef idx="0">
+          <a:scrgbClr r="0" g="0" b="0"/>
+        </a:effectRef>
+        <a:fontRef idx="minor">
+          <a:schemeClr val="lt1"/>
+        </a:fontRef>
+      </dsp:style>
+      <dsp:txBody>
+        <a:bodyPr spcFirstLastPara="0" vert="horz" wrap="square" lIns="0" tIns="0" rIns="0" bIns="0" numCol="1" spcCol="1270" anchor="ctr" anchorCtr="0">
+          <a:noAutofit/>
+        </a:bodyPr>
+        <a:lstStyle/>
+        <a:p>
+          <a:pPr lvl="0" algn="ctr" defTabSz="577850">
+            <a:lnSpc>
+              <a:spcPct val="90000"/>
+            </a:lnSpc>
+            <a:spcBef>
+              <a:spcPct val="0"/>
+            </a:spcBef>
+            <a:spcAft>
+              <a:spcPct val="35000"/>
+            </a:spcAft>
+          </a:pPr>
+          <a:endParaRPr kumimoji="1" lang="ja-JP" altLang="en-US" sz="1300" kern="1200"/>
+        </a:p>
+      </dsp:txBody>
+      <dsp:txXfrm rot="10800000">
+        <a:off x="606171" y="1977676"/>
+        <a:ext cx="172473" cy="187680"/>
+      </dsp:txXfrm>
+    </dsp:sp>
+    <dsp:sp modelId="{15F4FE78-C30F-467E-9722-31956AE37EA3}">
+      <dsp:nvSpPr>
+        <dsp:cNvPr id="0" name=""/>
+        <dsp:cNvSpPr/>
+      </dsp:nvSpPr>
+      <dsp:spPr>
+        <a:xfrm>
+          <a:off x="395" y="904532"/>
+          <a:ext cx="926815" cy="926815"/>
+        </a:xfrm>
+        <a:prstGeom prst="ellipse">
+          <a:avLst/>
+        </a:prstGeom>
+        <a:solidFill>
+          <a:schemeClr val="accent1">
+            <a:hueOff val="0"/>
+            <a:satOff val="0"/>
+            <a:lumOff val="0"/>
+            <a:alphaOff val="0"/>
+          </a:schemeClr>
+        </a:solidFill>
+        <a:ln w="12700" cap="flat" cmpd="sng" algn="ctr">
+          <a:solidFill>
+            <a:schemeClr val="lt1">
+              <a:hueOff val="0"/>
+              <a:satOff val="0"/>
+              <a:lumOff val="0"/>
+              <a:alphaOff val="0"/>
+            </a:schemeClr>
+          </a:solidFill>
+          <a:prstDash val="solid"/>
+          <a:miter lim="800000"/>
+        </a:ln>
+        <a:effectLst/>
+      </dsp:spPr>
+      <dsp:style>
+        <a:lnRef idx="2">
+          <a:scrgbClr r="0" g="0" b="0"/>
+        </a:lnRef>
+        <a:fillRef idx="1">
+          <a:scrgbClr r="0" g="0" b="0"/>
+        </a:fillRef>
+        <a:effectRef idx="0">
+          <a:scrgbClr r="0" g="0" b="0"/>
+        </a:effectRef>
+        <a:fontRef idx="minor">
+          <a:schemeClr val="lt1"/>
+        </a:fontRef>
+      </dsp:style>
+      <dsp:txBody>
+        <a:bodyPr spcFirstLastPara="0" vert="horz" wrap="square" lIns="25400" tIns="25400" rIns="25400" bIns="25400" numCol="1" spcCol="1270" anchor="ctr" anchorCtr="0">
+          <a:noAutofit/>
+        </a:bodyPr>
+        <a:lstStyle/>
+        <a:p>
+          <a:pPr lvl="0" algn="ctr" defTabSz="889000">
+            <a:lnSpc>
+              <a:spcPct val="90000"/>
+            </a:lnSpc>
+            <a:spcBef>
+              <a:spcPct val="0"/>
+            </a:spcBef>
+            <a:spcAft>
+              <a:spcPct val="35000"/>
+            </a:spcAft>
+          </a:pPr>
+          <a:r>
+            <a:rPr kumimoji="1" lang="ja-JP" altLang="en-US" sz="2000" kern="1200" dirty="0" smtClean="0"/>
+            <a:t>大佐</a:t>
+          </a:r>
+          <a:endParaRPr kumimoji="1" lang="ja-JP" altLang="en-US" sz="2000" kern="1200" dirty="0"/>
+        </a:p>
+      </dsp:txBody>
+      <dsp:txXfrm>
+        <a:off x="136124" y="1040261"/>
+        <a:ext cx="655357" cy="655357"/>
+      </dsp:txXfrm>
+    </dsp:sp>
+    <dsp:sp modelId="{50C4BE59-A3A6-4443-973D-6AAF2609140A}">
+      <dsp:nvSpPr>
+        <dsp:cNvPr id="0" name=""/>
+        <dsp:cNvSpPr/>
+      </dsp:nvSpPr>
+      <dsp:spPr>
+        <a:xfrm rot="19440000">
+          <a:off x="897921" y="806628"/>
+          <a:ext cx="246390" cy="312800"/>
+        </a:xfrm>
+        <a:prstGeom prst="rightArrow">
+          <a:avLst>
+            <a:gd name="adj1" fmla="val 60000"/>
+            <a:gd name="adj2" fmla="val 50000"/>
+          </a:avLst>
+        </a:prstGeom>
+        <a:solidFill>
+          <a:schemeClr val="accent1">
+            <a:tint val="60000"/>
+            <a:hueOff val="0"/>
+            <a:satOff val="0"/>
+            <a:lumOff val="0"/>
+            <a:alphaOff val="0"/>
+          </a:schemeClr>
+        </a:solidFill>
+        <a:ln>
+          <a:noFill/>
+        </a:ln>
+        <a:effectLst/>
+      </dsp:spPr>
+      <dsp:style>
+        <a:lnRef idx="0">
+          <a:scrgbClr r="0" g="0" b="0"/>
+        </a:lnRef>
+        <a:fillRef idx="1">
+          <a:scrgbClr r="0" g="0" b="0"/>
+        </a:fillRef>
+        <a:effectRef idx="0">
+          <a:scrgbClr r="0" g="0" b="0"/>
+        </a:effectRef>
+        <a:fontRef idx="minor">
+          <a:schemeClr val="lt1"/>
+        </a:fontRef>
+      </dsp:style>
+      <dsp:txBody>
+        <a:bodyPr spcFirstLastPara="0" vert="horz" wrap="square" lIns="0" tIns="0" rIns="0" bIns="0" numCol="1" spcCol="1270" anchor="ctr" anchorCtr="0">
+          <a:noAutofit/>
+        </a:bodyPr>
+        <a:lstStyle/>
+        <a:p>
+          <a:pPr lvl="0" algn="ctr" defTabSz="577850">
+            <a:lnSpc>
+              <a:spcPct val="90000"/>
+            </a:lnSpc>
+            <a:spcBef>
+              <a:spcPct val="0"/>
+            </a:spcBef>
+            <a:spcAft>
+              <a:spcPct val="35000"/>
+            </a:spcAft>
+          </a:pPr>
+          <a:endParaRPr kumimoji="1" lang="ja-JP" altLang="en-US" sz="1300" kern="1200"/>
+        </a:p>
+      </dsp:txBody>
+      <dsp:txXfrm>
+        <a:off x="904979" y="890912"/>
+        <a:ext cx="172473" cy="187680"/>
+      </dsp:txXfrm>
+    </dsp:sp>
+  </dsp:spTree>
+</dsp:drawing>
+</file>
+
+<file path=ppt/diagrams/layout1.xml><?xml version="1.0" encoding="utf-8"?>
+<dgm:layoutDef xmlns:dgm="http://schemas.openxmlformats.org/drawingml/2006/diagram" xmlns:a="http://schemas.openxmlformats.org/drawingml/2006/main" uniqueId="urn:microsoft.com/office/officeart/2005/8/layout/cycle2">
+  <dgm:title val=""/>
+  <dgm:desc val=""/>
+  <dgm:catLst>
+    <dgm:cat type="cycle" pri="1000"/>
+    <dgm:cat type="convert" pri="10000"/>
+  </dgm:catLst>
+  <dgm:sampData>
+    <dgm:dataModel>
+      <dgm:ptLst>
+        <dgm:pt modelId="0" type="doc"/>
+        <dgm:pt modelId="1">
+          <dgm:prSet phldr="1"/>
+        </dgm:pt>
+        <dgm:pt modelId="2">
+          <dgm:prSet phldr="1"/>
+        </dgm:pt>
+        <dgm:pt modelId="3">
+          <dgm:prSet phldr="1"/>
+        </dgm:pt>
+        <dgm:pt modelId="4">
+          <dgm:prSet phldr="1"/>
+        </dgm:pt>
+        <dgm:pt modelId="5">
+          <dgm:prSet phldr="1"/>
+        </dgm:pt>
+      </dgm:ptLst>
+      <dgm:cxnLst>
+        <dgm:cxn modelId="6" srcId="0" destId="1" srcOrd="0" destOrd="0"/>
+        <dgm:cxn modelId="7" srcId="0" destId="2" srcOrd="1" destOrd="0"/>
+        <dgm:cxn modelId="8" srcId="0" destId="3" srcOrd="2" destOrd="0"/>
+        <dgm:cxn modelId="9" srcId="0" destId="4" srcOrd="3" destOrd="0"/>
+        <dgm:cxn modelId="10" srcId="0" destId="5" srcOrd="4" destOrd="0"/>
+      </dgm:cxnLst>
+      <dgm:bg/>
+      <dgm:whole/>
+    </dgm:dataModel>
+  </dgm:sampData>
+  <dgm:styleData>
+    <dgm:dataModel>
+      <dgm:ptLst>
+        <dgm:pt modelId="0" type="doc"/>
+        <dgm:pt modelId="1"/>
+        <dgm:pt modelId="2"/>
+        <dgm:pt modelId="3"/>
+      </dgm:ptLst>
+      <dgm:cxnLst>
+        <dgm:cxn modelId="4" srcId="0" destId="1" srcOrd="0" destOrd="0"/>
+        <dgm:cxn modelId="5" srcId="0" destId="2" srcOrd="1" destOrd="0"/>
+        <dgm:cxn modelId="6" srcId="0" destId="3" srcOrd="2" destOrd="0"/>
+      </dgm:cxnLst>
+      <dgm:bg/>
+      <dgm:whole/>
+    </dgm:dataModel>
+  </dgm:styleData>
+  <dgm:clrData>
+    <dgm:dataModel>
+      <dgm:ptLst>
+        <dgm:pt modelId="0" type="doc"/>
+        <dgm:pt modelId="1"/>
+        <dgm:pt modelId="2"/>
+        <dgm:pt modelId="3"/>
+        <dgm:pt modelId="4"/>
+        <dgm:pt modelId="5"/>
+        <dgm:pt modelId="6"/>
+      </dgm:ptLst>
+      <dgm:cxnLst>
+        <dgm:cxn modelId="7" srcId="0" destId="1" srcOrd="0" destOrd="0"/>
+        <dgm:cxn modelId="8" srcId="0" destId="2" srcOrd="1" destOrd="0"/>
+        <dgm:cxn modelId="9" srcId="0" destId="3" srcOrd="2" destOrd="0"/>
+        <dgm:cxn modelId="10" srcId="0" destId="4" srcOrd="3" destOrd="0"/>
+        <dgm:cxn modelId="11" srcId="0" destId="5" srcOrd="4" destOrd="0"/>
+        <dgm:cxn modelId="12" srcId="0" destId="6" srcOrd="5" destOrd="0"/>
+      </dgm:cxnLst>
+      <dgm:bg/>
+      <dgm:whole/>
+    </dgm:dataModel>
+  </dgm:clrData>
+  <dgm:layoutNode name="cycle">
+    <dgm:varLst>
+      <dgm:dir/>
+      <dgm:resizeHandles val="exact"/>
+    </dgm:varLst>
+    <dgm:choose name="Name0">
+      <dgm:if name="Name1" func="var" arg="dir" op="equ" val="norm">
+        <dgm:choose name="Name2">
+          <dgm:if name="Name3" axis="ch" ptType="node" func="cnt" op="gt" val="2">
+            <dgm:alg type="cycle">
+              <dgm:param type="stAng" val="0"/>
+              <dgm:param type="spanAng" val="360"/>
+            </dgm:alg>
+          </dgm:if>
+          <dgm:else name="Name4">
+            <dgm:alg type="cycle">
+              <dgm:param type="stAng" val="-90"/>
+              <dgm:param type="spanAng" val="360"/>
+            </dgm:alg>
+          </dgm:else>
+        </dgm:choose>
+      </dgm:if>
+      <dgm:else name="Name5">
+        <dgm:choose name="Name6">
+          <dgm:if name="Name7" axis="ch" ptType="node" func="cnt" op="gt" val="2">
+            <dgm:alg type="cycle">
+              <dgm:param type="stAng" val="0"/>
+              <dgm:param type="spanAng" val="-360"/>
+            </dgm:alg>
+          </dgm:if>
+          <dgm:else name="Name8">
+            <dgm:alg type="cycle">
+              <dgm:param type="stAng" val="90"/>
+              <dgm:param type="spanAng" val="-360"/>
+            </dgm:alg>
+          </dgm:else>
+        </dgm:choose>
+      </dgm:else>
+    </dgm:choose>
+    <dgm:shape xmlns:r="http://schemas.openxmlformats.org/officeDocument/2006/relationships" r:blip="">
+      <dgm:adjLst/>
+    </dgm:shape>
+    <dgm:presOf/>
+    <dgm:constrLst>
+      <dgm:constr type="w" for="ch" ptType="node" refType="w"/>
+      <dgm:constr type="w" for="ch" ptType="sibTrans" refType="w" refFor="ch" refPtType="node" op="equ" fact="0.25"/>
+      <dgm:constr type="sibSp" refType="w" refFor="ch" refPtType="node" fact="0.5"/>
+      <dgm:constr type="primFontSz" for="ch" ptType="node" op="equ" val="65"/>
+      <dgm:constr type="primFontSz" for="des" forName="connectorText" op="equ" val="55"/>
+      <dgm:constr type="primFontSz" for="des" forName="connectorText" refType="primFontSz" refFor="ch" refPtType="node" op="lte" fact="0.8"/>
+    </dgm:constrLst>
+    <dgm:ruleLst/>
+    <dgm:forEach name="nodesForEach" axis="ch" ptType="node">
+      <dgm:layoutNode name="node">
+        <dgm:varLst>
+          <dgm:bulletEnabled val="1"/>
+        </dgm:varLst>
+        <dgm:alg type="tx">
+          <dgm:param type="txAnchorVertCh" val="mid"/>
+        </dgm:alg>
+        <dgm:shape xmlns:r="http://schemas.openxmlformats.org/officeDocument/2006/relationships" type="ellipse" r:blip="">
+          <dgm:adjLst/>
+        </dgm:shape>
+        <dgm:presOf axis="desOrSelf" ptType="node"/>
+        <dgm:constrLst>
+          <dgm:constr type="h" refType="w"/>
+          <dgm:constr type="lMarg" refType="primFontSz" fact="0.1"/>
+          <dgm:constr type="rMarg" refType="primFontSz" fact="0.1"/>
+          <dgm:constr type="tMarg" refType="primFontSz" fact="0.1"/>
+          <dgm:constr type="bMarg" refType="primFontSz" fact="0.1"/>
+        </dgm:constrLst>
+        <dgm:ruleLst>
+          <dgm:rule type="primFontSz" val="5" fact="NaN" max="NaN"/>
+        </dgm:ruleLst>
+      </dgm:layoutNode>
+      <dgm:choose name="Name9">
+        <dgm:if name="Name10" axis="par ch" ptType="doc node" func="cnt" op="gt" val="1">
+          <dgm:forEach name="sibTransForEach" axis="followSib" ptType="sibTrans" hideLastTrans="0" cnt="1">
+            <dgm:layoutNode name="sibTrans">
+              <dgm:choose name="Name11">
+                <dgm:if name="Name12" axis="par ch" ptType="doc node" func="cnt" op="lt" val="3">
+                  <dgm:alg type="conn">
+                    <dgm:param type="begPts" val="radial"/>
+                    <dgm:param type="endPts" val="radial"/>
+                  </dgm:alg>
+                </dgm:if>
+                <dgm:else name="Name13">
+                  <dgm:alg type="conn">
+                    <dgm:param type="begPts" val="auto"/>
+                    <dgm:param type="endPts" val="auto"/>
+                  </dgm:alg>
+                </dgm:else>
+              </dgm:choose>
+              <dgm:shape xmlns:r="http://schemas.openxmlformats.org/officeDocument/2006/relationships" type="conn" r:blip="">
+                <dgm:adjLst/>
+              </dgm:shape>
+              <dgm:presOf axis="self"/>
+              <dgm:constrLst>
+                <dgm:constr type="h" refType="w" fact="1.35"/>
+                <dgm:constr type="connDist"/>
+                <dgm:constr type="w" for="ch" refType="connDist" fact="0.45"/>
+                <dgm:constr type="h" for="ch" refType="h"/>
+              </dgm:constrLst>
+              <dgm:ruleLst/>
+              <dgm:layoutNode name="connectorText">
+                <dgm:alg type="tx">
+                  <dgm:param type="autoTxRot" val="grav"/>
+                </dgm:alg>
+                <dgm:shape xmlns:r="http://schemas.openxmlformats.org/officeDocument/2006/relationships" type="conn" r:blip="" hideGeom="1">
+                  <dgm:adjLst/>
+                </dgm:shape>
+                <dgm:presOf axis="self"/>
+                <dgm:constrLst>
+                  <dgm:constr type="lMarg"/>
+                  <dgm:constr type="rMarg"/>
+                  <dgm:constr type="tMarg"/>
+                  <dgm:constr type="bMarg"/>
+                </dgm:constrLst>
+                <dgm:ruleLst>
+                  <dgm:rule type="primFontSz" val="5" fact="NaN" max="NaN"/>
+                </dgm:ruleLst>
+              </dgm:layoutNode>
+            </dgm:layoutNode>
+          </dgm:forEach>
+        </dgm:if>
+        <dgm:else name="Name14"/>
+      </dgm:choose>
+    </dgm:forEach>
+  </dgm:layoutNode>
+</dgm:layoutDef>
+</file>
+
+<file path=ppt/diagrams/quickStyle1.xml><?xml version="1.0" encoding="utf-8"?>
+<dgm:styleDef xmlns:dgm="http://schemas.openxmlformats.org/drawingml/2006/diagram" xmlns:a="http://schemas.openxmlformats.org/drawingml/2006/main" uniqueId="urn:microsoft.com/office/officeart/2005/8/quickstyle/simple1">
+  <dgm:title val=""/>
+  <dgm:desc val=""/>
+  <dgm:catLst>
+    <dgm:cat type="simple" pri="10100"/>
+  </dgm:catLst>
+  <dgm:scene3d>
+    <a:camera prst="orthographicFront"/>
+    <a:lightRig rig="threePt" dir="t"/>
+  </dgm:scene3d>
+  <dgm:styleLbl name="node0">
+    <dgm:scene3d>
+      <a:camera prst="orthographicFront"/>
+      <a:lightRig rig="threePt" dir="t"/>
+    </dgm:scene3d>
+    <dgm:sp3d/>
+    <dgm:txPr/>
+    <dgm:style>
+      <a:lnRef idx="2">
+        <a:scrgbClr r="0" g="0" b="0"/>
+      </a:lnRef>
+      <a:fillRef idx="1">
+        <a:scrgbClr r="0" g="0" b="0"/>
+      </a:fillRef>
+      <a:effectRef idx="0">
+        <a:scrgbClr r="0" g="0" b="0"/>
+      </a:effectRef>
+      <a:fontRef idx="minor">
+        <a:schemeClr val="lt1"/>
+      </a:fontRef>
+    </dgm:style>
+  </dgm:styleLbl>
+  <dgm:styleLbl name="lnNode1">
+    <dgm:scene3d>
+      <a:camera prst="orthographicFront"/>
+      <a:lightRig rig="threePt" dir="t"/>
+    </dgm:scene3d>
+    <dgm:sp3d/>
+    <dgm:txPr/>
+    <dgm:style>
+      <a:lnRef idx="2">
+        <a:scrgbClr r="0" g="0" b="0"/>
+      </a:lnRef>
+      <a:fillRef idx="1">
+        <a:scrgbClr r="0" g="0" b="0"/>
+      </a:fillRef>
+      <a:effectRef idx="0">
+        <a:scrgbClr r="0" g="0" b="0"/>
+      </a:effectRef>
+      <a:fontRef idx="minor">
+        <a:schemeClr val="lt1"/>
+      </a:fontRef>
+    </dgm:style>
+  </dgm:styleLbl>
+  <dgm:styleLbl name="vennNode1">
+    <dgm:scene3d>
+      <a:camera prst="orthographicFront"/>
+      <a:lightRig rig="threePt" dir="t"/>
+    </dgm:scene3d>
+    <dgm:sp3d/>
+    <dgm:txPr/>
+    <dgm:style>
+      <a:lnRef idx="2">
+        <a:scrgbClr r="0" g="0" b="0"/>
+      </a:lnRef>
+      <a:fillRef idx="1">
+        <a:scrgbClr r="0" g="0" b="0"/>
+      </a:fillRef>
+      <a:effectRef idx="0">
+        <a:scrgbClr r="0" g="0" b="0"/>
+      </a:effectRef>
+      <a:fontRef idx="minor">
+        <a:schemeClr val="tx1"/>
+      </a:fontRef>
+    </dgm:style>
+  </dgm:styleLbl>
+  <dgm:styleLbl name="alignNode1">
+    <dgm:scene3d>
+      <a:camera prst="orthographicFront"/>
+      <a:lightRig rig="threePt" dir="t"/>
+    </dgm:scene3d>
+    <dgm:sp3d/>
+    <dgm:txPr/>
+    <dgm:style>
+      <a:lnRef idx="2">
+        <a:scrgbClr r="0" g="0" b="0"/>
+      </a:lnRef>
+      <a:fillRef idx="1">
+        <a:scrgbClr r="0" g="0" b="0"/>
+      </a:fillRef>
+      <a:effectRef idx="0">
+        <a:scrgbClr r="0" g="0" b="0"/>
+      </a:effectRef>
+      <a:fontRef idx="minor">
+        <a:schemeClr val="lt1"/>
+      </a:fontRef>
+    </dgm:style>
+  </dgm:styleLbl>
+  <dgm:styleLbl name="node1">
+    <dgm:scene3d>
+      <a:camera prst="orthographicFront"/>
+      <a:lightRig rig="threePt" dir="t"/>
+    </dgm:scene3d>
+    <dgm:sp3d/>
+    <dgm:txPr/>
+    <dgm:style>
+      <a:lnRef idx="2">
+        <a:scrgbClr r="0" g="0" b="0"/>
+      </a:lnRef>
+      <a:fillRef idx="1">
+        <a:scrgbClr r="0" g="0" b="0"/>
+      </a:fillRef>
+      <a:effectRef idx="0">
+        <a:scrgbClr r="0" g="0" b="0"/>
+      </a:effectRef>
+      <a:fontRef idx="minor">
+        <a:schemeClr val="lt1"/>
+      </a:fontRef>
+    </dgm:style>
+  </dgm:styleLbl>
+  <dgm:styleLbl name="node2">
+    <dgm:scene3d>
+      <a:camera prst="orthographicFront"/>
+      <a:lightRig rig="threePt" dir="t"/>
+    </dgm:scene3d>
+    <dgm:sp3d/>
+    <dgm:txPr/>
+    <dgm:style>
+      <a:lnRef idx="2">
+        <a:scrgbClr r="0" g="0" b="0"/>
+      </a:lnRef>
+      <a:fillRef idx="1">
+        <a:scrgbClr r="0" g="0" b="0"/>
+      </a:fillRef>
+      <a:effectRef idx="0">
+        <a:scrgbClr r="0" g="0" b="0"/>
+      </a:effectRef>
+      <a:fontRef idx="minor">
+        <a:schemeClr val="lt1"/>
+      </a:fontRef>
+    </dgm:style>
+  </dgm:styleLbl>
+  <dgm:styleLbl name="node3">
+    <dgm:scene3d>
+      <a:camera prst="orthographicFront"/>
+      <a:lightRig rig="threePt" dir="t"/>
+    </dgm:scene3d>
+    <dgm:sp3d/>
+    <dgm:txPr/>
+    <dgm:style>
+      <a:lnRef idx="2">
+        <a:scrgbClr r="0" g="0" b="0"/>
+      </a:lnRef>
+      <a:fillRef idx="1">
+        <a:scrgbClr r="0" g="0" b="0"/>
+      </a:fillRef>
+      <a:effectRef idx="0">
+        <a:scrgbClr r="0" g="0" b="0"/>
+      </a:effectRef>
+      <a:fontRef idx="minor">
+        <a:schemeClr val="lt1"/>
+      </a:fontRef>
+    </dgm:style>
+  </dgm:styleLbl>
+  <dgm:styleLbl name="node4">
+    <dgm:scene3d>
+      <a:camera prst="orthographicFront"/>
+      <a:lightRig rig="threePt" dir="t"/>
+    </dgm:scene3d>
+    <dgm:sp3d/>
+    <dgm:txPr/>
+    <dgm:style>
+      <a:lnRef idx="2">
+        <a:scrgbClr r="0" g="0" b="0"/>
+      </a:lnRef>
+      <a:fillRef idx="1">
+        <a:scrgbClr r="0" g="0" b="0"/>
+      </a:fillRef>
+      <a:effectRef idx="0">
+        <a:scrgbClr r="0" g="0" b="0"/>
+      </a:effectRef>
+      <a:fontRef idx="minor">
+        <a:schemeClr val="lt1"/>
+      </a:fontRef>
+    </dgm:style>
+  </dgm:styleLbl>
+  <dgm:styleLbl name="fgImgPlace1">
+    <dgm:scene3d>
+      <a:camera prst="orthographicFront"/>
+      <a:lightRig rig="threePt" dir="t"/>
+    </dgm:scene3d>
+    <dgm:sp3d/>
+    <dgm:txPr/>
+    <dgm:style>
+      <a:lnRef idx="2">
+        <a:scrgbClr r="0" g="0" b="0"/>
+      </a:lnRef>
+      <a:fillRef idx="1">
+        <a:scrgbClr r="0" g="0" b="0"/>
+      </a:fillRef>
+      <a:effectRef idx="0">
+        <a:scrgbClr r="0" g="0" b="0"/>
+      </a:effectRef>
+      <a:fontRef idx="minor"/>
+    </dgm:style>
+  </dgm:styleLbl>
+  <dgm:styleLbl name="alignImgPlace1">
+    <dgm:scene3d>
+      <a:camera prst="orthographicFront"/>
+      <a:lightRig rig="threePt" dir="t"/>
+    </dgm:scene3d>
+    <dgm:sp3d/>
+    <dgm:txPr/>
+    <dgm:style>
+      <a:lnRef idx="2">
+        <a:scrgbClr r="0" g="0" b="0"/>
+      </a:lnRef>
+      <a:fillRef idx="1">
+        <a:scrgbClr r="0" g="0" b="0"/>
+      </a:fillRef>
+      <a:effectRef idx="0">
+        <a:scrgbClr r="0" g="0" b="0"/>
+      </a:effectRef>
+      <a:fontRef idx="minor"/>
+    </dgm:style>
+  </dgm:styleLbl>
+  <dgm:styleLbl name="bgImgPlace1">
+    <dgm:scene3d>
+      <a:camera prst="orthographicFront"/>
+      <a:lightRig rig="threePt" dir="t"/>
+    </dgm:scene3d>
+    <dgm:sp3d/>
+    <dgm:txPr/>
+    <dgm:style>
+      <a:lnRef idx="2">
+        <a:scrgbClr r="0" g="0" b="0"/>
+      </a:lnRef>
+      <a:fillRef idx="1">
+        <a:scrgbClr r="0" g="0" b="0"/>
+      </a:fillRef>
+      <a:effectRef idx="0">
+        <a:scrgbClr r="0" g="0" b="0"/>
+      </a:effectRef>
+      <a:fontRef idx="minor"/>
+    </dgm:style>
+  </dgm:styleLbl>
+  <dgm:styleLbl name="sibTrans2D1">
+    <dgm:scene3d>
+      <a:camera prst="orthographicFront"/>
+      <a:lightRig rig="threePt" dir="t"/>
+    </dgm:scene3d>
+    <dgm:sp3d/>
+    <dgm:txPr/>
+    <dgm:style>
+      <a:lnRef idx="0">
+        <a:scrgbClr r="0" g="0" b="0"/>
+      </a:lnRef>
+      <a:fillRef idx="1">
+        <a:scrgbClr r="0" g="0" b="0"/>
+      </a:fillRef>
+      <a:effectRef idx="0">
+        <a:scrgbClr r="0" g="0" b="0"/>
+      </a:effectRef>
+      <a:fontRef idx="minor">
+        <a:schemeClr val="lt1"/>
+      </a:fontRef>
+    </dgm:style>
+  </dgm:styleLbl>
+  <dgm:styleLbl name="fgSibTrans2D1">
+    <dgm:scene3d>
+      <a:camera prst="orthographicFront"/>
+      <a:lightRig rig="threePt" dir="t"/>
+    </dgm:scene3d>
+    <dgm:sp3d/>
+    <dgm:txPr/>
+    <dgm:style>
+      <a:lnRef idx="0">
+        <a:scrgbClr r="0" g="0" b="0"/>
+      </a:lnRef>
+      <a:fillRef idx="1">
+        <a:scrgbClr r="0" g="0" b="0"/>
+      </a:fillRef>
+      <a:effectRef idx="0">
+        <a:scrgbClr r="0" g="0" b="0"/>
+      </a:effectRef>
+      <a:fontRef idx="minor">
+        <a:schemeClr val="lt1"/>
+      </a:fontRef>
+    </dgm:style>
+  </dgm:styleLbl>
+  <dgm:styleLbl name="bgSibTrans2D1">
+    <dgm:scene3d>
+      <a:camera prst="orthographicFront"/>
+      <a:lightRig rig="threePt" dir="t"/>
+    </dgm:scene3d>
+    <dgm:sp3d/>
+    <dgm:txPr/>
+    <dgm:style>
+      <a:lnRef idx="0">
+        <a:scrgbClr r="0" g="0" b="0"/>
+      </a:lnRef>
+      <a:fillRef idx="1">
+        <a:scrgbClr r="0" g="0" b="0"/>
+      </a:fillRef>
+      <a:effectRef idx="0">
+        <a:scrgbClr r="0" g="0" b="0"/>
+      </a:effectRef>
+      <a:fontRef idx="minor">
+        <a:schemeClr val="lt1"/>
+      </a:fontRef>
+    </dgm:style>
+  </dgm:styleLbl>
+  <dgm:styleLbl name="sibTrans1D1">
+    <dgm:scene3d>
+      <a:camera prst="orthographicFront"/>
+      <a:lightRig rig="threePt" dir="t"/>
+    </dgm:scene3d>
+    <dgm:sp3d/>
+    <dgm:txPr/>
+    <dgm:style>
+      <a:lnRef idx="1">
+        <a:scrgbClr r="0" g="0" b="0"/>
+      </a:lnRef>
+      <a:fillRef idx="0">
+        <a:scrgbClr r="0" g="0" b="0"/>
+      </a:fillRef>
+      <a:effectRef idx="0">
+        <a:scrgbClr r="0" g="0" b="0"/>
+      </a:effectRef>
+      <a:fontRef idx="minor"/>
+    </dgm:style>
+  </dgm:styleLbl>
+  <dgm:styleLbl name="callout">
+    <dgm:scene3d>
+      <a:camera prst="orthographicFront"/>
+      <a:lightRig rig="threePt" dir="t"/>
+    </dgm:scene3d>
+    <dgm:sp3d/>
+    <dgm:txPr/>
+    <dgm:style>
+      <a:lnRef idx="2">
+        <a:scrgbClr r="0" g="0" b="0"/>
+      </a:lnRef>
+      <a:fillRef idx="1">
+        <a:scrgbClr r="0" g="0" b="0"/>
+      </a:fillRef>
+      <a:effectRef idx="0">
+        <a:scrgbClr r="0" g="0" b="0"/>
+      </a:effectRef>
+      <a:fontRef idx="minor"/>
+    </dgm:style>
+  </dgm:styleLbl>
+  <dgm:styleLbl name="asst0">
+    <dgm:scene3d>
+      <a:camera prst="orthographicFront"/>
+      <a:lightRig rig="threePt" dir="t"/>
+    </dgm:scene3d>
+    <dgm:sp3d/>
+    <dgm:txPr/>
+    <dgm:style>
+      <a:lnRef idx="2">
+        <a:scrgbClr r="0" g="0" b="0"/>
+      </a:lnRef>
+      <a:fillRef idx="1">
+        <a:scrgbClr r="0" g="0" b="0"/>
+      </a:fillRef>
+      <a:effectRef idx="0">
+        <a:scrgbClr r="0" g="0" b="0"/>
+      </a:effectRef>
+      <a:fontRef idx="minor">
+        <a:schemeClr val="lt1"/>
+      </a:fontRef>
+    </dgm:style>
+  </dgm:styleLbl>
+  <dgm:styleLbl name="asst1">
+    <dgm:scene3d>
+      <a:camera prst="orthographicFront"/>
+      <a:lightRig rig="threePt" dir="t"/>
+    </dgm:scene3d>
+    <dgm:sp3d/>
+    <dgm:txPr/>
+    <dgm:style>
+      <a:lnRef idx="2">
+        <a:scrgbClr r="0" g="0" b="0"/>
+      </a:lnRef>
+      <a:fillRef idx="1">
+        <a:scrgbClr r="0" g="0" b="0"/>
+      </a:fillRef>
+      <a:effectRef idx="0">
+        <a:scrgbClr r="0" g="0" b="0"/>
+      </a:effectRef>
+      <a:fontRef idx="minor">
+        <a:schemeClr val="lt1"/>
+      </a:fontRef>
+    </dgm:style>
+  </dgm:styleLbl>
+  <dgm:styleLbl name="asst2">
+    <dgm:scene3d>
+      <a:camera prst="orthographicFront"/>
+      <a:lightRig rig="threePt" dir="t"/>
+    </dgm:scene3d>
+    <dgm:sp3d/>
+    <dgm:txPr/>
+    <dgm:style>
+      <a:lnRef idx="2">
+        <a:scrgbClr r="0" g="0" b="0"/>
+      </a:lnRef>
+      <a:fillRef idx="1">
+        <a:scrgbClr r="0" g="0" b="0"/>
+      </a:fillRef>
+      <a:effectRef idx="0">
+        <a:scrgbClr r="0" g="0" b="0"/>
+      </a:effectRef>
+      <a:fontRef idx="minor">
+        <a:schemeClr val="lt1"/>
+      </a:fontRef>
+    </dgm:style>
+  </dgm:styleLbl>
+  <dgm:styleLbl name="asst3">
+    <dgm:scene3d>
+      <a:camera prst="orthographicFront"/>
+      <a:lightRig rig="threePt" dir="t"/>
+    </dgm:scene3d>
+    <dgm:sp3d/>
+    <dgm:txPr/>
+    <dgm:style>
+      <a:lnRef idx="2">
+        <a:scrgbClr r="0" g="0" b="0"/>
+      </a:lnRef>
+      <a:fillRef idx="1">
+        <a:scrgbClr r="0" g="0" b="0"/>
+      </a:fillRef>
+      <a:effectRef idx="0">
+        <a:scrgbClr r="0" g="0" b="0"/>
+      </a:effectRef>
+      <a:fontRef idx="minor">
+        <a:schemeClr val="lt1"/>
+      </a:fontRef>
+    </dgm:style>
+  </dgm:styleLbl>
+  <dgm:styleLbl name="asst4">
+    <dgm:scene3d>
+      <a:camera prst="orthographicFront"/>
+      <a:lightRig rig="threePt" dir="t"/>
+    </dgm:scene3d>
+    <dgm:sp3d/>
+    <dgm:txPr/>
+    <dgm:style>
+      <a:lnRef idx="2">
+        <a:scrgbClr r="0" g="0" b="0"/>
+      </a:lnRef>
+      <a:fillRef idx="1">
+        <a:scrgbClr r="0" g="0" b="0"/>
+      </a:fillRef>
+      <a:effectRef idx="0">
+        <a:scrgbClr r="0" g="0" b="0"/>
+      </a:effectRef>
+      <a:fontRef idx="minor">
+        <a:schemeClr val="lt1"/>
+      </a:fontRef>
+    </dgm:style>
+  </dgm:styleLbl>
+  <dgm:styleLbl name="parChTrans2D1">
+    <dgm:scene3d>
+      <a:camera prst="orthographicFront"/>
+      <a:lightRig rig="threePt" dir="t"/>
+    </dgm:scene3d>
+    <dgm:sp3d/>
+    <dgm:txPr/>
+    <dgm:style>
+      <a:lnRef idx="2">
+        <a:scrgbClr r="0" g="0" b="0"/>
+      </a:lnRef>
+      <a:fillRef idx="1">
+        <a:scrgbClr r="0" g="0" b="0"/>
+      </a:fillRef>
+      <a:effectRef idx="0">
+        <a:scrgbClr r="0" g="0" b="0"/>
+      </a:effectRef>
+      <a:fontRef idx="minor">
+        <a:schemeClr val="lt1"/>
+      </a:fontRef>
+    </dgm:style>
+  </dgm:styleLbl>
+  <dgm:styleLbl name="parChTrans2D2">
+    <dgm:scene3d>
+      <a:camera prst="orthographicFront"/>
+      <a:lightRig rig="threePt" dir="t"/>
+    </dgm:scene3d>
+    <dgm:sp3d/>
+    <dgm:txPr/>
+    <dgm:style>
+      <a:lnRef idx="2">
+        <a:scrgbClr r="0" g="0" b="0"/>
+      </a:lnRef>
+      <a:fillRef idx="1">
+        <a:scrgbClr r="0" g="0" b="0"/>
+      </a:fillRef>
+      <a:effectRef idx="0">
+        <a:scrgbClr r="0" g="0" b="0"/>
+      </a:effectRef>
+      <a:fontRef idx="minor">
+        <a:schemeClr val="lt1"/>
+      </a:fontRef>
+    </dgm:style>
+  </dgm:styleLbl>
+  <dgm:styleLbl name="parChTrans2D3">
+    <dgm:scene3d>
+      <a:camera prst="orthographicFront"/>
+      <a:lightRig rig="threePt" dir="t"/>
+    </dgm:scene3d>
+    <dgm:sp3d/>
+    <dgm:txPr/>
+    <dgm:style>
+      <a:lnRef idx="2">
+        <a:scrgbClr r="0" g="0" b="0"/>
+      </a:lnRef>
+      <a:fillRef idx="1">
+        <a:scrgbClr r="0" g="0" b="0"/>
+      </a:fillRef>
+      <a:effectRef idx="0">
+        <a:scrgbClr r="0" g="0" b="0"/>
+      </a:effectRef>
+      <a:fontRef idx="minor">
+        <a:schemeClr val="lt1"/>
+      </a:fontRef>
+    </dgm:style>
+  </dgm:styleLbl>
+  <dgm:styleLbl name="parChTrans2D4">
+    <dgm:scene3d>
+      <a:camera prst="orthographicFront"/>
+      <a:lightRig rig="threePt" dir="t"/>
+    </dgm:scene3d>
+    <dgm:sp3d/>
+    <dgm:txPr/>
+    <dgm:style>
+      <a:lnRef idx="2">
+        <a:scrgbClr r="0" g="0" b="0"/>
+      </a:lnRef>
+      <a:fillRef idx="1">
+        <a:scrgbClr r="0" g="0" b="0"/>
+      </a:fillRef>
+      <a:effectRef idx="0">
+        <a:scrgbClr r="0" g="0" b="0"/>
+      </a:effectRef>
+      <a:fontRef idx="minor">
+        <a:schemeClr val="lt1"/>
+      </a:fontRef>
+    </dgm:style>
+  </dgm:styleLbl>
+  <dgm:styleLbl name="parChTrans1D1">
+    <dgm:scene3d>
+      <a:camera prst="orthographicFront"/>
+      <a:lightRig rig="threePt" dir="t"/>
+    </dgm:scene3d>
+    <dgm:sp3d/>
+    <dgm:txPr/>
+    <dgm:style>
+      <a:lnRef idx="2">
+        <a:scrgbClr r="0" g="0" b="0"/>
+      </a:lnRef>
+      <a:fillRef idx="0">
+        <a:scrgbClr r="0" g="0" b="0"/>
+      </a:fillRef>
+      <a:effectRef idx="0">
+        <a:scrgbClr r="0" g="0" b="0"/>
+      </a:effectRef>
+      <a:fontRef idx="minor"/>
+    </dgm:style>
+  </dgm:styleLbl>
+  <dgm:styleLbl name="parChTrans1D2">
+    <dgm:scene3d>
+      <a:camera prst="orthographicFront"/>
+      <a:lightRig rig="threePt" dir="t"/>
+    </dgm:scene3d>
+    <dgm:sp3d/>
+    <dgm:txPr/>
+    <dgm:style>
+      <a:lnRef idx="2">
+        <a:scrgbClr r="0" g="0" b="0"/>
+      </a:lnRef>
+      <a:fillRef idx="0">
+        <a:scrgbClr r="0" g="0" b="0"/>
+      </a:fillRef>
+      <a:effectRef idx="0">
+        <a:scrgbClr r="0" g="0" b="0"/>
+      </a:effectRef>
+      <a:fontRef idx="minor"/>
+    </dgm:style>
+  </dgm:styleLbl>
+  <dgm:styleLbl name="parChTrans1D3">
+    <dgm:scene3d>
+      <a:camera prst="orthographicFront"/>
+      <a:lightRig rig="threePt" dir="t"/>
+    </dgm:scene3d>
+    <dgm:sp3d/>
+    <dgm:txPr/>
+    <dgm:style>
+      <a:lnRef idx="2">
+        <a:scrgbClr r="0" g="0" b="0"/>
+      </a:lnRef>
+      <a:fillRef idx="0">
+        <a:scrgbClr r="0" g="0" b="0"/>
+      </a:fillRef>
+      <a:effectRef idx="0">
+        <a:scrgbClr r="0" g="0" b="0"/>
+      </a:effectRef>
+      <a:fontRef idx="minor"/>
+    </dgm:style>
+  </dgm:styleLbl>
+  <dgm:styleLbl name="parChTrans1D4">
+    <dgm:scene3d>
+      <a:camera prst="orthographicFront"/>
+      <a:lightRig rig="threePt" dir="t"/>
+    </dgm:scene3d>
+    <dgm:sp3d/>
+    <dgm:txPr/>
+    <dgm:style>
+      <a:lnRef idx="2">
+        <a:scrgbClr r="0" g="0" b="0"/>
+      </a:lnRef>
+      <a:fillRef idx="0">
+        <a:scrgbClr r="0" g="0" b="0"/>
+      </a:fillRef>
+      <a:effectRef idx="0">
+        <a:scrgbClr r="0" g="0" b="0"/>
+      </a:effectRef>
+      <a:fontRef idx="minor"/>
+    </dgm:style>
+  </dgm:styleLbl>
+  <dgm:styleLbl name="fgAcc1">
+    <dgm:scene3d>
+      <a:camera prst="orthographicFront"/>
+      <a:lightRig rig="threePt" dir="t"/>
+    </dgm:scene3d>
+    <dgm:sp3d/>
+    <dgm:txPr/>
+    <dgm:style>
+      <a:lnRef idx="2">
+        <a:scrgbClr r="0" g="0" b="0"/>
+      </a:lnRef>
+      <a:fillRef idx="1">
+        <a:scrgbClr r="0" g="0" b="0"/>
+      </a:fillRef>
+      <a:effectRef idx="0">
+        <a:scrgbClr r="0" g="0" b="0"/>
+      </a:effectRef>
+      <a:fontRef idx="minor"/>
+    </dgm:style>
+  </dgm:styleLbl>
+  <dgm:styleLbl name="conFgAcc1">
+    <dgm:scene3d>
+      <a:camera prst="orthographicFront"/>
+      <a:lightRig rig="threePt" dir="t"/>
+    </dgm:scene3d>
+    <dgm:sp3d/>
+    <dgm:txPr/>
+    <dgm:style>
+      <a:lnRef idx="2">
+        <a:scrgbClr r="0" g="0" b="0"/>
+      </a:lnRef>
+      <a:fillRef idx="1">
+        <a:scrgbClr r="0" g="0" b="0"/>
+      </a:fillRef>
+      <a:effectRef idx="0">
+        <a:scrgbClr r="0" g="0" b="0"/>
+      </a:effectRef>
+      <a:fontRef idx="minor"/>
+    </dgm:style>
+  </dgm:styleLbl>
+  <dgm:styleLbl name="alignAcc1">
+    <dgm:scene3d>
+      <a:camera prst="orthographicFront"/>
+      <a:lightRig rig="threePt" dir="t"/>
+    </dgm:scene3d>
+    <dgm:sp3d/>
+    <dgm:txPr/>
+    <dgm:style>
+      <a:lnRef idx="2">
+        <a:scrgbClr r="0" g="0" b="0"/>
+      </a:lnRef>
+      <a:fillRef idx="1">
+        <a:scrgbClr r="0" g="0" b="0"/>
+      </a:fillRef>
+      <a:effectRef idx="0">
+        <a:scrgbClr r="0" g="0" b="0"/>
+      </a:effectRef>
+      <a:fontRef idx="minor"/>
+    </dgm:style>
+  </dgm:styleLbl>
+  <dgm:styleLbl name="trAlignAcc1">
+    <dgm:scene3d>
+      <a:camera prst="orthographicFront"/>
+      <a:lightRig rig="threePt" dir="t"/>
+    </dgm:scene3d>
+    <dgm:sp3d/>
+    <dgm:txPr/>
+    <dgm:style>
+      <a:lnRef idx="1">
+        <a:scrgbClr r="0" g="0" b="0"/>
+      </a:lnRef>
+      <a:fillRef idx="1">
+        <a:scrgbClr r="0" g="0" b="0"/>
+      </a:fillRef>
+      <a:effectRef idx="0">
+        <a:scrgbClr r="0" g="0" b="0"/>
+      </a:effectRef>
+      <a:fontRef idx="minor"/>
+    </dgm:style>
+  </dgm:styleLbl>
+  <dgm:styleLbl name="bgAcc1">
+    <dgm:scene3d>
+      <a:camera prst="orthographicFront"/>
+      <a:lightRig rig="threePt" dir="t"/>
+    </dgm:scene3d>
+    <dgm:sp3d/>
+    <dgm:txPr/>
+    <dgm:style>
+      <a:lnRef idx="2">
+        <a:scrgbClr r="0" g="0" b="0"/>
+      </a:lnRef>
+      <a:fillRef idx="1">
+        <a:scrgbClr r="0" g="0" b="0"/>
+      </a:fillRef>
+      <a:effectRef idx="0">
+        <a:scrgbClr r="0" g="0" b="0"/>
+      </a:effectRef>
+      <a:fontRef idx="minor"/>
+    </dgm:style>
+  </dgm:styleLbl>
+  <dgm:styleLbl name="solidFgAcc1">
+    <dgm:scene3d>
+      <a:camera prst="orthographicFront"/>
+      <a:lightRig rig="threePt" dir="t"/>
+    </dgm:scene3d>
+    <dgm:sp3d/>
+    <dgm:txPr/>
+    <dgm:style>
+      <a:lnRef idx="2">
+        <a:scrgbClr r="0" g="0" b="0"/>
+      </a:lnRef>
+      <a:fillRef idx="1">
+        <a:scrgbClr r="0" g="0" b="0"/>
+      </a:fillRef>
+      <a:effectRef idx="0">
+        <a:scrgbClr r="0" g="0" b="0"/>
+      </a:effectRef>
+      <a:fontRef idx="minor"/>
+    </dgm:style>
+  </dgm:styleLbl>
+  <dgm:styleLbl name="solidAlignAcc1">
+    <dgm:scene3d>
+      <a:camera prst="orthographicFront"/>
+      <a:lightRig rig="threePt" dir="t"/>
+    </dgm:scene3d>
+    <dgm:sp3d/>
+    <dgm:txPr/>
+    <dgm:style>
+      <a:lnRef idx="2">
+        <a:scrgbClr r="0" g="0" b="0"/>
+      </a:lnRef>
+      <a:fillRef idx="1">
+        <a:scrgbClr r="0" g="0" b="0"/>
+      </a:fillRef>
+      <a:effectRef idx="0">
+        <a:scrgbClr r="0" g="0" b="0"/>
+      </a:effectRef>
+      <a:fontRef idx="minor"/>
+    </dgm:style>
+  </dgm:styleLbl>
+  <dgm:styleLbl name="solidBgAcc1">
+    <dgm:scene3d>
+      <a:camera prst="orthographicFront"/>
+      <a:lightRig rig="threePt" dir="t"/>
+    </dgm:scene3d>
+    <dgm:sp3d/>
+    <dgm:txPr/>
+    <dgm:style>
+      <a:lnRef idx="2">
+        <a:scrgbClr r="0" g="0" b="0"/>
+      </a:lnRef>
+      <a:fillRef idx="1">
+        <a:scrgbClr r="0" g="0" b="0"/>
+      </a:fillRef>
+      <a:effectRef idx="0">
+        <a:scrgbClr r="0" g="0" b="0"/>
+      </a:effectRef>
+      <a:fontRef idx="minor"/>
+    </dgm:style>
+  </dgm:styleLbl>
+  <dgm:styleLbl name="fgAccFollowNode1">
+    <dgm:scene3d>
+      <a:camera prst="orthographicFront"/>
+      <a:lightRig rig="threePt" dir="t"/>
+    </dgm:scene3d>
+    <dgm:sp3d/>
+    <dgm:txPr/>
+    <dgm:style>
+      <a:lnRef idx="2">
+        <a:scrgbClr r="0" g="0" b="0"/>
+      </a:lnRef>
+      <a:fillRef idx="1">
+        <a:scrgbClr r="0" g="0" b="0"/>
+      </a:fillRef>
+      <a:effectRef idx="0">
+        <a:scrgbClr r="0" g="0" b="0"/>
+      </a:effectRef>
+      <a:fontRef idx="minor"/>
+    </dgm:style>
+  </dgm:styleLbl>
+  <dgm:styleLbl name="alignAccFollowNode1">
+    <dgm:scene3d>
+      <a:camera prst="orthographicFront"/>
+      <a:lightRig rig="threePt" dir="t"/>
+    </dgm:scene3d>
+    <dgm:sp3d/>
+    <dgm:txPr/>
+    <dgm:style>
+      <a:lnRef idx="2">
+        <a:scrgbClr r="0" g="0" b="0"/>
+      </a:lnRef>
+      <a:fillRef idx="1">
+        <a:scrgbClr r="0" g="0" b="0"/>
+      </a:fillRef>
+      <a:effectRef idx="0">
+        <a:scrgbClr r="0" g="0" b="0"/>
+      </a:effectRef>
+      <a:fontRef idx="minor"/>
+    </dgm:style>
+  </dgm:styleLbl>
+  <dgm:styleLbl name="bgAccFollowNode1">
+    <dgm:scene3d>
+      <a:camera prst="orthographicFront"/>
+      <a:lightRig rig="threePt" dir="t"/>
+    </dgm:scene3d>
+    <dgm:sp3d/>
+    <dgm:txPr/>
+    <dgm:style>
+      <a:lnRef idx="2">
+        <a:scrgbClr r="0" g="0" b="0"/>
+      </a:lnRef>
+      <a:fillRef idx="1">
+        <a:scrgbClr r="0" g="0" b="0"/>
+      </a:fillRef>
+      <a:effectRef idx="0">
+        <a:scrgbClr r="0" g="0" b="0"/>
+      </a:effectRef>
+      <a:fontRef idx="minor"/>
+    </dgm:style>
+  </dgm:styleLbl>
+  <dgm:styleLbl name="fgAcc0">
+    <dgm:scene3d>
+      <a:camera prst="orthographicFront"/>
+      <a:lightRig rig="threePt" dir="t"/>
+    </dgm:scene3d>
+    <dgm:sp3d/>
+    <dgm:txPr/>
+    <dgm:style>
+      <a:lnRef idx="2">
+        <a:scrgbClr r="0" g="0" b="0"/>
+      </a:lnRef>
+      <a:fillRef idx="1">
+        <a:scrgbClr r="0" g="0" b="0"/>
+      </a:fillRef>
+      <a:effectRef idx="0">
+        <a:scrgbClr r="0" g="0" b="0"/>
+      </a:effectRef>
+      <a:fontRef idx="minor"/>
+    </dgm:style>
+  </dgm:styleLbl>
+  <dgm:styleLbl name="fgAcc2">
+    <dgm:scene3d>
+      <a:camera prst="orthographicFront"/>
+      <a:lightRig rig="threePt" dir="t"/>
+    </dgm:scene3d>
+    <dgm:sp3d/>
+    <dgm:txPr/>
+    <dgm:style>
+      <a:lnRef idx="2">
+        <a:scrgbClr r="0" g="0" b="0"/>
+      </a:lnRef>
+      <a:fillRef idx="1">
+        <a:scrgbClr r="0" g="0" b="0"/>
+      </a:fillRef>
+      <a:effectRef idx="0">
+        <a:scrgbClr r="0" g="0" b="0"/>
+      </a:effectRef>
+      <a:fontRef idx="minor"/>
+    </dgm:style>
+  </dgm:styleLbl>
+  <dgm:styleLbl name="fgAcc3">
+    <dgm:scene3d>
+      <a:camera prst="orthographicFront"/>
+      <a:lightRig rig="threePt" dir="t"/>
+    </dgm:scene3d>
+    <dgm:sp3d/>
+    <dgm:txPr/>
+    <dgm:style>
+      <a:lnRef idx="2">
+        <a:scrgbClr r="0" g="0" b="0"/>
+      </a:lnRef>
+      <a:fillRef idx="1">
+        <a:scrgbClr r="0" g="0" b="0"/>
+      </a:fillRef>
+      <a:effectRef idx="0">
+        <a:scrgbClr r="0" g="0" b="0"/>
+      </a:effectRef>
+      <a:fontRef idx="minor"/>
+    </dgm:style>
+  </dgm:styleLbl>
+  <dgm:styleLbl name="fgAcc4">
+    <dgm:scene3d>
+      <a:camera prst="orthographicFront"/>
+      <a:lightRig rig="threePt" dir="t"/>
+    </dgm:scene3d>
+    <dgm:sp3d/>
+    <dgm:txPr/>
+    <dgm:style>
+      <a:lnRef idx="2">
+        <a:scrgbClr r="0" g="0" b="0"/>
+      </a:lnRef>
+      <a:fillRef idx="1">
+        <a:scrgbClr r="0" g="0" b="0"/>
+      </a:fillRef>
+      <a:effectRef idx="0">
+        <a:scrgbClr r="0" g="0" b="0"/>
+      </a:effectRef>
+      <a:fontRef idx="minor"/>
+    </dgm:style>
+  </dgm:styleLbl>
+  <dgm:styleLbl name="bgShp">
+    <dgm:scene3d>
+      <a:camera prst="orthographicFront"/>
+      <a:lightRig rig="threePt" dir="t"/>
+    </dgm:scene3d>
+    <dgm:sp3d/>
+    <dgm:txPr/>
+    <dgm:style>
+      <a:lnRef idx="0">
+        <a:scrgbClr r="0" g="0" b="0"/>
+      </a:lnRef>
+      <a:fillRef idx="1">
+        <a:scrgbClr r="0" g="0" b="0"/>
+      </a:fillRef>
+      <a:effectRef idx="0">
+        <a:scrgbClr r="0" g="0" b="0"/>
+      </a:effectRef>
+      <a:fontRef idx="minor"/>
+    </dgm:style>
+  </dgm:styleLbl>
+  <dgm:styleLbl name="dkBgShp">
+    <dgm:scene3d>
+      <a:camera prst="orthographicFront"/>
+      <a:lightRig rig="threePt" dir="t"/>
+    </dgm:scene3d>
+    <dgm:sp3d/>
+    <dgm:txPr/>
+    <dgm:style>
+      <a:lnRef idx="0">
+        <a:scrgbClr r="0" g="0" b="0"/>
+      </a:lnRef>
+      <a:fillRef idx="1">
+        <a:scrgbClr r="0" g="0" b="0"/>
+      </a:fillRef>
+      <a:effectRef idx="0">
+        <a:scrgbClr r="0" g="0" b="0"/>
+      </a:effectRef>
+      <a:fontRef idx="minor"/>
+    </dgm:style>
+  </dgm:styleLbl>
+  <dgm:styleLbl name="trBgShp">
+    <dgm:scene3d>
+      <a:camera prst="orthographicFront"/>
+      <a:lightRig rig="threePt" dir="t"/>
+    </dgm:scene3d>
+    <dgm:sp3d/>
+    <dgm:txPr/>
+    <dgm:style>
+      <a:lnRef idx="0">
+        <a:scrgbClr r="0" g="0" b="0"/>
+      </a:lnRef>
+      <a:fillRef idx="1">
+        <a:scrgbClr r="0" g="0" b="0"/>
+      </a:fillRef>
+      <a:effectRef idx="0">
+        <a:scrgbClr r="0" g="0" b="0"/>
+      </a:effectRef>
+      <a:fontRef idx="minor"/>
+    </dgm:style>
+  </dgm:styleLbl>
+  <dgm:styleLbl name="fgShp">
+    <dgm:scene3d>
+      <a:camera prst="orthographicFront"/>
+      <a:lightRig rig="threePt" dir="t"/>
+    </dgm:scene3d>
+    <dgm:sp3d/>
+    <dgm:txPr/>
+    <dgm:style>
+      <a:lnRef idx="2">
+        <a:scrgbClr r="0" g="0" b="0"/>
+      </a:lnRef>
+      <a:fillRef idx="1">
+        <a:scrgbClr r="0" g="0" b="0"/>
+      </a:fillRef>
+      <a:effectRef idx="0">
+        <a:scrgbClr r="0" g="0" b="0"/>
+      </a:effectRef>
+      <a:fontRef idx="minor"/>
+    </dgm:style>
+  </dgm:styleLbl>
+  <dgm:styleLbl name="revTx">
+    <dgm:scene3d>
+      <a:camera prst="orthographicFront"/>
+      <a:lightRig rig="threePt" dir="t"/>
+    </dgm:scene3d>
+    <dgm:sp3d/>
+    <dgm:txPr/>
+    <dgm:style>
+      <a:lnRef idx="0">
+        <a:scrgbClr r="0" g="0" b="0"/>
+      </a:lnRef>
+      <a:fillRef idx="0">
+        <a:scrgbClr r="0" g="0" b="0"/>
+      </a:fillRef>
+      <a:effectRef idx="0">
+        <a:scrgbClr r="0" g="0" b="0"/>
+      </a:effectRef>
+      <a:fontRef idx="minor"/>
+    </dgm:style>
+  </dgm:styleLbl>
+</dgm:styleDef>
 </file>
 
 <file path=ppt/slideLayouts/slideLayout1.xml><?xml version="1.0" encoding="utf-8"?>
@@ -249,7 +3450,7 @@
           <a:p>
             <a:fld id="{9814B459-F0A5-492D-8C86-5EB481244A49}" type="datetimeFigureOut">
               <a:rPr kumimoji="1" lang="ja-JP" altLang="en-US" smtClean="0"/>
-              <a:t>2015/7/9</a:t>
+              <a:t>2015/7/16</a:t>
             </a:fld>
             <a:endParaRPr kumimoji="1" lang="ja-JP" altLang="en-US"/>
           </a:p>
@@ -451,7 +3652,7 @@
           <a:p>
             <a:fld id="{9814B459-F0A5-492D-8C86-5EB481244A49}" type="datetimeFigureOut">
               <a:rPr kumimoji="1" lang="ja-JP" altLang="en-US" smtClean="0"/>
-              <a:t>2015/7/9</a:t>
+              <a:t>2015/7/16</a:t>
             </a:fld>
             <a:endParaRPr kumimoji="1" lang="ja-JP" altLang="en-US"/>
           </a:p>
@@ -663,7 +3864,7 @@
           <a:p>
             <a:fld id="{9814B459-F0A5-492D-8C86-5EB481244A49}" type="datetimeFigureOut">
               <a:rPr kumimoji="1" lang="ja-JP" altLang="en-US" smtClean="0"/>
-              <a:t>2015/7/9</a:t>
+              <a:t>2015/7/16</a:t>
             </a:fld>
             <a:endParaRPr kumimoji="1" lang="ja-JP" altLang="en-US"/>
           </a:p>
@@ -865,7 +4066,7 @@
           <a:p>
             <a:fld id="{9814B459-F0A5-492D-8C86-5EB481244A49}" type="datetimeFigureOut">
               <a:rPr kumimoji="1" lang="ja-JP" altLang="en-US" smtClean="0"/>
-              <a:t>2015/7/9</a:t>
+              <a:t>2015/7/16</a:t>
             </a:fld>
             <a:endParaRPr kumimoji="1" lang="ja-JP" altLang="en-US"/>
           </a:p>
@@ -1111,7 +4312,7 @@
           <a:p>
             <a:fld id="{9814B459-F0A5-492D-8C86-5EB481244A49}" type="datetimeFigureOut">
               <a:rPr kumimoji="1" lang="ja-JP" altLang="en-US" smtClean="0"/>
-              <a:t>2015/7/9</a:t>
+              <a:t>2015/7/16</a:t>
             </a:fld>
             <a:endParaRPr kumimoji="1" lang="ja-JP" altLang="en-US"/>
           </a:p>
@@ -1407,7 +4608,7 @@
           <a:p>
             <a:fld id="{9814B459-F0A5-492D-8C86-5EB481244A49}" type="datetimeFigureOut">
               <a:rPr kumimoji="1" lang="ja-JP" altLang="en-US" smtClean="0"/>
-              <a:t>2015/7/9</a:t>
+              <a:t>2015/7/16</a:t>
             </a:fld>
             <a:endParaRPr kumimoji="1" lang="ja-JP" altLang="en-US"/>
           </a:p>
@@ -1838,7 +5039,7 @@
           <a:p>
             <a:fld id="{9814B459-F0A5-492D-8C86-5EB481244A49}" type="datetimeFigureOut">
               <a:rPr kumimoji="1" lang="ja-JP" altLang="en-US" smtClean="0"/>
-              <a:t>2015/7/9</a:t>
+              <a:t>2015/7/16</a:t>
             </a:fld>
             <a:endParaRPr kumimoji="1" lang="ja-JP" altLang="en-US"/>
           </a:p>
@@ -1956,7 +5157,7 @@
           <a:p>
             <a:fld id="{9814B459-F0A5-492D-8C86-5EB481244A49}" type="datetimeFigureOut">
               <a:rPr kumimoji="1" lang="ja-JP" altLang="en-US" smtClean="0"/>
-              <a:t>2015/7/9</a:t>
+              <a:t>2015/7/16</a:t>
             </a:fld>
             <a:endParaRPr kumimoji="1" lang="ja-JP" altLang="en-US"/>
           </a:p>
@@ -2051,7 +5252,7 @@
           <a:p>
             <a:fld id="{9814B459-F0A5-492D-8C86-5EB481244A49}" type="datetimeFigureOut">
               <a:rPr kumimoji="1" lang="ja-JP" altLang="en-US" smtClean="0"/>
-              <a:t>2015/7/9</a:t>
+              <a:t>2015/7/16</a:t>
             </a:fld>
             <a:endParaRPr kumimoji="1" lang="ja-JP" altLang="en-US"/>
           </a:p>
@@ -2360,7 +5561,7 @@
           <a:p>
             <a:fld id="{9814B459-F0A5-492D-8C86-5EB481244A49}" type="datetimeFigureOut">
               <a:rPr kumimoji="1" lang="ja-JP" altLang="en-US" smtClean="0"/>
-              <a:t>2015/7/9</a:t>
+              <a:t>2015/7/16</a:t>
             </a:fld>
             <a:endParaRPr kumimoji="1" lang="ja-JP" altLang="en-US"/>
           </a:p>
@@ -2613,7 +5814,7 @@
           <a:p>
             <a:fld id="{9814B459-F0A5-492D-8C86-5EB481244A49}" type="datetimeFigureOut">
               <a:rPr kumimoji="1" lang="ja-JP" altLang="en-US" smtClean="0"/>
-              <a:t>2015/7/9</a:t>
+              <a:t>2015/7/16</a:t>
             </a:fld>
             <a:endParaRPr kumimoji="1" lang="ja-JP" altLang="en-US"/>
           </a:p>
@@ -2858,7 +6059,7 @@
           <a:p>
             <a:fld id="{9814B459-F0A5-492D-8C86-5EB481244A49}" type="datetimeFigureOut">
               <a:rPr kumimoji="1" lang="ja-JP" altLang="en-US" smtClean="0"/>
-              <a:t>2015/7/9</a:t>
+              <a:t>2015/7/16</a:t>
             </a:fld>
             <a:endParaRPr kumimoji="1" lang="ja-JP" altLang="en-US"/>
           </a:p>
@@ -3340,6 +6541,13 @@
   <p:clrMapOvr>
     <a:masterClrMapping/>
   </p:clrMapOvr>
+  <p:timing>
+    <p:tnLst>
+      <p:par>
+        <p:cTn id="1" dur="indefinite" restart="never" nodeType="tmRoot"/>
+      </p:par>
+    </p:tnLst>
+  </p:timing>
 </p:sld>
 </file>
 
@@ -3617,6 +6825,13 @@
   <p:clrMapOvr>
     <a:masterClrMapping/>
   </p:clrMapOvr>
+  <p:timing>
+    <p:tnLst>
+      <p:par>
+        <p:cTn id="1" dur="indefinite" restart="never" nodeType="tmRoot"/>
+      </p:par>
+    </p:tnLst>
+  </p:timing>
 </p:sld>
 </file>
 
@@ -3793,6 +7008,13 @@
   <p:clrMapOvr>
     <a:masterClrMapping/>
   </p:clrMapOvr>
+  <p:timing>
+    <p:tnLst>
+      <p:par>
+        <p:cTn id="1" dur="indefinite" restart="never" nodeType="tmRoot"/>
+      </p:par>
+    </p:tnLst>
+  </p:timing>
 </p:sld>
 </file>
 
@@ -3885,6 +7107,13 @@
   <p:clrMapOvr>
     <a:masterClrMapping/>
   </p:clrMapOvr>
+  <p:timing>
+    <p:tnLst>
+      <p:par>
+        <p:cTn id="1" dur="indefinite" restart="never" nodeType="tmRoot"/>
+      </p:par>
+    </p:tnLst>
+  </p:timing>
 </p:sld>
 </file>
 
@@ -4516,7 +7745,96 @@
           <a:bodyPr/>
           <a:lstStyle/>
           <a:p>
-            <a:endParaRPr kumimoji="1" lang="ja-JP" altLang="en-US"/>
+            <a:pPr marL="0" indent="0">
+              <a:buNone/>
+            </a:pPr>
+            <a:r>
+              <a:rPr lang="ja-JP" altLang="en-US" dirty="0" smtClean="0"/>
+              <a:t>●視覚で「愛嬌・伝えたい情報」などが一目でわかる。</a:t>
+            </a:r>
+            <a:endParaRPr lang="en-US" altLang="ja-JP" dirty="0" smtClean="0"/>
+          </a:p>
+          <a:p>
+            <a:pPr marL="0" indent="0">
+              <a:buNone/>
+            </a:pPr>
+            <a:r>
+              <a:rPr lang="ja-JP" altLang="en-US" dirty="0" smtClean="0"/>
+              <a:t>●</a:t>
+            </a:r>
+            <a:r>
+              <a:rPr kumimoji="1" lang="ja-JP" altLang="en-US" dirty="0" smtClean="0"/>
+              <a:t>個性的</a:t>
+            </a:r>
+            <a:endParaRPr kumimoji="1" lang="en-US" altLang="ja-JP" dirty="0" smtClean="0"/>
+          </a:p>
+          <a:p>
+            <a:pPr marL="0" indent="0">
+              <a:buNone/>
+            </a:pPr>
+            <a:r>
+              <a:rPr kumimoji="1" lang="en-US" altLang="ja-JP" dirty="0" smtClean="0"/>
+              <a:t>	</a:t>
+            </a:r>
+            <a:r>
+              <a:rPr lang="ja-JP" altLang="en-US" dirty="0"/>
+              <a:t>→</a:t>
+            </a:r>
+            <a:r>
+              <a:rPr lang="ja-JP" altLang="en-US" dirty="0" smtClean="0"/>
+              <a:t>しゃべる</a:t>
+            </a:r>
+            <a:endParaRPr lang="en-US" altLang="ja-JP" dirty="0" smtClean="0"/>
+          </a:p>
+          <a:p>
+            <a:pPr marL="0" indent="0">
+              <a:buNone/>
+            </a:pPr>
+            <a:r>
+              <a:rPr kumimoji="1" lang="en-US" altLang="ja-JP" dirty="0"/>
+              <a:t>	</a:t>
+            </a:r>
+            <a:r>
+              <a:rPr lang="ja-JP" altLang="en-US" dirty="0"/>
+              <a:t>→</a:t>
+            </a:r>
+            <a:r>
+              <a:rPr kumimoji="1" lang="ja-JP" altLang="en-US" dirty="0" smtClean="0"/>
+              <a:t>心に響く設定がある</a:t>
+            </a:r>
+            <a:endParaRPr kumimoji="1" lang="en-US" altLang="ja-JP" dirty="0" smtClean="0"/>
+          </a:p>
+          <a:p>
+            <a:pPr marL="0" indent="0">
+              <a:buNone/>
+            </a:pPr>
+            <a:r>
+              <a:rPr lang="en-US" altLang="ja-JP" dirty="0"/>
+              <a:t>	</a:t>
+            </a:r>
+            <a:r>
+              <a:rPr lang="ja-JP" altLang="en-US" dirty="0"/>
+              <a:t>→</a:t>
+            </a:r>
+            <a:r>
+              <a:rPr lang="ja-JP" altLang="en-US" dirty="0" smtClean="0"/>
+              <a:t>おもしろいアクション</a:t>
+            </a:r>
+            <a:endParaRPr lang="en-US" altLang="ja-JP" dirty="0" smtClean="0"/>
+          </a:p>
+          <a:p>
+            <a:pPr marL="0" indent="0">
+              <a:buNone/>
+            </a:pPr>
+            <a:r>
+              <a:rPr lang="ja-JP" altLang="en-US" dirty="0"/>
+              <a:t>●</a:t>
+            </a:r>
+            <a:r>
+              <a:rPr kumimoji="1" lang="ja-JP" altLang="en-US" dirty="0" smtClean="0"/>
+              <a:t>作った人たちの努力・アピールがある。</a:t>
+            </a:r>
+            <a:endParaRPr kumimoji="1" lang="en-US" altLang="ja-JP" dirty="0" smtClean="0"/>
           </a:p>
         </p:txBody>
       </p:sp>
@@ -4562,6 +7880,36 @@
           </a:p>
         </p:txBody>
       </p:sp>
+      <p:pic>
+        <p:nvPicPr>
+          <p:cNvPr id="5" name="図 4"/>
+          <p:cNvPicPr>
+            <a:picLocks noChangeAspect="1"/>
+          </p:cNvPicPr>
+          <p:nvPr/>
+        </p:nvPicPr>
+        <p:blipFill>
+          <a:blip r:embed="rId3">
+            <a:extLst>
+              <a:ext uri="{28A0092B-C50C-407E-A947-70E740481C1C}">
+                <a14:useLocalDpi xmlns:a14="http://schemas.microsoft.com/office/drawing/2010/main" val="0"/>
+              </a:ext>
+            </a:extLst>
+          </a:blip>
+          <a:stretch>
+            <a:fillRect/>
+          </a:stretch>
+        </p:blipFill>
+        <p:spPr>
+          <a:xfrm>
+            <a:off x="8560863" y="2634600"/>
+            <a:ext cx="2734373" cy="2261765"/>
+          </a:xfrm>
+          <a:prstGeom prst="rect">
+            <a:avLst/>
+          </a:prstGeom>
+        </p:spPr>
+      </p:pic>
     </p:spTree>
     <p:extLst>
       <p:ext uri="{BB962C8B-B14F-4D97-AF65-F5344CB8AC3E}">
@@ -4606,10 +7954,15 @@
             <a:spLocks noGrp="1"/>
           </p:cNvSpPr>
           <p:nvPr>
-            <p:ph type="title"/>
+            <p:ph type="title" idx="4294967295"/>
           </p:nvPr>
         </p:nvSpPr>
-        <p:spPr/>
+        <p:spPr>
+          <a:xfrm>
+            <a:off x="0" y="365125"/>
+            <a:ext cx="10515600" cy="1325563"/>
+          </a:xfrm>
+        </p:spPr>
         <p:txBody>
           <a:bodyPr/>
           <a:lstStyle/>
@@ -4623,25 +7976,6 @@
               <a:t>マスコットキャラクターを使った宣伝の仕方</a:t>
             </a:r>
             <a:endParaRPr kumimoji="1" lang="ja-JP" altLang="en-US" dirty="0"/>
-          </a:p>
-        </p:txBody>
-      </p:sp>
-      <p:sp>
-        <p:nvSpPr>
-          <p:cNvPr id="3" name="コンテンツ プレースホルダー 2"/>
-          <p:cNvSpPr>
-            <a:spLocks noGrp="1"/>
-          </p:cNvSpPr>
-          <p:nvPr>
-            <p:ph idx="1"/>
-          </p:nvPr>
-        </p:nvSpPr>
-        <p:spPr/>
-        <p:txBody>
-          <a:bodyPr/>
-          <a:lstStyle/>
-          <a:p>
-            <a:endParaRPr kumimoji="1" lang="ja-JP" altLang="en-US"/>
           </a:p>
         </p:txBody>
       </p:sp>
@@ -4684,6 +8018,158 @@
           <a:p>
             <a:pPr algn="ctr"/>
             <a:endParaRPr kumimoji="1" lang="ja-JP" altLang="en-US"/>
+          </a:p>
+        </p:txBody>
+      </p:sp>
+      <p:graphicFrame>
+        <p:nvGraphicFramePr>
+          <p:cNvPr id="67" name="図表 66"/>
+          <p:cNvGraphicFramePr/>
+          <p:nvPr>
+            <p:extLst>
+              <p:ext uri="{D42A27DB-BD31-4B8C-83A1-F6EECF244321}">
+                <p14:modId xmlns:p14="http://schemas.microsoft.com/office/powerpoint/2010/main" val="1228964070"/>
+              </p:ext>
+            </p:extLst>
+          </p:nvPr>
+        </p:nvGraphicFramePr>
+        <p:xfrm>
+          <a:off x="8475808" y="2119118"/>
+          <a:ext cx="3179428" cy="3241447"/>
+        </p:xfrm>
+        <a:graphic>
+          <a:graphicData uri="http://schemas.openxmlformats.org/drawingml/2006/diagram">
+            <dgm:relIds xmlns:dgm="http://schemas.openxmlformats.org/drawingml/2006/diagram" xmlns:r="http://schemas.openxmlformats.org/officeDocument/2006/relationships" r:dm="rId3" r:lo="rId4" r:qs="rId5" r:cs="rId6"/>
+          </a:graphicData>
+        </a:graphic>
+      </p:graphicFrame>
+      <p:pic>
+        <p:nvPicPr>
+          <p:cNvPr id="68" name="図 67"/>
+          <p:cNvPicPr>
+            <a:picLocks noChangeAspect="1"/>
+          </p:cNvPicPr>
+          <p:nvPr/>
+        </p:nvPicPr>
+        <p:blipFill>
+          <a:blip r:embed="rId8" cstate="print">
+            <a:extLst>
+              <a:ext uri="{28A0092B-C50C-407E-A947-70E740481C1C}">
+                <a14:useLocalDpi xmlns:a14="http://schemas.microsoft.com/office/drawing/2010/main" val="0"/>
+              </a:ext>
+            </a:extLst>
+          </a:blip>
+          <a:stretch>
+            <a:fillRect/>
+          </a:stretch>
+        </p:blipFill>
+        <p:spPr>
+          <a:xfrm>
+            <a:off x="9899010" y="3442563"/>
+            <a:ext cx="416037" cy="612900"/>
+          </a:xfrm>
+          <a:prstGeom prst="rect">
+            <a:avLst/>
+          </a:prstGeom>
+        </p:spPr>
+      </p:pic>
+      <p:sp>
+        <p:nvSpPr>
+          <p:cNvPr id="69" name="テキスト ボックス 68"/>
+          <p:cNvSpPr txBox="1"/>
+          <p:nvPr/>
+        </p:nvSpPr>
+        <p:spPr>
+          <a:xfrm>
+            <a:off x="478172" y="1690688"/>
+            <a:ext cx="7927597" cy="3970318"/>
+          </a:xfrm>
+          <a:prstGeom prst="rect">
+            <a:avLst/>
+          </a:prstGeom>
+          <a:noFill/>
+        </p:spPr>
+        <p:txBody>
+          <a:bodyPr wrap="square" rtlCol="0">
+            <a:spAutoFit/>
+          </a:bodyPr>
+          <a:lstStyle/>
+          <a:p>
+            <a:r>
+              <a:rPr kumimoji="1" lang="ja-JP" altLang="en-US" sz="3600" dirty="0" smtClean="0"/>
+              <a:t>１．</a:t>
+            </a:r>
+            <a:r>
+              <a:rPr kumimoji="1" lang="en-US" altLang="ja-JP" sz="3600" dirty="0" smtClean="0"/>
+              <a:t>SNS</a:t>
+            </a:r>
+            <a:r>
+              <a:rPr kumimoji="1" lang="ja-JP" altLang="en-US" sz="3600" dirty="0" smtClean="0"/>
+              <a:t>でマスコットキャラをアピール</a:t>
+            </a:r>
+            <a:r>
+              <a:rPr kumimoji="1" lang="ja-JP" altLang="en-US" sz="3600" dirty="0" smtClean="0"/>
+              <a:t>する。</a:t>
+            </a:r>
+            <a:endParaRPr kumimoji="1" lang="en-US" altLang="ja-JP" sz="3600" dirty="0" smtClean="0"/>
+          </a:p>
+          <a:p>
+            <a:endParaRPr lang="en-US" altLang="ja-JP" sz="3600" dirty="0" smtClean="0"/>
+          </a:p>
+          <a:p>
+            <a:r>
+              <a:rPr kumimoji="1" lang="ja-JP" altLang="en-US" sz="3600" dirty="0" smtClean="0"/>
+              <a:t>２．</a:t>
+            </a:r>
+            <a:r>
+              <a:rPr kumimoji="1" lang="en-US" altLang="ja-JP" sz="3600" dirty="0" smtClean="0"/>
+              <a:t>Kist</a:t>
+            </a:r>
+            <a:r>
+              <a:rPr kumimoji="1" lang="ja-JP" altLang="en-US" sz="3600" dirty="0" smtClean="0"/>
+              <a:t>のページにキャラをたくさん</a:t>
+            </a:r>
+            <a:r>
+              <a:rPr kumimoji="1" lang="ja-JP" altLang="en-US" sz="3600" dirty="0" smtClean="0"/>
+              <a:t>使う。</a:t>
+            </a:r>
+            <a:endParaRPr kumimoji="1" lang="en-US" altLang="ja-JP" sz="3600" dirty="0" smtClean="0"/>
+          </a:p>
+          <a:p>
+            <a:endParaRPr kumimoji="1" lang="en-US" altLang="ja-JP" sz="3600" dirty="0" smtClean="0"/>
+          </a:p>
+          <a:p>
+            <a:r>
+              <a:rPr lang="ja-JP" altLang="en-US" sz="3600" dirty="0" smtClean="0"/>
+              <a:t>３．</a:t>
+            </a:r>
+            <a:r>
+              <a:rPr lang="en-US" altLang="ja-JP" sz="3600" dirty="0" smtClean="0"/>
+              <a:t>2</a:t>
+            </a:r>
+            <a:r>
+              <a:rPr lang="ja-JP" altLang="en-US" sz="3600" dirty="0" smtClean="0"/>
+              <a:t>と同様に資料にもキャラを</a:t>
+            </a:r>
+            <a:r>
+              <a:rPr lang="ja-JP" altLang="en-US" sz="3600" dirty="0" smtClean="0"/>
+              <a:t>使う。</a:t>
+            </a:r>
+            <a:endParaRPr lang="en-US" altLang="ja-JP" sz="3600" dirty="0" smtClean="0"/>
+          </a:p>
+          <a:p>
+            <a:endParaRPr lang="en-US" altLang="ja-JP" sz="3600" dirty="0" smtClean="0"/>
+          </a:p>
+          <a:p>
+            <a:r>
+              <a:rPr kumimoji="1" lang="ja-JP" altLang="en-US" sz="3600" dirty="0" smtClean="0"/>
+              <a:t>４</a:t>
+            </a:r>
+            <a:r>
+              <a:rPr kumimoji="1" lang="ja-JP" altLang="en-US" sz="3600" dirty="0" smtClean="0"/>
+              <a:t>．ＣＭでマスコットキャラをアピールする。</a:t>
+            </a:r>
+            <a:endParaRPr kumimoji="1" lang="en-US" altLang="ja-JP" sz="3600" dirty="0" smtClean="0"/>
           </a:p>
         </p:txBody>
       </p:sp>

--- a/パワーポイント.pptx
+++ b/パワーポイント.pptx
@@ -1036,43 +1036,6 @@
         </a:p>
       </dgm:t>
     </dgm:pt>
-    <dgm:pt modelId="{DB8D8638-393F-4779-A64F-82C81D607A5F}">
-      <dgm:prSet phldrT="[テキスト]" custT="1"/>
-      <dgm:spPr/>
-      <dgm:t>
-        <a:bodyPr/>
-        <a:lstStyle/>
-        <a:p>
-          <a:r>
-            <a:rPr kumimoji="1" lang="ja-JP" altLang="en-US" sz="2000" dirty="0" smtClean="0"/>
-            <a:t>大佐</a:t>
-          </a:r>
-          <a:endParaRPr kumimoji="1" lang="ja-JP" altLang="en-US" sz="2000" dirty="0"/>
-        </a:p>
-      </dgm:t>
-    </dgm:pt>
-    <dgm:pt modelId="{52536234-DB44-4C12-83AA-FB40AEF52DFB}" type="parTrans" cxnId="{C3D3660D-694A-453A-8466-148C7DE6F366}">
-      <dgm:prSet/>
-      <dgm:spPr/>
-      <dgm:t>
-        <a:bodyPr/>
-        <a:lstStyle/>
-        <a:p>
-          <a:endParaRPr kumimoji="1" lang="ja-JP" altLang="en-US"/>
-        </a:p>
-      </dgm:t>
-    </dgm:pt>
-    <dgm:pt modelId="{5457EBC2-20BF-41CD-BDEA-3F2E5DBC1E0F}" type="sibTrans" cxnId="{C3D3660D-694A-453A-8466-148C7DE6F366}">
-      <dgm:prSet/>
-      <dgm:spPr/>
-      <dgm:t>
-        <a:bodyPr/>
-        <a:lstStyle/>
-        <a:p>
-          <a:endParaRPr kumimoji="1" lang="ja-JP" altLang="en-US"/>
-        </a:p>
-      </dgm:t>
-    </dgm:pt>
     <dgm:pt modelId="{AE6E8659-475F-4B25-9A00-36687B5A3707}" type="pres">
       <dgm:prSet presAssocID="{0805AF4C-C71F-4842-AD75-E34B55F9CCB5}" presName="cycle" presStyleCnt="0">
         <dgm:presLayoutVars>
@@ -1090,7 +1053,7 @@
       </dgm:t>
     </dgm:pt>
     <dgm:pt modelId="{E98D8CB2-643D-42DD-AD1C-766F05221F0C}" type="pres">
-      <dgm:prSet presAssocID="{17081567-8C2D-4EAE-A02C-4AD9B3644AB4}" presName="node" presStyleLbl="node1" presStyleIdx="0" presStyleCnt="5">
+      <dgm:prSet presAssocID="{17081567-8C2D-4EAE-A02C-4AD9B3644AB4}" presName="node" presStyleLbl="node1" presStyleIdx="0" presStyleCnt="4">
         <dgm:presLayoutVars>
           <dgm:bulletEnabled val="1"/>
         </dgm:presLayoutVars>
@@ -1105,7 +1068,7 @@
       </dgm:t>
     </dgm:pt>
     <dgm:pt modelId="{A91BE0AF-B4DF-4956-B343-217E8DB38DC5}" type="pres">
-      <dgm:prSet presAssocID="{D4A6E4B1-793E-44C3-8548-D8F90ACD6726}" presName="sibTrans" presStyleLbl="sibTrans2D1" presStyleIdx="0" presStyleCnt="5"/>
+      <dgm:prSet presAssocID="{D4A6E4B1-793E-44C3-8548-D8F90ACD6726}" presName="sibTrans" presStyleLbl="sibTrans2D1" presStyleIdx="0" presStyleCnt="4"/>
       <dgm:spPr/>
       <dgm:t>
         <a:bodyPr/>
@@ -1116,7 +1079,7 @@
       </dgm:t>
     </dgm:pt>
     <dgm:pt modelId="{9D9742BB-E0ED-4DC7-B5AF-CE8FFDA51C1A}" type="pres">
-      <dgm:prSet presAssocID="{D4A6E4B1-793E-44C3-8548-D8F90ACD6726}" presName="connectorText" presStyleLbl="sibTrans2D1" presStyleIdx="0" presStyleCnt="5"/>
+      <dgm:prSet presAssocID="{D4A6E4B1-793E-44C3-8548-D8F90ACD6726}" presName="connectorText" presStyleLbl="sibTrans2D1" presStyleIdx="0" presStyleCnt="4"/>
       <dgm:spPr/>
       <dgm:t>
         <a:bodyPr/>
@@ -1127,7 +1090,7 @@
       </dgm:t>
     </dgm:pt>
     <dgm:pt modelId="{DFFDC4BF-2A48-4029-AE82-F354A04AD322}" type="pres">
-      <dgm:prSet presAssocID="{5A392631-8A48-4EDE-8B3D-66FC73E10FCC}" presName="node" presStyleLbl="node1" presStyleIdx="1" presStyleCnt="5">
+      <dgm:prSet presAssocID="{5A392631-8A48-4EDE-8B3D-66FC73E10FCC}" presName="node" presStyleLbl="node1" presStyleIdx="1" presStyleCnt="4">
         <dgm:presLayoutVars>
           <dgm:bulletEnabled val="1"/>
         </dgm:presLayoutVars>
@@ -1142,7 +1105,7 @@
       </dgm:t>
     </dgm:pt>
     <dgm:pt modelId="{6C51DFAB-5269-421B-AB5E-F7CAA073D465}" type="pres">
-      <dgm:prSet presAssocID="{230E6BFF-D43B-4666-8DD9-600285953F21}" presName="sibTrans" presStyleLbl="sibTrans2D1" presStyleIdx="1" presStyleCnt="5"/>
+      <dgm:prSet presAssocID="{230E6BFF-D43B-4666-8DD9-600285953F21}" presName="sibTrans" presStyleLbl="sibTrans2D1" presStyleIdx="1" presStyleCnt="4"/>
       <dgm:spPr/>
       <dgm:t>
         <a:bodyPr/>
@@ -1153,7 +1116,7 @@
       </dgm:t>
     </dgm:pt>
     <dgm:pt modelId="{5DDBF8ED-4E52-4A81-9CC0-13629FC89522}" type="pres">
-      <dgm:prSet presAssocID="{230E6BFF-D43B-4666-8DD9-600285953F21}" presName="connectorText" presStyleLbl="sibTrans2D1" presStyleIdx="1" presStyleCnt="5"/>
+      <dgm:prSet presAssocID="{230E6BFF-D43B-4666-8DD9-600285953F21}" presName="connectorText" presStyleLbl="sibTrans2D1" presStyleIdx="1" presStyleCnt="4"/>
       <dgm:spPr/>
       <dgm:t>
         <a:bodyPr/>
@@ -1164,7 +1127,7 @@
       </dgm:t>
     </dgm:pt>
     <dgm:pt modelId="{1877A50A-FD59-4AAC-A0BF-53F1B9C52AF6}" type="pres">
-      <dgm:prSet presAssocID="{0F14CCED-0495-45D3-A4D7-096B234F36E4}" presName="node" presStyleLbl="node1" presStyleIdx="2" presStyleCnt="5">
+      <dgm:prSet presAssocID="{0F14CCED-0495-45D3-A4D7-096B234F36E4}" presName="node" presStyleLbl="node1" presStyleIdx="2" presStyleCnt="4">
         <dgm:presLayoutVars>
           <dgm:bulletEnabled val="1"/>
         </dgm:presLayoutVars>
@@ -1179,7 +1142,7 @@
       </dgm:t>
     </dgm:pt>
     <dgm:pt modelId="{366034F7-7D85-4B5A-9195-C850EF60806F}" type="pres">
-      <dgm:prSet presAssocID="{60E6AD98-4052-4987-B52B-CA3D0B9F8331}" presName="sibTrans" presStyleLbl="sibTrans2D1" presStyleIdx="2" presStyleCnt="5"/>
+      <dgm:prSet presAssocID="{60E6AD98-4052-4987-B52B-CA3D0B9F8331}" presName="sibTrans" presStyleLbl="sibTrans2D1" presStyleIdx="2" presStyleCnt="4"/>
       <dgm:spPr/>
       <dgm:t>
         <a:bodyPr/>
@@ -1190,7 +1153,7 @@
       </dgm:t>
     </dgm:pt>
     <dgm:pt modelId="{A6BCE506-50B1-47AD-8357-5F7F7BCD5E64}" type="pres">
-      <dgm:prSet presAssocID="{60E6AD98-4052-4987-B52B-CA3D0B9F8331}" presName="connectorText" presStyleLbl="sibTrans2D1" presStyleIdx="2" presStyleCnt="5"/>
+      <dgm:prSet presAssocID="{60E6AD98-4052-4987-B52B-CA3D0B9F8331}" presName="connectorText" presStyleLbl="sibTrans2D1" presStyleIdx="2" presStyleCnt="4"/>
       <dgm:spPr/>
       <dgm:t>
         <a:bodyPr/>
@@ -1201,7 +1164,7 @@
       </dgm:t>
     </dgm:pt>
     <dgm:pt modelId="{02ED39E6-62AF-4B48-B1FD-67F9E575D444}" type="pres">
-      <dgm:prSet presAssocID="{A2D1D4F3-0A73-4B08-9406-3C44A99D9DA3}" presName="node" presStyleLbl="node1" presStyleIdx="3" presStyleCnt="5">
+      <dgm:prSet presAssocID="{A2D1D4F3-0A73-4B08-9406-3C44A99D9DA3}" presName="node" presStyleLbl="node1" presStyleIdx="3" presStyleCnt="4">
         <dgm:presLayoutVars>
           <dgm:bulletEnabled val="1"/>
         </dgm:presLayoutVars>
@@ -1216,7 +1179,7 @@
       </dgm:t>
     </dgm:pt>
     <dgm:pt modelId="{E04DF568-A5A3-4EC7-833D-26B0A4107F75}" type="pres">
-      <dgm:prSet presAssocID="{B38BC3EE-252C-45D4-BC0D-0CF501C09DB6}" presName="sibTrans" presStyleLbl="sibTrans2D1" presStyleIdx="3" presStyleCnt="5"/>
+      <dgm:prSet presAssocID="{B38BC3EE-252C-45D4-BC0D-0CF501C09DB6}" presName="sibTrans" presStyleLbl="sibTrans2D1" presStyleIdx="3" presStyleCnt="4"/>
       <dgm:spPr/>
       <dgm:t>
         <a:bodyPr/>
@@ -1227,44 +1190,7 @@
       </dgm:t>
     </dgm:pt>
     <dgm:pt modelId="{E12578A1-A566-4965-9D24-F399E6266895}" type="pres">
-      <dgm:prSet presAssocID="{B38BC3EE-252C-45D4-BC0D-0CF501C09DB6}" presName="connectorText" presStyleLbl="sibTrans2D1" presStyleIdx="3" presStyleCnt="5"/>
-      <dgm:spPr/>
-      <dgm:t>
-        <a:bodyPr/>
-        <a:lstStyle/>
-        <a:p>
-          <a:endParaRPr kumimoji="1" lang="ja-JP" altLang="en-US"/>
-        </a:p>
-      </dgm:t>
-    </dgm:pt>
-    <dgm:pt modelId="{15F4FE78-C30F-467E-9722-31956AE37EA3}" type="pres">
-      <dgm:prSet presAssocID="{DB8D8638-393F-4779-A64F-82C81D607A5F}" presName="node" presStyleLbl="node1" presStyleIdx="4" presStyleCnt="5">
-        <dgm:presLayoutVars>
-          <dgm:bulletEnabled val="1"/>
-        </dgm:presLayoutVars>
-      </dgm:prSet>
-      <dgm:spPr/>
-      <dgm:t>
-        <a:bodyPr/>
-        <a:lstStyle/>
-        <a:p>
-          <a:endParaRPr kumimoji="1" lang="ja-JP" altLang="en-US"/>
-        </a:p>
-      </dgm:t>
-    </dgm:pt>
-    <dgm:pt modelId="{50C4BE59-A3A6-4443-973D-6AAF2609140A}" type="pres">
-      <dgm:prSet presAssocID="{5457EBC2-20BF-41CD-BDEA-3F2E5DBC1E0F}" presName="sibTrans" presStyleLbl="sibTrans2D1" presStyleIdx="4" presStyleCnt="5"/>
-      <dgm:spPr/>
-      <dgm:t>
-        <a:bodyPr/>
-        <a:lstStyle/>
-        <a:p>
-          <a:endParaRPr kumimoji="1" lang="ja-JP" altLang="en-US"/>
-        </a:p>
-      </dgm:t>
-    </dgm:pt>
-    <dgm:pt modelId="{5EFF3AB2-3806-465A-8492-B85AE27430EB}" type="pres">
-      <dgm:prSet presAssocID="{5457EBC2-20BF-41CD-BDEA-3F2E5DBC1E0F}" presName="connectorText" presStyleLbl="sibTrans2D1" presStyleIdx="4" presStyleCnt="5"/>
+      <dgm:prSet presAssocID="{B38BC3EE-252C-45D4-BC0D-0CF501C09DB6}" presName="connectorText" presStyleLbl="sibTrans2D1" presStyleIdx="3" presStyleCnt="4"/>
       <dgm:spPr/>
       <dgm:t>
         <a:bodyPr/>
@@ -1277,7 +1203,6 @@
   </dgm:ptLst>
   <dgm:cxnLst>
     <dgm:cxn modelId="{6E3CC04E-7983-4371-9945-8C0C709B3172}" srcId="{0805AF4C-C71F-4842-AD75-E34B55F9CCB5}" destId="{5A392631-8A48-4EDE-8B3D-66FC73E10FCC}" srcOrd="1" destOrd="0" parTransId="{9249097F-964E-4EDC-BFB4-C7A437428CFF}" sibTransId="{230E6BFF-D43B-4666-8DD9-600285953F21}"/>
-    <dgm:cxn modelId="{0DE1CA83-8136-4E04-8835-31E691B91802}" type="presOf" srcId="{DB8D8638-393F-4779-A64F-82C81D607A5F}" destId="{15F4FE78-C30F-467E-9722-31956AE37EA3}" srcOrd="0" destOrd="0" presId="urn:microsoft.com/office/officeart/2005/8/layout/cycle2"/>
     <dgm:cxn modelId="{92492ECB-DC56-48D2-8A4C-3ABEBDD30921}" srcId="{0805AF4C-C71F-4842-AD75-E34B55F9CCB5}" destId="{0F14CCED-0495-45D3-A4D7-096B234F36E4}" srcOrd="2" destOrd="0" parTransId="{8224CCAE-589E-4068-BCE5-E8AD4FA8C2AC}" sibTransId="{60E6AD98-4052-4987-B52B-CA3D0B9F8331}"/>
     <dgm:cxn modelId="{F3039B68-E355-41F8-900E-64282AE1D0CA}" type="presOf" srcId="{0805AF4C-C71F-4842-AD75-E34B55F9CCB5}" destId="{AE6E8659-475F-4B25-9A00-36687B5A3707}" srcOrd="0" destOrd="0" presId="urn:microsoft.com/office/officeart/2005/8/layout/cycle2"/>
     <dgm:cxn modelId="{D270B8EC-66B8-4417-AEE0-30D7A56286BD}" type="presOf" srcId="{0F14CCED-0495-45D3-A4D7-096B234F36E4}" destId="{1877A50A-FD59-4AAC-A0BF-53F1B9C52AF6}" srcOrd="0" destOrd="0" presId="urn:microsoft.com/office/officeart/2005/8/layout/cycle2"/>
@@ -1285,16 +1210,13 @@
     <dgm:cxn modelId="{A3CF1668-573D-42CF-9B73-4C885A5362BF}" type="presOf" srcId="{230E6BFF-D43B-4666-8DD9-600285953F21}" destId="{5DDBF8ED-4E52-4A81-9CC0-13629FC89522}" srcOrd="1" destOrd="0" presId="urn:microsoft.com/office/officeart/2005/8/layout/cycle2"/>
     <dgm:cxn modelId="{44912F20-67CD-4B42-B20F-98BFFEBCA0C5}" type="presOf" srcId="{230E6BFF-D43B-4666-8DD9-600285953F21}" destId="{6C51DFAB-5269-421B-AB5E-F7CAA073D465}" srcOrd="0" destOrd="0" presId="urn:microsoft.com/office/officeart/2005/8/layout/cycle2"/>
     <dgm:cxn modelId="{9242212B-B93D-49FC-97C7-554441244A65}" type="presOf" srcId="{B38BC3EE-252C-45D4-BC0D-0CF501C09DB6}" destId="{E04DF568-A5A3-4EC7-833D-26B0A4107F75}" srcOrd="0" destOrd="0" presId="urn:microsoft.com/office/officeart/2005/8/layout/cycle2"/>
-    <dgm:cxn modelId="{85EA49A4-800D-4BBD-BE1D-08F464F01695}" type="presOf" srcId="{5457EBC2-20BF-41CD-BDEA-3F2E5DBC1E0F}" destId="{5EFF3AB2-3806-465A-8492-B85AE27430EB}" srcOrd="1" destOrd="0" presId="urn:microsoft.com/office/officeart/2005/8/layout/cycle2"/>
     <dgm:cxn modelId="{FC8F2CDC-715F-4A48-A83D-17DC28F2472C}" srcId="{0805AF4C-C71F-4842-AD75-E34B55F9CCB5}" destId="{A2D1D4F3-0A73-4B08-9406-3C44A99D9DA3}" srcOrd="3" destOrd="0" parTransId="{5A83CB96-EB86-480C-98DC-6B819696C8C2}" sibTransId="{B38BC3EE-252C-45D4-BC0D-0CF501C09DB6}"/>
     <dgm:cxn modelId="{33D94B0C-6CC5-4FB8-AF57-F47AE4601C4A}" type="presOf" srcId="{A2D1D4F3-0A73-4B08-9406-3C44A99D9DA3}" destId="{02ED39E6-62AF-4B48-B1FD-67F9E575D444}" srcOrd="0" destOrd="0" presId="urn:microsoft.com/office/officeart/2005/8/layout/cycle2"/>
     <dgm:cxn modelId="{ABF5C3F9-6F61-4B95-AD46-9DE5CD99F693}" type="presOf" srcId="{60E6AD98-4052-4987-B52B-CA3D0B9F8331}" destId="{366034F7-7D85-4B5A-9195-C850EF60806F}" srcOrd="0" destOrd="0" presId="urn:microsoft.com/office/officeart/2005/8/layout/cycle2"/>
     <dgm:cxn modelId="{6ABC3339-0C58-4683-B477-25F451B338A6}" type="presOf" srcId="{D4A6E4B1-793E-44C3-8548-D8F90ACD6726}" destId="{A91BE0AF-B4DF-4956-B343-217E8DB38DC5}" srcOrd="0" destOrd="0" presId="urn:microsoft.com/office/officeart/2005/8/layout/cycle2"/>
     <dgm:cxn modelId="{DEE3F105-0FD6-417A-AB8F-CD264E0A4D62}" type="presOf" srcId="{60E6AD98-4052-4987-B52B-CA3D0B9F8331}" destId="{A6BCE506-50B1-47AD-8357-5F7F7BCD5E64}" srcOrd="1" destOrd="0" presId="urn:microsoft.com/office/officeart/2005/8/layout/cycle2"/>
     <dgm:cxn modelId="{034743A6-368E-410C-A305-55DD74F9611A}" type="presOf" srcId="{B38BC3EE-252C-45D4-BC0D-0CF501C09DB6}" destId="{E12578A1-A566-4965-9D24-F399E6266895}" srcOrd="1" destOrd="0" presId="urn:microsoft.com/office/officeart/2005/8/layout/cycle2"/>
-    <dgm:cxn modelId="{AC7A9A71-6419-49ED-9FDB-50B9622C2CEA}" type="presOf" srcId="{5457EBC2-20BF-41CD-BDEA-3F2E5DBC1E0F}" destId="{50C4BE59-A3A6-4443-973D-6AAF2609140A}" srcOrd="0" destOrd="0" presId="urn:microsoft.com/office/officeart/2005/8/layout/cycle2"/>
     <dgm:cxn modelId="{A1B9BAB7-9CD2-46C9-B812-5A8897DE559E}" srcId="{0805AF4C-C71F-4842-AD75-E34B55F9CCB5}" destId="{17081567-8C2D-4EAE-A02C-4AD9B3644AB4}" srcOrd="0" destOrd="0" parTransId="{754397CA-E2C4-4157-A3B0-9088E0A55AD9}" sibTransId="{D4A6E4B1-793E-44C3-8548-D8F90ACD6726}"/>
-    <dgm:cxn modelId="{C3D3660D-694A-453A-8466-148C7DE6F366}" srcId="{0805AF4C-C71F-4842-AD75-E34B55F9CCB5}" destId="{DB8D8638-393F-4779-A64F-82C81D607A5F}" srcOrd="4" destOrd="0" parTransId="{52536234-DB44-4C12-83AA-FB40AEF52DFB}" sibTransId="{5457EBC2-20BF-41CD-BDEA-3F2E5DBC1E0F}"/>
     <dgm:cxn modelId="{7F45A273-529F-44B1-A9B5-A8B4A147759F}" type="presOf" srcId="{D4A6E4B1-793E-44C3-8548-D8F90ACD6726}" destId="{9D9742BB-E0ED-4DC7-B5AF-CE8FFDA51C1A}" srcOrd="1" destOrd="0" presId="urn:microsoft.com/office/officeart/2005/8/layout/cycle2"/>
     <dgm:cxn modelId="{C99B1B89-53A1-4389-BD7E-D908BDC31837}" type="presOf" srcId="{17081567-8C2D-4EAE-A02C-4AD9B3644AB4}" destId="{E98D8CB2-643D-42DD-AD1C-766F05221F0C}" srcOrd="0" destOrd="0" presId="urn:microsoft.com/office/officeart/2005/8/layout/cycle2"/>
     <dgm:cxn modelId="{9386958E-0466-41F7-8778-22A8DE13A0BD}" type="presParOf" srcId="{AE6E8659-475F-4B25-9A00-36687B5A3707}" destId="{E98D8CB2-643D-42DD-AD1C-766F05221F0C}" srcOrd="0" destOrd="0" presId="urn:microsoft.com/office/officeart/2005/8/layout/cycle2"/>
@@ -1309,9 +1231,6 @@
     <dgm:cxn modelId="{76F9CA04-B0DA-44C4-9707-97F28C2FCEF1}" type="presParOf" srcId="{AE6E8659-475F-4B25-9A00-36687B5A3707}" destId="{02ED39E6-62AF-4B48-B1FD-67F9E575D444}" srcOrd="6" destOrd="0" presId="urn:microsoft.com/office/officeart/2005/8/layout/cycle2"/>
     <dgm:cxn modelId="{B7FD4BD7-420C-4BB3-86AD-81C6BB5C692C}" type="presParOf" srcId="{AE6E8659-475F-4B25-9A00-36687B5A3707}" destId="{E04DF568-A5A3-4EC7-833D-26B0A4107F75}" srcOrd="7" destOrd="0" presId="urn:microsoft.com/office/officeart/2005/8/layout/cycle2"/>
     <dgm:cxn modelId="{C0E694EE-9808-432B-85E6-BC77B25C2E7A}" type="presParOf" srcId="{E04DF568-A5A3-4EC7-833D-26B0A4107F75}" destId="{E12578A1-A566-4965-9D24-F399E6266895}" srcOrd="0" destOrd="0" presId="urn:microsoft.com/office/officeart/2005/8/layout/cycle2"/>
-    <dgm:cxn modelId="{98310B59-D192-41F9-8D48-7F9118C895CE}" type="presParOf" srcId="{AE6E8659-475F-4B25-9A00-36687B5A3707}" destId="{15F4FE78-C30F-467E-9722-31956AE37EA3}" srcOrd="8" destOrd="0" presId="urn:microsoft.com/office/officeart/2005/8/layout/cycle2"/>
-    <dgm:cxn modelId="{C728108A-C305-4D03-9B4A-5D007F30D58A}" type="presParOf" srcId="{AE6E8659-475F-4B25-9A00-36687B5A3707}" destId="{50C4BE59-A3A6-4443-973D-6AAF2609140A}" srcOrd="9" destOrd="0" presId="urn:microsoft.com/office/officeart/2005/8/layout/cycle2"/>
-    <dgm:cxn modelId="{0ED64FB9-C488-48E5-B642-D831E91C1A1B}" type="presParOf" srcId="{50C4BE59-A3A6-4443-973D-6AAF2609140A}" destId="{5EFF3AB2-3806-465A-8492-B85AE27430EB}" srcOrd="0" destOrd="0" presId="urn:microsoft.com/office/officeart/2005/8/layout/cycle2"/>
   </dgm:cxnLst>
   <dgm:bg/>
   <dgm:whole/>
@@ -1338,8 +1257,8 @@
       </dsp:nvSpPr>
       <dsp:spPr>
         <a:xfrm>
-          <a:off x="1126306" y="86510"/>
-          <a:ext cx="926815" cy="926815"/>
+          <a:off x="1080508" y="31098"/>
+          <a:ext cx="1018410" cy="1018410"/>
         </a:xfrm>
         <a:prstGeom prst="ellipse">
           <a:avLst/>
@@ -1405,8 +1324,8 @@
         </a:p>
       </dsp:txBody>
       <dsp:txXfrm>
-        <a:off x="1262035" y="222239"/>
-        <a:ext cx="655357" cy="655357"/>
+        <a:off x="1229651" y="180241"/>
+        <a:ext cx="720124" cy="720124"/>
       </dsp:txXfrm>
     </dsp:sp>
     <dsp:sp modelId="{A91BE0AF-B4DF-4956-B343-217E8DB38DC5}">
@@ -1415,9 +1334,9 @@
         <dsp:cNvSpPr/>
       </dsp:nvSpPr>
       <dsp:spPr>
-        <a:xfrm rot="2160000">
-          <a:off x="2023832" y="798430"/>
-          <a:ext cx="246390" cy="312800"/>
+        <a:xfrm rot="2700000">
+          <a:off x="1989493" y="903252"/>
+          <a:ext cx="270053" cy="343713"/>
         </a:xfrm>
         <a:prstGeom prst="rightArrow">
           <a:avLst>
@@ -1459,7 +1378,7 @@
         </a:bodyPr>
         <a:lstStyle/>
         <a:p>
-          <a:pPr lvl="0" algn="ctr" defTabSz="577850">
+          <a:pPr lvl="0" algn="ctr" defTabSz="622300">
             <a:lnSpc>
               <a:spcPct val="90000"/>
             </a:lnSpc>
@@ -1470,12 +1389,12 @@
               <a:spcPct val="35000"/>
             </a:spcAft>
           </a:pPr>
-          <a:endParaRPr kumimoji="1" lang="ja-JP" altLang="en-US" sz="1300" kern="1200"/>
+          <a:endParaRPr kumimoji="1" lang="ja-JP" altLang="en-US" sz="1400" kern="1200"/>
         </a:p>
       </dsp:txBody>
       <dsp:txXfrm>
-        <a:off x="2030890" y="839266"/>
-        <a:ext cx="172473" cy="187680"/>
+        <a:off x="2001358" y="943352"/>
+        <a:ext cx="189037" cy="206227"/>
       </dsp:txXfrm>
     </dsp:sp>
     <dsp:sp modelId="{DFFDC4BF-2A48-4029-AE82-F354A04AD322}">
@@ -1485,8 +1404,8 @@
       </dsp:nvSpPr>
       <dsp:spPr>
         <a:xfrm>
-          <a:off x="2252217" y="904532"/>
-          <a:ext cx="926815" cy="926815"/>
+          <a:off x="2160928" y="1111518"/>
+          <a:ext cx="1018410" cy="1018410"/>
         </a:xfrm>
         <a:prstGeom prst="ellipse">
           <a:avLst/>
@@ -1552,8 +1471,8 @@
         </a:p>
       </dsp:txBody>
       <dsp:txXfrm>
-        <a:off x="2387946" y="1040261"/>
-        <a:ext cx="655357" cy="655357"/>
+        <a:off x="2310071" y="1260661"/>
+        <a:ext cx="720124" cy="720124"/>
       </dsp:txXfrm>
     </dsp:sp>
     <dsp:sp modelId="{6C51DFAB-5269-421B-AB5E-F7CAA073D465}">
@@ -1562,9 +1481,9 @@
         <dsp:cNvSpPr/>
       </dsp:nvSpPr>
       <dsp:spPr>
-        <a:xfrm rot="6480000">
-          <a:off x="2379554" y="1866702"/>
-          <a:ext cx="246390" cy="312800"/>
+        <a:xfrm rot="8100000">
+          <a:off x="2000301" y="1983672"/>
+          <a:ext cx="270053" cy="343713"/>
         </a:xfrm>
         <a:prstGeom prst="rightArrow">
           <a:avLst>
@@ -1606,7 +1525,7 @@
         </a:bodyPr>
         <a:lstStyle/>
         <a:p>
-          <a:pPr lvl="0" algn="ctr" defTabSz="577850">
+          <a:pPr lvl="0" algn="ctr" defTabSz="622300">
             <a:lnSpc>
               <a:spcPct val="90000"/>
             </a:lnSpc>
@@ -1617,12 +1536,12 @@
               <a:spcPct val="35000"/>
             </a:spcAft>
           </a:pPr>
-          <a:endParaRPr kumimoji="1" lang="ja-JP" altLang="en-US" sz="1300" kern="1200"/>
+          <a:endParaRPr kumimoji="1" lang="ja-JP" altLang="en-US" sz="1400" kern="1200"/>
         </a:p>
       </dsp:txBody>
       <dsp:txXfrm rot="10800000">
-        <a:off x="2427933" y="1894112"/>
-        <a:ext cx="172473" cy="187680"/>
+        <a:off x="2069452" y="2023772"/>
+        <a:ext cx="189037" cy="206227"/>
       </dsp:txXfrm>
     </dsp:sp>
     <dsp:sp modelId="{1877A50A-FD59-4AAC-A0BF-53F1B9C52AF6}">
@@ -1632,8 +1551,8 @@
       </dsp:nvSpPr>
       <dsp:spPr>
         <a:xfrm>
-          <a:off x="1822157" y="2228120"/>
-          <a:ext cx="926815" cy="926815"/>
+          <a:off x="1080508" y="2191938"/>
+          <a:ext cx="1018410" cy="1018410"/>
         </a:xfrm>
         <a:prstGeom prst="ellipse">
           <a:avLst/>
@@ -1699,8 +1618,8 @@
         </a:p>
       </dsp:txBody>
       <dsp:txXfrm>
-        <a:off x="1957886" y="2363849"/>
-        <a:ext cx="655357" cy="655357"/>
+        <a:off x="1229651" y="2341081"/>
+        <a:ext cx="720124" cy="720124"/>
       </dsp:txXfrm>
     </dsp:sp>
     <dsp:sp modelId="{366034F7-7D85-4B5A-9195-C850EF60806F}">
@@ -1709,9 +1628,9 @@
         <dsp:cNvSpPr/>
       </dsp:nvSpPr>
       <dsp:spPr>
-        <a:xfrm rot="10800000">
-          <a:off x="1473492" y="2535128"/>
-          <a:ext cx="246390" cy="312800"/>
+        <a:xfrm rot="13500000">
+          <a:off x="919881" y="1994481"/>
+          <a:ext cx="270053" cy="343713"/>
         </a:xfrm>
         <a:prstGeom prst="rightArrow">
           <a:avLst>
@@ -1753,7 +1672,7 @@
         </a:bodyPr>
         <a:lstStyle/>
         <a:p>
-          <a:pPr lvl="0" algn="ctr" defTabSz="577850">
+          <a:pPr lvl="0" algn="ctr" defTabSz="622300">
             <a:lnSpc>
               <a:spcPct val="90000"/>
             </a:lnSpc>
@@ -1764,12 +1683,12 @@
               <a:spcPct val="35000"/>
             </a:spcAft>
           </a:pPr>
-          <a:endParaRPr kumimoji="1" lang="ja-JP" altLang="en-US" sz="1300" kern="1200"/>
+          <a:endParaRPr kumimoji="1" lang="ja-JP" altLang="en-US" sz="1400" kern="1200"/>
         </a:p>
       </dsp:txBody>
       <dsp:txXfrm rot="10800000">
-        <a:off x="1547409" y="2597688"/>
-        <a:ext cx="172473" cy="187680"/>
+        <a:off x="989032" y="2091867"/>
+        <a:ext cx="189037" cy="206227"/>
       </dsp:txXfrm>
     </dsp:sp>
     <dsp:sp modelId="{02ED39E6-62AF-4B48-B1FD-67F9E575D444}">
@@ -1779,8 +1698,8 @@
       </dsp:nvSpPr>
       <dsp:spPr>
         <a:xfrm>
-          <a:off x="430454" y="2228120"/>
-          <a:ext cx="926815" cy="926815"/>
+          <a:off x="88" y="1111518"/>
+          <a:ext cx="1018410" cy="1018410"/>
         </a:xfrm>
         <a:prstGeom prst="ellipse">
           <a:avLst/>
@@ -1850,8 +1769,8 @@
         </a:p>
       </dsp:txBody>
       <dsp:txXfrm>
-        <a:off x="566183" y="2363849"/>
-        <a:ext cx="655357" cy="655357"/>
+        <a:off x="149231" y="1260661"/>
+        <a:ext cx="720124" cy="720124"/>
       </dsp:txXfrm>
     </dsp:sp>
     <dsp:sp modelId="{E04DF568-A5A3-4EC7-833D-26B0A4107F75}">
@@ -1860,9 +1779,9 @@
         <dsp:cNvSpPr/>
       </dsp:nvSpPr>
       <dsp:spPr>
-        <a:xfrm rot="15120000">
-          <a:off x="557792" y="1879966"/>
-          <a:ext cx="246390" cy="312800"/>
+        <a:xfrm rot="18900000">
+          <a:off x="909073" y="914061"/>
+          <a:ext cx="270053" cy="343713"/>
         </a:xfrm>
         <a:prstGeom prst="rightArrow">
           <a:avLst>
@@ -1904,7 +1823,7 @@
         </a:bodyPr>
         <a:lstStyle/>
         <a:p>
-          <a:pPr lvl="0" algn="ctr" defTabSz="577850">
+          <a:pPr lvl="0" algn="ctr" defTabSz="622300">
             <a:lnSpc>
               <a:spcPct val="90000"/>
             </a:lnSpc>
@@ -1915,159 +1834,12 @@
               <a:spcPct val="35000"/>
             </a:spcAft>
           </a:pPr>
-          <a:endParaRPr kumimoji="1" lang="ja-JP" altLang="en-US" sz="1300" kern="1200"/>
-        </a:p>
-      </dsp:txBody>
-      <dsp:txXfrm rot="10800000">
-        <a:off x="606171" y="1977676"/>
-        <a:ext cx="172473" cy="187680"/>
-      </dsp:txXfrm>
-    </dsp:sp>
-    <dsp:sp modelId="{15F4FE78-C30F-467E-9722-31956AE37EA3}">
-      <dsp:nvSpPr>
-        <dsp:cNvPr id="0" name=""/>
-        <dsp:cNvSpPr/>
-      </dsp:nvSpPr>
-      <dsp:spPr>
-        <a:xfrm>
-          <a:off x="395" y="904532"/>
-          <a:ext cx="926815" cy="926815"/>
-        </a:xfrm>
-        <a:prstGeom prst="ellipse">
-          <a:avLst/>
-        </a:prstGeom>
-        <a:solidFill>
-          <a:schemeClr val="accent1">
-            <a:hueOff val="0"/>
-            <a:satOff val="0"/>
-            <a:lumOff val="0"/>
-            <a:alphaOff val="0"/>
-          </a:schemeClr>
-        </a:solidFill>
-        <a:ln w="12700" cap="flat" cmpd="sng" algn="ctr">
-          <a:solidFill>
-            <a:schemeClr val="lt1">
-              <a:hueOff val="0"/>
-              <a:satOff val="0"/>
-              <a:lumOff val="0"/>
-              <a:alphaOff val="0"/>
-            </a:schemeClr>
-          </a:solidFill>
-          <a:prstDash val="solid"/>
-          <a:miter lim="800000"/>
-        </a:ln>
-        <a:effectLst/>
-      </dsp:spPr>
-      <dsp:style>
-        <a:lnRef idx="2">
-          <a:scrgbClr r="0" g="0" b="0"/>
-        </a:lnRef>
-        <a:fillRef idx="1">
-          <a:scrgbClr r="0" g="0" b="0"/>
-        </a:fillRef>
-        <a:effectRef idx="0">
-          <a:scrgbClr r="0" g="0" b="0"/>
-        </a:effectRef>
-        <a:fontRef idx="minor">
-          <a:schemeClr val="lt1"/>
-        </a:fontRef>
-      </dsp:style>
-      <dsp:txBody>
-        <a:bodyPr spcFirstLastPara="0" vert="horz" wrap="square" lIns="25400" tIns="25400" rIns="25400" bIns="25400" numCol="1" spcCol="1270" anchor="ctr" anchorCtr="0">
-          <a:noAutofit/>
-        </a:bodyPr>
-        <a:lstStyle/>
-        <a:p>
-          <a:pPr lvl="0" algn="ctr" defTabSz="889000">
-            <a:lnSpc>
-              <a:spcPct val="90000"/>
-            </a:lnSpc>
-            <a:spcBef>
-              <a:spcPct val="0"/>
-            </a:spcBef>
-            <a:spcAft>
-              <a:spcPct val="35000"/>
-            </a:spcAft>
-          </a:pPr>
-          <a:r>
-            <a:rPr kumimoji="1" lang="ja-JP" altLang="en-US" sz="2000" kern="1200" dirty="0" smtClean="0"/>
-            <a:t>大佐</a:t>
-          </a:r>
-          <a:endParaRPr kumimoji="1" lang="ja-JP" altLang="en-US" sz="2000" kern="1200" dirty="0"/>
+          <a:endParaRPr kumimoji="1" lang="ja-JP" altLang="en-US" sz="1400" kern="1200"/>
         </a:p>
       </dsp:txBody>
       <dsp:txXfrm>
-        <a:off x="136124" y="1040261"/>
-        <a:ext cx="655357" cy="655357"/>
-      </dsp:txXfrm>
-    </dsp:sp>
-    <dsp:sp modelId="{50C4BE59-A3A6-4443-973D-6AAF2609140A}">
-      <dsp:nvSpPr>
-        <dsp:cNvPr id="0" name=""/>
-        <dsp:cNvSpPr/>
-      </dsp:nvSpPr>
-      <dsp:spPr>
-        <a:xfrm rot="19440000">
-          <a:off x="897921" y="806628"/>
-          <a:ext cx="246390" cy="312800"/>
-        </a:xfrm>
-        <a:prstGeom prst="rightArrow">
-          <a:avLst>
-            <a:gd name="adj1" fmla="val 60000"/>
-            <a:gd name="adj2" fmla="val 50000"/>
-          </a:avLst>
-        </a:prstGeom>
-        <a:solidFill>
-          <a:schemeClr val="accent1">
-            <a:tint val="60000"/>
-            <a:hueOff val="0"/>
-            <a:satOff val="0"/>
-            <a:lumOff val="0"/>
-            <a:alphaOff val="0"/>
-          </a:schemeClr>
-        </a:solidFill>
-        <a:ln>
-          <a:noFill/>
-        </a:ln>
-        <a:effectLst/>
-      </dsp:spPr>
-      <dsp:style>
-        <a:lnRef idx="0">
-          <a:scrgbClr r="0" g="0" b="0"/>
-        </a:lnRef>
-        <a:fillRef idx="1">
-          <a:scrgbClr r="0" g="0" b="0"/>
-        </a:fillRef>
-        <a:effectRef idx="0">
-          <a:scrgbClr r="0" g="0" b="0"/>
-        </a:effectRef>
-        <a:fontRef idx="minor">
-          <a:schemeClr val="lt1"/>
-        </a:fontRef>
-      </dsp:style>
-      <dsp:txBody>
-        <a:bodyPr spcFirstLastPara="0" vert="horz" wrap="square" lIns="0" tIns="0" rIns="0" bIns="0" numCol="1" spcCol="1270" anchor="ctr" anchorCtr="0">
-          <a:noAutofit/>
-        </a:bodyPr>
-        <a:lstStyle/>
-        <a:p>
-          <a:pPr lvl="0" algn="ctr" defTabSz="577850">
-            <a:lnSpc>
-              <a:spcPct val="90000"/>
-            </a:lnSpc>
-            <a:spcBef>
-              <a:spcPct val="0"/>
-            </a:spcBef>
-            <a:spcAft>
-              <a:spcPct val="35000"/>
-            </a:spcAft>
-          </a:pPr>
-          <a:endParaRPr kumimoji="1" lang="ja-JP" altLang="en-US" sz="1300" kern="1200"/>
-        </a:p>
-      </dsp:txBody>
-      <dsp:txXfrm>
-        <a:off x="904979" y="890912"/>
-        <a:ext cx="172473" cy="187680"/>
+        <a:off x="920938" y="1011447"/>
+        <a:ext cx="189037" cy="206227"/>
       </dsp:txXfrm>
     </dsp:sp>
   </dsp:spTree>
@@ -7782,7 +7554,7 @@
             </a:r>
             <a:r>
               <a:rPr lang="ja-JP" altLang="en-US" dirty="0" smtClean="0"/>
-              <a:t>しゃべる</a:t>
+              <a:t>しゃべる。</a:t>
             </a:r>
             <a:endParaRPr lang="en-US" altLang="ja-JP" dirty="0" smtClean="0"/>
           </a:p>
@@ -7795,12 +7567,28 @@
               <a:t>	</a:t>
             </a:r>
             <a:r>
+              <a:rPr lang="ja-JP" altLang="en-US" dirty="0" smtClean="0"/>
+              <a:t>→</a:t>
+            </a:r>
+            <a:r>
+              <a:rPr lang="ja-JP" altLang="en-US" dirty="0" smtClean="0"/>
+              <a:t>おもしろ</a:t>
+            </a:r>
+            <a:r>
               <a:rPr lang="ja-JP" altLang="en-US" dirty="0"/>
-              <a:t>→</a:t>
+              <a:t>い</a:t>
             </a:r>
             <a:r>
               <a:rPr kumimoji="1" lang="ja-JP" altLang="en-US" dirty="0" smtClean="0"/>
-              <a:t>心に響く設定がある</a:t>
+              <a:t>設定</a:t>
+            </a:r>
+            <a:r>
+              <a:rPr kumimoji="1" lang="ja-JP" altLang="en-US" dirty="0" smtClean="0"/>
+              <a:t>が</a:t>
+            </a:r>
+            <a:r>
+              <a:rPr kumimoji="1" lang="ja-JP" altLang="en-US" dirty="0" smtClean="0"/>
+              <a:t>ある。</a:t>
             </a:r>
             <a:endParaRPr kumimoji="1" lang="en-US" altLang="ja-JP" dirty="0" smtClean="0"/>
           </a:p>
@@ -7818,7 +7606,11 @@
             </a:r>
             <a:r>
               <a:rPr lang="ja-JP" altLang="en-US" dirty="0" smtClean="0"/>
-              <a:t>おもしろいアクション</a:t>
+              <a:t>おもしろい</a:t>
+            </a:r>
+            <a:r>
+              <a:rPr lang="ja-JP" altLang="en-US" dirty="0" smtClean="0"/>
+              <a:t>アクション。</a:t>
             </a:r>
             <a:endParaRPr lang="en-US" altLang="ja-JP" dirty="0" smtClean="0"/>
           </a:p>
@@ -8028,7 +7820,7 @@
           <p:nvPr>
             <p:extLst>
               <p:ext uri="{D42A27DB-BD31-4B8C-83A1-F6EECF244321}">
-                <p14:modId xmlns:p14="http://schemas.microsoft.com/office/powerpoint/2010/main" val="1228964070"/>
+                <p14:modId xmlns:p14="http://schemas.microsoft.com/office/powerpoint/2010/main" val="1444578802"/>
               </p:ext>
             </p:extLst>
           </p:nvPr>
@@ -8105,11 +7897,7 @@
             </a:r>
             <a:r>
               <a:rPr kumimoji="1" lang="ja-JP" altLang="en-US" sz="3600" dirty="0" smtClean="0"/>
-              <a:t>でマスコットキャラをアピール</a:t>
-            </a:r>
-            <a:r>
-              <a:rPr kumimoji="1" lang="ja-JP" altLang="en-US" sz="3600" dirty="0" smtClean="0"/>
-              <a:t>する。</a:t>
+              <a:t>でマスコットキャラをアピールする。</a:t>
             </a:r>
             <a:endParaRPr kumimoji="1" lang="en-US" altLang="ja-JP" sz="3600" dirty="0" smtClean="0"/>
           </a:p>
@@ -8127,11 +7915,7 @@
             </a:r>
             <a:r>
               <a:rPr kumimoji="1" lang="ja-JP" altLang="en-US" sz="3600" dirty="0" smtClean="0"/>
-              <a:t>のページにキャラをたくさん</a:t>
-            </a:r>
-            <a:r>
-              <a:rPr kumimoji="1" lang="ja-JP" altLang="en-US" sz="3600" dirty="0" smtClean="0"/>
-              <a:t>使う。</a:t>
+              <a:t>のページにキャラをたくさん使う。</a:t>
             </a:r>
             <a:endParaRPr kumimoji="1" lang="en-US" altLang="ja-JP" sz="3600" dirty="0" smtClean="0"/>
           </a:p>
@@ -8149,11 +7933,7 @@
             </a:r>
             <a:r>
               <a:rPr lang="ja-JP" altLang="en-US" sz="3600" dirty="0" smtClean="0"/>
-              <a:t>と同様に資料にもキャラを</a:t>
-            </a:r>
-            <a:r>
-              <a:rPr lang="ja-JP" altLang="en-US" sz="3600" dirty="0" smtClean="0"/>
-              <a:t>使う。</a:t>
+              <a:t>と同様に資料にもキャラを使う。</a:t>
             </a:r>
             <a:endParaRPr lang="en-US" altLang="ja-JP" sz="3600" dirty="0" smtClean="0"/>
           </a:p>
@@ -8163,11 +7943,7 @@
           <a:p>
             <a:r>
               <a:rPr kumimoji="1" lang="ja-JP" altLang="en-US" sz="3600" dirty="0" smtClean="0"/>
-              <a:t>４</a:t>
-            </a:r>
-            <a:r>
-              <a:rPr kumimoji="1" lang="ja-JP" altLang="en-US" sz="3600" dirty="0" smtClean="0"/>
-              <a:t>．ＣＭでマスコットキャラをアピールする。</a:t>
+              <a:t>４．ＣＭでマスコットキャラをアピールする。</a:t>
             </a:r>
             <a:endParaRPr kumimoji="1" lang="en-US" altLang="ja-JP" sz="3600" dirty="0" smtClean="0"/>
           </a:p>
